--- a/images/schedule/schedule.pptx
+++ b/images/schedule/schedule.pptx
@@ -7177,14 +7177,14 @@
           <p:nvPr>
             <p:extLst>
               <p:ext uri="{D42A27DB-BD31-4B8C-83A1-F6EECF244321}">
-                <p14:modId xmlns:p14="http://schemas.microsoft.com/office/powerpoint/2010/main" val="902186004"/>
+                <p14:modId xmlns:p14="http://schemas.microsoft.com/office/powerpoint/2010/main" val="1837983566"/>
               </p:ext>
             </p:extLst>
           </p:nvPr>
         </p:nvGraphicFramePr>
         <p:xfrm>
           <a:off x="2165163" y="0"/>
-          <a:ext cx="8128000" cy="8529320"/>
+          <a:ext cx="8128000" cy="8315960"/>
         </p:xfrm>
         <a:graphic>
           <a:graphicData uri="http://schemas.openxmlformats.org/drawingml/2006/table">
@@ -9134,7 +9134,7 @@
                           <a:ea typeface="+mn-ea"/>
                           <a:cs typeface="+mn-cs"/>
                         </a:rPr>
-                        <a:t>Technical Outline of the Session and Topics: Visual and Visual-tactile Perception for Robotics</a:t>
+                        <a:t>Visual and Visual-tactile Perception for Robotics</a:t>
                       </a:r>
                     </a:p>
                   </a:txBody>

--- a/images/schedule/schedule.pptx
+++ b/images/schedule/schedule.pptx
@@ -261,7 +261,7 @@
           <a:p>
             <a:fld id="{5A4AD796-EF3F-495C-A3CD-D0F0A8E07386}" type="datetimeFigureOut">
               <a:rPr lang="zh-CN" altLang="en-US" smtClean="0"/>
-              <a:t>2023/5/23</a:t>
+              <a:t>2023/5/24</a:t>
             </a:fld>
             <a:endParaRPr lang="zh-CN" altLang="en-US"/>
           </a:p>
@@ -459,7 +459,7 @@
           <a:p>
             <a:fld id="{5A4AD796-EF3F-495C-A3CD-D0F0A8E07386}" type="datetimeFigureOut">
               <a:rPr lang="zh-CN" altLang="en-US" smtClean="0"/>
-              <a:t>2023/5/23</a:t>
+              <a:t>2023/5/24</a:t>
             </a:fld>
             <a:endParaRPr lang="zh-CN" altLang="en-US"/>
           </a:p>
@@ -667,7 +667,7 @@
           <a:p>
             <a:fld id="{5A4AD796-EF3F-495C-A3CD-D0F0A8E07386}" type="datetimeFigureOut">
               <a:rPr lang="zh-CN" altLang="en-US" smtClean="0"/>
-              <a:t>2023/5/23</a:t>
+              <a:t>2023/5/24</a:t>
             </a:fld>
             <a:endParaRPr lang="zh-CN" altLang="en-US"/>
           </a:p>
@@ -865,7 +865,7 @@
           <a:p>
             <a:fld id="{5A4AD796-EF3F-495C-A3CD-D0F0A8E07386}" type="datetimeFigureOut">
               <a:rPr lang="zh-CN" altLang="en-US" smtClean="0"/>
-              <a:t>2023/5/23</a:t>
+              <a:t>2023/5/24</a:t>
             </a:fld>
             <a:endParaRPr lang="zh-CN" altLang="en-US"/>
           </a:p>
@@ -1140,7 +1140,7 @@
           <a:p>
             <a:fld id="{5A4AD796-EF3F-495C-A3CD-D0F0A8E07386}" type="datetimeFigureOut">
               <a:rPr lang="zh-CN" altLang="en-US" smtClean="0"/>
-              <a:t>2023/5/23</a:t>
+              <a:t>2023/5/24</a:t>
             </a:fld>
             <a:endParaRPr lang="zh-CN" altLang="en-US"/>
           </a:p>
@@ -1405,7 +1405,7 @@
           <a:p>
             <a:fld id="{5A4AD796-EF3F-495C-A3CD-D0F0A8E07386}" type="datetimeFigureOut">
               <a:rPr lang="zh-CN" altLang="en-US" smtClean="0"/>
-              <a:t>2023/5/23</a:t>
+              <a:t>2023/5/24</a:t>
             </a:fld>
             <a:endParaRPr lang="zh-CN" altLang="en-US"/>
           </a:p>
@@ -1817,7 +1817,7 @@
           <a:p>
             <a:fld id="{5A4AD796-EF3F-495C-A3CD-D0F0A8E07386}" type="datetimeFigureOut">
               <a:rPr lang="zh-CN" altLang="en-US" smtClean="0"/>
-              <a:t>2023/5/23</a:t>
+              <a:t>2023/5/24</a:t>
             </a:fld>
             <a:endParaRPr lang="zh-CN" altLang="en-US"/>
           </a:p>
@@ -1958,7 +1958,7 @@
           <a:p>
             <a:fld id="{5A4AD796-EF3F-495C-A3CD-D0F0A8E07386}" type="datetimeFigureOut">
               <a:rPr lang="zh-CN" altLang="en-US" smtClean="0"/>
-              <a:t>2023/5/23</a:t>
+              <a:t>2023/5/24</a:t>
             </a:fld>
             <a:endParaRPr lang="zh-CN" altLang="en-US"/>
           </a:p>
@@ -2071,7 +2071,7 @@
           <a:p>
             <a:fld id="{5A4AD796-EF3F-495C-A3CD-D0F0A8E07386}" type="datetimeFigureOut">
               <a:rPr lang="zh-CN" altLang="en-US" smtClean="0"/>
-              <a:t>2023/5/23</a:t>
+              <a:t>2023/5/24</a:t>
             </a:fld>
             <a:endParaRPr lang="zh-CN" altLang="en-US"/>
           </a:p>
@@ -2382,7 +2382,7 @@
           <a:p>
             <a:fld id="{5A4AD796-EF3F-495C-A3CD-D0F0A8E07386}" type="datetimeFigureOut">
               <a:rPr lang="zh-CN" altLang="en-US" smtClean="0"/>
-              <a:t>2023/5/23</a:t>
+              <a:t>2023/5/24</a:t>
             </a:fld>
             <a:endParaRPr lang="zh-CN" altLang="en-US"/>
           </a:p>
@@ -2670,7 +2670,7 @@
           <a:p>
             <a:fld id="{5A4AD796-EF3F-495C-A3CD-D0F0A8E07386}" type="datetimeFigureOut">
               <a:rPr lang="zh-CN" altLang="en-US" smtClean="0"/>
-              <a:t>2023/5/23</a:t>
+              <a:t>2023/5/24</a:t>
             </a:fld>
             <a:endParaRPr lang="zh-CN" altLang="en-US"/>
           </a:p>
@@ -2911,7 +2911,7 @@
           <a:p>
             <a:fld id="{5A4AD796-EF3F-495C-A3CD-D0F0A8E07386}" type="datetimeFigureOut">
               <a:rPr lang="zh-CN" altLang="en-US" smtClean="0"/>
-              <a:t>2023/5/23</a:t>
+              <a:t>2023/5/24</a:t>
             </a:fld>
             <a:endParaRPr lang="zh-CN" altLang="en-US"/>
           </a:p>
@@ -7177,7 +7177,7 @@
           <p:nvPr>
             <p:extLst>
               <p:ext uri="{D42A27DB-BD31-4B8C-83A1-F6EECF244321}">
-                <p14:modId xmlns:p14="http://schemas.microsoft.com/office/powerpoint/2010/main" val="1837983566"/>
+                <p14:modId xmlns:p14="http://schemas.microsoft.com/office/powerpoint/2010/main" val="773362328"/>
               </p:ext>
             </p:extLst>
           </p:nvPr>
@@ -7428,8 +7428,12 @@
                     <a:lstStyle/>
                     <a:p>
                       <a:r>
+                        <a:rPr lang="en-US" altLang="zh-CN" b="1"/>
+                        <a:t>Coffee </a:t>
+                      </a:r>
+                      <a:r>
                         <a:rPr lang="en-US" altLang="zh-CN" b="1" dirty="0"/>
-                        <a:t>Photograph &amp; Coffee &amp; Tea Break</a:t>
+                        <a:t>&amp; Tea Break</a:t>
                       </a:r>
                       <a:endParaRPr lang="zh-CN" altLang="en-US" b="1" dirty="0"/>
                     </a:p>

--- a/images/schedule/schedule.pptx
+++ b/images/schedule/schedule.pptx
@@ -261,7 +261,7 @@
           <a:p>
             <a:fld id="{5A4AD796-EF3F-495C-A3CD-D0F0A8E07386}" type="datetimeFigureOut">
               <a:rPr lang="zh-CN" altLang="en-US" smtClean="0"/>
-              <a:t>2023/5/24</a:t>
+              <a:t>2023/6/2</a:t>
             </a:fld>
             <a:endParaRPr lang="zh-CN" altLang="en-US"/>
           </a:p>
@@ -459,7 +459,7 @@
           <a:p>
             <a:fld id="{5A4AD796-EF3F-495C-A3CD-D0F0A8E07386}" type="datetimeFigureOut">
               <a:rPr lang="zh-CN" altLang="en-US" smtClean="0"/>
-              <a:t>2023/5/24</a:t>
+              <a:t>2023/6/2</a:t>
             </a:fld>
             <a:endParaRPr lang="zh-CN" altLang="en-US"/>
           </a:p>
@@ -667,7 +667,7 @@
           <a:p>
             <a:fld id="{5A4AD796-EF3F-495C-A3CD-D0F0A8E07386}" type="datetimeFigureOut">
               <a:rPr lang="zh-CN" altLang="en-US" smtClean="0"/>
-              <a:t>2023/5/24</a:t>
+              <a:t>2023/6/2</a:t>
             </a:fld>
             <a:endParaRPr lang="zh-CN" altLang="en-US"/>
           </a:p>
@@ -865,7 +865,7 @@
           <a:p>
             <a:fld id="{5A4AD796-EF3F-495C-A3CD-D0F0A8E07386}" type="datetimeFigureOut">
               <a:rPr lang="zh-CN" altLang="en-US" smtClean="0"/>
-              <a:t>2023/5/24</a:t>
+              <a:t>2023/6/2</a:t>
             </a:fld>
             <a:endParaRPr lang="zh-CN" altLang="en-US"/>
           </a:p>
@@ -1140,7 +1140,7 @@
           <a:p>
             <a:fld id="{5A4AD796-EF3F-495C-A3CD-D0F0A8E07386}" type="datetimeFigureOut">
               <a:rPr lang="zh-CN" altLang="en-US" smtClean="0"/>
-              <a:t>2023/5/24</a:t>
+              <a:t>2023/6/2</a:t>
             </a:fld>
             <a:endParaRPr lang="zh-CN" altLang="en-US"/>
           </a:p>
@@ -1405,7 +1405,7 @@
           <a:p>
             <a:fld id="{5A4AD796-EF3F-495C-A3CD-D0F0A8E07386}" type="datetimeFigureOut">
               <a:rPr lang="zh-CN" altLang="en-US" smtClean="0"/>
-              <a:t>2023/5/24</a:t>
+              <a:t>2023/6/2</a:t>
             </a:fld>
             <a:endParaRPr lang="zh-CN" altLang="en-US"/>
           </a:p>
@@ -1817,7 +1817,7 @@
           <a:p>
             <a:fld id="{5A4AD796-EF3F-495C-A3CD-D0F0A8E07386}" type="datetimeFigureOut">
               <a:rPr lang="zh-CN" altLang="en-US" smtClean="0"/>
-              <a:t>2023/5/24</a:t>
+              <a:t>2023/6/2</a:t>
             </a:fld>
             <a:endParaRPr lang="zh-CN" altLang="en-US"/>
           </a:p>
@@ -1958,7 +1958,7 @@
           <a:p>
             <a:fld id="{5A4AD796-EF3F-495C-A3CD-D0F0A8E07386}" type="datetimeFigureOut">
               <a:rPr lang="zh-CN" altLang="en-US" smtClean="0"/>
-              <a:t>2023/5/24</a:t>
+              <a:t>2023/6/2</a:t>
             </a:fld>
             <a:endParaRPr lang="zh-CN" altLang="en-US"/>
           </a:p>
@@ -2071,7 +2071,7 @@
           <a:p>
             <a:fld id="{5A4AD796-EF3F-495C-A3CD-D0F0A8E07386}" type="datetimeFigureOut">
               <a:rPr lang="zh-CN" altLang="en-US" smtClean="0"/>
-              <a:t>2023/5/24</a:t>
+              <a:t>2023/6/2</a:t>
             </a:fld>
             <a:endParaRPr lang="zh-CN" altLang="en-US"/>
           </a:p>
@@ -2382,7 +2382,7 @@
           <a:p>
             <a:fld id="{5A4AD796-EF3F-495C-A3CD-D0F0A8E07386}" type="datetimeFigureOut">
               <a:rPr lang="zh-CN" altLang="en-US" smtClean="0"/>
-              <a:t>2023/5/24</a:t>
+              <a:t>2023/6/2</a:t>
             </a:fld>
             <a:endParaRPr lang="zh-CN" altLang="en-US"/>
           </a:p>
@@ -2670,7 +2670,7 @@
           <a:p>
             <a:fld id="{5A4AD796-EF3F-495C-A3CD-D0F0A8E07386}" type="datetimeFigureOut">
               <a:rPr lang="zh-CN" altLang="en-US" smtClean="0"/>
-              <a:t>2023/5/24</a:t>
+              <a:t>2023/6/2</a:t>
             </a:fld>
             <a:endParaRPr lang="zh-CN" altLang="en-US"/>
           </a:p>
@@ -2911,7 +2911,7 @@
           <a:p>
             <a:fld id="{5A4AD796-EF3F-495C-A3CD-D0F0A8E07386}" type="datetimeFigureOut">
               <a:rPr lang="zh-CN" altLang="en-US" smtClean="0"/>
-              <a:t>2023/5/24</a:t>
+              <a:t>2023/6/2</a:t>
             </a:fld>
             <a:endParaRPr lang="zh-CN" altLang="en-US"/>
           </a:p>
@@ -3497,7 +3497,7 @@
           <p:nvPr>
             <p:extLst>
               <p:ext uri="{D42A27DB-BD31-4B8C-83A1-F6EECF244321}">
-                <p14:modId xmlns:p14="http://schemas.microsoft.com/office/powerpoint/2010/main" val="453875534"/>
+                <p14:modId xmlns:p14="http://schemas.microsoft.com/office/powerpoint/2010/main" val="4011563325"/>
               </p:ext>
             </p:extLst>
           </p:nvPr>
@@ -4087,7 +4087,7 @@
                       </a:pPr>
                       <a:r>
                         <a:rPr lang="en-US" altLang="zh-CN" b="1" dirty="0"/>
-                        <a:t>12:15-14:00</a:t>
+                        <a:t>12:15-13:30</a:t>
                       </a:r>
                       <a:endParaRPr lang="zh-CN" altLang="en-US" b="1" dirty="0"/>
                     </a:p>
@@ -4186,7 +4186,7 @@
                       </a:pPr>
                       <a:r>
                         <a:rPr lang="en-US" altLang="zh-CN" b="1" dirty="0"/>
-                        <a:t>14:00-15:30</a:t>
+                        <a:t>13:30-15:30</a:t>
                       </a:r>
                       <a:endParaRPr lang="zh-CN" altLang="en-US" b="1" dirty="0"/>
                     </a:p>
@@ -5610,7 +5610,7 @@
                       </a:pPr>
                       <a:r>
                         <a:rPr lang="en-US" altLang="zh-CN" b="1" dirty="0"/>
-                        <a:t>15:30-16:00</a:t>
+                        <a:t>15:30-15:45</a:t>
                       </a:r>
                       <a:endParaRPr lang="zh-CN" altLang="en-US" b="1" dirty="0"/>
                     </a:p>
@@ -5729,7 +5729,7 @@
                       </a:pPr>
                       <a:r>
                         <a:rPr lang="en-US" altLang="zh-CN" b="1" dirty="0"/>
-                        <a:t>16:00-17:30</a:t>
+                        <a:t>15:45-17:45</a:t>
                       </a:r>
                       <a:endParaRPr lang="zh-CN" altLang="en-US" b="1" dirty="0"/>
                     </a:p>
@@ -7177,7 +7177,7 @@
           <p:nvPr>
             <p:extLst>
               <p:ext uri="{D42A27DB-BD31-4B8C-83A1-F6EECF244321}">
-                <p14:modId xmlns:p14="http://schemas.microsoft.com/office/powerpoint/2010/main" val="773362328"/>
+                <p14:modId xmlns:p14="http://schemas.microsoft.com/office/powerpoint/2010/main" val="2530846515"/>
               </p:ext>
             </p:extLst>
           </p:nvPr>
@@ -7689,7 +7689,7 @@
                       </a:pPr>
                       <a:r>
                         <a:rPr lang="en-US" altLang="zh-CN" b="1" dirty="0"/>
-                        <a:t>12:15-14:00</a:t>
+                        <a:t>12:15-13:30</a:t>
                       </a:r>
                       <a:endParaRPr lang="zh-CN" altLang="en-US" b="1" dirty="0"/>
                     </a:p>
@@ -7788,7 +7788,7 @@
                       </a:pPr>
                       <a:r>
                         <a:rPr lang="en-US" altLang="zh-CN" b="1" dirty="0"/>
-                        <a:t>14:00-15:30</a:t>
+                        <a:t>13:30-15:30</a:t>
                       </a:r>
                       <a:endParaRPr lang="zh-CN" altLang="en-US" b="1" dirty="0"/>
                     </a:p>
@@ -9212,7 +9212,7 @@
                       </a:pPr>
                       <a:r>
                         <a:rPr lang="en-US" altLang="zh-CN" b="1" dirty="0"/>
-                        <a:t>15:30-16:00</a:t>
+                        <a:t>15:30-15:45</a:t>
                       </a:r>
                       <a:endParaRPr lang="zh-CN" altLang="en-US" b="1" dirty="0"/>
                     </a:p>
@@ -9331,7 +9331,7 @@
                       </a:pPr>
                       <a:r>
                         <a:rPr lang="en-US" altLang="zh-CN" b="1" dirty="0"/>
-                        <a:t>16:00-17:30</a:t>
+                        <a:t>15:45-17:45</a:t>
                       </a:r>
                       <a:endParaRPr lang="zh-CN" altLang="en-US" b="1" dirty="0"/>
                     </a:p>

--- a/images/schedule/schedule.pptx
+++ b/images/schedule/schedule.pptx
@@ -3497,7 +3497,7 @@
           <p:nvPr>
             <p:extLst>
               <p:ext uri="{D42A27DB-BD31-4B8C-83A1-F6EECF244321}">
-                <p14:modId xmlns:p14="http://schemas.microsoft.com/office/powerpoint/2010/main" val="4011563325"/>
+                <p14:modId xmlns:p14="http://schemas.microsoft.com/office/powerpoint/2010/main" val="2950897251"/>
               </p:ext>
             </p:extLst>
           </p:nvPr>
@@ -6370,7 +6370,7 @@
                           <a:ea typeface="+mn-ea"/>
                           <a:cs typeface="+mn-cs"/>
                         </a:rPr>
-                        <a:t>Oceanic Environmental Perception and Operation Robot</a:t>
+                        <a:t>Innovative Design and Performance Evaluation of Robot Mechanisms Ⅰ</a:t>
                       </a:r>
                       <a:endParaRPr lang="zh-CN" altLang="en-US" sz="1400" b="1" kern="1200" dirty="0">
                         <a:solidFill>
@@ -7177,7 +7177,7 @@
           <p:nvPr>
             <p:extLst>
               <p:ext uri="{D42A27DB-BD31-4B8C-83A1-F6EECF244321}">
-                <p14:modId xmlns:p14="http://schemas.microsoft.com/office/powerpoint/2010/main" val="2530846515"/>
+                <p14:modId xmlns:p14="http://schemas.microsoft.com/office/powerpoint/2010/main" val="935365487"/>
               </p:ext>
             </p:extLst>
           </p:nvPr>
@@ -10681,7 +10681,7 @@
                           <a:ea typeface="+mn-ea"/>
                           <a:cs typeface="+mn-cs"/>
                         </a:rPr>
-                        <a:t>Innovative Design and Performance Evaluation of Robot Mechanisms</a:t>
+                        <a:t>Innovative Design and Performance Evaluation of Robot Mechanisms Ⅱ</a:t>
                       </a:r>
                     </a:p>
                   </a:txBody>

--- a/images/schedule/schedule.pptx
+++ b/images/schedule/schedule.pptx
@@ -3497,7 +3497,7 @@
           <p:nvPr>
             <p:extLst>
               <p:ext uri="{D42A27DB-BD31-4B8C-83A1-F6EECF244321}">
-                <p14:modId xmlns:p14="http://schemas.microsoft.com/office/powerpoint/2010/main" val="2950897251"/>
+                <p14:modId xmlns:p14="http://schemas.microsoft.com/office/powerpoint/2010/main" val="1454056908"/>
               </p:ext>
             </p:extLst>
           </p:nvPr>
@@ -6370,7 +6370,7 @@
                           <a:ea typeface="+mn-ea"/>
                           <a:cs typeface="+mn-cs"/>
                         </a:rPr>
-                        <a:t>Innovative Design and Performance Evaluation of Robot Mechanisms Ⅰ</a:t>
+                        <a:t>Innovative Design and Performance Evaluation of Robot Mechanisms (Ⅰ)</a:t>
                       </a:r>
                       <a:endParaRPr lang="zh-CN" altLang="en-US" sz="1400" b="1" kern="1200" dirty="0">
                         <a:solidFill>
@@ -7177,7 +7177,7 @@
           <p:nvPr>
             <p:extLst>
               <p:ext uri="{D42A27DB-BD31-4B8C-83A1-F6EECF244321}">
-                <p14:modId xmlns:p14="http://schemas.microsoft.com/office/powerpoint/2010/main" val="935365487"/>
+                <p14:modId xmlns:p14="http://schemas.microsoft.com/office/powerpoint/2010/main" val="1527311927"/>
               </p:ext>
             </p:extLst>
           </p:nvPr>
@@ -10681,8 +10681,27 @@
                           <a:ea typeface="+mn-ea"/>
                           <a:cs typeface="+mn-cs"/>
                         </a:rPr>
-                        <a:t>Innovative Design and Performance Evaluation of Robot Mechanisms Ⅱ</a:t>
-                      </a:r>
+                        <a:t>Innovative Design and Performance Evaluation of Robot </a:t>
+                      </a:r>
+                      <a:r>
+                        <a:rPr lang="en-US" altLang="zh-CN" sz="1400" b="1" kern="1200">
+                          <a:solidFill>
+                            <a:schemeClr val="dk1"/>
+                          </a:solidFill>
+                          <a:latin typeface="+mn-lt"/>
+                          <a:ea typeface="+mn-ea"/>
+                          <a:cs typeface="+mn-cs"/>
+                        </a:rPr>
+                        <a:t>Mechanisms (Ⅱ)</a:t>
+                      </a:r>
+                      <a:endParaRPr lang="en-US" altLang="zh-CN" sz="1400" b="1" kern="1200" dirty="0">
+                        <a:solidFill>
+                          <a:schemeClr val="dk1"/>
+                        </a:solidFill>
+                        <a:latin typeface="+mn-lt"/>
+                        <a:ea typeface="+mn-ea"/>
+                        <a:cs typeface="+mn-cs"/>
+                      </a:endParaRPr>
                     </a:p>
                   </a:txBody>
                   <a:tcPr anchor="ctr">

--- a/images/schedule/schedule.pptx
+++ b/images/schedule/schedule.pptx
@@ -261,7 +261,7 @@
           <a:p>
             <a:fld id="{5A4AD796-EF3F-495C-A3CD-D0F0A8E07386}" type="datetimeFigureOut">
               <a:rPr lang="zh-CN" altLang="en-US" smtClean="0"/>
-              <a:t>2023/6/2</a:t>
+              <a:t>2023/6/14</a:t>
             </a:fld>
             <a:endParaRPr lang="zh-CN" altLang="en-US"/>
           </a:p>
@@ -459,7 +459,7 @@
           <a:p>
             <a:fld id="{5A4AD796-EF3F-495C-A3CD-D0F0A8E07386}" type="datetimeFigureOut">
               <a:rPr lang="zh-CN" altLang="en-US" smtClean="0"/>
-              <a:t>2023/6/2</a:t>
+              <a:t>2023/6/14</a:t>
             </a:fld>
             <a:endParaRPr lang="zh-CN" altLang="en-US"/>
           </a:p>
@@ -667,7 +667,7 @@
           <a:p>
             <a:fld id="{5A4AD796-EF3F-495C-A3CD-D0F0A8E07386}" type="datetimeFigureOut">
               <a:rPr lang="zh-CN" altLang="en-US" smtClean="0"/>
-              <a:t>2023/6/2</a:t>
+              <a:t>2023/6/14</a:t>
             </a:fld>
             <a:endParaRPr lang="zh-CN" altLang="en-US"/>
           </a:p>
@@ -865,7 +865,7 @@
           <a:p>
             <a:fld id="{5A4AD796-EF3F-495C-A3CD-D0F0A8E07386}" type="datetimeFigureOut">
               <a:rPr lang="zh-CN" altLang="en-US" smtClean="0"/>
-              <a:t>2023/6/2</a:t>
+              <a:t>2023/6/14</a:t>
             </a:fld>
             <a:endParaRPr lang="zh-CN" altLang="en-US"/>
           </a:p>
@@ -1140,7 +1140,7 @@
           <a:p>
             <a:fld id="{5A4AD796-EF3F-495C-A3CD-D0F0A8E07386}" type="datetimeFigureOut">
               <a:rPr lang="zh-CN" altLang="en-US" smtClean="0"/>
-              <a:t>2023/6/2</a:t>
+              <a:t>2023/6/14</a:t>
             </a:fld>
             <a:endParaRPr lang="zh-CN" altLang="en-US"/>
           </a:p>
@@ -1405,7 +1405,7 @@
           <a:p>
             <a:fld id="{5A4AD796-EF3F-495C-A3CD-D0F0A8E07386}" type="datetimeFigureOut">
               <a:rPr lang="zh-CN" altLang="en-US" smtClean="0"/>
-              <a:t>2023/6/2</a:t>
+              <a:t>2023/6/14</a:t>
             </a:fld>
             <a:endParaRPr lang="zh-CN" altLang="en-US"/>
           </a:p>
@@ -1817,7 +1817,7 @@
           <a:p>
             <a:fld id="{5A4AD796-EF3F-495C-A3CD-D0F0A8E07386}" type="datetimeFigureOut">
               <a:rPr lang="zh-CN" altLang="en-US" smtClean="0"/>
-              <a:t>2023/6/2</a:t>
+              <a:t>2023/6/14</a:t>
             </a:fld>
             <a:endParaRPr lang="zh-CN" altLang="en-US"/>
           </a:p>
@@ -1958,7 +1958,7 @@
           <a:p>
             <a:fld id="{5A4AD796-EF3F-495C-A3CD-D0F0A8E07386}" type="datetimeFigureOut">
               <a:rPr lang="zh-CN" altLang="en-US" smtClean="0"/>
-              <a:t>2023/6/2</a:t>
+              <a:t>2023/6/14</a:t>
             </a:fld>
             <a:endParaRPr lang="zh-CN" altLang="en-US"/>
           </a:p>
@@ -2071,7 +2071,7 @@
           <a:p>
             <a:fld id="{5A4AD796-EF3F-495C-A3CD-D0F0A8E07386}" type="datetimeFigureOut">
               <a:rPr lang="zh-CN" altLang="en-US" smtClean="0"/>
-              <a:t>2023/6/2</a:t>
+              <a:t>2023/6/14</a:t>
             </a:fld>
             <a:endParaRPr lang="zh-CN" altLang="en-US"/>
           </a:p>
@@ -2382,7 +2382,7 @@
           <a:p>
             <a:fld id="{5A4AD796-EF3F-495C-A3CD-D0F0A8E07386}" type="datetimeFigureOut">
               <a:rPr lang="zh-CN" altLang="en-US" smtClean="0"/>
-              <a:t>2023/6/2</a:t>
+              <a:t>2023/6/14</a:t>
             </a:fld>
             <a:endParaRPr lang="zh-CN" altLang="en-US"/>
           </a:p>
@@ -2670,7 +2670,7 @@
           <a:p>
             <a:fld id="{5A4AD796-EF3F-495C-A3CD-D0F0A8E07386}" type="datetimeFigureOut">
               <a:rPr lang="zh-CN" altLang="en-US" smtClean="0"/>
-              <a:t>2023/6/2</a:t>
+              <a:t>2023/6/14</a:t>
             </a:fld>
             <a:endParaRPr lang="zh-CN" altLang="en-US"/>
           </a:p>
@@ -2911,7 +2911,7 @@
           <a:p>
             <a:fld id="{5A4AD796-EF3F-495C-A3CD-D0F0A8E07386}" type="datetimeFigureOut">
               <a:rPr lang="zh-CN" altLang="en-US" smtClean="0"/>
-              <a:t>2023/6/2</a:t>
+              <a:t>2023/6/14</a:t>
             </a:fld>
             <a:endParaRPr lang="zh-CN" altLang="en-US"/>
           </a:p>
@@ -3497,14 +3497,14 @@
           <p:nvPr>
             <p:extLst>
               <p:ext uri="{D42A27DB-BD31-4B8C-83A1-F6EECF244321}">
-                <p14:modId xmlns:p14="http://schemas.microsoft.com/office/powerpoint/2010/main" val="1454056908"/>
+                <p14:modId xmlns:p14="http://schemas.microsoft.com/office/powerpoint/2010/main" val="4090573526"/>
               </p:ext>
             </p:extLst>
           </p:nvPr>
         </p:nvGraphicFramePr>
         <p:xfrm>
           <a:off x="2165163" y="0"/>
-          <a:ext cx="8128000" cy="8900160"/>
+          <a:ext cx="8128000" cy="10180320"/>
         </p:xfrm>
         <a:graphic>
           <a:graphicData uri="http://schemas.openxmlformats.org/drawingml/2006/table">
@@ -3513,35 +3513,42 @@
                 <a:tableStyleId>{5C22544A-7EE6-4342-B048-85BDC9FD1C3A}</a:tableStyleId>
               </a:tblPr>
               <a:tblGrid>
-                <a:gridCol w="2032000">
+                <a:gridCol w="1625600">
+                  <a:extLst>
+                    <a:ext uri="{9D8B030D-6E8A-4147-A177-3AD203B41FA5}">
+                      <a16:colId xmlns:a16="http://schemas.microsoft.com/office/drawing/2014/main" val="1792894830"/>
+                    </a:ext>
+                  </a:extLst>
+                </a:gridCol>
+                <a:gridCol w="1047567">
                   <a:extLst>
                     <a:ext uri="{9D8B030D-6E8A-4147-A177-3AD203B41FA5}">
                       <a16:colId xmlns:a16="http://schemas.microsoft.com/office/drawing/2014/main" val="3661055256"/>
                     </a:ext>
                   </a:extLst>
                 </a:gridCol>
-                <a:gridCol w="677333">
+                <a:gridCol w="578033">
+                  <a:extLst>
+                    <a:ext uri="{9D8B030D-6E8A-4147-A177-3AD203B41FA5}">
+                      <a16:colId xmlns:a16="http://schemas.microsoft.com/office/drawing/2014/main" val="2505159658"/>
+                    </a:ext>
+                  </a:extLst>
+                </a:gridCol>
+                <a:gridCol w="1625600">
                   <a:extLst>
                     <a:ext uri="{9D8B030D-6E8A-4147-A177-3AD203B41FA5}">
                       <a16:colId xmlns:a16="http://schemas.microsoft.com/office/drawing/2014/main" val="1875217478"/>
                     </a:ext>
                   </a:extLst>
                 </a:gridCol>
-                <a:gridCol w="1354667">
-                  <a:extLst>
-                    <a:ext uri="{9D8B030D-6E8A-4147-A177-3AD203B41FA5}">
-                      <a16:colId xmlns:a16="http://schemas.microsoft.com/office/drawing/2014/main" val="3010363643"/>
-                    </a:ext>
-                  </a:extLst>
-                </a:gridCol>
-                <a:gridCol w="2032000">
+                <a:gridCol w="1625600">
                   <a:extLst>
                     <a:ext uri="{9D8B030D-6E8A-4147-A177-3AD203B41FA5}">
                       <a16:colId xmlns:a16="http://schemas.microsoft.com/office/drawing/2014/main" val="185791429"/>
                     </a:ext>
                   </a:extLst>
                 </a:gridCol>
-                <a:gridCol w="2032000">
+                <a:gridCol w="1625600">
                   <a:extLst>
                     <a:ext uri="{9D8B030D-6E8A-4147-A177-3AD203B41FA5}">
                       <a16:colId xmlns:a16="http://schemas.microsoft.com/office/drawing/2014/main" val="4060853715"/>
@@ -3550,7 +3557,7 @@
                 </a:gridCol>
               </a:tblGrid>
               <a:tr h="370840">
-                <a:tc gridSpan="5">
+                <a:tc gridSpan="6">
                   <a:txBody>
                     <a:bodyPr/>
                     <a:lstStyle/>
@@ -3577,6 +3584,28 @@
                     <a:bodyPr/>
                     <a:lstStyle/>
                     <a:p>
+                      <a:r>
+                        <a:rPr lang="en-US" altLang="zh-CN" b="1" dirty="0"/>
+                        <a:t>Day2/July 6,</a:t>
+                      </a:r>
+                      <a:r>
+                        <a:rPr lang="zh-CN" altLang="en-US" b="1" dirty="0"/>
+                        <a:t> </a:t>
+                      </a:r>
+                      <a:r>
+                        <a:rPr lang="en-US" altLang="zh-CN" b="1" dirty="0"/>
+                        <a:t>2023</a:t>
+                      </a:r>
+                      <a:endParaRPr lang="zh-CN" altLang="en-US" b="1" dirty="0"/>
+                    </a:p>
+                  </a:txBody>
+                  <a:tcPr/>
+                </a:tc>
+                <a:tc hMerge="1">
+                  <a:txBody>
+                    <a:bodyPr/>
+                    <a:lstStyle/>
+                    <a:p>
                       <a:endParaRPr lang="zh-CN" altLang="en-US"/>
                     </a:p>
                   </a:txBody>
@@ -3587,7 +3616,7 @@
                     <a:bodyPr/>
                     <a:lstStyle/>
                     <a:p>
-                      <a:endParaRPr lang="zh-CN" altLang="en-US" dirty="0"/>
+                      <a:endParaRPr lang="zh-CN" altLang="en-US"/>
                     </a:p>
                   </a:txBody>
                   <a:tcPr/>
@@ -3655,21 +3684,52 @@
                     <a:bodyPr/>
                     <a:lstStyle/>
                     <a:p>
+                      <a:pPr marL="0" marR="0" lvl="0" indent="0" algn="l" defTabSz="914400" rtl="0" eaLnBrk="1" fontAlgn="auto" latinLnBrk="0" hangingPunct="1">
+                        <a:lnSpc>
+                          <a:spcPct val="100000"/>
+                        </a:lnSpc>
+                        <a:spcBef>
+                          <a:spcPts val="0"/>
+                        </a:spcBef>
+                        <a:spcAft>
+                          <a:spcPts val="0"/>
+                        </a:spcAft>
+                        <a:buClrTx/>
+                        <a:buSzTx/>
+                        <a:buFontTx/>
+                        <a:buNone/>
+                        <a:tabLst/>
+                        <a:defRPr/>
+                      </a:pPr>
+                      <a:r>
+                        <a:rPr lang="en-US" altLang="zh-CN" b="1" dirty="0"/>
+                        <a:t>08:30-08:50</a:t>
+                      </a:r>
+                      <a:endParaRPr lang="zh-CN" altLang="en-US" b="1" dirty="0"/>
+                    </a:p>
+                  </a:txBody>
+                  <a:tcPr/>
+                </a:tc>
+                <a:tc gridSpan="4">
+                  <a:txBody>
+                    <a:bodyPr/>
+                    <a:lstStyle/>
+                    <a:p>
+                      <a:r>
+                        <a:rPr lang="en-US" altLang="zh-CN" b="1"/>
+                        <a:t>Opening Ceremony</a:t>
+                      </a:r>
                       <a:endParaRPr lang="zh-CN" altLang="en-US"/>
                     </a:p>
                   </a:txBody>
                   <a:tcPr/>
                 </a:tc>
-                <a:tc gridSpan="3">
-                  <a:txBody>
-                    <a:bodyPr/>
-                    <a:lstStyle/>
-                    <a:p>
-                      <a:r>
-                        <a:rPr lang="en-US" altLang="zh-CN" b="1" dirty="0"/>
-                        <a:t>Opening Ceremony</a:t>
-                      </a:r>
-                      <a:endParaRPr lang="zh-CN" altLang="en-US" b="1" dirty="0"/>
+                <a:tc hMerge="1">
+                  <a:txBody>
+                    <a:bodyPr/>
+                    <a:lstStyle/>
+                    <a:p>
+                      <a:endParaRPr lang="zh-CN" altLang="en-US"/>
                     </a:p>
                   </a:txBody>
                   <a:tcPr/>
@@ -3737,21 +3797,52 @@
                     <a:bodyPr/>
                     <a:lstStyle/>
                     <a:p>
+                      <a:pPr marL="0" marR="0" lvl="0" indent="0" algn="l" defTabSz="914400" rtl="0" eaLnBrk="1" fontAlgn="auto" latinLnBrk="0" hangingPunct="1">
+                        <a:lnSpc>
+                          <a:spcPct val="100000"/>
+                        </a:lnSpc>
+                        <a:spcBef>
+                          <a:spcPts val="0"/>
+                        </a:spcBef>
+                        <a:spcAft>
+                          <a:spcPts val="0"/>
+                        </a:spcAft>
+                        <a:buClrTx/>
+                        <a:buSzTx/>
+                        <a:buFontTx/>
+                        <a:buNone/>
+                        <a:tabLst/>
+                        <a:defRPr/>
+                      </a:pPr>
+                      <a:r>
+                        <a:rPr lang="en-US" altLang="zh-CN" b="1" dirty="0"/>
+                        <a:t>08:50-10:10</a:t>
+                      </a:r>
+                      <a:endParaRPr lang="zh-CN" altLang="en-US" b="1" dirty="0"/>
+                    </a:p>
+                  </a:txBody>
+                  <a:tcPr/>
+                </a:tc>
+                <a:tc gridSpan="4">
+                  <a:txBody>
+                    <a:bodyPr/>
+                    <a:lstStyle/>
+                    <a:p>
+                      <a:r>
+                        <a:rPr lang="en-US" altLang="zh-CN" b="1"/>
+                        <a:t>Plenary Speech</a:t>
+                      </a:r>
                       <a:endParaRPr lang="zh-CN" altLang="en-US"/>
                     </a:p>
                   </a:txBody>
                   <a:tcPr/>
                 </a:tc>
-                <a:tc gridSpan="3">
-                  <a:txBody>
-                    <a:bodyPr/>
-                    <a:lstStyle/>
-                    <a:p>
-                      <a:r>
-                        <a:rPr lang="en-US" altLang="zh-CN" b="1" dirty="0"/>
-                        <a:t>Plenary Speech</a:t>
-                      </a:r>
-                      <a:endParaRPr lang="zh-CN" altLang="en-US" b="1" dirty="0"/>
+                <a:tc hMerge="1">
+                  <a:txBody>
+                    <a:bodyPr/>
+                    <a:lstStyle/>
+                    <a:p>
+                      <a:endParaRPr lang="zh-CN" altLang="en-US"/>
                     </a:p>
                   </a:txBody>
                   <a:tcPr/>
@@ -3819,12 +3910,33 @@
                     <a:bodyPr/>
                     <a:lstStyle/>
                     <a:p>
-                      <a:endParaRPr lang="zh-CN" altLang="en-US"/>
+                      <a:pPr marL="0" marR="0" lvl="0" indent="0" algn="l" defTabSz="914400" rtl="0" eaLnBrk="1" fontAlgn="auto" latinLnBrk="0" hangingPunct="1">
+                        <a:lnSpc>
+                          <a:spcPct val="100000"/>
+                        </a:lnSpc>
+                        <a:spcBef>
+                          <a:spcPts val="0"/>
+                        </a:spcBef>
+                        <a:spcAft>
+                          <a:spcPts val="0"/>
+                        </a:spcAft>
+                        <a:buClrTx/>
+                        <a:buSzTx/>
+                        <a:buFontTx/>
+                        <a:buNone/>
+                        <a:tabLst/>
+                        <a:defRPr/>
+                      </a:pPr>
+                      <a:r>
+                        <a:rPr lang="en-US" altLang="zh-CN" b="1" dirty="0"/>
+                        <a:t>10:10-10:35</a:t>
+                      </a:r>
+                      <a:endParaRPr lang="zh-CN" altLang="en-US" b="1" dirty="0"/>
                     </a:p>
                   </a:txBody>
                   <a:tcPr/>
                 </a:tc>
-                <a:tc gridSpan="3">
+                <a:tc gridSpan="4">
                   <a:txBody>
                     <a:bodyPr/>
                     <a:lstStyle/>
@@ -3833,7 +3945,17 @@
                         <a:rPr lang="en-US" altLang="zh-CN" b="1" dirty="0"/>
                         <a:t>Photograph &amp; Coffee &amp; Tea Break</a:t>
                       </a:r>
-                      <a:endParaRPr lang="zh-CN" altLang="en-US" b="1" dirty="0"/>
+                      <a:endParaRPr lang="zh-CN" altLang="en-US" dirty="0"/>
+                    </a:p>
+                  </a:txBody>
+                  <a:tcPr/>
+                </a:tc>
+                <a:tc hMerge="1">
+                  <a:txBody>
+                    <a:bodyPr/>
+                    <a:lstStyle/>
+                    <a:p>
+                      <a:endParaRPr lang="zh-CN" altLang="en-US"/>
                     </a:p>
                   </a:txBody>
                   <a:tcPr/>
@@ -3901,16 +4023,6 @@
                     <a:bodyPr/>
                     <a:lstStyle/>
                     <a:p>
-                      <a:endParaRPr lang="zh-CN" altLang="en-US"/>
-                    </a:p>
-                  </a:txBody>
-                  <a:tcPr/>
-                </a:tc>
-                <a:tc gridSpan="3">
-                  <a:txBody>
-                    <a:bodyPr/>
-                    <a:lstStyle/>
-                    <a:p>
                       <a:pPr marL="0" marR="0" lvl="0" indent="0" algn="l" defTabSz="914400" rtl="0" eaLnBrk="1" fontAlgn="auto" latinLnBrk="0" hangingPunct="1">
                         <a:lnSpc>
                           <a:spcPct val="100000"/>
@@ -3930,9 +4042,33 @@
                       </a:pPr>
                       <a:r>
                         <a:rPr lang="en-US" altLang="zh-CN" b="1" dirty="0"/>
+                        <a:t>10:35-11:15</a:t>
+                      </a:r>
+                      <a:endParaRPr lang="zh-CN" altLang="en-US" b="1" dirty="0"/>
+                    </a:p>
+                  </a:txBody>
+                  <a:tcPr/>
+                </a:tc>
+                <a:tc gridSpan="4">
+                  <a:txBody>
+                    <a:bodyPr/>
+                    <a:lstStyle/>
+                    <a:p>
+                      <a:r>
+                        <a:rPr lang="en-US" altLang="zh-CN" b="1" dirty="0"/>
                         <a:t>Plenary Speech</a:t>
                       </a:r>
-                      <a:endParaRPr lang="zh-CN" altLang="en-US" b="1" dirty="0"/>
+                      <a:endParaRPr lang="zh-CN" altLang="en-US" dirty="0"/>
+                    </a:p>
+                  </a:txBody>
+                  <a:tcPr/>
+                </a:tc>
+                <a:tc hMerge="1">
+                  <a:txBody>
+                    <a:bodyPr/>
+                    <a:lstStyle/>
+                    <a:p>
+                      <a:endParaRPr lang="zh-CN" altLang="en-US"/>
                     </a:p>
                   </a:txBody>
                   <a:tcPr/>
@@ -4000,16 +4136,6 @@
                     <a:bodyPr/>
                     <a:lstStyle/>
                     <a:p>
-                      <a:endParaRPr lang="zh-CN" altLang="en-US"/>
-                    </a:p>
-                  </a:txBody>
-                  <a:tcPr/>
-                </a:tc>
-                <a:tc gridSpan="3">
-                  <a:txBody>
-                    <a:bodyPr/>
-                    <a:lstStyle/>
-                    <a:p>
                       <a:pPr marL="0" marR="0" lvl="0" indent="0" algn="l" defTabSz="914400" rtl="0" eaLnBrk="1" fontAlgn="auto" latinLnBrk="0" hangingPunct="1">
                         <a:lnSpc>
                           <a:spcPct val="100000"/>
@@ -4029,9 +4155,33 @@
                       </a:pPr>
                       <a:r>
                         <a:rPr lang="en-US" altLang="zh-CN" b="1" dirty="0"/>
+                        <a:t>11:15-12:15</a:t>
+                      </a:r>
+                      <a:endParaRPr lang="zh-CN" altLang="en-US" b="1" dirty="0"/>
+                    </a:p>
+                  </a:txBody>
+                  <a:tcPr/>
+                </a:tc>
+                <a:tc gridSpan="4">
+                  <a:txBody>
+                    <a:bodyPr/>
+                    <a:lstStyle/>
+                    <a:p>
+                      <a:r>
+                        <a:rPr lang="en-US" altLang="zh-CN" b="1"/>
                         <a:t>Keynote Speech</a:t>
                       </a:r>
-                      <a:endParaRPr lang="zh-CN" altLang="en-US" b="1" dirty="0"/>
+                      <a:endParaRPr lang="zh-CN" altLang="en-US"/>
+                    </a:p>
+                  </a:txBody>
+                  <a:tcPr/>
+                </a:tc>
+                <a:tc hMerge="1">
+                  <a:txBody>
+                    <a:bodyPr/>
+                    <a:lstStyle/>
+                    <a:p>
+                      <a:endParaRPr lang="zh-CN" altLang="en-US"/>
                     </a:p>
                   </a:txBody>
                   <a:tcPr/>
@@ -4099,16 +4249,6 @@
                     <a:bodyPr/>
                     <a:lstStyle/>
                     <a:p>
-                      <a:endParaRPr lang="zh-CN" altLang="en-US"/>
-                    </a:p>
-                  </a:txBody>
-                  <a:tcPr/>
-                </a:tc>
-                <a:tc gridSpan="3">
-                  <a:txBody>
-                    <a:bodyPr/>
-                    <a:lstStyle/>
-                    <a:p>
                       <a:pPr marL="0" marR="0" lvl="0" indent="0" algn="l" defTabSz="914400" rtl="0" eaLnBrk="1" fontAlgn="auto" latinLnBrk="0" hangingPunct="1">
                         <a:lnSpc>
                           <a:spcPct val="100000"/>
@@ -4128,9 +4268,33 @@
                       </a:pPr>
                       <a:r>
                         <a:rPr lang="en-US" altLang="zh-CN" b="1" dirty="0"/>
+                        <a:t>12:15-13:30</a:t>
+                      </a:r>
+                      <a:endParaRPr lang="zh-CN" altLang="en-US" b="1" dirty="0"/>
+                    </a:p>
+                  </a:txBody>
+                  <a:tcPr/>
+                </a:tc>
+                <a:tc gridSpan="4">
+                  <a:txBody>
+                    <a:bodyPr/>
+                    <a:lstStyle/>
+                    <a:p>
+                      <a:r>
+                        <a:rPr lang="en-US" altLang="zh-CN" b="1"/>
                         <a:t>Lunch &amp; Break</a:t>
                       </a:r>
-                      <a:endParaRPr lang="zh-CN" altLang="en-US" b="1" dirty="0"/>
+                      <a:endParaRPr lang="zh-CN" altLang="en-US"/>
+                    </a:p>
+                  </a:txBody>
+                  <a:tcPr/>
+                </a:tc>
+                <a:tc hMerge="1">
+                  <a:txBody>
+                    <a:bodyPr/>
+                    <a:lstStyle/>
+                    <a:p>
+                      <a:endParaRPr lang="zh-CN" altLang="en-US"/>
                     </a:p>
                   </a:txBody>
                   <a:tcPr/>
@@ -4192,7 +4356,7 @@
                     </a:p>
                   </a:txBody>
                   <a:tcPr>
-                    <a:lnB w="12700" cap="flat" cmpd="sng" algn="ctr">
+                    <a:lnB w="38100" cap="flat" cmpd="sng" algn="ctr">
                       <a:solidFill>
                         <a:schemeClr val="tx1"/>
                       </a:solidFill>
@@ -4204,16 +4368,6 @@
                   </a:tcPr>
                 </a:tc>
                 <a:tc hMerge="1">
-                  <a:txBody>
-                    <a:bodyPr/>
-                    <a:lstStyle/>
-                    <a:p>
-                      <a:endParaRPr lang="zh-CN" altLang="en-US"/>
-                    </a:p>
-                  </a:txBody>
-                  <a:tcPr/>
-                </a:tc>
-                <a:tc gridSpan="3">
                   <a:txBody>
                     <a:bodyPr/>
                     <a:lstStyle/>
@@ -4237,12 +4391,37 @@
                       </a:pPr>
                       <a:r>
                         <a:rPr lang="en-US" altLang="zh-CN" b="1" dirty="0"/>
+                        <a:t>13:30-15:30</a:t>
+                      </a:r>
+                      <a:endParaRPr lang="zh-CN" altLang="en-US" b="1" dirty="0"/>
+                    </a:p>
+                  </a:txBody>
+                  <a:tcPr>
+                    <a:lnB w="12700" cap="flat" cmpd="sng" algn="ctr">
+                      <a:solidFill>
+                        <a:schemeClr val="tx1"/>
+                      </a:solidFill>
+                      <a:prstDash val="solid"/>
+                      <a:round/>
+                      <a:headEnd type="none" w="med" len="med"/>
+                      <a:tailEnd type="none" w="med" len="med"/>
+                    </a:lnB>
+                  </a:tcPr>
+                </a:tc>
+                <a:tc gridSpan="4">
+                  <a:txBody>
+                    <a:bodyPr/>
+                    <a:lstStyle/>
+                    <a:p>
+                      <a:r>
+                        <a:rPr lang="en-US" altLang="zh-CN" b="1" dirty="0"/>
                         <a:t>Session</a:t>
                       </a:r>
                       <a:r>
                         <a:rPr lang="en-US" altLang="zh-CN" b="1" baseline="0" dirty="0"/>
                         <a:t> Ⅰ (S01 - S08)</a:t>
                       </a:r>
+                      <a:endParaRPr lang="zh-CN" altLang="en-US" dirty="0"/>
                     </a:p>
                   </a:txBody>
                   <a:tcPr>
@@ -4256,6 +4435,16 @@
                       <a:tailEnd type="none" w="med" len="med"/>
                     </a:lnB>
                   </a:tcPr>
+                </a:tc>
+                <a:tc hMerge="1">
+                  <a:txBody>
+                    <a:bodyPr/>
+                    <a:lstStyle/>
+                    <a:p>
+                      <a:endParaRPr lang="zh-CN" altLang="en-US"/>
+                    </a:p>
+                  </a:txBody>
+                  <a:tcPr/>
                 </a:tc>
                 <a:tc hMerge="1">
                   <a:txBody>
@@ -4285,6 +4474,80 @@
               </a:tr>
               <a:tr h="185420">
                 <a:tc>
+                  <a:txBody>
+                    <a:bodyPr/>
+                    <a:lstStyle/>
+                    <a:p>
+                      <a:pPr marL="0" marR="0" lvl="0" indent="0" algn="ctr" defTabSz="914400" rtl="0" eaLnBrk="1" fontAlgn="auto" latinLnBrk="0" hangingPunct="1">
+                        <a:lnSpc>
+                          <a:spcPct val="100000"/>
+                        </a:lnSpc>
+                        <a:spcBef>
+                          <a:spcPts val="0"/>
+                        </a:spcBef>
+                        <a:spcAft>
+                          <a:spcPts val="0"/>
+                        </a:spcAft>
+                        <a:buClrTx/>
+                        <a:buSzTx/>
+                        <a:buFontTx/>
+                        <a:buNone/>
+                        <a:tabLst/>
+                        <a:defRPr/>
+                      </a:pPr>
+                      <a:r>
+                        <a:rPr lang="en-US" altLang="zh-CN" sz="1600" b="1" kern="1200" dirty="0">
+                          <a:solidFill>
+                            <a:schemeClr val="dk1"/>
+                          </a:solidFill>
+                          <a:latin typeface="+mn-lt"/>
+                          <a:ea typeface="+mn-ea"/>
+                          <a:cs typeface="+mn-cs"/>
+                        </a:rPr>
+                        <a:t>B01</a:t>
+                      </a:r>
+                    </a:p>
+                  </a:txBody>
+                  <a:tcPr>
+                    <a:lnL w="38100" cap="flat" cmpd="sng" algn="ctr">
+                      <a:solidFill>
+                        <a:schemeClr val="tx1"/>
+                      </a:solidFill>
+                      <a:prstDash val="solid"/>
+                      <a:round/>
+                      <a:headEnd type="none" w="med" len="med"/>
+                      <a:tailEnd type="none" w="med" len="med"/>
+                    </a:lnL>
+                    <a:lnR w="38100" cap="flat" cmpd="sng" algn="ctr">
+                      <a:solidFill>
+                        <a:schemeClr val="tx1"/>
+                      </a:solidFill>
+                      <a:prstDash val="solid"/>
+                      <a:round/>
+                      <a:headEnd type="none" w="med" len="med"/>
+                      <a:tailEnd type="none" w="med" len="med"/>
+                    </a:lnR>
+                    <a:lnT w="38100" cap="flat" cmpd="sng" algn="ctr">
+                      <a:solidFill>
+                        <a:schemeClr val="tx1"/>
+                      </a:solidFill>
+                      <a:prstDash val="solid"/>
+                      <a:round/>
+                      <a:headEnd type="none" w="med" len="med"/>
+                      <a:tailEnd type="none" w="med" len="med"/>
+                    </a:lnT>
+                    <a:lnB w="38100" cap="flat" cmpd="sng" algn="ctr">
+                      <a:solidFill>
+                        <a:schemeClr val="tx1"/>
+                      </a:solidFill>
+                      <a:prstDash val="solid"/>
+                      <a:round/>
+                      <a:headEnd type="none" w="med" len="med"/>
+                      <a:tailEnd type="none" w="med" len="med"/>
+                    </a:lnB>
+                  </a:tcPr>
+                </a:tc>
+                <a:tc gridSpan="2">
                   <a:txBody>
                     <a:bodyPr/>
                     <a:lstStyle/>
@@ -4317,7 +4580,70 @@
                         </a:rPr>
                         <a:t>S01</a:t>
                       </a:r>
-                      <a:endParaRPr lang="zh-CN" altLang="en-US" sz="1600" b="1" kern="1200" dirty="0">
+                    </a:p>
+                  </a:txBody>
+                  <a:tcPr>
+                    <a:lnL w="38100" cap="flat" cmpd="sng" algn="ctr">
+                      <a:solidFill>
+                        <a:schemeClr val="tx1"/>
+                      </a:solidFill>
+                      <a:prstDash val="solid"/>
+                      <a:round/>
+                      <a:headEnd type="none" w="med" len="med"/>
+                      <a:tailEnd type="none" w="med" len="med"/>
+                    </a:lnL>
+                    <a:lnR w="12700" cap="flat" cmpd="sng" algn="ctr">
+                      <a:solidFill>
+                        <a:schemeClr val="tx1"/>
+                      </a:solidFill>
+                      <a:prstDash val="solid"/>
+                      <a:round/>
+                      <a:headEnd type="none" w="med" len="med"/>
+                      <a:tailEnd type="none" w="med" len="med"/>
+                    </a:lnR>
+                    <a:lnT w="12700" cap="flat" cmpd="sng" algn="ctr">
+                      <a:solidFill>
+                        <a:schemeClr val="tx1"/>
+                      </a:solidFill>
+                      <a:prstDash val="solid"/>
+                      <a:round/>
+                      <a:headEnd type="none" w="med" len="med"/>
+                      <a:tailEnd type="none" w="med" len="med"/>
+                    </a:lnT>
+                    <a:lnB w="12700" cap="flat" cmpd="sng" algn="ctr">
+                      <a:solidFill>
+                        <a:schemeClr val="tx1"/>
+                      </a:solidFill>
+                      <a:prstDash val="solid"/>
+                      <a:round/>
+                      <a:headEnd type="none" w="med" len="med"/>
+                      <a:tailEnd type="none" w="med" len="med"/>
+                    </a:lnB>
+                  </a:tcPr>
+                </a:tc>
+                <a:tc hMerge="1">
+                  <a:txBody>
+                    <a:bodyPr/>
+                    <a:lstStyle/>
+                    <a:p>
+                      <a:pPr marL="0" marR="0" lvl="0" indent="0" algn="ctr" defTabSz="914400" rtl="0" eaLnBrk="1" fontAlgn="auto" latinLnBrk="0" hangingPunct="1">
+                        <a:lnSpc>
+                          <a:spcPct val="100000"/>
+                        </a:lnSpc>
+                        <a:spcBef>
+                          <a:spcPts val="0"/>
+                        </a:spcBef>
+                        <a:spcAft>
+                          <a:spcPts val="0"/>
+                        </a:spcAft>
+                        <a:buClrTx/>
+                        <a:buSzTx/>
+                        <a:buFontTx/>
+                        <a:buNone/>
+                        <a:tabLst/>
+                        <a:defRPr/>
+                      </a:pPr>
+                      <a:endParaRPr lang="en-US" altLang="zh-CN" sz="1600" b="1" kern="1200" dirty="0">
                         <a:solidFill>
                           <a:schemeClr val="dk1"/>
                         </a:solidFill>
@@ -4366,7 +4692,7 @@
                     </a:lnB>
                   </a:tcPr>
                 </a:tc>
-                <a:tc gridSpan="2">
+                <a:tc>
                   <a:txBody>
                     <a:bodyPr/>
                     <a:lstStyle/>
@@ -4440,33 +4766,6 @@
                     </a:lnB>
                   </a:tcPr>
                 </a:tc>
-                <a:tc hMerge="1">
-                  <a:txBody>
-                    <a:bodyPr/>
-                    <a:lstStyle/>
-                    <a:p>
-                      <a:pPr marL="0" marR="0" lvl="0" indent="0" algn="l" defTabSz="914400" rtl="0" eaLnBrk="1" fontAlgn="auto" latinLnBrk="0" hangingPunct="1">
-                        <a:lnSpc>
-                          <a:spcPct val="100000"/>
-                        </a:lnSpc>
-                        <a:spcBef>
-                          <a:spcPts val="0"/>
-                        </a:spcBef>
-                        <a:spcAft>
-                          <a:spcPts val="0"/>
-                        </a:spcAft>
-                        <a:buClrTx/>
-                        <a:buSzTx/>
-                        <a:buFontTx/>
-                        <a:buNone/>
-                        <a:tabLst/>
-                        <a:defRPr/>
-                      </a:pPr>
-                      <a:endParaRPr lang="en-US" altLang="zh-CN" baseline="0" dirty="0"/>
-                    </a:p>
-                  </a:txBody>
-                  <a:tcPr/>
-                </a:tc>
                 <a:tc>
                   <a:txBody>
                     <a:bodyPr/>
@@ -4521,15 +4820,6 @@
                       <a:headEnd type="none" w="med" len="med"/>
                       <a:tailEnd type="none" w="med" len="med"/>
                     </a:lnR>
-                    <a:lnT w="12700" cap="flat" cmpd="sng" algn="ctr">
-                      <a:solidFill>
-                        <a:schemeClr val="tx1"/>
-                      </a:solidFill>
-                      <a:prstDash val="solid"/>
-                      <a:round/>
-                      <a:headEnd type="none" w="med" len="med"/>
-                      <a:tailEnd type="none" w="med" len="med"/>
-                    </a:lnT>
                     <a:lnB w="12700" cap="flat" cmpd="sng" algn="ctr">
                       <a:solidFill>
                         <a:schemeClr val="tx1"/>
@@ -4653,7 +4943,37 @@
                           <a:ea typeface="+mn-ea"/>
                           <a:cs typeface="+mn-cs"/>
                         </a:rPr>
-                        <a:t>Human-centric Technologies for Seamless Human-robot Collaboration</a:t>
+                        <a:t>Best Student Paper</a:t>
+                      </a:r>
+                    </a:p>
+                    <a:p>
+                      <a:pPr marL="0" marR="0" lvl="0" indent="0" algn="ctr" defTabSz="914400" rtl="0" eaLnBrk="1" fontAlgn="auto" latinLnBrk="0" hangingPunct="1">
+                        <a:lnSpc>
+                          <a:spcPct val="100000"/>
+                        </a:lnSpc>
+                        <a:spcBef>
+                          <a:spcPts val="0"/>
+                        </a:spcBef>
+                        <a:spcAft>
+                          <a:spcPts val="0"/>
+                        </a:spcAft>
+                        <a:buClrTx/>
+                        <a:buSzTx/>
+                        <a:buFontTx/>
+                        <a:buNone/>
+                        <a:tabLst/>
+                        <a:defRPr/>
+                      </a:pPr>
+                      <a:r>
+                        <a:rPr lang="en-US" altLang="zh-CN" sz="1400" b="1" kern="1200" dirty="0">
+                          <a:solidFill>
+                            <a:schemeClr val="dk1"/>
+                          </a:solidFill>
+                          <a:latin typeface="+mn-lt"/>
+                          <a:ea typeface="+mn-ea"/>
+                          <a:cs typeface="+mn-cs"/>
+                        </a:rPr>
+                        <a:t>Competition (1)</a:t>
                       </a:r>
                       <a:endParaRPr lang="zh-CN" altLang="en-US" sz="1400" b="1" kern="1200" dirty="0">
                         <a:solidFill>
@@ -4666,7 +4986,89 @@
                     </a:p>
                   </a:txBody>
                   <a:tcPr anchor="ctr">
-                    <a:lnL w="12700" cap="flat" cmpd="sng" algn="ctr">
+                    <a:lnL w="38100" cap="flat" cmpd="sng" algn="ctr">
+                      <a:solidFill>
+                        <a:schemeClr val="tx1"/>
+                      </a:solidFill>
+                      <a:prstDash val="solid"/>
+                      <a:round/>
+                      <a:headEnd type="none" w="med" len="med"/>
+                      <a:tailEnd type="none" w="med" len="med"/>
+                    </a:lnL>
+                    <a:lnR w="38100" cap="flat" cmpd="sng" algn="ctr">
+                      <a:solidFill>
+                        <a:schemeClr val="tx1"/>
+                      </a:solidFill>
+                      <a:prstDash val="solid"/>
+                      <a:round/>
+                      <a:headEnd type="none" w="med" len="med"/>
+                      <a:tailEnd type="none" w="med" len="med"/>
+                    </a:lnR>
+                    <a:lnT w="38100" cap="flat" cmpd="sng" algn="ctr">
+                      <a:solidFill>
+                        <a:schemeClr val="tx1"/>
+                      </a:solidFill>
+                      <a:prstDash val="solid"/>
+                      <a:round/>
+                      <a:headEnd type="none" w="med" len="med"/>
+                      <a:tailEnd type="none" w="med" len="med"/>
+                    </a:lnT>
+                    <a:lnB w="38100" cap="flat" cmpd="sng" algn="ctr">
+                      <a:solidFill>
+                        <a:schemeClr val="tx1"/>
+                      </a:solidFill>
+                      <a:prstDash val="solid"/>
+                      <a:round/>
+                      <a:headEnd type="none" w="med" len="med"/>
+                      <a:tailEnd type="none" w="med" len="med"/>
+                    </a:lnB>
+                  </a:tcPr>
+                </a:tc>
+                <a:tc gridSpan="2">
+                  <a:txBody>
+                    <a:bodyPr/>
+                    <a:lstStyle/>
+                    <a:p>
+                      <a:pPr marL="0" marR="0" lvl="0" indent="0" algn="ctr" defTabSz="914400" rtl="0" eaLnBrk="1" fontAlgn="auto" latinLnBrk="0" hangingPunct="1">
+                        <a:lnSpc>
+                          <a:spcPct val="100000"/>
+                        </a:lnSpc>
+                        <a:spcBef>
+                          <a:spcPts val="0"/>
+                        </a:spcBef>
+                        <a:spcAft>
+                          <a:spcPts val="0"/>
+                        </a:spcAft>
+                        <a:buClrTx/>
+                        <a:buSzTx/>
+                        <a:buFontTx/>
+                        <a:buNone/>
+                        <a:tabLst/>
+                        <a:defRPr/>
+                      </a:pPr>
+                      <a:r>
+                        <a:rPr lang="en-US" altLang="zh-CN" sz="1400" b="1" kern="1200" dirty="0">
+                          <a:solidFill>
+                            <a:schemeClr val="dk1"/>
+                          </a:solidFill>
+                          <a:latin typeface="+mn-lt"/>
+                          <a:ea typeface="+mn-ea"/>
+                          <a:cs typeface="+mn-cs"/>
+                        </a:rPr>
+                        <a:t>Human-centric Technologies for Seamless Human-robot Collaboration</a:t>
+                      </a:r>
+                      <a:endParaRPr lang="zh-CN" altLang="en-US" sz="1400" b="1" kern="1200" dirty="0">
+                        <a:solidFill>
+                          <a:schemeClr val="dk1"/>
+                        </a:solidFill>
+                        <a:latin typeface="+mn-lt"/>
+                        <a:ea typeface="+mn-ea"/>
+                        <a:cs typeface="+mn-cs"/>
+                      </a:endParaRPr>
+                    </a:p>
+                  </a:txBody>
+                  <a:tcPr anchor="ctr">
+                    <a:lnL w="38100" cap="flat" cmpd="sng" algn="ctr">
                       <a:solidFill>
                         <a:schemeClr val="tx1"/>
                       </a:solidFill>
@@ -4704,7 +5106,78 @@
                     </a:lnB>
                   </a:tcPr>
                 </a:tc>
-                <a:tc gridSpan="2">
+                <a:tc hMerge="1">
+                  <a:txBody>
+                    <a:bodyPr/>
+                    <a:lstStyle/>
+                    <a:p>
+                      <a:pPr marL="0" marR="0" lvl="0" indent="0" algn="ctr" defTabSz="914400" rtl="0" eaLnBrk="1" fontAlgn="auto" latinLnBrk="0" hangingPunct="1">
+                        <a:lnSpc>
+                          <a:spcPct val="100000"/>
+                        </a:lnSpc>
+                        <a:spcBef>
+                          <a:spcPts val="0"/>
+                        </a:spcBef>
+                        <a:spcAft>
+                          <a:spcPts val="0"/>
+                        </a:spcAft>
+                        <a:buClrTx/>
+                        <a:buSzTx/>
+                        <a:buFontTx/>
+                        <a:buNone/>
+                        <a:tabLst/>
+                        <a:defRPr/>
+                      </a:pPr>
+                      <a:endParaRPr lang="zh-CN" altLang="en-US" sz="1400" b="1" kern="1200" dirty="0">
+                        <a:solidFill>
+                          <a:schemeClr val="dk1"/>
+                        </a:solidFill>
+                        <a:latin typeface="+mn-lt"/>
+                        <a:ea typeface="+mn-ea"/>
+                        <a:cs typeface="+mn-cs"/>
+                      </a:endParaRPr>
+                    </a:p>
+                  </a:txBody>
+                  <a:tcPr anchor="ctr">
+                    <a:lnL w="12700" cap="flat" cmpd="sng" algn="ctr">
+                      <a:solidFill>
+                        <a:schemeClr val="tx1"/>
+                      </a:solidFill>
+                      <a:prstDash val="solid"/>
+                      <a:round/>
+                      <a:headEnd type="none" w="med" len="med"/>
+                      <a:tailEnd type="none" w="med" len="med"/>
+                    </a:lnL>
+                    <a:lnR w="12700" cap="flat" cmpd="sng" algn="ctr">
+                      <a:solidFill>
+                        <a:schemeClr val="tx1"/>
+                      </a:solidFill>
+                      <a:prstDash val="solid"/>
+                      <a:round/>
+                      <a:headEnd type="none" w="med" len="med"/>
+                      <a:tailEnd type="none" w="med" len="med"/>
+                    </a:lnR>
+                    <a:lnT w="12700" cap="flat" cmpd="sng" algn="ctr">
+                      <a:solidFill>
+                        <a:schemeClr val="tx1"/>
+                      </a:solidFill>
+                      <a:prstDash val="solid"/>
+                      <a:round/>
+                      <a:headEnd type="none" w="med" len="med"/>
+                      <a:tailEnd type="none" w="med" len="med"/>
+                    </a:lnT>
+                    <a:lnB w="12700" cap="flat" cmpd="sng" algn="ctr">
+                      <a:solidFill>
+                        <a:schemeClr val="tx1"/>
+                      </a:solidFill>
+                      <a:prstDash val="solid"/>
+                      <a:round/>
+                      <a:headEnd type="none" w="med" len="med"/>
+                      <a:tailEnd type="none" w="med" len="med"/>
+                    </a:lnB>
+                  </a:tcPr>
+                </a:tc>
+                <a:tc>
                   <a:txBody>
                     <a:bodyPr/>
                     <a:lstStyle/>
@@ -4786,16 +5259,6 @@
                     </a:lnB>
                   </a:tcPr>
                 </a:tc>
-                <a:tc hMerge="1">
-                  <a:txBody>
-                    <a:bodyPr/>
-                    <a:lstStyle/>
-                    <a:p>
-                      <a:endParaRPr lang="zh-CN" altLang="en-US"/>
-                    </a:p>
-                  </a:txBody>
-                  <a:tcPr/>
-                </a:tc>
                 <a:tc>
                   <a:txBody>
                     <a:bodyPr/>
@@ -4990,6 +5453,80 @@
                           <a:ea typeface="+mn-ea"/>
                           <a:cs typeface="+mn-cs"/>
                         </a:rPr>
+                        <a:t>B02</a:t>
+                      </a:r>
+                    </a:p>
+                  </a:txBody>
+                  <a:tcPr>
+                    <a:lnL w="38100" cap="flat" cmpd="sng" algn="ctr">
+                      <a:solidFill>
+                        <a:schemeClr val="tx1"/>
+                      </a:solidFill>
+                      <a:prstDash val="solid"/>
+                      <a:round/>
+                      <a:headEnd type="none" w="med" len="med"/>
+                      <a:tailEnd type="none" w="med" len="med"/>
+                    </a:lnL>
+                    <a:lnR w="38100" cap="flat" cmpd="sng" algn="ctr">
+                      <a:solidFill>
+                        <a:schemeClr val="tx1"/>
+                      </a:solidFill>
+                      <a:prstDash val="solid"/>
+                      <a:round/>
+                      <a:headEnd type="none" w="med" len="med"/>
+                      <a:tailEnd type="none" w="med" len="med"/>
+                    </a:lnR>
+                    <a:lnT w="38100" cap="flat" cmpd="sng" algn="ctr">
+                      <a:solidFill>
+                        <a:schemeClr val="tx1"/>
+                      </a:solidFill>
+                      <a:prstDash val="solid"/>
+                      <a:round/>
+                      <a:headEnd type="none" w="med" len="med"/>
+                      <a:tailEnd type="none" w="med" len="med"/>
+                    </a:lnT>
+                    <a:lnB w="38100" cap="flat" cmpd="sng" algn="ctr">
+                      <a:solidFill>
+                        <a:schemeClr val="tx1"/>
+                      </a:solidFill>
+                      <a:prstDash val="solid"/>
+                      <a:round/>
+                      <a:headEnd type="none" w="med" len="med"/>
+                      <a:tailEnd type="none" w="med" len="med"/>
+                    </a:lnB>
+                  </a:tcPr>
+                </a:tc>
+                <a:tc gridSpan="2">
+                  <a:txBody>
+                    <a:bodyPr/>
+                    <a:lstStyle/>
+                    <a:p>
+                      <a:pPr marL="0" marR="0" lvl="0" indent="0" algn="ctr" defTabSz="914400" rtl="0" eaLnBrk="1" fontAlgn="auto" latinLnBrk="0" hangingPunct="1">
+                        <a:lnSpc>
+                          <a:spcPct val="100000"/>
+                        </a:lnSpc>
+                        <a:spcBef>
+                          <a:spcPts val="0"/>
+                        </a:spcBef>
+                        <a:spcAft>
+                          <a:spcPts val="0"/>
+                        </a:spcAft>
+                        <a:buClrTx/>
+                        <a:buSzTx/>
+                        <a:buFontTx/>
+                        <a:buNone/>
+                        <a:tabLst/>
+                        <a:defRPr/>
+                      </a:pPr>
+                      <a:r>
+                        <a:rPr lang="en-US" altLang="zh-CN" sz="1600" b="1" kern="1200" dirty="0">
+                          <a:solidFill>
+                            <a:schemeClr val="dk1"/>
+                          </a:solidFill>
+                          <a:latin typeface="+mn-lt"/>
+                          <a:ea typeface="+mn-ea"/>
+                          <a:cs typeface="+mn-cs"/>
+                        </a:rPr>
                         <a:t>S05</a:t>
                       </a:r>
                       <a:endParaRPr lang="zh-CN" altLang="en-US" sz="1600" b="1" kern="1200" dirty="0">
@@ -5003,7 +5540,7 @@
                     </a:p>
                   </a:txBody>
                   <a:tcPr>
-                    <a:lnL w="12700" cap="flat" cmpd="sng" algn="ctr">
+                    <a:lnL w="38100" cap="flat" cmpd="sng" algn="ctr">
                       <a:solidFill>
                         <a:schemeClr val="tx1"/>
                       </a:solidFill>
@@ -5041,7 +5578,78 @@
                     </a:lnB>
                   </a:tcPr>
                 </a:tc>
-                <a:tc gridSpan="2">
+                <a:tc hMerge="1">
+                  <a:txBody>
+                    <a:bodyPr/>
+                    <a:lstStyle/>
+                    <a:p>
+                      <a:pPr marL="0" marR="0" lvl="0" indent="0" algn="ctr" defTabSz="914400" rtl="0" eaLnBrk="1" fontAlgn="auto" latinLnBrk="0" hangingPunct="1">
+                        <a:lnSpc>
+                          <a:spcPct val="100000"/>
+                        </a:lnSpc>
+                        <a:spcBef>
+                          <a:spcPts val="0"/>
+                        </a:spcBef>
+                        <a:spcAft>
+                          <a:spcPts val="0"/>
+                        </a:spcAft>
+                        <a:buClrTx/>
+                        <a:buSzTx/>
+                        <a:buFontTx/>
+                        <a:buNone/>
+                        <a:tabLst/>
+                        <a:defRPr/>
+                      </a:pPr>
+                      <a:endParaRPr lang="zh-CN" altLang="en-US" sz="1600" b="1" kern="1200" dirty="0">
+                        <a:solidFill>
+                          <a:schemeClr val="dk1"/>
+                        </a:solidFill>
+                        <a:latin typeface="+mn-lt"/>
+                        <a:ea typeface="+mn-ea"/>
+                        <a:cs typeface="+mn-cs"/>
+                      </a:endParaRPr>
+                    </a:p>
+                  </a:txBody>
+                  <a:tcPr>
+                    <a:lnL w="12700" cap="flat" cmpd="sng" algn="ctr">
+                      <a:solidFill>
+                        <a:schemeClr val="tx1"/>
+                      </a:solidFill>
+                      <a:prstDash val="solid"/>
+                      <a:round/>
+                      <a:headEnd type="none" w="med" len="med"/>
+                      <a:tailEnd type="none" w="med" len="med"/>
+                    </a:lnL>
+                    <a:lnR w="12700" cap="flat" cmpd="sng" algn="ctr">
+                      <a:solidFill>
+                        <a:schemeClr val="tx1"/>
+                      </a:solidFill>
+                      <a:prstDash val="solid"/>
+                      <a:round/>
+                      <a:headEnd type="none" w="med" len="med"/>
+                      <a:tailEnd type="none" w="med" len="med"/>
+                    </a:lnR>
+                    <a:lnT w="12700" cap="flat" cmpd="sng" algn="ctr">
+                      <a:solidFill>
+                        <a:schemeClr val="tx1"/>
+                      </a:solidFill>
+                      <a:prstDash val="solid"/>
+                      <a:round/>
+                      <a:headEnd type="none" w="med" len="med"/>
+                      <a:tailEnd type="none" w="med" len="med"/>
+                    </a:lnT>
+                    <a:lnB w="12700" cap="flat" cmpd="sng" algn="ctr">
+                      <a:solidFill>
+                        <a:schemeClr val="tx1"/>
+                      </a:solidFill>
+                      <a:prstDash val="solid"/>
+                      <a:round/>
+                      <a:headEnd type="none" w="med" len="med"/>
+                      <a:tailEnd type="none" w="med" len="med"/>
+                    </a:lnB>
+                  </a:tcPr>
+                </a:tc>
+                <a:tc>
                   <a:txBody>
                     <a:bodyPr/>
                     <a:lstStyle/>
@@ -5115,33 +5723,6 @@
                     </a:lnB>
                   </a:tcPr>
                 </a:tc>
-                <a:tc hMerge="1">
-                  <a:txBody>
-                    <a:bodyPr/>
-                    <a:lstStyle/>
-                    <a:p>
-                      <a:pPr marL="0" marR="0" lvl="0" indent="0" algn="l" defTabSz="914400" rtl="0" eaLnBrk="1" fontAlgn="auto" latinLnBrk="0" hangingPunct="1">
-                        <a:lnSpc>
-                          <a:spcPct val="100000"/>
-                        </a:lnSpc>
-                        <a:spcBef>
-                          <a:spcPts val="0"/>
-                        </a:spcBef>
-                        <a:spcAft>
-                          <a:spcPts val="0"/>
-                        </a:spcAft>
-                        <a:buClrTx/>
-                        <a:buSzTx/>
-                        <a:buFontTx/>
-                        <a:buNone/>
-                        <a:tabLst/>
-                        <a:defRPr/>
-                      </a:pPr>
-                      <a:endParaRPr lang="en-US" altLang="zh-CN" baseline="0" dirty="0"/>
-                    </a:p>
-                  </a:txBody>
-                  <a:tcPr/>
-                </a:tc>
                 <a:tc>
                   <a:txBody>
                     <a:bodyPr/>
@@ -5328,7 +5909,37 @@
                           <a:ea typeface="+mn-ea"/>
                           <a:cs typeface="+mn-cs"/>
                         </a:rPr>
-                        <a:t>Reliable AI on Machine Human Reactions</a:t>
+                        <a:t>Best Student Paper</a:t>
+                      </a:r>
+                    </a:p>
+                    <a:p>
+                      <a:pPr marL="0" marR="0" lvl="0" indent="0" algn="ctr" defTabSz="914400" rtl="0" eaLnBrk="1" fontAlgn="auto" latinLnBrk="0" hangingPunct="1">
+                        <a:lnSpc>
+                          <a:spcPct val="100000"/>
+                        </a:lnSpc>
+                        <a:spcBef>
+                          <a:spcPts val="0"/>
+                        </a:spcBef>
+                        <a:spcAft>
+                          <a:spcPts val="0"/>
+                        </a:spcAft>
+                        <a:buClrTx/>
+                        <a:buSzTx/>
+                        <a:buFontTx/>
+                        <a:buNone/>
+                        <a:tabLst/>
+                        <a:defRPr/>
+                      </a:pPr>
+                      <a:r>
+                        <a:rPr lang="en-US" altLang="zh-CN" sz="1400" b="1" kern="1200" dirty="0">
+                          <a:solidFill>
+                            <a:schemeClr val="dk1"/>
+                          </a:solidFill>
+                          <a:latin typeface="+mn-lt"/>
+                          <a:ea typeface="+mn-ea"/>
+                          <a:cs typeface="+mn-cs"/>
+                        </a:rPr>
+                        <a:t>Competition (2)</a:t>
                       </a:r>
                       <a:endParaRPr lang="zh-CN" altLang="en-US" sz="1400" b="1" kern="1200" dirty="0">
                         <a:solidFill>
@@ -5341,7 +5952,89 @@
                     </a:p>
                   </a:txBody>
                   <a:tcPr anchor="ctr">
-                    <a:lnL w="12700" cap="flat" cmpd="sng" algn="ctr">
+                    <a:lnL w="38100" cap="flat" cmpd="sng" algn="ctr">
+                      <a:solidFill>
+                        <a:schemeClr val="tx1"/>
+                      </a:solidFill>
+                      <a:prstDash val="solid"/>
+                      <a:round/>
+                      <a:headEnd type="none" w="med" len="med"/>
+                      <a:tailEnd type="none" w="med" len="med"/>
+                    </a:lnL>
+                    <a:lnR w="38100" cap="flat" cmpd="sng" algn="ctr">
+                      <a:solidFill>
+                        <a:schemeClr val="tx1"/>
+                      </a:solidFill>
+                      <a:prstDash val="solid"/>
+                      <a:round/>
+                      <a:headEnd type="none" w="med" len="med"/>
+                      <a:tailEnd type="none" w="med" len="med"/>
+                    </a:lnR>
+                    <a:lnT w="38100" cap="flat" cmpd="sng" algn="ctr">
+                      <a:solidFill>
+                        <a:schemeClr val="tx1"/>
+                      </a:solidFill>
+                      <a:prstDash val="solid"/>
+                      <a:round/>
+                      <a:headEnd type="none" w="med" len="med"/>
+                      <a:tailEnd type="none" w="med" len="med"/>
+                    </a:lnT>
+                    <a:lnB w="38100" cap="flat" cmpd="sng" algn="ctr">
+                      <a:solidFill>
+                        <a:schemeClr val="tx1"/>
+                      </a:solidFill>
+                      <a:prstDash val="solid"/>
+                      <a:round/>
+                      <a:headEnd type="none" w="med" len="med"/>
+                      <a:tailEnd type="none" w="med" len="med"/>
+                    </a:lnB>
+                  </a:tcPr>
+                </a:tc>
+                <a:tc gridSpan="2">
+                  <a:txBody>
+                    <a:bodyPr/>
+                    <a:lstStyle/>
+                    <a:p>
+                      <a:pPr marL="0" marR="0" lvl="0" indent="0" algn="ctr" defTabSz="914400" rtl="0" eaLnBrk="1" fontAlgn="auto" latinLnBrk="0" hangingPunct="1">
+                        <a:lnSpc>
+                          <a:spcPct val="100000"/>
+                        </a:lnSpc>
+                        <a:spcBef>
+                          <a:spcPts val="0"/>
+                        </a:spcBef>
+                        <a:spcAft>
+                          <a:spcPts val="0"/>
+                        </a:spcAft>
+                        <a:buClrTx/>
+                        <a:buSzTx/>
+                        <a:buFontTx/>
+                        <a:buNone/>
+                        <a:tabLst/>
+                        <a:defRPr/>
+                      </a:pPr>
+                      <a:r>
+                        <a:rPr lang="en-US" altLang="zh-CN" sz="1400" b="1" kern="1200" dirty="0">
+                          <a:solidFill>
+                            <a:schemeClr val="dk1"/>
+                          </a:solidFill>
+                          <a:latin typeface="+mn-lt"/>
+                          <a:ea typeface="+mn-ea"/>
+                          <a:cs typeface="+mn-cs"/>
+                        </a:rPr>
+                        <a:t>Reliable AI on Machine Human Reactions</a:t>
+                      </a:r>
+                      <a:endParaRPr lang="zh-CN" altLang="en-US" sz="1400" b="1" kern="1200" dirty="0">
+                        <a:solidFill>
+                          <a:schemeClr val="dk1"/>
+                        </a:solidFill>
+                        <a:latin typeface="+mn-lt"/>
+                        <a:ea typeface="+mn-ea"/>
+                        <a:cs typeface="+mn-cs"/>
+                      </a:endParaRPr>
+                    </a:p>
+                  </a:txBody>
+                  <a:tcPr anchor="ctr">
+                    <a:lnL w="38100" cap="flat" cmpd="sng" algn="ctr">
                       <a:solidFill>
                         <a:schemeClr val="tx1"/>
                       </a:solidFill>
@@ -5379,7 +6072,78 @@
                     </a:lnB>
                   </a:tcPr>
                 </a:tc>
-                <a:tc gridSpan="2">
+                <a:tc hMerge="1">
+                  <a:txBody>
+                    <a:bodyPr/>
+                    <a:lstStyle/>
+                    <a:p>
+                      <a:pPr marL="0" marR="0" lvl="0" indent="0" algn="ctr" defTabSz="914400" rtl="0" eaLnBrk="1" fontAlgn="auto" latinLnBrk="0" hangingPunct="1">
+                        <a:lnSpc>
+                          <a:spcPct val="100000"/>
+                        </a:lnSpc>
+                        <a:spcBef>
+                          <a:spcPts val="0"/>
+                        </a:spcBef>
+                        <a:spcAft>
+                          <a:spcPts val="0"/>
+                        </a:spcAft>
+                        <a:buClrTx/>
+                        <a:buSzTx/>
+                        <a:buFontTx/>
+                        <a:buNone/>
+                        <a:tabLst/>
+                        <a:defRPr/>
+                      </a:pPr>
+                      <a:endParaRPr lang="zh-CN" altLang="en-US" sz="1400" b="1" kern="1200" dirty="0">
+                        <a:solidFill>
+                          <a:schemeClr val="dk1"/>
+                        </a:solidFill>
+                        <a:latin typeface="+mn-lt"/>
+                        <a:ea typeface="+mn-ea"/>
+                        <a:cs typeface="+mn-cs"/>
+                      </a:endParaRPr>
+                    </a:p>
+                  </a:txBody>
+                  <a:tcPr anchor="ctr">
+                    <a:lnL w="12700" cap="flat" cmpd="sng" algn="ctr">
+                      <a:solidFill>
+                        <a:schemeClr val="tx1"/>
+                      </a:solidFill>
+                      <a:prstDash val="solid"/>
+                      <a:round/>
+                      <a:headEnd type="none" w="med" len="med"/>
+                      <a:tailEnd type="none" w="med" len="med"/>
+                    </a:lnL>
+                    <a:lnR w="12700" cap="flat" cmpd="sng" algn="ctr">
+                      <a:solidFill>
+                        <a:schemeClr val="tx1"/>
+                      </a:solidFill>
+                      <a:prstDash val="solid"/>
+                      <a:round/>
+                      <a:headEnd type="none" w="med" len="med"/>
+                      <a:tailEnd type="none" w="med" len="med"/>
+                    </a:lnR>
+                    <a:lnT w="12700" cap="flat" cmpd="sng" algn="ctr">
+                      <a:solidFill>
+                        <a:schemeClr val="tx1"/>
+                      </a:solidFill>
+                      <a:prstDash val="solid"/>
+                      <a:round/>
+                      <a:headEnd type="none" w="med" len="med"/>
+                      <a:tailEnd type="none" w="med" len="med"/>
+                    </a:lnT>
+                    <a:lnB w="12700" cap="flat" cmpd="sng" algn="ctr">
+                      <a:solidFill>
+                        <a:schemeClr val="tx1"/>
+                      </a:solidFill>
+                      <a:prstDash val="solid"/>
+                      <a:round/>
+                      <a:headEnd type="none" w="med" len="med"/>
+                      <a:tailEnd type="none" w="med" len="med"/>
+                    </a:lnB>
+                  </a:tcPr>
+                </a:tc>
+                <a:tc>
                   <a:txBody>
                     <a:bodyPr/>
                     <a:lstStyle/>
@@ -5453,16 +6217,6 @@
                     </a:lnB>
                   </a:tcPr>
                 </a:tc>
-                <a:tc hMerge="1">
-                  <a:txBody>
-                    <a:bodyPr/>
-                    <a:lstStyle/>
-                    <a:p>
-                      <a:endParaRPr lang="zh-CN" altLang="en-US"/>
-                    </a:p>
-                  </a:txBody>
-                  <a:tcPr/>
-                </a:tc>
                 <a:tc>
                   <a:txBody>
                     <a:bodyPr/>
@@ -5616,7 +6370,7 @@
                     </a:p>
                   </a:txBody>
                   <a:tcPr>
-                    <a:lnT w="12700" cap="flat" cmpd="sng" algn="ctr">
+                    <a:lnT w="38100" cap="flat" cmpd="sng" algn="ctr">
                       <a:solidFill>
                         <a:schemeClr val="tx1"/>
                       </a:solidFill>
@@ -5628,16 +6382,6 @@
                   </a:tcPr>
                 </a:tc>
                 <a:tc hMerge="1">
-                  <a:txBody>
-                    <a:bodyPr/>
-                    <a:lstStyle/>
-                    <a:p>
-                      <a:endParaRPr lang="zh-CN" altLang="en-US"/>
-                    </a:p>
-                  </a:txBody>
-                  <a:tcPr/>
-                </a:tc>
-                <a:tc gridSpan="3">
                   <a:txBody>
                     <a:bodyPr/>
                     <a:lstStyle/>
@@ -5661,7 +6405,7 @@
                       </a:pPr>
                       <a:r>
                         <a:rPr lang="en-US" altLang="zh-CN" b="1" dirty="0"/>
-                        <a:t>Coffee &amp; Tea Break</a:t>
+                        <a:t>15:30-15:45</a:t>
                       </a:r>
                       <a:endParaRPr lang="zh-CN" altLang="en-US" b="1" dirty="0"/>
                     </a:p>
@@ -5678,6 +6422,30 @@
                     </a:lnT>
                   </a:tcPr>
                 </a:tc>
+                <a:tc gridSpan="4">
+                  <a:txBody>
+                    <a:bodyPr/>
+                    <a:lstStyle/>
+                    <a:p>
+                      <a:r>
+                        <a:rPr lang="en-US" altLang="zh-CN" b="1" dirty="0"/>
+                        <a:t>Coffee &amp; Tea Break</a:t>
+                      </a:r>
+                      <a:endParaRPr lang="zh-CN" altLang="en-US" dirty="0"/>
+                    </a:p>
+                  </a:txBody>
+                  <a:tcPr>
+                    <a:lnT w="12700" cap="flat" cmpd="sng" algn="ctr">
+                      <a:solidFill>
+                        <a:schemeClr val="tx1"/>
+                      </a:solidFill>
+                      <a:prstDash val="solid"/>
+                      <a:round/>
+                      <a:headEnd type="none" w="med" len="med"/>
+                      <a:tailEnd type="none" w="med" len="med"/>
+                    </a:lnT>
+                  </a:tcPr>
+                </a:tc>
                 <a:tc hMerge="1">
                   <a:txBody>
                     <a:bodyPr/>
@@ -5687,6 +6455,26 @@
                     </a:p>
                   </a:txBody>
                   <a:tcPr/>
+                </a:tc>
+                <a:tc hMerge="1">
+                  <a:txBody>
+                    <a:bodyPr/>
+                    <a:lstStyle/>
+                    <a:p>
+                      <a:endParaRPr lang="zh-CN" altLang="en-US"/>
+                    </a:p>
+                  </a:txBody>
+                  <a:tcPr>
+                    <a:lnT w="12700" cap="flat" cmpd="sng" algn="ctr">
+                      <a:solidFill>
+                        <a:schemeClr val="tx1"/>
+                      </a:solidFill>
+                      <a:prstDash val="solid"/>
+                      <a:round/>
+                      <a:headEnd type="none" w="med" len="med"/>
+                      <a:tailEnd type="none" w="med" len="med"/>
+                    </a:lnT>
+                  </a:tcPr>
                 </a:tc>
                 <a:tc hMerge="1">
                   <a:txBody>
@@ -5735,7 +6523,7 @@
                     </a:p>
                   </a:txBody>
                   <a:tcPr>
-                    <a:lnB w="12700" cap="flat" cmpd="sng" algn="ctr">
+                    <a:lnB w="38100" cap="flat" cmpd="sng" algn="ctr">
                       <a:solidFill>
                         <a:schemeClr val="tx1"/>
                       </a:solidFill>
@@ -5747,16 +6535,6 @@
                   </a:tcPr>
                 </a:tc>
                 <a:tc hMerge="1">
-                  <a:txBody>
-                    <a:bodyPr/>
-                    <a:lstStyle/>
-                    <a:p>
-                      <a:endParaRPr lang="zh-CN" altLang="en-US"/>
-                    </a:p>
-                  </a:txBody>
-                  <a:tcPr/>
-                </a:tc>
-                <a:tc gridSpan="3">
                   <a:txBody>
                     <a:bodyPr/>
                     <a:lstStyle/>
@@ -5780,12 +6558,37 @@
                       </a:pPr>
                       <a:r>
                         <a:rPr lang="en-US" altLang="zh-CN" b="1" dirty="0"/>
+                        <a:t>15:45-17:45</a:t>
+                      </a:r>
+                      <a:endParaRPr lang="zh-CN" altLang="en-US" b="1" dirty="0"/>
+                    </a:p>
+                  </a:txBody>
+                  <a:tcPr>
+                    <a:lnB w="12700" cap="flat" cmpd="sng" algn="ctr">
+                      <a:solidFill>
+                        <a:schemeClr val="tx1"/>
+                      </a:solidFill>
+                      <a:prstDash val="solid"/>
+                      <a:round/>
+                      <a:headEnd type="none" w="med" len="med"/>
+                      <a:tailEnd type="none" w="med" len="med"/>
+                    </a:lnB>
+                  </a:tcPr>
+                </a:tc>
+                <a:tc gridSpan="4">
+                  <a:txBody>
+                    <a:bodyPr/>
+                    <a:lstStyle/>
+                    <a:p>
+                      <a:r>
+                        <a:rPr lang="en-US" altLang="zh-CN" b="1" dirty="0"/>
                         <a:t>Session</a:t>
                       </a:r>
                       <a:r>
                         <a:rPr lang="en-US" altLang="zh-CN" b="1" baseline="0" dirty="0"/>
                         <a:t> Ⅱ (S09 – S16)</a:t>
                       </a:r>
+                      <a:endParaRPr lang="zh-CN" altLang="en-US" dirty="0"/>
                     </a:p>
                   </a:txBody>
                   <a:tcPr>
@@ -5799,6 +6602,16 @@
                       <a:tailEnd type="none" w="med" len="med"/>
                     </a:lnB>
                   </a:tcPr>
+                </a:tc>
+                <a:tc hMerge="1">
+                  <a:txBody>
+                    <a:bodyPr/>
+                    <a:lstStyle/>
+                    <a:p>
+                      <a:endParaRPr lang="zh-CN" altLang="en-US"/>
+                    </a:p>
+                  </a:txBody>
+                  <a:tcPr/>
                 </a:tc>
                 <a:tc hMerge="1">
                   <a:txBody>
@@ -5828,6 +6641,88 @@
               </a:tr>
               <a:tr h="370840">
                 <a:tc>
+                  <a:txBody>
+                    <a:bodyPr/>
+                    <a:lstStyle/>
+                    <a:p>
+                      <a:pPr marL="0" marR="0" lvl="0" indent="0" algn="ctr" defTabSz="914400" rtl="0" eaLnBrk="1" fontAlgn="auto" latinLnBrk="0" hangingPunct="1">
+                        <a:lnSpc>
+                          <a:spcPct val="100000"/>
+                        </a:lnSpc>
+                        <a:spcBef>
+                          <a:spcPts val="0"/>
+                        </a:spcBef>
+                        <a:spcAft>
+                          <a:spcPts val="0"/>
+                        </a:spcAft>
+                        <a:buClrTx/>
+                        <a:buSzTx/>
+                        <a:buFontTx/>
+                        <a:buNone/>
+                        <a:tabLst/>
+                        <a:defRPr/>
+                      </a:pPr>
+                      <a:r>
+                        <a:rPr lang="en-US" altLang="zh-CN" sz="1600" b="1" kern="1200" dirty="0">
+                          <a:solidFill>
+                            <a:schemeClr val="dk1"/>
+                          </a:solidFill>
+                          <a:latin typeface="+mn-lt"/>
+                          <a:ea typeface="+mn-ea"/>
+                          <a:cs typeface="+mn-cs"/>
+                        </a:rPr>
+                        <a:t>B03</a:t>
+                      </a:r>
+                      <a:endParaRPr lang="zh-CN" altLang="en-US" sz="1600" b="1" kern="1200" dirty="0">
+                        <a:solidFill>
+                          <a:schemeClr val="dk1"/>
+                        </a:solidFill>
+                        <a:latin typeface="+mn-lt"/>
+                        <a:ea typeface="+mn-ea"/>
+                        <a:cs typeface="+mn-cs"/>
+                      </a:endParaRPr>
+                    </a:p>
+                  </a:txBody>
+                  <a:tcPr>
+                    <a:lnL w="38100" cap="flat" cmpd="sng" algn="ctr">
+                      <a:solidFill>
+                        <a:schemeClr val="tx1"/>
+                      </a:solidFill>
+                      <a:prstDash val="solid"/>
+                      <a:round/>
+                      <a:headEnd type="none" w="med" len="med"/>
+                      <a:tailEnd type="none" w="med" len="med"/>
+                    </a:lnL>
+                    <a:lnR w="38100" cap="flat" cmpd="sng" algn="ctr">
+                      <a:solidFill>
+                        <a:schemeClr val="tx1"/>
+                      </a:solidFill>
+                      <a:prstDash val="solid"/>
+                      <a:round/>
+                      <a:headEnd type="none" w="med" len="med"/>
+                      <a:tailEnd type="none" w="med" len="med"/>
+                    </a:lnR>
+                    <a:lnT w="38100" cap="flat" cmpd="sng" algn="ctr">
+                      <a:solidFill>
+                        <a:schemeClr val="tx1"/>
+                      </a:solidFill>
+                      <a:prstDash val="solid"/>
+                      <a:round/>
+                      <a:headEnd type="none" w="med" len="med"/>
+                      <a:tailEnd type="none" w="med" len="med"/>
+                    </a:lnT>
+                    <a:lnB w="38100" cap="flat" cmpd="sng" algn="ctr">
+                      <a:solidFill>
+                        <a:schemeClr val="tx1"/>
+                      </a:solidFill>
+                      <a:prstDash val="solid"/>
+                      <a:round/>
+                      <a:headEnd type="none" w="med" len="med"/>
+                      <a:tailEnd type="none" w="med" len="med"/>
+                    </a:lnB>
+                  </a:tcPr>
+                </a:tc>
+                <a:tc gridSpan="2">
                   <a:txBody>
                     <a:bodyPr/>
                     <a:lstStyle/>
@@ -5871,7 +6766,7 @@
                     </a:p>
                   </a:txBody>
                   <a:tcPr>
-                    <a:lnL w="12700" cap="flat" cmpd="sng" algn="ctr">
+                    <a:lnL w="38100" cap="flat" cmpd="sng" algn="ctr">
                       <a:solidFill>
                         <a:schemeClr val="tx1"/>
                       </a:solidFill>
@@ -5909,7 +6804,78 @@
                     </a:lnB>
                   </a:tcPr>
                 </a:tc>
-                <a:tc gridSpan="2">
+                <a:tc hMerge="1">
+                  <a:txBody>
+                    <a:bodyPr/>
+                    <a:lstStyle/>
+                    <a:p>
+                      <a:pPr marL="0" marR="0" lvl="0" indent="0" algn="ctr" defTabSz="914400" rtl="0" eaLnBrk="1" fontAlgn="auto" latinLnBrk="0" hangingPunct="1">
+                        <a:lnSpc>
+                          <a:spcPct val="100000"/>
+                        </a:lnSpc>
+                        <a:spcBef>
+                          <a:spcPts val="0"/>
+                        </a:spcBef>
+                        <a:spcAft>
+                          <a:spcPts val="0"/>
+                        </a:spcAft>
+                        <a:buClrTx/>
+                        <a:buSzTx/>
+                        <a:buFontTx/>
+                        <a:buNone/>
+                        <a:tabLst/>
+                        <a:defRPr/>
+                      </a:pPr>
+                      <a:endParaRPr lang="zh-CN" altLang="en-US" sz="1600" b="1" kern="1200" dirty="0">
+                        <a:solidFill>
+                          <a:schemeClr val="dk1"/>
+                        </a:solidFill>
+                        <a:latin typeface="+mn-lt"/>
+                        <a:ea typeface="+mn-ea"/>
+                        <a:cs typeface="+mn-cs"/>
+                      </a:endParaRPr>
+                    </a:p>
+                  </a:txBody>
+                  <a:tcPr>
+                    <a:lnL w="12700" cap="flat" cmpd="sng" algn="ctr">
+                      <a:solidFill>
+                        <a:schemeClr val="tx1"/>
+                      </a:solidFill>
+                      <a:prstDash val="solid"/>
+                      <a:round/>
+                      <a:headEnd type="none" w="med" len="med"/>
+                      <a:tailEnd type="none" w="med" len="med"/>
+                    </a:lnL>
+                    <a:lnR w="12700" cap="flat" cmpd="sng" algn="ctr">
+                      <a:solidFill>
+                        <a:schemeClr val="tx1"/>
+                      </a:solidFill>
+                      <a:prstDash val="solid"/>
+                      <a:round/>
+                      <a:headEnd type="none" w="med" len="med"/>
+                      <a:tailEnd type="none" w="med" len="med"/>
+                    </a:lnR>
+                    <a:lnT w="12700" cap="flat" cmpd="sng" algn="ctr">
+                      <a:solidFill>
+                        <a:schemeClr val="tx1"/>
+                      </a:solidFill>
+                      <a:prstDash val="solid"/>
+                      <a:round/>
+                      <a:headEnd type="none" w="med" len="med"/>
+                      <a:tailEnd type="none" w="med" len="med"/>
+                    </a:lnT>
+                    <a:lnB w="12700" cap="flat" cmpd="sng" algn="ctr">
+                      <a:solidFill>
+                        <a:schemeClr val="tx1"/>
+                      </a:solidFill>
+                      <a:prstDash val="solid"/>
+                      <a:round/>
+                      <a:headEnd type="none" w="med" len="med"/>
+                      <a:tailEnd type="none" w="med" len="med"/>
+                    </a:lnB>
+                  </a:tcPr>
+                </a:tc>
+                <a:tc>
                   <a:txBody>
                     <a:bodyPr/>
                     <a:lstStyle/>
@@ -5983,33 +6949,6 @@
                     </a:lnB>
                   </a:tcPr>
                 </a:tc>
-                <a:tc hMerge="1">
-                  <a:txBody>
-                    <a:bodyPr/>
-                    <a:lstStyle/>
-                    <a:p>
-                      <a:pPr marL="0" marR="0" lvl="0" indent="0" algn="l" defTabSz="914400" rtl="0" eaLnBrk="1" fontAlgn="auto" latinLnBrk="0" hangingPunct="1">
-                        <a:lnSpc>
-                          <a:spcPct val="100000"/>
-                        </a:lnSpc>
-                        <a:spcBef>
-                          <a:spcPts val="0"/>
-                        </a:spcBef>
-                        <a:spcAft>
-                          <a:spcPts val="0"/>
-                        </a:spcAft>
-                        <a:buClrTx/>
-                        <a:buSzTx/>
-                        <a:buFontTx/>
-                        <a:buNone/>
-                        <a:tabLst/>
-                        <a:defRPr/>
-                      </a:pPr>
-                      <a:endParaRPr lang="en-US" altLang="zh-CN" baseline="0" dirty="0"/>
-                    </a:p>
-                  </a:txBody>
-                  <a:tcPr/>
-                </a:tc>
                 <a:tc>
                   <a:txBody>
                     <a:bodyPr/>
@@ -6064,15 +7003,6 @@
                       <a:headEnd type="none" w="med" len="med"/>
                       <a:tailEnd type="none" w="med" len="med"/>
                     </a:lnR>
-                    <a:lnT w="12700" cap="flat" cmpd="sng" algn="ctr">
-                      <a:solidFill>
-                        <a:schemeClr val="tx1"/>
-                      </a:solidFill>
-                      <a:prstDash val="solid"/>
-                      <a:round/>
-                      <a:headEnd type="none" w="med" len="med"/>
-                      <a:tailEnd type="none" w="med" len="med"/>
-                    </a:lnT>
                     <a:lnB w="12700" cap="flat" cmpd="sng" algn="ctr">
                       <a:solidFill>
                         <a:schemeClr val="tx1"/>
@@ -6196,7 +7126,37 @@
                           <a:ea typeface="+mn-ea"/>
                           <a:cs typeface="+mn-cs"/>
                         </a:rPr>
-                        <a:t>Medical Imaging for Biomedical Robotics</a:t>
+                        <a:t>Best Paper</a:t>
+                      </a:r>
+                    </a:p>
+                    <a:p>
+                      <a:pPr marL="0" marR="0" lvl="0" indent="0" algn="ctr" defTabSz="914400" rtl="0" eaLnBrk="1" fontAlgn="auto" latinLnBrk="0" hangingPunct="1">
+                        <a:lnSpc>
+                          <a:spcPct val="100000"/>
+                        </a:lnSpc>
+                        <a:spcBef>
+                          <a:spcPts val="0"/>
+                        </a:spcBef>
+                        <a:spcAft>
+                          <a:spcPts val="0"/>
+                        </a:spcAft>
+                        <a:buClrTx/>
+                        <a:buSzTx/>
+                        <a:buFontTx/>
+                        <a:buNone/>
+                        <a:tabLst/>
+                        <a:defRPr/>
+                      </a:pPr>
+                      <a:r>
+                        <a:rPr lang="en-US" altLang="zh-CN" sz="1400" b="1" kern="1200" dirty="0">
+                          <a:solidFill>
+                            <a:schemeClr val="dk1"/>
+                          </a:solidFill>
+                          <a:latin typeface="+mn-lt"/>
+                          <a:ea typeface="+mn-ea"/>
+                          <a:cs typeface="+mn-cs"/>
+                        </a:rPr>
+                        <a:t>Competition (1)</a:t>
                       </a:r>
                       <a:endParaRPr lang="zh-CN" altLang="en-US" sz="1400" b="1" kern="1200" dirty="0">
                         <a:solidFill>
@@ -6209,7 +7169,89 @@
                     </a:p>
                   </a:txBody>
                   <a:tcPr anchor="ctr">
-                    <a:lnL w="12700" cap="flat" cmpd="sng" algn="ctr">
+                    <a:lnL w="38100" cap="flat" cmpd="sng" algn="ctr">
+                      <a:solidFill>
+                        <a:schemeClr val="tx1"/>
+                      </a:solidFill>
+                      <a:prstDash val="solid"/>
+                      <a:round/>
+                      <a:headEnd type="none" w="med" len="med"/>
+                      <a:tailEnd type="none" w="med" len="med"/>
+                    </a:lnL>
+                    <a:lnR w="38100" cap="flat" cmpd="sng" algn="ctr">
+                      <a:solidFill>
+                        <a:schemeClr val="tx1"/>
+                      </a:solidFill>
+                      <a:prstDash val="solid"/>
+                      <a:round/>
+                      <a:headEnd type="none" w="med" len="med"/>
+                      <a:tailEnd type="none" w="med" len="med"/>
+                    </a:lnR>
+                    <a:lnT w="38100" cap="flat" cmpd="sng" algn="ctr">
+                      <a:solidFill>
+                        <a:schemeClr val="tx1"/>
+                      </a:solidFill>
+                      <a:prstDash val="solid"/>
+                      <a:round/>
+                      <a:headEnd type="none" w="med" len="med"/>
+                      <a:tailEnd type="none" w="med" len="med"/>
+                    </a:lnT>
+                    <a:lnB w="38100" cap="flat" cmpd="sng" algn="ctr">
+                      <a:solidFill>
+                        <a:schemeClr val="tx1"/>
+                      </a:solidFill>
+                      <a:prstDash val="solid"/>
+                      <a:round/>
+                      <a:headEnd type="none" w="med" len="med"/>
+                      <a:tailEnd type="none" w="med" len="med"/>
+                    </a:lnB>
+                  </a:tcPr>
+                </a:tc>
+                <a:tc gridSpan="2">
+                  <a:txBody>
+                    <a:bodyPr/>
+                    <a:lstStyle/>
+                    <a:p>
+                      <a:pPr marL="0" marR="0" lvl="0" indent="0" algn="ctr" defTabSz="914400" rtl="0" eaLnBrk="1" fontAlgn="auto" latinLnBrk="0" hangingPunct="1">
+                        <a:lnSpc>
+                          <a:spcPct val="100000"/>
+                        </a:lnSpc>
+                        <a:spcBef>
+                          <a:spcPts val="0"/>
+                        </a:spcBef>
+                        <a:spcAft>
+                          <a:spcPts val="0"/>
+                        </a:spcAft>
+                        <a:buClrTx/>
+                        <a:buSzTx/>
+                        <a:buFontTx/>
+                        <a:buNone/>
+                        <a:tabLst/>
+                        <a:defRPr/>
+                      </a:pPr>
+                      <a:r>
+                        <a:rPr lang="en-US" altLang="zh-CN" sz="1400" b="1" kern="1200" dirty="0">
+                          <a:solidFill>
+                            <a:schemeClr val="dk1"/>
+                          </a:solidFill>
+                          <a:latin typeface="+mn-lt"/>
+                          <a:ea typeface="+mn-ea"/>
+                          <a:cs typeface="+mn-cs"/>
+                        </a:rPr>
+                        <a:t>Medical Imaging for Biomedical Robotics</a:t>
+                      </a:r>
+                      <a:endParaRPr lang="zh-CN" altLang="en-US" sz="1400" b="1" kern="1200" dirty="0">
+                        <a:solidFill>
+                          <a:schemeClr val="dk1"/>
+                        </a:solidFill>
+                        <a:latin typeface="+mn-lt"/>
+                        <a:ea typeface="+mn-ea"/>
+                        <a:cs typeface="+mn-cs"/>
+                      </a:endParaRPr>
+                    </a:p>
+                  </a:txBody>
+                  <a:tcPr anchor="ctr">
+                    <a:lnL w="38100" cap="flat" cmpd="sng" algn="ctr">
                       <a:solidFill>
                         <a:schemeClr val="tx1"/>
                       </a:solidFill>
@@ -6247,7 +7289,78 @@
                     </a:lnB>
                   </a:tcPr>
                 </a:tc>
-                <a:tc gridSpan="2">
+                <a:tc hMerge="1">
+                  <a:txBody>
+                    <a:bodyPr/>
+                    <a:lstStyle/>
+                    <a:p>
+                      <a:pPr marL="0" marR="0" lvl="0" indent="0" algn="ctr" defTabSz="914400" rtl="0" eaLnBrk="1" fontAlgn="auto" latinLnBrk="0" hangingPunct="1">
+                        <a:lnSpc>
+                          <a:spcPct val="100000"/>
+                        </a:lnSpc>
+                        <a:spcBef>
+                          <a:spcPts val="0"/>
+                        </a:spcBef>
+                        <a:spcAft>
+                          <a:spcPts val="0"/>
+                        </a:spcAft>
+                        <a:buClrTx/>
+                        <a:buSzTx/>
+                        <a:buFontTx/>
+                        <a:buNone/>
+                        <a:tabLst/>
+                        <a:defRPr/>
+                      </a:pPr>
+                      <a:endParaRPr lang="zh-CN" altLang="en-US" sz="1400" b="1" kern="1200" dirty="0">
+                        <a:solidFill>
+                          <a:schemeClr val="dk1"/>
+                        </a:solidFill>
+                        <a:latin typeface="+mn-lt"/>
+                        <a:ea typeface="+mn-ea"/>
+                        <a:cs typeface="+mn-cs"/>
+                      </a:endParaRPr>
+                    </a:p>
+                  </a:txBody>
+                  <a:tcPr anchor="ctr">
+                    <a:lnL w="12700" cap="flat" cmpd="sng" algn="ctr">
+                      <a:solidFill>
+                        <a:schemeClr val="tx1"/>
+                      </a:solidFill>
+                      <a:prstDash val="solid"/>
+                      <a:round/>
+                      <a:headEnd type="none" w="med" len="med"/>
+                      <a:tailEnd type="none" w="med" len="med"/>
+                    </a:lnL>
+                    <a:lnR w="12700" cap="flat" cmpd="sng" algn="ctr">
+                      <a:solidFill>
+                        <a:schemeClr val="tx1"/>
+                      </a:solidFill>
+                      <a:prstDash val="solid"/>
+                      <a:round/>
+                      <a:headEnd type="none" w="med" len="med"/>
+                      <a:tailEnd type="none" w="med" len="med"/>
+                    </a:lnR>
+                    <a:lnT w="12700" cap="flat" cmpd="sng" algn="ctr">
+                      <a:solidFill>
+                        <a:schemeClr val="tx1"/>
+                      </a:solidFill>
+                      <a:prstDash val="solid"/>
+                      <a:round/>
+                      <a:headEnd type="none" w="med" len="med"/>
+                      <a:tailEnd type="none" w="med" len="med"/>
+                    </a:lnT>
+                    <a:lnB w="12700" cap="flat" cmpd="sng" algn="ctr">
+                      <a:solidFill>
+                        <a:schemeClr val="tx1"/>
+                      </a:solidFill>
+                      <a:prstDash val="solid"/>
+                      <a:round/>
+                      <a:headEnd type="none" w="med" len="med"/>
+                      <a:tailEnd type="none" w="med" len="med"/>
+                    </a:lnB>
+                  </a:tcPr>
+                </a:tc>
+                <a:tc>
                   <a:txBody>
                     <a:bodyPr/>
                     <a:lstStyle/>
@@ -6329,16 +7442,6 @@
                     </a:lnB>
                   </a:tcPr>
                 </a:tc>
-                <a:tc hMerge="1">
-                  <a:txBody>
-                    <a:bodyPr/>
-                    <a:lstStyle/>
-                    <a:p>
-                      <a:endParaRPr lang="zh-CN" altLang="en-US"/>
-                    </a:p>
-                  </a:txBody>
-                  <a:tcPr/>
-                </a:tc>
                 <a:tc>
                   <a:txBody>
                     <a:bodyPr/>
@@ -6533,7 +7636,7 @@
                           <a:ea typeface="+mn-ea"/>
                           <a:cs typeface="+mn-cs"/>
                         </a:rPr>
-                        <a:t>S13</a:t>
+                        <a:t>B04</a:t>
                       </a:r>
                       <a:endParaRPr lang="zh-CN" altLang="en-US" sz="1600" b="1" kern="1200" dirty="0">
                         <a:solidFill>
@@ -6546,7 +7649,89 @@
                     </a:p>
                   </a:txBody>
                   <a:tcPr>
-                    <a:lnL w="12700" cap="flat" cmpd="sng" algn="ctr">
+                    <a:lnL w="38100" cap="flat" cmpd="sng" algn="ctr">
+                      <a:solidFill>
+                        <a:schemeClr val="tx1"/>
+                      </a:solidFill>
+                      <a:prstDash val="solid"/>
+                      <a:round/>
+                      <a:headEnd type="none" w="med" len="med"/>
+                      <a:tailEnd type="none" w="med" len="med"/>
+                    </a:lnL>
+                    <a:lnR w="38100" cap="flat" cmpd="sng" algn="ctr">
+                      <a:solidFill>
+                        <a:schemeClr val="tx1"/>
+                      </a:solidFill>
+                      <a:prstDash val="solid"/>
+                      <a:round/>
+                      <a:headEnd type="none" w="med" len="med"/>
+                      <a:tailEnd type="none" w="med" len="med"/>
+                    </a:lnR>
+                    <a:lnT w="38100" cap="flat" cmpd="sng" algn="ctr">
+                      <a:solidFill>
+                        <a:schemeClr val="tx1"/>
+                      </a:solidFill>
+                      <a:prstDash val="solid"/>
+                      <a:round/>
+                      <a:headEnd type="none" w="med" len="med"/>
+                      <a:tailEnd type="none" w="med" len="med"/>
+                    </a:lnT>
+                    <a:lnB w="38100" cap="flat" cmpd="sng" algn="ctr">
+                      <a:solidFill>
+                        <a:schemeClr val="tx1"/>
+                      </a:solidFill>
+                      <a:prstDash val="solid"/>
+                      <a:round/>
+                      <a:headEnd type="none" w="med" len="med"/>
+                      <a:tailEnd type="none" w="med" len="med"/>
+                    </a:lnB>
+                  </a:tcPr>
+                </a:tc>
+                <a:tc gridSpan="2">
+                  <a:txBody>
+                    <a:bodyPr/>
+                    <a:lstStyle/>
+                    <a:p>
+                      <a:pPr marL="0" marR="0" lvl="0" indent="0" algn="ctr" defTabSz="914400" rtl="0" eaLnBrk="1" fontAlgn="auto" latinLnBrk="0" hangingPunct="1">
+                        <a:lnSpc>
+                          <a:spcPct val="100000"/>
+                        </a:lnSpc>
+                        <a:spcBef>
+                          <a:spcPts val="0"/>
+                        </a:spcBef>
+                        <a:spcAft>
+                          <a:spcPts val="0"/>
+                        </a:spcAft>
+                        <a:buClrTx/>
+                        <a:buSzTx/>
+                        <a:buFontTx/>
+                        <a:buNone/>
+                        <a:tabLst/>
+                        <a:defRPr/>
+                      </a:pPr>
+                      <a:r>
+                        <a:rPr lang="en-US" altLang="zh-CN" sz="1600" b="1" kern="1200" dirty="0">
+                          <a:solidFill>
+                            <a:schemeClr val="dk1"/>
+                          </a:solidFill>
+                          <a:latin typeface="+mn-lt"/>
+                          <a:ea typeface="+mn-ea"/>
+                          <a:cs typeface="+mn-cs"/>
+                        </a:rPr>
+                        <a:t>S13</a:t>
+                      </a:r>
+                      <a:endParaRPr lang="zh-CN" altLang="en-US" sz="1600" b="1" kern="1200" dirty="0">
+                        <a:solidFill>
+                          <a:schemeClr val="dk1"/>
+                        </a:solidFill>
+                        <a:latin typeface="+mn-lt"/>
+                        <a:ea typeface="+mn-ea"/>
+                        <a:cs typeface="+mn-cs"/>
+                      </a:endParaRPr>
+                    </a:p>
+                  </a:txBody>
+                  <a:tcPr>
+                    <a:lnL w="38100" cap="flat" cmpd="sng" algn="ctr">
                       <a:solidFill>
                         <a:schemeClr val="tx1"/>
                       </a:solidFill>
@@ -6584,7 +7769,78 @@
                     </a:lnB>
                   </a:tcPr>
                 </a:tc>
-                <a:tc gridSpan="2">
+                <a:tc hMerge="1">
+                  <a:txBody>
+                    <a:bodyPr/>
+                    <a:lstStyle/>
+                    <a:p>
+                      <a:pPr marL="0" marR="0" lvl="0" indent="0" algn="ctr" defTabSz="914400" rtl="0" eaLnBrk="1" fontAlgn="auto" latinLnBrk="0" hangingPunct="1">
+                        <a:lnSpc>
+                          <a:spcPct val="100000"/>
+                        </a:lnSpc>
+                        <a:spcBef>
+                          <a:spcPts val="0"/>
+                        </a:spcBef>
+                        <a:spcAft>
+                          <a:spcPts val="0"/>
+                        </a:spcAft>
+                        <a:buClrTx/>
+                        <a:buSzTx/>
+                        <a:buFontTx/>
+                        <a:buNone/>
+                        <a:tabLst/>
+                        <a:defRPr/>
+                      </a:pPr>
+                      <a:endParaRPr lang="zh-CN" altLang="en-US" sz="1600" b="1" kern="1200" dirty="0">
+                        <a:solidFill>
+                          <a:schemeClr val="dk1"/>
+                        </a:solidFill>
+                        <a:latin typeface="+mn-lt"/>
+                        <a:ea typeface="+mn-ea"/>
+                        <a:cs typeface="+mn-cs"/>
+                      </a:endParaRPr>
+                    </a:p>
+                  </a:txBody>
+                  <a:tcPr>
+                    <a:lnL w="12700" cap="flat" cmpd="sng" algn="ctr">
+                      <a:solidFill>
+                        <a:schemeClr val="tx1"/>
+                      </a:solidFill>
+                      <a:prstDash val="solid"/>
+                      <a:round/>
+                      <a:headEnd type="none" w="med" len="med"/>
+                      <a:tailEnd type="none" w="med" len="med"/>
+                    </a:lnL>
+                    <a:lnR w="12700" cap="flat" cmpd="sng" algn="ctr">
+                      <a:solidFill>
+                        <a:schemeClr val="tx1"/>
+                      </a:solidFill>
+                      <a:prstDash val="solid"/>
+                      <a:round/>
+                      <a:headEnd type="none" w="med" len="med"/>
+                      <a:tailEnd type="none" w="med" len="med"/>
+                    </a:lnR>
+                    <a:lnT w="12700" cap="flat" cmpd="sng" algn="ctr">
+                      <a:solidFill>
+                        <a:schemeClr val="tx1"/>
+                      </a:solidFill>
+                      <a:prstDash val="solid"/>
+                      <a:round/>
+                      <a:headEnd type="none" w="med" len="med"/>
+                      <a:tailEnd type="none" w="med" len="med"/>
+                    </a:lnT>
+                    <a:lnB w="12700" cap="flat" cmpd="sng" algn="ctr">
+                      <a:solidFill>
+                        <a:schemeClr val="tx1"/>
+                      </a:solidFill>
+                      <a:prstDash val="solid"/>
+                      <a:round/>
+                      <a:headEnd type="none" w="med" len="med"/>
+                      <a:tailEnd type="none" w="med" len="med"/>
+                    </a:lnB>
+                  </a:tcPr>
+                </a:tc>
+                <a:tc>
                   <a:txBody>
                     <a:bodyPr/>
                     <a:lstStyle/>
@@ -6658,33 +7914,6 @@
                     </a:lnB>
                   </a:tcPr>
                 </a:tc>
-                <a:tc hMerge="1">
-                  <a:txBody>
-                    <a:bodyPr/>
-                    <a:lstStyle/>
-                    <a:p>
-                      <a:pPr marL="0" marR="0" lvl="0" indent="0" algn="l" defTabSz="914400" rtl="0" eaLnBrk="1" fontAlgn="auto" latinLnBrk="0" hangingPunct="1">
-                        <a:lnSpc>
-                          <a:spcPct val="100000"/>
-                        </a:lnSpc>
-                        <a:spcBef>
-                          <a:spcPts val="0"/>
-                        </a:spcBef>
-                        <a:spcAft>
-                          <a:spcPts val="0"/>
-                        </a:spcAft>
-                        <a:buClrTx/>
-                        <a:buSzTx/>
-                        <a:buFontTx/>
-                        <a:buNone/>
-                        <a:tabLst/>
-                        <a:defRPr/>
-                      </a:pPr>
-                      <a:endParaRPr lang="en-US" altLang="zh-CN" baseline="0" dirty="0"/>
-                    </a:p>
-                  </a:txBody>
-                  <a:tcPr/>
-                </a:tc>
                 <a:tc>
                   <a:txBody>
                     <a:bodyPr/>
@@ -6871,7 +8100,37 @@
                           <a:ea typeface="+mn-ea"/>
                           <a:cs typeface="+mn-cs"/>
                         </a:rPr>
-                        <a:t>3D Printing Soft Robots</a:t>
+                        <a:t>Best Paper</a:t>
+                      </a:r>
+                    </a:p>
+                    <a:p>
+                      <a:pPr marL="0" marR="0" lvl="0" indent="0" algn="ctr" defTabSz="914400" rtl="0" eaLnBrk="1" fontAlgn="auto" latinLnBrk="0" hangingPunct="1">
+                        <a:lnSpc>
+                          <a:spcPct val="100000"/>
+                        </a:lnSpc>
+                        <a:spcBef>
+                          <a:spcPts val="0"/>
+                        </a:spcBef>
+                        <a:spcAft>
+                          <a:spcPts val="0"/>
+                        </a:spcAft>
+                        <a:buClrTx/>
+                        <a:buSzTx/>
+                        <a:buFontTx/>
+                        <a:buNone/>
+                        <a:tabLst/>
+                        <a:defRPr/>
+                      </a:pPr>
+                      <a:r>
+                        <a:rPr lang="en-US" altLang="zh-CN" sz="1400" b="1" kern="1200" dirty="0">
+                          <a:solidFill>
+                            <a:schemeClr val="dk1"/>
+                          </a:solidFill>
+                          <a:latin typeface="+mn-lt"/>
+                          <a:ea typeface="+mn-ea"/>
+                          <a:cs typeface="+mn-cs"/>
+                        </a:rPr>
+                        <a:t>Competition (2)</a:t>
                       </a:r>
                       <a:endParaRPr lang="zh-CN" altLang="en-US" sz="1400" b="1" kern="1200" dirty="0">
                         <a:solidFill>
@@ -6884,7 +8143,89 @@
                     </a:p>
                   </a:txBody>
                   <a:tcPr anchor="ctr">
-                    <a:lnL w="12700" cap="flat" cmpd="sng" algn="ctr">
+                    <a:lnL w="38100" cap="flat" cmpd="sng" algn="ctr">
+                      <a:solidFill>
+                        <a:schemeClr val="tx1"/>
+                      </a:solidFill>
+                      <a:prstDash val="solid"/>
+                      <a:round/>
+                      <a:headEnd type="none" w="med" len="med"/>
+                      <a:tailEnd type="none" w="med" len="med"/>
+                    </a:lnL>
+                    <a:lnR w="38100" cap="flat" cmpd="sng" algn="ctr">
+                      <a:solidFill>
+                        <a:schemeClr val="tx1"/>
+                      </a:solidFill>
+                      <a:prstDash val="solid"/>
+                      <a:round/>
+                      <a:headEnd type="none" w="med" len="med"/>
+                      <a:tailEnd type="none" w="med" len="med"/>
+                    </a:lnR>
+                    <a:lnT w="38100" cap="flat" cmpd="sng" algn="ctr">
+                      <a:solidFill>
+                        <a:schemeClr val="tx1"/>
+                      </a:solidFill>
+                      <a:prstDash val="solid"/>
+                      <a:round/>
+                      <a:headEnd type="none" w="med" len="med"/>
+                      <a:tailEnd type="none" w="med" len="med"/>
+                    </a:lnT>
+                    <a:lnB w="38100" cap="flat" cmpd="sng" algn="ctr">
+                      <a:solidFill>
+                        <a:schemeClr val="tx1"/>
+                      </a:solidFill>
+                      <a:prstDash val="solid"/>
+                      <a:round/>
+                      <a:headEnd type="none" w="med" len="med"/>
+                      <a:tailEnd type="none" w="med" len="med"/>
+                    </a:lnB>
+                  </a:tcPr>
+                </a:tc>
+                <a:tc gridSpan="2">
+                  <a:txBody>
+                    <a:bodyPr/>
+                    <a:lstStyle/>
+                    <a:p>
+                      <a:pPr marL="0" marR="0" lvl="0" indent="0" algn="ctr" defTabSz="914400" rtl="0" eaLnBrk="1" fontAlgn="auto" latinLnBrk="0" hangingPunct="1">
+                        <a:lnSpc>
+                          <a:spcPct val="100000"/>
+                        </a:lnSpc>
+                        <a:spcBef>
+                          <a:spcPts val="0"/>
+                        </a:spcBef>
+                        <a:spcAft>
+                          <a:spcPts val="0"/>
+                        </a:spcAft>
+                        <a:buClrTx/>
+                        <a:buSzTx/>
+                        <a:buFontTx/>
+                        <a:buNone/>
+                        <a:tabLst/>
+                        <a:defRPr/>
+                      </a:pPr>
+                      <a:r>
+                        <a:rPr lang="en-US" altLang="zh-CN" sz="1400" b="1" kern="1200" dirty="0">
+                          <a:solidFill>
+                            <a:schemeClr val="dk1"/>
+                          </a:solidFill>
+                          <a:latin typeface="+mn-lt"/>
+                          <a:ea typeface="+mn-ea"/>
+                          <a:cs typeface="+mn-cs"/>
+                        </a:rPr>
+                        <a:t>3D Printing Soft Robots</a:t>
+                      </a:r>
+                      <a:endParaRPr lang="zh-CN" altLang="en-US" sz="1400" b="1" kern="1200" dirty="0">
+                        <a:solidFill>
+                          <a:schemeClr val="dk1"/>
+                        </a:solidFill>
+                        <a:latin typeface="+mn-lt"/>
+                        <a:ea typeface="+mn-ea"/>
+                        <a:cs typeface="+mn-cs"/>
+                      </a:endParaRPr>
+                    </a:p>
+                  </a:txBody>
+                  <a:tcPr anchor="ctr">
+                    <a:lnL w="38100" cap="flat" cmpd="sng" algn="ctr">
                       <a:solidFill>
                         <a:schemeClr val="tx1"/>
                       </a:solidFill>
@@ -6922,7 +8263,78 @@
                     </a:lnB>
                   </a:tcPr>
                 </a:tc>
-                <a:tc gridSpan="2">
+                <a:tc hMerge="1">
+                  <a:txBody>
+                    <a:bodyPr/>
+                    <a:lstStyle/>
+                    <a:p>
+                      <a:pPr marL="0" marR="0" lvl="0" indent="0" algn="ctr" defTabSz="914400" rtl="0" eaLnBrk="1" fontAlgn="auto" latinLnBrk="0" hangingPunct="1">
+                        <a:lnSpc>
+                          <a:spcPct val="100000"/>
+                        </a:lnSpc>
+                        <a:spcBef>
+                          <a:spcPts val="0"/>
+                        </a:spcBef>
+                        <a:spcAft>
+                          <a:spcPts val="0"/>
+                        </a:spcAft>
+                        <a:buClrTx/>
+                        <a:buSzTx/>
+                        <a:buFontTx/>
+                        <a:buNone/>
+                        <a:tabLst/>
+                        <a:defRPr/>
+                      </a:pPr>
+                      <a:endParaRPr lang="zh-CN" altLang="en-US" sz="1400" b="1" kern="1200" dirty="0">
+                        <a:solidFill>
+                          <a:schemeClr val="dk1"/>
+                        </a:solidFill>
+                        <a:latin typeface="+mn-lt"/>
+                        <a:ea typeface="+mn-ea"/>
+                        <a:cs typeface="+mn-cs"/>
+                      </a:endParaRPr>
+                    </a:p>
+                  </a:txBody>
+                  <a:tcPr anchor="ctr">
+                    <a:lnL w="12700" cap="flat" cmpd="sng" algn="ctr">
+                      <a:solidFill>
+                        <a:schemeClr val="tx1"/>
+                      </a:solidFill>
+                      <a:prstDash val="solid"/>
+                      <a:round/>
+                      <a:headEnd type="none" w="med" len="med"/>
+                      <a:tailEnd type="none" w="med" len="med"/>
+                    </a:lnL>
+                    <a:lnR w="12700" cap="flat" cmpd="sng" algn="ctr">
+                      <a:solidFill>
+                        <a:schemeClr val="tx1"/>
+                      </a:solidFill>
+                      <a:prstDash val="solid"/>
+                      <a:round/>
+                      <a:headEnd type="none" w="med" len="med"/>
+                      <a:tailEnd type="none" w="med" len="med"/>
+                    </a:lnR>
+                    <a:lnT w="12700" cap="flat" cmpd="sng" algn="ctr">
+                      <a:solidFill>
+                        <a:schemeClr val="tx1"/>
+                      </a:solidFill>
+                      <a:prstDash val="solid"/>
+                      <a:round/>
+                      <a:headEnd type="none" w="med" len="med"/>
+                      <a:tailEnd type="none" w="med" len="med"/>
+                    </a:lnT>
+                    <a:lnB w="12700" cap="flat" cmpd="sng" algn="ctr">
+                      <a:solidFill>
+                        <a:schemeClr val="tx1"/>
+                      </a:solidFill>
+                      <a:prstDash val="solid"/>
+                      <a:round/>
+                      <a:headEnd type="none" w="med" len="med"/>
+                      <a:tailEnd type="none" w="med" len="med"/>
+                    </a:lnB>
+                  </a:tcPr>
+                </a:tc>
+                <a:tc>
                   <a:txBody>
                     <a:bodyPr/>
                     <a:lstStyle/>
@@ -6995,16 +8407,6 @@
                       <a:tailEnd type="none" w="med" len="med"/>
                     </a:lnB>
                   </a:tcPr>
-                </a:tc>
-                <a:tc hMerge="1">
-                  <a:txBody>
-                    <a:bodyPr/>
-                    <a:lstStyle/>
-                    <a:p>
-                      <a:endParaRPr lang="zh-CN" altLang="en-US"/>
-                    </a:p>
-                  </a:txBody>
-                  <a:tcPr/>
                 </a:tc>
                 <a:tc>
                   <a:txBody>

--- a/images/schedule/schedule.pptx
+++ b/images/schedule/schedule.pptx
@@ -3497,7 +3497,7 @@
           <p:nvPr>
             <p:extLst>
               <p:ext uri="{D42A27DB-BD31-4B8C-83A1-F6EECF244321}">
-                <p14:modId xmlns:p14="http://schemas.microsoft.com/office/powerpoint/2010/main" val="4090573526"/>
+                <p14:modId xmlns:p14="http://schemas.microsoft.com/office/powerpoint/2010/main" val="3218347823"/>
               </p:ext>
             </p:extLst>
           </p:nvPr>
@@ -4820,6 +4820,15 @@
                       <a:headEnd type="none" w="med" len="med"/>
                       <a:tailEnd type="none" w="med" len="med"/>
                     </a:lnR>
+                    <a:lnT w="12700" cap="flat" cmpd="sng" algn="ctr">
+                      <a:solidFill>
+                        <a:schemeClr val="tx1"/>
+                      </a:solidFill>
+                      <a:prstDash val="solid"/>
+                      <a:round/>
+                      <a:headEnd type="none" w="med" len="med"/>
+                      <a:tailEnd type="none" w="med" len="med"/>
+                    </a:lnT>
                     <a:lnB w="12700" cap="flat" cmpd="sng" algn="ctr">
                       <a:solidFill>
                         <a:schemeClr val="tx1"/>
@@ -7003,6 +7012,15 @@
                       <a:headEnd type="none" w="med" len="med"/>
                       <a:tailEnd type="none" w="med" len="med"/>
                     </a:lnR>
+                    <a:lnT w="12700" cap="flat" cmpd="sng" algn="ctr">
+                      <a:solidFill>
+                        <a:schemeClr val="tx1"/>
+                      </a:solidFill>
+                      <a:prstDash val="solid"/>
+                      <a:round/>
+                      <a:headEnd type="none" w="med" len="med"/>
+                      <a:tailEnd type="none" w="med" len="med"/>
+                    </a:lnT>
                     <a:lnB w="12700" cap="flat" cmpd="sng" algn="ctr">
                       <a:solidFill>
                         <a:schemeClr val="tx1"/>

--- a/images/schedule/schedule.pptx
+++ b/images/schedule/schedule.pptx
@@ -261,7 +261,7 @@
           <a:p>
             <a:fld id="{5A4AD796-EF3F-495C-A3CD-D0F0A8E07386}" type="datetimeFigureOut">
               <a:rPr lang="zh-CN" altLang="en-US" smtClean="0"/>
-              <a:t>2023/6/14</a:t>
+              <a:t>2023/6/17</a:t>
             </a:fld>
             <a:endParaRPr lang="zh-CN" altLang="en-US"/>
           </a:p>
@@ -459,7 +459,7 @@
           <a:p>
             <a:fld id="{5A4AD796-EF3F-495C-A3CD-D0F0A8E07386}" type="datetimeFigureOut">
               <a:rPr lang="zh-CN" altLang="en-US" smtClean="0"/>
-              <a:t>2023/6/14</a:t>
+              <a:t>2023/6/17</a:t>
             </a:fld>
             <a:endParaRPr lang="zh-CN" altLang="en-US"/>
           </a:p>
@@ -667,7 +667,7 @@
           <a:p>
             <a:fld id="{5A4AD796-EF3F-495C-A3CD-D0F0A8E07386}" type="datetimeFigureOut">
               <a:rPr lang="zh-CN" altLang="en-US" smtClean="0"/>
-              <a:t>2023/6/14</a:t>
+              <a:t>2023/6/17</a:t>
             </a:fld>
             <a:endParaRPr lang="zh-CN" altLang="en-US"/>
           </a:p>
@@ -865,7 +865,7 @@
           <a:p>
             <a:fld id="{5A4AD796-EF3F-495C-A3CD-D0F0A8E07386}" type="datetimeFigureOut">
               <a:rPr lang="zh-CN" altLang="en-US" smtClean="0"/>
-              <a:t>2023/6/14</a:t>
+              <a:t>2023/6/17</a:t>
             </a:fld>
             <a:endParaRPr lang="zh-CN" altLang="en-US"/>
           </a:p>
@@ -1140,7 +1140,7 @@
           <a:p>
             <a:fld id="{5A4AD796-EF3F-495C-A3CD-D0F0A8E07386}" type="datetimeFigureOut">
               <a:rPr lang="zh-CN" altLang="en-US" smtClean="0"/>
-              <a:t>2023/6/14</a:t>
+              <a:t>2023/6/17</a:t>
             </a:fld>
             <a:endParaRPr lang="zh-CN" altLang="en-US"/>
           </a:p>
@@ -1405,7 +1405,7 @@
           <a:p>
             <a:fld id="{5A4AD796-EF3F-495C-A3CD-D0F0A8E07386}" type="datetimeFigureOut">
               <a:rPr lang="zh-CN" altLang="en-US" smtClean="0"/>
-              <a:t>2023/6/14</a:t>
+              <a:t>2023/6/17</a:t>
             </a:fld>
             <a:endParaRPr lang="zh-CN" altLang="en-US"/>
           </a:p>
@@ -1817,7 +1817,7 @@
           <a:p>
             <a:fld id="{5A4AD796-EF3F-495C-A3CD-D0F0A8E07386}" type="datetimeFigureOut">
               <a:rPr lang="zh-CN" altLang="en-US" smtClean="0"/>
-              <a:t>2023/6/14</a:t>
+              <a:t>2023/6/17</a:t>
             </a:fld>
             <a:endParaRPr lang="zh-CN" altLang="en-US"/>
           </a:p>
@@ -1958,7 +1958,7 @@
           <a:p>
             <a:fld id="{5A4AD796-EF3F-495C-A3CD-D0F0A8E07386}" type="datetimeFigureOut">
               <a:rPr lang="zh-CN" altLang="en-US" smtClean="0"/>
-              <a:t>2023/6/14</a:t>
+              <a:t>2023/6/17</a:t>
             </a:fld>
             <a:endParaRPr lang="zh-CN" altLang="en-US"/>
           </a:p>
@@ -2071,7 +2071,7 @@
           <a:p>
             <a:fld id="{5A4AD796-EF3F-495C-A3CD-D0F0A8E07386}" type="datetimeFigureOut">
               <a:rPr lang="zh-CN" altLang="en-US" smtClean="0"/>
-              <a:t>2023/6/14</a:t>
+              <a:t>2023/6/17</a:t>
             </a:fld>
             <a:endParaRPr lang="zh-CN" altLang="en-US"/>
           </a:p>
@@ -2382,7 +2382,7 @@
           <a:p>
             <a:fld id="{5A4AD796-EF3F-495C-A3CD-D0F0A8E07386}" type="datetimeFigureOut">
               <a:rPr lang="zh-CN" altLang="en-US" smtClean="0"/>
-              <a:t>2023/6/14</a:t>
+              <a:t>2023/6/17</a:t>
             </a:fld>
             <a:endParaRPr lang="zh-CN" altLang="en-US"/>
           </a:p>
@@ -2670,7 +2670,7 @@
           <a:p>
             <a:fld id="{5A4AD796-EF3F-495C-A3CD-D0F0A8E07386}" type="datetimeFigureOut">
               <a:rPr lang="zh-CN" altLang="en-US" smtClean="0"/>
-              <a:t>2023/6/14</a:t>
+              <a:t>2023/6/17</a:t>
             </a:fld>
             <a:endParaRPr lang="zh-CN" altLang="en-US"/>
           </a:p>
@@ -2911,7 +2911,7 @@
           <a:p>
             <a:fld id="{5A4AD796-EF3F-495C-A3CD-D0F0A8E07386}" type="datetimeFigureOut">
               <a:rPr lang="zh-CN" altLang="en-US" smtClean="0"/>
-              <a:t>2023/6/14</a:t>
+              <a:t>2023/6/17</a:t>
             </a:fld>
             <a:endParaRPr lang="zh-CN" altLang="en-US"/>
           </a:p>
@@ -3497,7 +3497,7 @@
           <p:nvPr>
             <p:extLst>
               <p:ext uri="{D42A27DB-BD31-4B8C-83A1-F6EECF244321}">
-                <p14:modId xmlns:p14="http://schemas.microsoft.com/office/powerpoint/2010/main" val="3218347823"/>
+                <p14:modId xmlns:p14="http://schemas.microsoft.com/office/powerpoint/2010/main" val="3758145637"/>
               </p:ext>
             </p:extLst>
           </p:nvPr>
@@ -6438,7 +6438,7 @@
                     <a:p>
                       <a:r>
                         <a:rPr lang="en-US" altLang="zh-CN" b="1" dirty="0"/>
-                        <a:t>Coffee &amp; Tea Break</a:t>
+                        <a:t>Poster Session (Coffee &amp; Tea Break)</a:t>
                       </a:r>
                       <a:endParaRPr lang="zh-CN" altLang="en-US" dirty="0"/>
                     </a:p>
@@ -8597,7 +8597,7 @@
           <p:nvPr>
             <p:extLst>
               <p:ext uri="{D42A27DB-BD31-4B8C-83A1-F6EECF244321}">
-                <p14:modId xmlns:p14="http://schemas.microsoft.com/office/powerpoint/2010/main" val="1527311927"/>
+                <p14:modId xmlns:p14="http://schemas.microsoft.com/office/powerpoint/2010/main" val="317660702"/>
               </p:ext>
             </p:extLst>
           </p:nvPr>
@@ -10682,8 +10682,16 @@
                         <a:defRPr/>
                       </a:pPr>
                       <a:r>
+                        <a:rPr lang="en-US" altLang="zh-CN" b="1"/>
+                        <a:t>Poster Session (Coffee </a:t>
+                      </a:r>
+                      <a:r>
                         <a:rPr lang="en-US" altLang="zh-CN" b="1" dirty="0"/>
-                        <a:t>Coffee &amp; Tea Break</a:t>
+                        <a:t>&amp; </a:t>
+                      </a:r>
+                      <a:r>
+                        <a:rPr lang="en-US" altLang="zh-CN" b="1"/>
+                        <a:t>Tea Break)</a:t>
                       </a:r>
                       <a:endParaRPr lang="zh-CN" altLang="en-US" b="1" dirty="0"/>
                     </a:p>
@@ -12101,27 +12109,8 @@
                           <a:ea typeface="+mn-ea"/>
                           <a:cs typeface="+mn-cs"/>
                         </a:rPr>
-                        <a:t>Innovative Design and Performance Evaluation of Robot </a:t>
-                      </a:r>
-                      <a:r>
-                        <a:rPr lang="en-US" altLang="zh-CN" sz="1400" b="1" kern="1200">
-                          <a:solidFill>
-                            <a:schemeClr val="dk1"/>
-                          </a:solidFill>
-                          <a:latin typeface="+mn-lt"/>
-                          <a:ea typeface="+mn-ea"/>
-                          <a:cs typeface="+mn-cs"/>
-                        </a:rPr>
-                        <a:t>Mechanisms (Ⅱ)</a:t>
-                      </a:r>
-                      <a:endParaRPr lang="en-US" altLang="zh-CN" sz="1400" b="1" kern="1200" dirty="0">
-                        <a:solidFill>
-                          <a:schemeClr val="dk1"/>
-                        </a:solidFill>
-                        <a:latin typeface="+mn-lt"/>
-                        <a:ea typeface="+mn-ea"/>
-                        <a:cs typeface="+mn-cs"/>
-                      </a:endParaRPr>
+                        <a:t>Innovative Design and Performance Evaluation of Robot Mechanisms (Ⅱ)</a:t>
+                      </a:r>
                     </a:p>
                   </a:txBody>
                   <a:tcPr anchor="ctr">

--- a/images/schedule/schedule.pptx
+++ b/images/schedule/schedule.pptx
@@ -261,7 +261,7 @@
           <a:p>
             <a:fld id="{5A4AD796-EF3F-495C-A3CD-D0F0A8E07386}" type="datetimeFigureOut">
               <a:rPr lang="zh-CN" altLang="en-US" smtClean="0"/>
-              <a:t>2023/6/17</a:t>
+              <a:t>2023/6/23</a:t>
             </a:fld>
             <a:endParaRPr lang="zh-CN" altLang="en-US"/>
           </a:p>
@@ -459,7 +459,7 @@
           <a:p>
             <a:fld id="{5A4AD796-EF3F-495C-A3CD-D0F0A8E07386}" type="datetimeFigureOut">
               <a:rPr lang="zh-CN" altLang="en-US" smtClean="0"/>
-              <a:t>2023/6/17</a:t>
+              <a:t>2023/6/23</a:t>
             </a:fld>
             <a:endParaRPr lang="zh-CN" altLang="en-US"/>
           </a:p>
@@ -667,7 +667,7 @@
           <a:p>
             <a:fld id="{5A4AD796-EF3F-495C-A3CD-D0F0A8E07386}" type="datetimeFigureOut">
               <a:rPr lang="zh-CN" altLang="en-US" smtClean="0"/>
-              <a:t>2023/6/17</a:t>
+              <a:t>2023/6/23</a:t>
             </a:fld>
             <a:endParaRPr lang="zh-CN" altLang="en-US"/>
           </a:p>
@@ -865,7 +865,7 @@
           <a:p>
             <a:fld id="{5A4AD796-EF3F-495C-A3CD-D0F0A8E07386}" type="datetimeFigureOut">
               <a:rPr lang="zh-CN" altLang="en-US" smtClean="0"/>
-              <a:t>2023/6/17</a:t>
+              <a:t>2023/6/23</a:t>
             </a:fld>
             <a:endParaRPr lang="zh-CN" altLang="en-US"/>
           </a:p>
@@ -1140,7 +1140,7 @@
           <a:p>
             <a:fld id="{5A4AD796-EF3F-495C-A3CD-D0F0A8E07386}" type="datetimeFigureOut">
               <a:rPr lang="zh-CN" altLang="en-US" smtClean="0"/>
-              <a:t>2023/6/17</a:t>
+              <a:t>2023/6/23</a:t>
             </a:fld>
             <a:endParaRPr lang="zh-CN" altLang="en-US"/>
           </a:p>
@@ -1405,7 +1405,7 @@
           <a:p>
             <a:fld id="{5A4AD796-EF3F-495C-A3CD-D0F0A8E07386}" type="datetimeFigureOut">
               <a:rPr lang="zh-CN" altLang="en-US" smtClean="0"/>
-              <a:t>2023/6/17</a:t>
+              <a:t>2023/6/23</a:t>
             </a:fld>
             <a:endParaRPr lang="zh-CN" altLang="en-US"/>
           </a:p>
@@ -1817,7 +1817,7 @@
           <a:p>
             <a:fld id="{5A4AD796-EF3F-495C-A3CD-D0F0A8E07386}" type="datetimeFigureOut">
               <a:rPr lang="zh-CN" altLang="en-US" smtClean="0"/>
-              <a:t>2023/6/17</a:t>
+              <a:t>2023/6/23</a:t>
             </a:fld>
             <a:endParaRPr lang="zh-CN" altLang="en-US"/>
           </a:p>
@@ -1958,7 +1958,7 @@
           <a:p>
             <a:fld id="{5A4AD796-EF3F-495C-A3CD-D0F0A8E07386}" type="datetimeFigureOut">
               <a:rPr lang="zh-CN" altLang="en-US" smtClean="0"/>
-              <a:t>2023/6/17</a:t>
+              <a:t>2023/6/23</a:t>
             </a:fld>
             <a:endParaRPr lang="zh-CN" altLang="en-US"/>
           </a:p>
@@ -2071,7 +2071,7 @@
           <a:p>
             <a:fld id="{5A4AD796-EF3F-495C-A3CD-D0F0A8E07386}" type="datetimeFigureOut">
               <a:rPr lang="zh-CN" altLang="en-US" smtClean="0"/>
-              <a:t>2023/6/17</a:t>
+              <a:t>2023/6/23</a:t>
             </a:fld>
             <a:endParaRPr lang="zh-CN" altLang="en-US"/>
           </a:p>
@@ -2382,7 +2382,7 @@
           <a:p>
             <a:fld id="{5A4AD796-EF3F-495C-A3CD-D0F0A8E07386}" type="datetimeFigureOut">
               <a:rPr lang="zh-CN" altLang="en-US" smtClean="0"/>
-              <a:t>2023/6/17</a:t>
+              <a:t>2023/6/23</a:t>
             </a:fld>
             <a:endParaRPr lang="zh-CN" altLang="en-US"/>
           </a:p>
@@ -2670,7 +2670,7 @@
           <a:p>
             <a:fld id="{5A4AD796-EF3F-495C-A3CD-D0F0A8E07386}" type="datetimeFigureOut">
               <a:rPr lang="zh-CN" altLang="en-US" smtClean="0"/>
-              <a:t>2023/6/17</a:t>
+              <a:t>2023/6/23</a:t>
             </a:fld>
             <a:endParaRPr lang="zh-CN" altLang="en-US"/>
           </a:p>
@@ -2911,7 +2911,7 @@
           <a:p>
             <a:fld id="{5A4AD796-EF3F-495C-A3CD-D0F0A8E07386}" type="datetimeFigureOut">
               <a:rPr lang="zh-CN" altLang="en-US" smtClean="0"/>
-              <a:t>2023/6/17</a:t>
+              <a:t>2023/6/23</a:t>
             </a:fld>
             <a:endParaRPr lang="zh-CN" altLang="en-US"/>
           </a:p>
@@ -3497,7 +3497,7 @@
           <p:nvPr>
             <p:extLst>
               <p:ext uri="{D42A27DB-BD31-4B8C-83A1-F6EECF244321}">
-                <p14:modId xmlns:p14="http://schemas.microsoft.com/office/powerpoint/2010/main" val="3758145637"/>
+                <p14:modId xmlns:p14="http://schemas.microsoft.com/office/powerpoint/2010/main" val="3048259561"/>
               </p:ext>
             </p:extLst>
           </p:nvPr>
@@ -8597,14 +8597,14 @@
           <p:nvPr>
             <p:extLst>
               <p:ext uri="{D42A27DB-BD31-4B8C-83A1-F6EECF244321}">
-                <p14:modId xmlns:p14="http://schemas.microsoft.com/office/powerpoint/2010/main" val="317660702"/>
+                <p14:modId xmlns:p14="http://schemas.microsoft.com/office/powerpoint/2010/main" val="3384961574"/>
               </p:ext>
             </p:extLst>
           </p:nvPr>
         </p:nvGraphicFramePr>
         <p:xfrm>
           <a:off x="2165163" y="0"/>
-          <a:ext cx="8128000" cy="8315960"/>
+          <a:ext cx="8128000" cy="9169400"/>
         </p:xfrm>
         <a:graphic>
           <a:graphicData uri="http://schemas.openxmlformats.org/drawingml/2006/table">
@@ -8613,35 +8613,63 @@
                 <a:tableStyleId>{5C22544A-7EE6-4342-B048-85BDC9FD1C3A}</a:tableStyleId>
               </a:tblPr>
               <a:tblGrid>
-                <a:gridCol w="2032000">
+                <a:gridCol w="1625600">
+                  <a:extLst>
+                    <a:ext uri="{9D8B030D-6E8A-4147-A177-3AD203B41FA5}">
+                      <a16:colId xmlns:a16="http://schemas.microsoft.com/office/drawing/2014/main" val="1579818570"/>
+                    </a:ext>
+                  </a:extLst>
+                </a:gridCol>
+                <a:gridCol w="355109">
                   <a:extLst>
                     <a:ext uri="{9D8B030D-6E8A-4147-A177-3AD203B41FA5}">
                       <a16:colId xmlns:a16="http://schemas.microsoft.com/office/drawing/2014/main" val="3661055256"/>
                     </a:ext>
                   </a:extLst>
                 </a:gridCol>
-                <a:gridCol w="677333">
+                <a:gridCol w="763479">
+                  <a:extLst>
+                    <a:ext uri="{9D8B030D-6E8A-4147-A177-3AD203B41FA5}">
+                      <a16:colId xmlns:a16="http://schemas.microsoft.com/office/drawing/2014/main" val="567060849"/>
+                    </a:ext>
+                  </a:extLst>
+                </a:gridCol>
+                <a:gridCol w="507012">
+                  <a:extLst>
+                    <a:ext uri="{9D8B030D-6E8A-4147-A177-3AD203B41FA5}">
+                      <a16:colId xmlns:a16="http://schemas.microsoft.com/office/drawing/2014/main" val="3531561022"/>
+                    </a:ext>
+                  </a:extLst>
+                </a:gridCol>
+                <a:gridCol w="735862">
                   <a:extLst>
                     <a:ext uri="{9D8B030D-6E8A-4147-A177-3AD203B41FA5}">
                       <a16:colId xmlns:a16="http://schemas.microsoft.com/office/drawing/2014/main" val="1875217478"/>
                     </a:ext>
                   </a:extLst>
                 </a:gridCol>
-                <a:gridCol w="1354667">
+                <a:gridCol w="889738">
                   <a:extLst>
                     <a:ext uri="{9D8B030D-6E8A-4147-A177-3AD203B41FA5}">
-                      <a16:colId xmlns:a16="http://schemas.microsoft.com/office/drawing/2014/main" val="3010363643"/>
+                      <a16:colId xmlns:a16="http://schemas.microsoft.com/office/drawing/2014/main" val="4121953698"/>
                     </a:ext>
                   </a:extLst>
                 </a:gridCol>
-                <a:gridCol w="2032000">
+                <a:gridCol w="1214270">
                   <a:extLst>
                     <a:ext uri="{9D8B030D-6E8A-4147-A177-3AD203B41FA5}">
                       <a16:colId xmlns:a16="http://schemas.microsoft.com/office/drawing/2014/main" val="185791429"/>
                     </a:ext>
                   </a:extLst>
                 </a:gridCol>
-                <a:gridCol w="2032000">
+                <a:gridCol w="411330">
+                  <a:extLst>
+                    <a:ext uri="{9D8B030D-6E8A-4147-A177-3AD203B41FA5}">
+                      <a16:colId xmlns:a16="http://schemas.microsoft.com/office/drawing/2014/main" val="605175573"/>
+                    </a:ext>
+                  </a:extLst>
+                </a:gridCol>
+                <a:gridCol w="1625600">
                   <a:extLst>
                     <a:ext uri="{9D8B030D-6E8A-4147-A177-3AD203B41FA5}">
                       <a16:colId xmlns:a16="http://schemas.microsoft.com/office/drawing/2014/main" val="4060853715"/>
@@ -8650,7 +8678,7 @@
                 </a:gridCol>
               </a:tblGrid>
               <a:tr h="370840">
-                <a:tc gridSpan="5">
+                <a:tc gridSpan="9">
                   <a:txBody>
                     <a:bodyPr/>
                     <a:lstStyle/>
@@ -8677,6 +8705,28 @@
                     <a:bodyPr/>
                     <a:lstStyle/>
                     <a:p>
+                      <a:r>
+                        <a:rPr lang="en-US" altLang="zh-CN" b="1" dirty="0"/>
+                        <a:t>Day3/July 7,</a:t>
+                      </a:r>
+                      <a:r>
+                        <a:rPr lang="zh-CN" altLang="en-US" b="1" dirty="0"/>
+                        <a:t> </a:t>
+                      </a:r>
+                      <a:r>
+                        <a:rPr lang="en-US" altLang="zh-CN" b="1" dirty="0"/>
+                        <a:t>2023</a:t>
+                      </a:r>
+                      <a:endParaRPr lang="zh-CN" altLang="en-US" b="1" dirty="0"/>
+                    </a:p>
+                  </a:txBody>
+                  <a:tcPr/>
+                </a:tc>
+                <a:tc hMerge="1">
+                  <a:txBody>
+                    <a:bodyPr/>
+                    <a:lstStyle/>
+                    <a:p>
                       <a:endParaRPr lang="zh-CN" altLang="en-US"/>
                     </a:p>
                   </a:txBody>
@@ -8687,7 +8737,37 @@
                     <a:bodyPr/>
                     <a:lstStyle/>
                     <a:p>
-                      <a:endParaRPr lang="zh-CN" altLang="en-US" dirty="0"/>
+                      <a:endParaRPr lang="zh-CN" altLang="en-US"/>
+                    </a:p>
+                  </a:txBody>
+                  <a:tcPr/>
+                </a:tc>
+                <a:tc hMerge="1">
+                  <a:txBody>
+                    <a:bodyPr/>
+                    <a:lstStyle/>
+                    <a:p>
+                      <a:endParaRPr lang="zh-CN" altLang="en-US"/>
+                    </a:p>
+                  </a:txBody>
+                  <a:tcPr/>
+                </a:tc>
+                <a:tc hMerge="1">
+                  <a:txBody>
+                    <a:bodyPr/>
+                    <a:lstStyle/>
+                    <a:p>
+                      <a:endParaRPr lang="zh-CN" altLang="en-US"/>
+                    </a:p>
+                  </a:txBody>
+                  <a:tcPr/>
+                </a:tc>
+                <a:tc hMerge="1">
+                  <a:txBody>
+                    <a:bodyPr/>
+                    <a:lstStyle/>
+                    <a:p>
+                      <a:endParaRPr lang="zh-CN" altLang="en-US"/>
                     </a:p>
                   </a:txBody>
                   <a:tcPr/>
@@ -8719,7 +8799,7 @@
                 </a:extLst>
               </a:tr>
               <a:tr h="370840">
-                <a:tc gridSpan="2">
+                <a:tc gridSpan="3">
                   <a:txBody>
                     <a:bodyPr/>
                     <a:lstStyle/>
@@ -8755,57 +8835,6 @@
                     <a:bodyPr/>
                     <a:lstStyle/>
                     <a:p>
-                      <a:endParaRPr lang="zh-CN" altLang="en-US"/>
-                    </a:p>
-                  </a:txBody>
-                  <a:tcPr/>
-                </a:tc>
-                <a:tc gridSpan="3">
-                  <a:txBody>
-                    <a:bodyPr/>
-                    <a:lstStyle/>
-                    <a:p>
-                      <a:r>
-                        <a:rPr lang="en-US" altLang="zh-CN" b="1" dirty="0"/>
-                        <a:t>Plenary Speech</a:t>
-                      </a:r>
-                      <a:endParaRPr lang="zh-CN" altLang="en-US" b="1" dirty="0"/>
-                    </a:p>
-                  </a:txBody>
-                  <a:tcPr/>
-                </a:tc>
-                <a:tc hMerge="1">
-                  <a:txBody>
-                    <a:bodyPr/>
-                    <a:lstStyle/>
-                    <a:p>
-                      <a:endParaRPr lang="zh-CN" altLang="en-US"/>
-                    </a:p>
-                  </a:txBody>
-                  <a:tcPr/>
-                </a:tc>
-                <a:tc hMerge="1">
-                  <a:txBody>
-                    <a:bodyPr/>
-                    <a:lstStyle/>
-                    <a:p>
-                      <a:endParaRPr lang="zh-CN" altLang="en-US"/>
-                    </a:p>
-                  </a:txBody>
-                  <a:tcPr/>
-                </a:tc>
-                <a:extLst>
-                  <a:ext uri="{0D108BD9-81ED-4DB2-BD59-A6C34878D82A}">
-                    <a16:rowId xmlns:a16="http://schemas.microsoft.com/office/drawing/2014/main" val="3225636369"/>
-                  </a:ext>
-                </a:extLst>
-              </a:tr>
-              <a:tr h="370840">
-                <a:tc gridSpan="2">
-                  <a:txBody>
-                    <a:bodyPr/>
-                    <a:lstStyle/>
-                    <a:p>
                       <a:pPr marL="0" marR="0" lvl="0" indent="0" algn="l" defTabSz="914400" rtl="0" eaLnBrk="1" fontAlgn="auto" latinLnBrk="0" hangingPunct="1">
                         <a:lnSpc>
                           <a:spcPct val="100000"/>
@@ -8825,7 +8854,7 @@
                       </a:pPr>
                       <a:r>
                         <a:rPr lang="en-US" altLang="zh-CN" b="1" dirty="0"/>
-                        <a:t>10:10-10:35</a:t>
+                        <a:t>08:30-10:10</a:t>
                       </a:r>
                       <a:endParaRPr lang="zh-CN" altLang="en-US" b="1" dirty="0"/>
                     </a:p>
@@ -8833,61 +8862,6 @@
                   <a:tcPr/>
                 </a:tc>
                 <a:tc hMerge="1">
-                  <a:txBody>
-                    <a:bodyPr/>
-                    <a:lstStyle/>
-                    <a:p>
-                      <a:endParaRPr lang="zh-CN" altLang="en-US"/>
-                    </a:p>
-                  </a:txBody>
-                  <a:tcPr/>
-                </a:tc>
-                <a:tc gridSpan="3">
-                  <a:txBody>
-                    <a:bodyPr/>
-                    <a:lstStyle/>
-                    <a:p>
-                      <a:r>
-                        <a:rPr lang="en-US" altLang="zh-CN" b="1"/>
-                        <a:t>Coffee </a:t>
-                      </a:r>
-                      <a:r>
-                        <a:rPr lang="en-US" altLang="zh-CN" b="1" dirty="0"/>
-                        <a:t>&amp; Tea Break</a:t>
-                      </a:r>
-                      <a:endParaRPr lang="zh-CN" altLang="en-US" b="1" dirty="0"/>
-                    </a:p>
-                  </a:txBody>
-                  <a:tcPr/>
-                </a:tc>
-                <a:tc hMerge="1">
-                  <a:txBody>
-                    <a:bodyPr/>
-                    <a:lstStyle/>
-                    <a:p>
-                      <a:endParaRPr lang="zh-CN" altLang="en-US"/>
-                    </a:p>
-                  </a:txBody>
-                  <a:tcPr/>
-                </a:tc>
-                <a:tc hMerge="1">
-                  <a:txBody>
-                    <a:bodyPr/>
-                    <a:lstStyle/>
-                    <a:p>
-                      <a:endParaRPr lang="zh-CN" altLang="en-US"/>
-                    </a:p>
-                  </a:txBody>
-                  <a:tcPr/>
-                </a:tc>
-                <a:extLst>
-                  <a:ext uri="{0D108BD9-81ED-4DB2-BD59-A6C34878D82A}">
-                    <a16:rowId xmlns:a16="http://schemas.microsoft.com/office/drawing/2014/main" val="604983512"/>
-                  </a:ext>
-                </a:extLst>
-              </a:tr>
-              <a:tr h="370840">
-                <a:tc gridSpan="2">
                   <a:txBody>
                     <a:bodyPr/>
                     <a:lstStyle/>
@@ -8909,15 +8883,25 @@
                         <a:tabLst/>
                         <a:defRPr/>
                       </a:pPr>
-                      <a:r>
-                        <a:rPr lang="en-US" altLang="zh-CN" b="1" dirty="0"/>
-                        <a:t>10:35-11:15</a:t>
-                      </a:r>
                       <a:endParaRPr lang="zh-CN" altLang="en-US" b="1" dirty="0"/>
                     </a:p>
                   </a:txBody>
                   <a:tcPr/>
                 </a:tc>
+                <a:tc gridSpan="6">
+                  <a:txBody>
+                    <a:bodyPr/>
+                    <a:lstStyle/>
+                    <a:p>
+                      <a:r>
+                        <a:rPr lang="en-US" altLang="zh-CN" b="1"/>
+                        <a:t>Plenary Speech</a:t>
+                      </a:r>
+                      <a:endParaRPr lang="zh-CN" altLang="en-US"/>
+                    </a:p>
+                  </a:txBody>
+                  <a:tcPr/>
+                </a:tc>
                 <a:tc hMerge="1">
                   <a:txBody>
                     <a:bodyPr/>
@@ -8928,6 +8912,53 @@
                   </a:txBody>
                   <a:tcPr/>
                 </a:tc>
+                <a:tc hMerge="1">
+                  <a:txBody>
+                    <a:bodyPr/>
+                    <a:lstStyle/>
+                    <a:p>
+                      <a:endParaRPr lang="zh-CN" altLang="en-US"/>
+                    </a:p>
+                  </a:txBody>
+                  <a:tcPr/>
+                </a:tc>
+                <a:tc hMerge="1">
+                  <a:txBody>
+                    <a:bodyPr/>
+                    <a:lstStyle/>
+                    <a:p>
+                      <a:endParaRPr lang="zh-CN" altLang="en-US"/>
+                    </a:p>
+                  </a:txBody>
+                  <a:tcPr/>
+                </a:tc>
+                <a:tc hMerge="1">
+                  <a:txBody>
+                    <a:bodyPr/>
+                    <a:lstStyle/>
+                    <a:p>
+                      <a:endParaRPr lang="zh-CN" altLang="en-US"/>
+                    </a:p>
+                  </a:txBody>
+                  <a:tcPr/>
+                </a:tc>
+                <a:tc hMerge="1">
+                  <a:txBody>
+                    <a:bodyPr/>
+                    <a:lstStyle/>
+                    <a:p>
+                      <a:endParaRPr lang="zh-CN" altLang="en-US"/>
+                    </a:p>
+                  </a:txBody>
+                  <a:tcPr/>
+                </a:tc>
+                <a:extLst>
+                  <a:ext uri="{0D108BD9-81ED-4DB2-BD59-A6C34878D82A}">
+                    <a16:rowId xmlns:a16="http://schemas.microsoft.com/office/drawing/2014/main" val="3225636369"/>
+                  </a:ext>
+                </a:extLst>
+              </a:tr>
+              <a:tr h="370840">
                 <a:tc gridSpan="3">
                   <a:txBody>
                     <a:bodyPr/>
@@ -8952,7 +8983,7 @@
                       </a:pPr>
                       <a:r>
                         <a:rPr lang="en-US" altLang="zh-CN" b="1" dirty="0"/>
-                        <a:t>Plenary Speech</a:t>
+                        <a:t>10:10-10:35</a:t>
                       </a:r>
                       <a:endParaRPr lang="zh-CN" altLang="en-US" b="1" dirty="0"/>
                     </a:p>
@@ -8960,33 +8991,6 @@
                   <a:tcPr/>
                 </a:tc>
                 <a:tc hMerge="1">
-                  <a:txBody>
-                    <a:bodyPr/>
-                    <a:lstStyle/>
-                    <a:p>
-                      <a:endParaRPr lang="zh-CN" altLang="en-US"/>
-                    </a:p>
-                  </a:txBody>
-                  <a:tcPr/>
-                </a:tc>
-                <a:tc hMerge="1">
-                  <a:txBody>
-                    <a:bodyPr/>
-                    <a:lstStyle/>
-                    <a:p>
-                      <a:endParaRPr lang="zh-CN" altLang="en-US"/>
-                    </a:p>
-                  </a:txBody>
-                  <a:tcPr/>
-                </a:tc>
-                <a:extLst>
-                  <a:ext uri="{0D108BD9-81ED-4DB2-BD59-A6C34878D82A}">
-                    <a16:rowId xmlns:a16="http://schemas.microsoft.com/office/drawing/2014/main" val="151815418"/>
-                  </a:ext>
-                </a:extLst>
-              </a:tr>
-              <a:tr h="370840">
-                <a:tc gridSpan="2">
                   <a:txBody>
                     <a:bodyPr/>
                     <a:lstStyle/>
@@ -9010,7 +9014,7 @@
                       </a:pPr>
                       <a:r>
                         <a:rPr lang="en-US" altLang="zh-CN" b="1" dirty="0"/>
-                        <a:t>11:15-12:15</a:t>
+                        <a:t>10:10-10:35</a:t>
                       </a:r>
                       <a:endParaRPr lang="zh-CN" altLang="en-US" b="1" dirty="0"/>
                     </a:p>
@@ -9018,16 +9022,6 @@
                   <a:tcPr/>
                 </a:tc>
                 <a:tc hMerge="1">
-                  <a:txBody>
-                    <a:bodyPr/>
-                    <a:lstStyle/>
-                    <a:p>
-                      <a:endParaRPr lang="zh-CN" altLang="en-US"/>
-                    </a:p>
-                  </a:txBody>
-                  <a:tcPr/>
-                </a:tc>
-                <a:tc gridSpan="3">
                   <a:txBody>
                     <a:bodyPr/>
                     <a:lstStyle/>
@@ -9049,11 +9043,51 @@
                         <a:tabLst/>
                         <a:defRPr/>
                       </a:pPr>
-                      <a:r>
-                        <a:rPr lang="en-US" altLang="zh-CN" b="1" dirty="0"/>
-                        <a:t>Keynote Speech</a:t>
-                      </a:r>
                       <a:endParaRPr lang="zh-CN" altLang="en-US" b="1" dirty="0"/>
+                    </a:p>
+                  </a:txBody>
+                  <a:tcPr/>
+                </a:tc>
+                <a:tc gridSpan="6">
+                  <a:txBody>
+                    <a:bodyPr/>
+                    <a:lstStyle/>
+                    <a:p>
+                      <a:r>
+                        <a:rPr lang="en-US" altLang="zh-CN" b="1"/>
+                        <a:t>Coffee &amp; Tea Break</a:t>
+                      </a:r>
+                      <a:endParaRPr lang="zh-CN" altLang="en-US"/>
+                    </a:p>
+                  </a:txBody>
+                  <a:tcPr/>
+                </a:tc>
+                <a:tc hMerge="1">
+                  <a:txBody>
+                    <a:bodyPr/>
+                    <a:lstStyle/>
+                    <a:p>
+                      <a:endParaRPr lang="zh-CN" altLang="en-US"/>
+                    </a:p>
+                  </a:txBody>
+                  <a:tcPr/>
+                </a:tc>
+                <a:tc hMerge="1">
+                  <a:txBody>
+                    <a:bodyPr/>
+                    <a:lstStyle/>
+                    <a:p>
+                      <a:endParaRPr lang="zh-CN" altLang="en-US"/>
+                    </a:p>
+                  </a:txBody>
+                  <a:tcPr/>
+                </a:tc>
+                <a:tc hMerge="1">
+                  <a:txBody>
+                    <a:bodyPr/>
+                    <a:lstStyle/>
+                    <a:p>
+                      <a:endParaRPr lang="zh-CN" altLang="en-US"/>
                     </a:p>
                   </a:txBody>
                   <a:tcPr/>
@@ -9080,12 +9114,12 @@
                 </a:tc>
                 <a:extLst>
                   <a:ext uri="{0D108BD9-81ED-4DB2-BD59-A6C34878D82A}">
-                    <a16:rowId xmlns:a16="http://schemas.microsoft.com/office/drawing/2014/main" val="1629404881"/>
+                    <a16:rowId xmlns:a16="http://schemas.microsoft.com/office/drawing/2014/main" val="604983512"/>
                   </a:ext>
                 </a:extLst>
               </a:tr>
               <a:tr h="370840">
-                <a:tc gridSpan="2">
+                <a:tc gridSpan="3">
                   <a:txBody>
                     <a:bodyPr/>
                     <a:lstStyle/>
@@ -9109,7 +9143,7 @@
                       </a:pPr>
                       <a:r>
                         <a:rPr lang="en-US" altLang="zh-CN" b="1" dirty="0"/>
-                        <a:t>12:15-13:30</a:t>
+                        <a:t>10:35-11:15</a:t>
                       </a:r>
                       <a:endParaRPr lang="zh-CN" altLang="en-US" b="1" dirty="0"/>
                     </a:p>
@@ -9117,16 +9151,6 @@
                   <a:tcPr/>
                 </a:tc>
                 <a:tc hMerge="1">
-                  <a:txBody>
-                    <a:bodyPr/>
-                    <a:lstStyle/>
-                    <a:p>
-                      <a:endParaRPr lang="zh-CN" altLang="en-US"/>
-                    </a:p>
-                  </a:txBody>
-                  <a:tcPr/>
-                </a:tc>
-                <a:tc gridSpan="3">
                   <a:txBody>
                     <a:bodyPr/>
                     <a:lstStyle/>
@@ -9150,7 +9174,7 @@
                       </a:pPr>
                       <a:r>
                         <a:rPr lang="en-US" altLang="zh-CN" b="1" dirty="0"/>
-                        <a:t>Lunch &amp; Break</a:t>
+                        <a:t>10:35-11:15</a:t>
                       </a:r>
                       <a:endParaRPr lang="zh-CN" altLang="en-US" b="1" dirty="0"/>
                     </a:p>
@@ -9158,33 +9182,6 @@
                   <a:tcPr/>
                 </a:tc>
                 <a:tc hMerge="1">
-                  <a:txBody>
-                    <a:bodyPr/>
-                    <a:lstStyle/>
-                    <a:p>
-                      <a:endParaRPr lang="zh-CN" altLang="en-US"/>
-                    </a:p>
-                  </a:txBody>
-                  <a:tcPr/>
-                </a:tc>
-                <a:tc hMerge="1">
-                  <a:txBody>
-                    <a:bodyPr/>
-                    <a:lstStyle/>
-                    <a:p>
-                      <a:endParaRPr lang="zh-CN" altLang="en-US"/>
-                    </a:p>
-                  </a:txBody>
-                  <a:tcPr/>
-                </a:tc>
-                <a:extLst>
-                  <a:ext uri="{0D108BD9-81ED-4DB2-BD59-A6C34878D82A}">
-                    <a16:rowId xmlns:a16="http://schemas.microsoft.com/office/drawing/2014/main" val="3610443153"/>
-                  </a:ext>
-                </a:extLst>
-              </a:tr>
-              <a:tr h="370840">
-                <a:tc gridSpan="2">
                   <a:txBody>
                     <a:bodyPr/>
                     <a:lstStyle/>
@@ -9206,24 +9203,24 @@
                         <a:tabLst/>
                         <a:defRPr/>
                       </a:pPr>
-                      <a:r>
-                        <a:rPr lang="en-US" altLang="zh-CN" b="1" dirty="0"/>
-                        <a:t>13:30-15:30</a:t>
-                      </a:r>
                       <a:endParaRPr lang="zh-CN" altLang="en-US" b="1" dirty="0"/>
                     </a:p>
                   </a:txBody>
-                  <a:tcPr>
-                    <a:lnB w="12700" cap="flat" cmpd="sng" algn="ctr">
-                      <a:solidFill>
-                        <a:schemeClr val="tx1"/>
-                      </a:solidFill>
-                      <a:prstDash val="solid"/>
-                      <a:round/>
-                      <a:headEnd type="none" w="med" len="med"/>
-                      <a:tailEnd type="none" w="med" len="med"/>
-                    </a:lnB>
-                  </a:tcPr>
+                  <a:tcPr/>
+                </a:tc>
+                <a:tc gridSpan="6">
+                  <a:txBody>
+                    <a:bodyPr/>
+                    <a:lstStyle/>
+                    <a:p>
+                      <a:r>
+                        <a:rPr lang="en-US" altLang="zh-CN" b="1"/>
+                        <a:t>Plenary Speech</a:t>
+                      </a:r>
+                      <a:endParaRPr lang="zh-CN" altLang="en-US"/>
+                    </a:p>
+                  </a:txBody>
+                  <a:tcPr/>
                 </a:tc>
                 <a:tc hMerge="1">
                   <a:txBody>
@@ -9235,6 +9232,53 @@
                   </a:txBody>
                   <a:tcPr/>
                 </a:tc>
+                <a:tc hMerge="1">
+                  <a:txBody>
+                    <a:bodyPr/>
+                    <a:lstStyle/>
+                    <a:p>
+                      <a:endParaRPr lang="zh-CN" altLang="en-US"/>
+                    </a:p>
+                  </a:txBody>
+                  <a:tcPr/>
+                </a:tc>
+                <a:tc hMerge="1">
+                  <a:txBody>
+                    <a:bodyPr/>
+                    <a:lstStyle/>
+                    <a:p>
+                      <a:endParaRPr lang="zh-CN" altLang="en-US"/>
+                    </a:p>
+                  </a:txBody>
+                  <a:tcPr/>
+                </a:tc>
+                <a:tc hMerge="1">
+                  <a:txBody>
+                    <a:bodyPr/>
+                    <a:lstStyle/>
+                    <a:p>
+                      <a:endParaRPr lang="zh-CN" altLang="en-US"/>
+                    </a:p>
+                  </a:txBody>
+                  <a:tcPr/>
+                </a:tc>
+                <a:tc hMerge="1">
+                  <a:txBody>
+                    <a:bodyPr/>
+                    <a:lstStyle/>
+                    <a:p>
+                      <a:endParaRPr lang="zh-CN" altLang="en-US"/>
+                    </a:p>
+                  </a:txBody>
+                  <a:tcPr/>
+                </a:tc>
+                <a:extLst>
+                  <a:ext uri="{0D108BD9-81ED-4DB2-BD59-A6C34878D82A}">
+                    <a16:rowId xmlns:a16="http://schemas.microsoft.com/office/drawing/2014/main" val="151815418"/>
+                  </a:ext>
+                </a:extLst>
+              </a:tr>
+              <a:tr h="370840">
                 <a:tc gridSpan="3">
                   <a:txBody>
                     <a:bodyPr/>
@@ -9259,12 +9303,435 @@
                       </a:pPr>
                       <a:r>
                         <a:rPr lang="en-US" altLang="zh-CN" b="1" dirty="0"/>
+                        <a:t>11:15-12:15</a:t>
+                      </a:r>
+                      <a:endParaRPr lang="zh-CN" altLang="en-US" b="1" dirty="0"/>
+                    </a:p>
+                  </a:txBody>
+                  <a:tcPr/>
+                </a:tc>
+                <a:tc hMerge="1">
+                  <a:txBody>
+                    <a:bodyPr/>
+                    <a:lstStyle/>
+                    <a:p>
+                      <a:pPr marL="0" marR="0" lvl="0" indent="0" algn="l" defTabSz="914400" rtl="0" eaLnBrk="1" fontAlgn="auto" latinLnBrk="0" hangingPunct="1">
+                        <a:lnSpc>
+                          <a:spcPct val="100000"/>
+                        </a:lnSpc>
+                        <a:spcBef>
+                          <a:spcPts val="0"/>
+                        </a:spcBef>
+                        <a:spcAft>
+                          <a:spcPts val="0"/>
+                        </a:spcAft>
+                        <a:buClrTx/>
+                        <a:buSzTx/>
+                        <a:buFontTx/>
+                        <a:buNone/>
+                        <a:tabLst/>
+                        <a:defRPr/>
+                      </a:pPr>
+                      <a:r>
+                        <a:rPr lang="en-US" altLang="zh-CN" b="1" dirty="0"/>
+                        <a:t>11:15-12:15</a:t>
+                      </a:r>
+                      <a:endParaRPr lang="zh-CN" altLang="en-US" b="1" dirty="0"/>
+                    </a:p>
+                  </a:txBody>
+                  <a:tcPr/>
+                </a:tc>
+                <a:tc hMerge="1">
+                  <a:txBody>
+                    <a:bodyPr/>
+                    <a:lstStyle/>
+                    <a:p>
+                      <a:pPr marL="0" marR="0" lvl="0" indent="0" algn="l" defTabSz="914400" rtl="0" eaLnBrk="1" fontAlgn="auto" latinLnBrk="0" hangingPunct="1">
+                        <a:lnSpc>
+                          <a:spcPct val="100000"/>
+                        </a:lnSpc>
+                        <a:spcBef>
+                          <a:spcPts val="0"/>
+                        </a:spcBef>
+                        <a:spcAft>
+                          <a:spcPts val="0"/>
+                        </a:spcAft>
+                        <a:buClrTx/>
+                        <a:buSzTx/>
+                        <a:buFontTx/>
+                        <a:buNone/>
+                        <a:tabLst/>
+                        <a:defRPr/>
+                      </a:pPr>
+                      <a:endParaRPr lang="zh-CN" altLang="en-US" b="1" dirty="0"/>
+                    </a:p>
+                  </a:txBody>
+                  <a:tcPr/>
+                </a:tc>
+                <a:tc gridSpan="6">
+                  <a:txBody>
+                    <a:bodyPr/>
+                    <a:lstStyle/>
+                    <a:p>
+                      <a:r>
+                        <a:rPr lang="en-US" altLang="zh-CN" b="1" dirty="0"/>
+                        <a:t>Keynote Speech</a:t>
+                      </a:r>
+                      <a:endParaRPr lang="zh-CN" altLang="en-US" dirty="0"/>
+                    </a:p>
+                  </a:txBody>
+                  <a:tcPr/>
+                </a:tc>
+                <a:tc hMerge="1">
+                  <a:txBody>
+                    <a:bodyPr/>
+                    <a:lstStyle/>
+                    <a:p>
+                      <a:endParaRPr lang="zh-CN" altLang="en-US"/>
+                    </a:p>
+                  </a:txBody>
+                  <a:tcPr/>
+                </a:tc>
+                <a:tc hMerge="1">
+                  <a:txBody>
+                    <a:bodyPr/>
+                    <a:lstStyle/>
+                    <a:p>
+                      <a:endParaRPr lang="zh-CN" altLang="en-US"/>
+                    </a:p>
+                  </a:txBody>
+                  <a:tcPr/>
+                </a:tc>
+                <a:tc hMerge="1">
+                  <a:txBody>
+                    <a:bodyPr/>
+                    <a:lstStyle/>
+                    <a:p>
+                      <a:endParaRPr lang="zh-CN" altLang="en-US"/>
+                    </a:p>
+                  </a:txBody>
+                  <a:tcPr/>
+                </a:tc>
+                <a:tc hMerge="1">
+                  <a:txBody>
+                    <a:bodyPr/>
+                    <a:lstStyle/>
+                    <a:p>
+                      <a:endParaRPr lang="zh-CN" altLang="en-US"/>
+                    </a:p>
+                  </a:txBody>
+                  <a:tcPr/>
+                </a:tc>
+                <a:tc hMerge="1">
+                  <a:txBody>
+                    <a:bodyPr/>
+                    <a:lstStyle/>
+                    <a:p>
+                      <a:endParaRPr lang="zh-CN" altLang="en-US"/>
+                    </a:p>
+                  </a:txBody>
+                  <a:tcPr/>
+                </a:tc>
+                <a:extLst>
+                  <a:ext uri="{0D108BD9-81ED-4DB2-BD59-A6C34878D82A}">
+                    <a16:rowId xmlns:a16="http://schemas.microsoft.com/office/drawing/2014/main" val="1629404881"/>
+                  </a:ext>
+                </a:extLst>
+              </a:tr>
+              <a:tr h="370840">
+                <a:tc gridSpan="3">
+                  <a:txBody>
+                    <a:bodyPr/>
+                    <a:lstStyle/>
+                    <a:p>
+                      <a:pPr marL="0" marR="0" lvl="0" indent="0" algn="l" defTabSz="914400" rtl="0" eaLnBrk="1" fontAlgn="auto" latinLnBrk="0" hangingPunct="1">
+                        <a:lnSpc>
+                          <a:spcPct val="100000"/>
+                        </a:lnSpc>
+                        <a:spcBef>
+                          <a:spcPts val="0"/>
+                        </a:spcBef>
+                        <a:spcAft>
+                          <a:spcPts val="0"/>
+                        </a:spcAft>
+                        <a:buClrTx/>
+                        <a:buSzTx/>
+                        <a:buFontTx/>
+                        <a:buNone/>
+                        <a:tabLst/>
+                        <a:defRPr/>
+                      </a:pPr>
+                      <a:r>
+                        <a:rPr lang="en-US" altLang="zh-CN" b="1" dirty="0"/>
+                        <a:t>12:15-13:30</a:t>
+                      </a:r>
+                      <a:endParaRPr lang="zh-CN" altLang="en-US" b="1" dirty="0"/>
+                    </a:p>
+                  </a:txBody>
+                  <a:tcPr/>
+                </a:tc>
+                <a:tc hMerge="1">
+                  <a:txBody>
+                    <a:bodyPr/>
+                    <a:lstStyle/>
+                    <a:p>
+                      <a:pPr marL="0" marR="0" lvl="0" indent="0" algn="l" defTabSz="914400" rtl="0" eaLnBrk="1" fontAlgn="auto" latinLnBrk="0" hangingPunct="1">
+                        <a:lnSpc>
+                          <a:spcPct val="100000"/>
+                        </a:lnSpc>
+                        <a:spcBef>
+                          <a:spcPts val="0"/>
+                        </a:spcBef>
+                        <a:spcAft>
+                          <a:spcPts val="0"/>
+                        </a:spcAft>
+                        <a:buClrTx/>
+                        <a:buSzTx/>
+                        <a:buFontTx/>
+                        <a:buNone/>
+                        <a:tabLst/>
+                        <a:defRPr/>
+                      </a:pPr>
+                      <a:r>
+                        <a:rPr lang="en-US" altLang="zh-CN" b="1" dirty="0"/>
+                        <a:t>12:15-13:30</a:t>
+                      </a:r>
+                      <a:endParaRPr lang="zh-CN" altLang="en-US" b="1" dirty="0"/>
+                    </a:p>
+                  </a:txBody>
+                  <a:tcPr/>
+                </a:tc>
+                <a:tc hMerge="1">
+                  <a:txBody>
+                    <a:bodyPr/>
+                    <a:lstStyle/>
+                    <a:p>
+                      <a:pPr marL="0" marR="0" lvl="0" indent="0" algn="l" defTabSz="914400" rtl="0" eaLnBrk="1" fontAlgn="auto" latinLnBrk="0" hangingPunct="1">
+                        <a:lnSpc>
+                          <a:spcPct val="100000"/>
+                        </a:lnSpc>
+                        <a:spcBef>
+                          <a:spcPts val="0"/>
+                        </a:spcBef>
+                        <a:spcAft>
+                          <a:spcPts val="0"/>
+                        </a:spcAft>
+                        <a:buClrTx/>
+                        <a:buSzTx/>
+                        <a:buFontTx/>
+                        <a:buNone/>
+                        <a:tabLst/>
+                        <a:defRPr/>
+                      </a:pPr>
+                      <a:endParaRPr lang="zh-CN" altLang="en-US" b="1" dirty="0"/>
+                    </a:p>
+                  </a:txBody>
+                  <a:tcPr/>
+                </a:tc>
+                <a:tc gridSpan="6">
+                  <a:txBody>
+                    <a:bodyPr/>
+                    <a:lstStyle/>
+                    <a:p>
+                      <a:r>
+                        <a:rPr lang="en-US" altLang="zh-CN" b="1"/>
+                        <a:t>Lunch &amp; Break</a:t>
+                      </a:r>
+                      <a:endParaRPr lang="zh-CN" altLang="en-US"/>
+                    </a:p>
+                  </a:txBody>
+                  <a:tcPr/>
+                </a:tc>
+                <a:tc hMerge="1">
+                  <a:txBody>
+                    <a:bodyPr/>
+                    <a:lstStyle/>
+                    <a:p>
+                      <a:endParaRPr lang="zh-CN" altLang="en-US"/>
+                    </a:p>
+                  </a:txBody>
+                  <a:tcPr/>
+                </a:tc>
+                <a:tc hMerge="1">
+                  <a:txBody>
+                    <a:bodyPr/>
+                    <a:lstStyle/>
+                    <a:p>
+                      <a:endParaRPr lang="zh-CN" altLang="en-US"/>
+                    </a:p>
+                  </a:txBody>
+                  <a:tcPr/>
+                </a:tc>
+                <a:tc hMerge="1">
+                  <a:txBody>
+                    <a:bodyPr/>
+                    <a:lstStyle/>
+                    <a:p>
+                      <a:endParaRPr lang="zh-CN" altLang="en-US"/>
+                    </a:p>
+                  </a:txBody>
+                  <a:tcPr/>
+                </a:tc>
+                <a:tc hMerge="1">
+                  <a:txBody>
+                    <a:bodyPr/>
+                    <a:lstStyle/>
+                    <a:p>
+                      <a:endParaRPr lang="zh-CN" altLang="en-US"/>
+                    </a:p>
+                  </a:txBody>
+                  <a:tcPr/>
+                </a:tc>
+                <a:tc hMerge="1">
+                  <a:txBody>
+                    <a:bodyPr/>
+                    <a:lstStyle/>
+                    <a:p>
+                      <a:endParaRPr lang="zh-CN" altLang="en-US"/>
+                    </a:p>
+                  </a:txBody>
+                  <a:tcPr/>
+                </a:tc>
+                <a:extLst>
+                  <a:ext uri="{0D108BD9-81ED-4DB2-BD59-A6C34878D82A}">
+                    <a16:rowId xmlns:a16="http://schemas.microsoft.com/office/drawing/2014/main" val="3610443153"/>
+                  </a:ext>
+                </a:extLst>
+              </a:tr>
+              <a:tr h="370840">
+                <a:tc gridSpan="3">
+                  <a:txBody>
+                    <a:bodyPr/>
+                    <a:lstStyle/>
+                    <a:p>
+                      <a:pPr marL="0" marR="0" lvl="0" indent="0" algn="l" defTabSz="914400" rtl="0" eaLnBrk="1" fontAlgn="auto" latinLnBrk="0" hangingPunct="1">
+                        <a:lnSpc>
+                          <a:spcPct val="100000"/>
+                        </a:lnSpc>
+                        <a:spcBef>
+                          <a:spcPts val="0"/>
+                        </a:spcBef>
+                        <a:spcAft>
+                          <a:spcPts val="0"/>
+                        </a:spcAft>
+                        <a:buClrTx/>
+                        <a:buSzTx/>
+                        <a:buFontTx/>
+                        <a:buNone/>
+                        <a:tabLst/>
+                        <a:defRPr/>
+                      </a:pPr>
+                      <a:r>
+                        <a:rPr lang="en-US" altLang="zh-CN" b="1" dirty="0"/>
+                        <a:t>13:30-15:30</a:t>
+                      </a:r>
+                      <a:endParaRPr lang="zh-CN" altLang="en-US" b="1" dirty="0"/>
+                    </a:p>
+                  </a:txBody>
+                  <a:tcPr>
+                    <a:lnB w="12700" cap="flat" cmpd="sng" algn="ctr">
+                      <a:solidFill>
+                        <a:schemeClr val="tx1"/>
+                      </a:solidFill>
+                      <a:prstDash val="solid"/>
+                      <a:round/>
+                      <a:headEnd type="none" w="med" len="med"/>
+                      <a:tailEnd type="none" w="med" len="med"/>
+                    </a:lnB>
+                  </a:tcPr>
+                </a:tc>
+                <a:tc hMerge="1">
+                  <a:txBody>
+                    <a:bodyPr/>
+                    <a:lstStyle/>
+                    <a:p>
+                      <a:pPr marL="0" marR="0" lvl="0" indent="0" algn="l" defTabSz="914400" rtl="0" eaLnBrk="1" fontAlgn="auto" latinLnBrk="0" hangingPunct="1">
+                        <a:lnSpc>
+                          <a:spcPct val="100000"/>
+                        </a:lnSpc>
+                        <a:spcBef>
+                          <a:spcPts val="0"/>
+                        </a:spcBef>
+                        <a:spcAft>
+                          <a:spcPts val="0"/>
+                        </a:spcAft>
+                        <a:buClrTx/>
+                        <a:buSzTx/>
+                        <a:buFontTx/>
+                        <a:buNone/>
+                        <a:tabLst/>
+                        <a:defRPr/>
+                      </a:pPr>
+                      <a:r>
+                        <a:rPr lang="en-US" altLang="zh-CN" b="1" dirty="0"/>
+                        <a:t>13:30-15:30</a:t>
+                      </a:r>
+                      <a:endParaRPr lang="zh-CN" altLang="en-US" b="1" dirty="0"/>
+                    </a:p>
+                  </a:txBody>
+                  <a:tcPr>
+                    <a:lnB w="12700" cap="flat" cmpd="sng" algn="ctr">
+                      <a:solidFill>
+                        <a:schemeClr val="tx1"/>
+                      </a:solidFill>
+                      <a:prstDash val="solid"/>
+                      <a:round/>
+                      <a:headEnd type="none" w="med" len="med"/>
+                      <a:tailEnd type="none" w="med" len="med"/>
+                    </a:lnB>
+                  </a:tcPr>
+                </a:tc>
+                <a:tc hMerge="1">
+                  <a:txBody>
+                    <a:bodyPr/>
+                    <a:lstStyle/>
+                    <a:p>
+                      <a:pPr marL="0" marR="0" lvl="0" indent="0" algn="l" defTabSz="914400" rtl="0" eaLnBrk="1" fontAlgn="auto" latinLnBrk="0" hangingPunct="1">
+                        <a:lnSpc>
+                          <a:spcPct val="100000"/>
+                        </a:lnSpc>
+                        <a:spcBef>
+                          <a:spcPts val="0"/>
+                        </a:spcBef>
+                        <a:spcAft>
+                          <a:spcPts val="0"/>
+                        </a:spcAft>
+                        <a:buClrTx/>
+                        <a:buSzTx/>
+                        <a:buFontTx/>
+                        <a:buNone/>
+                        <a:tabLst/>
+                        <a:defRPr/>
+                      </a:pPr>
+                      <a:endParaRPr lang="zh-CN" altLang="en-US" b="1" dirty="0"/>
+                    </a:p>
+                  </a:txBody>
+                  <a:tcPr>
+                    <a:lnB w="12700" cap="flat" cmpd="sng" algn="ctr">
+                      <a:solidFill>
+                        <a:schemeClr val="tx1"/>
+                      </a:solidFill>
+                      <a:prstDash val="solid"/>
+                      <a:round/>
+                      <a:headEnd type="none" w="med" len="med"/>
+                      <a:tailEnd type="none" w="med" len="med"/>
+                    </a:lnB>
+                  </a:tcPr>
+                </a:tc>
+                <a:tc gridSpan="6">
+                  <a:txBody>
+                    <a:bodyPr/>
+                    <a:lstStyle/>
+                    <a:p>
+                      <a:r>
+                        <a:rPr lang="en-US" altLang="zh-CN" b="1" dirty="0"/>
                         <a:t>Session</a:t>
                       </a:r>
                       <a:r>
                         <a:rPr lang="en-US" altLang="zh-CN" b="1" baseline="0" dirty="0"/>
                         <a:t> Ⅲ (S17 – S24)</a:t>
                       </a:r>
+                      <a:endParaRPr lang="zh-CN" altLang="en-US" dirty="0"/>
                     </a:p>
                   </a:txBody>
                   <a:tcPr>
@@ -9278,6 +9745,36 @@
                       <a:tailEnd type="none" w="med" len="med"/>
                     </a:lnB>
                   </a:tcPr>
+                </a:tc>
+                <a:tc hMerge="1">
+                  <a:txBody>
+                    <a:bodyPr/>
+                    <a:lstStyle/>
+                    <a:p>
+                      <a:endParaRPr lang="zh-CN" altLang="en-US"/>
+                    </a:p>
+                  </a:txBody>
+                  <a:tcPr/>
+                </a:tc>
+                <a:tc hMerge="1">
+                  <a:txBody>
+                    <a:bodyPr/>
+                    <a:lstStyle/>
+                    <a:p>
+                      <a:endParaRPr lang="zh-CN" altLang="en-US"/>
+                    </a:p>
+                  </a:txBody>
+                  <a:tcPr/>
+                </a:tc>
+                <a:tc hMerge="1">
+                  <a:txBody>
+                    <a:bodyPr/>
+                    <a:lstStyle/>
+                    <a:p>
+                      <a:endParaRPr lang="zh-CN" altLang="en-US"/>
+                    </a:p>
+                  </a:txBody>
+                  <a:tcPr/>
                 </a:tc>
                 <a:tc hMerge="1">
                   <a:txBody>
@@ -9306,7 +9803,7 @@
                 </a:extLst>
               </a:tr>
               <a:tr h="185420">
-                <a:tc>
+                <a:tc gridSpan="2">
                   <a:txBody>
                     <a:bodyPr/>
                     <a:lstStyle/>
@@ -9388,7 +9885,89 @@
                     </a:lnB>
                   </a:tcPr>
                 </a:tc>
-                <a:tc gridSpan="2">
+                <a:tc hMerge="1">
+                  <a:txBody>
+                    <a:bodyPr/>
+                    <a:lstStyle/>
+                    <a:p>
+                      <a:pPr marL="0" marR="0" lvl="0" indent="0" algn="ctr" defTabSz="914400" rtl="0" eaLnBrk="1" fontAlgn="auto" latinLnBrk="0" hangingPunct="1">
+                        <a:lnSpc>
+                          <a:spcPct val="100000"/>
+                        </a:lnSpc>
+                        <a:spcBef>
+                          <a:spcPts val="0"/>
+                        </a:spcBef>
+                        <a:spcAft>
+                          <a:spcPts val="0"/>
+                        </a:spcAft>
+                        <a:buClrTx/>
+                        <a:buSzTx/>
+                        <a:buFontTx/>
+                        <a:buNone/>
+                        <a:tabLst/>
+                        <a:defRPr/>
+                      </a:pPr>
+                      <a:r>
+                        <a:rPr lang="en-US" altLang="zh-CN" sz="1600" b="1" kern="1200" dirty="0">
+                          <a:solidFill>
+                            <a:schemeClr val="dk1"/>
+                          </a:solidFill>
+                          <a:latin typeface="+mn-lt"/>
+                          <a:ea typeface="+mn-ea"/>
+                          <a:cs typeface="+mn-cs"/>
+                        </a:rPr>
+                        <a:t>S17</a:t>
+                      </a:r>
+                      <a:endParaRPr lang="zh-CN" altLang="en-US" sz="1600" b="1" kern="1200" dirty="0">
+                        <a:solidFill>
+                          <a:schemeClr val="dk1"/>
+                        </a:solidFill>
+                        <a:latin typeface="+mn-lt"/>
+                        <a:ea typeface="+mn-ea"/>
+                        <a:cs typeface="+mn-cs"/>
+                      </a:endParaRPr>
+                    </a:p>
+                  </a:txBody>
+                  <a:tcPr>
+                    <a:lnL w="12700" cap="flat" cmpd="sng" algn="ctr">
+                      <a:solidFill>
+                        <a:schemeClr val="tx1"/>
+                      </a:solidFill>
+                      <a:prstDash val="solid"/>
+                      <a:round/>
+                      <a:headEnd type="none" w="med" len="med"/>
+                      <a:tailEnd type="none" w="med" len="med"/>
+                    </a:lnL>
+                    <a:lnR w="12700" cap="flat" cmpd="sng" algn="ctr">
+                      <a:solidFill>
+                        <a:schemeClr val="tx1"/>
+                      </a:solidFill>
+                      <a:prstDash val="solid"/>
+                      <a:round/>
+                      <a:headEnd type="none" w="med" len="med"/>
+                      <a:tailEnd type="none" w="med" len="med"/>
+                    </a:lnR>
+                    <a:lnT w="12700" cap="flat" cmpd="sng" algn="ctr">
+                      <a:solidFill>
+                        <a:schemeClr val="tx1"/>
+                      </a:solidFill>
+                      <a:prstDash val="solid"/>
+                      <a:round/>
+                      <a:headEnd type="none" w="med" len="med"/>
+                      <a:tailEnd type="none" w="med" len="med"/>
+                    </a:lnT>
+                    <a:lnB w="12700" cap="flat" cmpd="sng" algn="ctr">
+                      <a:solidFill>
+                        <a:schemeClr val="tx1"/>
+                      </a:solidFill>
+                      <a:prstDash val="solid"/>
+                      <a:round/>
+                      <a:headEnd type="none" w="med" len="med"/>
+                      <a:tailEnd type="none" w="med" len="med"/>
+                    </a:lnB>
+                  </a:tcPr>
+                </a:tc>
+                <a:tc gridSpan="3">
                   <a:txBody>
                     <a:bodyPr/>
                     <a:lstStyle/>
@@ -9421,6 +10000,14 @@
                         </a:rPr>
                         <a:t>S18</a:t>
                       </a:r>
+                      <a:endParaRPr lang="zh-CN" altLang="en-US" sz="1600" b="1" kern="1200" dirty="0">
+                        <a:solidFill>
+                          <a:schemeClr val="dk1"/>
+                        </a:solidFill>
+                        <a:latin typeface="+mn-lt"/>
+                        <a:ea typeface="+mn-ea"/>
+                        <a:cs typeface="+mn-cs"/>
+                      </a:endParaRPr>
                     </a:p>
                   </a:txBody>
                   <a:tcPr>
@@ -9467,7 +10054,7 @@
                     <a:bodyPr/>
                     <a:lstStyle/>
                     <a:p>
-                      <a:pPr marL="0" marR="0" lvl="0" indent="0" algn="l" defTabSz="914400" rtl="0" eaLnBrk="1" fontAlgn="auto" latinLnBrk="0" hangingPunct="1">
+                      <a:pPr marL="0" marR="0" lvl="0" indent="0" algn="ctr" defTabSz="914400" rtl="0" eaLnBrk="1" fontAlgn="auto" latinLnBrk="0" hangingPunct="1">
                         <a:lnSpc>
                           <a:spcPct val="100000"/>
                         </a:lnSpc>
@@ -9484,12 +10071,212 @@
                         <a:tabLst/>
                         <a:defRPr/>
                       </a:pPr>
-                      <a:endParaRPr lang="en-US" altLang="zh-CN" baseline="0" dirty="0"/>
-                    </a:p>
-                  </a:txBody>
-                  <a:tcPr/>
-                </a:tc>
-                <a:tc>
+                      <a:endParaRPr lang="zh-CN" altLang="en-US" sz="1600" b="1" kern="1200" dirty="0">
+                        <a:solidFill>
+                          <a:schemeClr val="dk1"/>
+                        </a:solidFill>
+                        <a:latin typeface="+mn-lt"/>
+                        <a:ea typeface="+mn-ea"/>
+                        <a:cs typeface="+mn-cs"/>
+                      </a:endParaRPr>
+                    </a:p>
+                  </a:txBody>
+                  <a:tcPr>
+                    <a:lnL w="12700" cap="flat" cmpd="sng" algn="ctr">
+                      <a:solidFill>
+                        <a:schemeClr val="tx1"/>
+                      </a:solidFill>
+                      <a:prstDash val="solid"/>
+                      <a:round/>
+                      <a:headEnd type="none" w="med" len="med"/>
+                      <a:tailEnd type="none" w="med" len="med"/>
+                    </a:lnL>
+                    <a:lnR w="12700" cap="flat" cmpd="sng" algn="ctr">
+                      <a:solidFill>
+                        <a:schemeClr val="tx1"/>
+                      </a:solidFill>
+                      <a:prstDash val="solid"/>
+                      <a:round/>
+                      <a:headEnd type="none" w="med" len="med"/>
+                      <a:tailEnd type="none" w="med" len="med"/>
+                    </a:lnR>
+                    <a:lnT w="12700" cap="flat" cmpd="sng" algn="ctr">
+                      <a:solidFill>
+                        <a:schemeClr val="tx1"/>
+                      </a:solidFill>
+                      <a:prstDash val="solid"/>
+                      <a:round/>
+                      <a:headEnd type="none" w="med" len="med"/>
+                      <a:tailEnd type="none" w="med" len="med"/>
+                    </a:lnT>
+                    <a:lnB w="12700" cap="flat" cmpd="sng" algn="ctr">
+                      <a:solidFill>
+                        <a:schemeClr val="tx1"/>
+                      </a:solidFill>
+                      <a:prstDash val="solid"/>
+                      <a:round/>
+                      <a:headEnd type="none" w="med" len="med"/>
+                      <a:tailEnd type="none" w="med" len="med"/>
+                    </a:lnB>
+                  </a:tcPr>
+                </a:tc>
+                <a:tc hMerge="1">
+                  <a:txBody>
+                    <a:bodyPr/>
+                    <a:lstStyle/>
+                    <a:p>
+                      <a:pPr marL="0" marR="0" lvl="0" indent="0" algn="ctr" defTabSz="914400" rtl="0" eaLnBrk="1" fontAlgn="auto" latinLnBrk="0" hangingPunct="1">
+                        <a:lnSpc>
+                          <a:spcPct val="100000"/>
+                        </a:lnSpc>
+                        <a:spcBef>
+                          <a:spcPts val="0"/>
+                        </a:spcBef>
+                        <a:spcAft>
+                          <a:spcPts val="0"/>
+                        </a:spcAft>
+                        <a:buClrTx/>
+                        <a:buSzTx/>
+                        <a:buFontTx/>
+                        <a:buNone/>
+                        <a:tabLst/>
+                        <a:defRPr/>
+                      </a:pPr>
+                      <a:r>
+                        <a:rPr lang="en-US" altLang="zh-CN" sz="1600" b="1" kern="1200" dirty="0">
+                          <a:solidFill>
+                            <a:schemeClr val="dk1"/>
+                          </a:solidFill>
+                          <a:latin typeface="+mn-lt"/>
+                          <a:ea typeface="+mn-ea"/>
+                          <a:cs typeface="+mn-cs"/>
+                        </a:rPr>
+                        <a:t>S18</a:t>
+                      </a:r>
+                    </a:p>
+                  </a:txBody>
+                  <a:tcPr>
+                    <a:lnL w="12700" cap="flat" cmpd="sng" algn="ctr">
+                      <a:solidFill>
+                        <a:schemeClr val="tx1"/>
+                      </a:solidFill>
+                      <a:prstDash val="solid"/>
+                      <a:round/>
+                      <a:headEnd type="none" w="med" len="med"/>
+                      <a:tailEnd type="none" w="med" len="med"/>
+                    </a:lnL>
+                    <a:lnR w="12700" cap="flat" cmpd="sng" algn="ctr">
+                      <a:solidFill>
+                        <a:schemeClr val="tx1"/>
+                      </a:solidFill>
+                      <a:prstDash val="solid"/>
+                      <a:round/>
+                      <a:headEnd type="none" w="med" len="med"/>
+                      <a:tailEnd type="none" w="med" len="med"/>
+                    </a:lnR>
+                    <a:lnT w="12700" cap="flat" cmpd="sng" algn="ctr">
+                      <a:solidFill>
+                        <a:schemeClr val="tx1"/>
+                      </a:solidFill>
+                      <a:prstDash val="solid"/>
+                      <a:round/>
+                      <a:headEnd type="none" w="med" len="med"/>
+                      <a:tailEnd type="none" w="med" len="med"/>
+                    </a:lnT>
+                    <a:lnB w="12700" cap="flat" cmpd="sng" algn="ctr">
+                      <a:solidFill>
+                        <a:schemeClr val="tx1"/>
+                      </a:solidFill>
+                      <a:prstDash val="solid"/>
+                      <a:round/>
+                      <a:headEnd type="none" w="med" len="med"/>
+                      <a:tailEnd type="none" w="med" len="med"/>
+                    </a:lnB>
+                  </a:tcPr>
+                </a:tc>
+                <a:tc gridSpan="2">
+                  <a:txBody>
+                    <a:bodyPr/>
+                    <a:lstStyle/>
+                    <a:p>
+                      <a:pPr marL="0" marR="0" lvl="0" indent="0" algn="ctr" defTabSz="914400" rtl="0" eaLnBrk="1" fontAlgn="auto" latinLnBrk="0" hangingPunct="1">
+                        <a:lnSpc>
+                          <a:spcPct val="100000"/>
+                        </a:lnSpc>
+                        <a:spcBef>
+                          <a:spcPts val="0"/>
+                        </a:spcBef>
+                        <a:spcAft>
+                          <a:spcPts val="0"/>
+                        </a:spcAft>
+                        <a:buClrTx/>
+                        <a:buSzTx/>
+                        <a:buFontTx/>
+                        <a:buNone/>
+                        <a:tabLst/>
+                        <a:defRPr/>
+                      </a:pPr>
+                      <a:r>
+                        <a:rPr lang="en-US" altLang="zh-CN" sz="1600" b="1" kern="1200">
+                          <a:solidFill>
+                            <a:schemeClr val="dk1"/>
+                          </a:solidFill>
+                          <a:latin typeface="+mn-lt"/>
+                          <a:ea typeface="+mn-ea"/>
+                          <a:cs typeface="+mn-cs"/>
+                        </a:rPr>
+                        <a:t>S19</a:t>
+                      </a:r>
+                      <a:endParaRPr lang="zh-CN" altLang="en-US" sz="1600" b="1" kern="1200">
+                        <a:solidFill>
+                          <a:schemeClr val="dk1"/>
+                        </a:solidFill>
+                        <a:latin typeface="+mn-lt"/>
+                        <a:ea typeface="+mn-ea"/>
+                        <a:cs typeface="+mn-cs"/>
+                      </a:endParaRPr>
+                    </a:p>
+                  </a:txBody>
+                  <a:tcPr>
+                    <a:lnL w="12700" cap="flat" cmpd="sng" algn="ctr">
+                      <a:solidFill>
+                        <a:schemeClr val="tx1"/>
+                      </a:solidFill>
+                      <a:prstDash val="solid"/>
+                      <a:round/>
+                      <a:headEnd type="none" w="med" len="med"/>
+                      <a:tailEnd type="none" w="med" len="med"/>
+                    </a:lnL>
+                    <a:lnR w="12700" cap="flat" cmpd="sng" algn="ctr">
+                      <a:solidFill>
+                        <a:schemeClr val="tx1"/>
+                      </a:solidFill>
+                      <a:prstDash val="solid"/>
+                      <a:round/>
+                      <a:headEnd type="none" w="med" len="med"/>
+                      <a:tailEnd type="none" w="med" len="med"/>
+                    </a:lnR>
+                    <a:lnT w="12700" cap="flat" cmpd="sng" algn="ctr">
+                      <a:solidFill>
+                        <a:schemeClr val="tx1"/>
+                      </a:solidFill>
+                      <a:prstDash val="solid"/>
+                      <a:round/>
+                      <a:headEnd type="none" w="med" len="med"/>
+                      <a:tailEnd type="none" w="med" len="med"/>
+                    </a:lnT>
+                    <a:lnB w="12700" cap="flat" cmpd="sng" algn="ctr">
+                      <a:solidFill>
+                        <a:schemeClr val="tx1"/>
+                      </a:solidFill>
+                      <a:prstDash val="solid"/>
+                      <a:round/>
+                      <a:headEnd type="none" w="med" len="med"/>
+                      <a:tailEnd type="none" w="med" len="med"/>
+                    </a:lnB>
+                  </a:tcPr>
+                </a:tc>
+                <a:tc hMerge="1">
                   <a:txBody>
                     <a:bodyPr/>
                     <a:lstStyle/>
@@ -9563,7 +10350,89 @@
                     </a:lnB>
                   </a:tcPr>
                 </a:tc>
-                <a:tc>
+                <a:tc gridSpan="2">
+                  <a:txBody>
+                    <a:bodyPr/>
+                    <a:lstStyle/>
+                    <a:p>
+                      <a:pPr marL="0" marR="0" lvl="0" indent="0" algn="ctr" defTabSz="914400" rtl="0" eaLnBrk="1" fontAlgn="auto" latinLnBrk="0" hangingPunct="1">
+                        <a:lnSpc>
+                          <a:spcPct val="100000"/>
+                        </a:lnSpc>
+                        <a:spcBef>
+                          <a:spcPts val="0"/>
+                        </a:spcBef>
+                        <a:spcAft>
+                          <a:spcPts val="0"/>
+                        </a:spcAft>
+                        <a:buClrTx/>
+                        <a:buSzTx/>
+                        <a:buFontTx/>
+                        <a:buNone/>
+                        <a:tabLst/>
+                        <a:defRPr/>
+                      </a:pPr>
+                      <a:r>
+                        <a:rPr lang="en-US" altLang="zh-CN" sz="1600" b="1" kern="1200">
+                          <a:solidFill>
+                            <a:schemeClr val="dk1"/>
+                          </a:solidFill>
+                          <a:latin typeface="+mn-lt"/>
+                          <a:ea typeface="+mn-ea"/>
+                          <a:cs typeface="+mn-cs"/>
+                        </a:rPr>
+                        <a:t>S20</a:t>
+                      </a:r>
+                      <a:endParaRPr lang="zh-CN" altLang="en-US" sz="1600" b="1" kern="1200">
+                        <a:solidFill>
+                          <a:schemeClr val="dk1"/>
+                        </a:solidFill>
+                        <a:latin typeface="+mn-lt"/>
+                        <a:ea typeface="+mn-ea"/>
+                        <a:cs typeface="+mn-cs"/>
+                      </a:endParaRPr>
+                    </a:p>
+                  </a:txBody>
+                  <a:tcPr>
+                    <a:lnL w="12700" cap="flat" cmpd="sng" algn="ctr">
+                      <a:solidFill>
+                        <a:schemeClr val="tx1"/>
+                      </a:solidFill>
+                      <a:prstDash val="solid"/>
+                      <a:round/>
+                      <a:headEnd type="none" w="med" len="med"/>
+                      <a:tailEnd type="none" w="med" len="med"/>
+                    </a:lnL>
+                    <a:lnR w="12700" cap="flat" cmpd="sng" algn="ctr">
+                      <a:solidFill>
+                        <a:schemeClr val="tx1"/>
+                      </a:solidFill>
+                      <a:prstDash val="solid"/>
+                      <a:round/>
+                      <a:headEnd type="none" w="med" len="med"/>
+                      <a:tailEnd type="none" w="med" len="med"/>
+                    </a:lnR>
+                    <a:lnT w="12700" cap="flat" cmpd="sng" algn="ctr">
+                      <a:solidFill>
+                        <a:schemeClr val="tx1"/>
+                      </a:solidFill>
+                      <a:prstDash val="solid"/>
+                      <a:round/>
+                      <a:headEnd type="none" w="med" len="med"/>
+                      <a:tailEnd type="none" w="med" len="med"/>
+                    </a:lnT>
+                    <a:lnB w="12700" cap="flat" cmpd="sng" algn="ctr">
+                      <a:solidFill>
+                        <a:schemeClr val="tx1"/>
+                      </a:solidFill>
+                      <a:prstDash val="solid"/>
+                      <a:round/>
+                      <a:headEnd type="none" w="med" len="med"/>
+                      <a:tailEnd type="none" w="med" len="med"/>
+                    </a:lnB>
+                  </a:tcPr>
+                </a:tc>
+                <a:tc hMerge="1">
                   <a:txBody>
                     <a:bodyPr/>
                     <a:lstStyle/>
@@ -9644,7 +10513,7 @@
                 </a:extLst>
               </a:tr>
               <a:tr h="185420">
-                <a:tc>
+                <a:tc gridSpan="2">
                   <a:txBody>
                     <a:bodyPr/>
                     <a:lstStyle/>
@@ -9726,7 +10595,89 @@
                     </a:lnB>
                   </a:tcPr>
                 </a:tc>
-                <a:tc gridSpan="2">
+                <a:tc hMerge="1">
+                  <a:txBody>
+                    <a:bodyPr/>
+                    <a:lstStyle/>
+                    <a:p>
+                      <a:pPr marL="0" marR="0" lvl="0" indent="0" algn="ctr" defTabSz="914400" rtl="0" eaLnBrk="1" fontAlgn="auto" latinLnBrk="0" hangingPunct="1">
+                        <a:lnSpc>
+                          <a:spcPct val="100000"/>
+                        </a:lnSpc>
+                        <a:spcBef>
+                          <a:spcPts val="0"/>
+                        </a:spcBef>
+                        <a:spcAft>
+                          <a:spcPts val="0"/>
+                        </a:spcAft>
+                        <a:buClrTx/>
+                        <a:buSzTx/>
+                        <a:buFontTx/>
+                        <a:buNone/>
+                        <a:tabLst/>
+                        <a:defRPr/>
+                      </a:pPr>
+                      <a:r>
+                        <a:rPr lang="en-US" altLang="zh-CN" sz="1400" b="1" kern="1200" dirty="0">
+                          <a:solidFill>
+                            <a:schemeClr val="dk1"/>
+                          </a:solidFill>
+                          <a:latin typeface="+mn-lt"/>
+                          <a:ea typeface="+mn-ea"/>
+                          <a:cs typeface="+mn-cs"/>
+                        </a:rPr>
+                        <a:t>Robotic Tactile Sensation, Perception, and Applications</a:t>
+                      </a:r>
+                      <a:endParaRPr lang="zh-CN" altLang="en-US" sz="1400" b="1" kern="1200" dirty="0">
+                        <a:solidFill>
+                          <a:schemeClr val="dk1"/>
+                        </a:solidFill>
+                        <a:latin typeface="+mn-lt"/>
+                        <a:ea typeface="+mn-ea"/>
+                        <a:cs typeface="+mn-cs"/>
+                      </a:endParaRPr>
+                    </a:p>
+                  </a:txBody>
+                  <a:tcPr anchor="ctr">
+                    <a:lnL w="12700" cap="flat" cmpd="sng" algn="ctr">
+                      <a:solidFill>
+                        <a:schemeClr val="tx1"/>
+                      </a:solidFill>
+                      <a:prstDash val="solid"/>
+                      <a:round/>
+                      <a:headEnd type="none" w="med" len="med"/>
+                      <a:tailEnd type="none" w="med" len="med"/>
+                    </a:lnL>
+                    <a:lnR w="12700" cap="flat" cmpd="sng" algn="ctr">
+                      <a:solidFill>
+                        <a:schemeClr val="tx1"/>
+                      </a:solidFill>
+                      <a:prstDash val="solid"/>
+                      <a:round/>
+                      <a:headEnd type="none" w="med" len="med"/>
+                      <a:tailEnd type="none" w="med" len="med"/>
+                    </a:lnR>
+                    <a:lnT w="12700" cap="flat" cmpd="sng" algn="ctr">
+                      <a:solidFill>
+                        <a:schemeClr val="tx1"/>
+                      </a:solidFill>
+                      <a:prstDash val="solid"/>
+                      <a:round/>
+                      <a:headEnd type="none" w="med" len="med"/>
+                      <a:tailEnd type="none" w="med" len="med"/>
+                    </a:lnT>
+                    <a:lnB w="12700" cap="flat" cmpd="sng" algn="ctr">
+                      <a:solidFill>
+                        <a:schemeClr val="tx1"/>
+                      </a:solidFill>
+                      <a:prstDash val="solid"/>
+                      <a:round/>
+                      <a:headEnd type="none" w="med" len="med"/>
+                      <a:tailEnd type="none" w="med" len="med"/>
+                    </a:lnB>
+                  </a:tcPr>
+                </a:tc>
+                <a:tc gridSpan="3">
                   <a:txBody>
                     <a:bodyPr/>
                     <a:lstStyle/>
@@ -9813,12 +10764,155 @@
                     <a:bodyPr/>
                     <a:lstStyle/>
                     <a:p>
-                      <a:endParaRPr lang="zh-CN" altLang="en-US"/>
-                    </a:p>
-                  </a:txBody>
-                  <a:tcPr/>
-                </a:tc>
-                <a:tc>
+                      <a:pPr marL="0" marR="0" lvl="0" indent="0" algn="ctr" defTabSz="914400" rtl="0" eaLnBrk="1" fontAlgn="auto" latinLnBrk="0" hangingPunct="1">
+                        <a:lnSpc>
+                          <a:spcPct val="100000"/>
+                        </a:lnSpc>
+                        <a:spcBef>
+                          <a:spcPts val="0"/>
+                        </a:spcBef>
+                        <a:spcAft>
+                          <a:spcPts val="0"/>
+                        </a:spcAft>
+                        <a:buClrTx/>
+                        <a:buSzTx/>
+                        <a:buFontTx/>
+                        <a:buNone/>
+                        <a:tabLst/>
+                        <a:defRPr/>
+                      </a:pPr>
+                      <a:endParaRPr lang="zh-CN" altLang="en-US" sz="1400" b="1" kern="1200" dirty="0">
+                        <a:solidFill>
+                          <a:schemeClr val="dk1"/>
+                        </a:solidFill>
+                        <a:latin typeface="+mn-lt"/>
+                        <a:ea typeface="+mn-ea"/>
+                        <a:cs typeface="+mn-cs"/>
+                      </a:endParaRPr>
+                    </a:p>
+                  </a:txBody>
+                  <a:tcPr anchor="ctr">
+                    <a:lnL w="12700" cap="flat" cmpd="sng" algn="ctr">
+                      <a:solidFill>
+                        <a:schemeClr val="tx1"/>
+                      </a:solidFill>
+                      <a:prstDash val="solid"/>
+                      <a:round/>
+                      <a:headEnd type="none" w="med" len="med"/>
+                      <a:tailEnd type="none" w="med" len="med"/>
+                    </a:lnL>
+                    <a:lnR w="12700" cap="flat" cmpd="sng" algn="ctr">
+                      <a:solidFill>
+                        <a:schemeClr val="tx1"/>
+                      </a:solidFill>
+                      <a:prstDash val="solid"/>
+                      <a:round/>
+                      <a:headEnd type="none" w="med" len="med"/>
+                      <a:tailEnd type="none" w="med" len="med"/>
+                    </a:lnR>
+                    <a:lnT w="12700" cap="flat" cmpd="sng" algn="ctr">
+                      <a:solidFill>
+                        <a:schemeClr val="tx1"/>
+                      </a:solidFill>
+                      <a:prstDash val="solid"/>
+                      <a:round/>
+                      <a:headEnd type="none" w="med" len="med"/>
+                      <a:tailEnd type="none" w="med" len="med"/>
+                    </a:lnT>
+                    <a:lnB w="12700" cap="flat" cmpd="sng" algn="ctr">
+                      <a:solidFill>
+                        <a:schemeClr val="tx1"/>
+                      </a:solidFill>
+                      <a:prstDash val="solid"/>
+                      <a:round/>
+                      <a:headEnd type="none" w="med" len="med"/>
+                      <a:tailEnd type="none" w="med" len="med"/>
+                    </a:lnB>
+                  </a:tcPr>
+                </a:tc>
+                <a:tc hMerge="1">
+                  <a:txBody>
+                    <a:bodyPr/>
+                    <a:lstStyle/>
+                    <a:p>
+                      <a:pPr marL="0" marR="0" lvl="0" indent="0" algn="ctr" defTabSz="914400" rtl="0" eaLnBrk="1" fontAlgn="auto" latinLnBrk="0" hangingPunct="1">
+                        <a:lnSpc>
+                          <a:spcPct val="100000"/>
+                        </a:lnSpc>
+                        <a:spcBef>
+                          <a:spcPts val="0"/>
+                        </a:spcBef>
+                        <a:spcAft>
+                          <a:spcPts val="0"/>
+                        </a:spcAft>
+                        <a:buClrTx/>
+                        <a:buSzTx/>
+                        <a:buFontTx/>
+                        <a:buNone/>
+                        <a:tabLst/>
+                        <a:defRPr/>
+                      </a:pPr>
+                      <a:r>
+                        <a:rPr lang="en-US" altLang="zh-CN" sz="1400" b="1" kern="1200" dirty="0">
+                          <a:solidFill>
+                            <a:schemeClr val="dk1"/>
+                          </a:solidFill>
+                          <a:latin typeface="+mn-lt"/>
+                          <a:ea typeface="+mn-ea"/>
+                          <a:cs typeface="+mn-cs"/>
+                        </a:rPr>
+                        <a:t>Advanced Sensing and Control Technology for Human-robot Interaction</a:t>
+                      </a:r>
+                      <a:endParaRPr lang="zh-CN" altLang="en-US" sz="1400" b="1" kern="1200" dirty="0">
+                        <a:solidFill>
+                          <a:schemeClr val="dk1"/>
+                        </a:solidFill>
+                        <a:latin typeface="+mn-lt"/>
+                        <a:ea typeface="+mn-ea"/>
+                        <a:cs typeface="+mn-cs"/>
+                      </a:endParaRPr>
+                    </a:p>
+                  </a:txBody>
+                  <a:tcPr anchor="ctr">
+                    <a:lnL w="12700" cap="flat" cmpd="sng" algn="ctr">
+                      <a:solidFill>
+                        <a:schemeClr val="tx1"/>
+                      </a:solidFill>
+                      <a:prstDash val="solid"/>
+                      <a:round/>
+                      <a:headEnd type="none" w="med" len="med"/>
+                      <a:tailEnd type="none" w="med" len="med"/>
+                    </a:lnL>
+                    <a:lnR w="12700" cap="flat" cmpd="sng" algn="ctr">
+                      <a:solidFill>
+                        <a:schemeClr val="tx1"/>
+                      </a:solidFill>
+                      <a:prstDash val="solid"/>
+                      <a:round/>
+                      <a:headEnd type="none" w="med" len="med"/>
+                      <a:tailEnd type="none" w="med" len="med"/>
+                    </a:lnR>
+                    <a:lnT w="12700" cap="flat" cmpd="sng" algn="ctr">
+                      <a:solidFill>
+                        <a:schemeClr val="tx1"/>
+                      </a:solidFill>
+                      <a:prstDash val="solid"/>
+                      <a:round/>
+                      <a:headEnd type="none" w="med" len="med"/>
+                      <a:tailEnd type="none" w="med" len="med"/>
+                    </a:lnT>
+                    <a:lnB w="12700" cap="flat" cmpd="sng" algn="ctr">
+                      <a:solidFill>
+                        <a:schemeClr val="tx1"/>
+                      </a:solidFill>
+                      <a:prstDash val="solid"/>
+                      <a:round/>
+                      <a:headEnd type="none" w="med" len="med"/>
+                      <a:tailEnd type="none" w="med" len="med"/>
+                    </a:lnB>
+                  </a:tcPr>
+                </a:tc>
+                <a:tc gridSpan="2">
                   <a:txBody>
                     <a:bodyPr/>
                     <a:lstStyle/>
@@ -9900,7 +10994,89 @@
                     </a:lnB>
                   </a:tcPr>
                 </a:tc>
-                <a:tc>
+                <a:tc hMerge="1">
+                  <a:txBody>
+                    <a:bodyPr/>
+                    <a:lstStyle/>
+                    <a:p>
+                      <a:pPr marL="0" marR="0" lvl="0" indent="0" algn="ctr" defTabSz="914400" rtl="0" eaLnBrk="1" fontAlgn="auto" latinLnBrk="0" hangingPunct="1">
+                        <a:lnSpc>
+                          <a:spcPct val="100000"/>
+                        </a:lnSpc>
+                        <a:spcBef>
+                          <a:spcPts val="0"/>
+                        </a:spcBef>
+                        <a:spcAft>
+                          <a:spcPts val="0"/>
+                        </a:spcAft>
+                        <a:buClrTx/>
+                        <a:buSzTx/>
+                        <a:buFontTx/>
+                        <a:buNone/>
+                        <a:tabLst/>
+                        <a:defRPr/>
+                      </a:pPr>
+                      <a:r>
+                        <a:rPr lang="en-US" altLang="zh-CN" sz="1400" b="1" kern="1200" dirty="0">
+                          <a:solidFill>
+                            <a:schemeClr val="dk1"/>
+                          </a:solidFill>
+                          <a:latin typeface="+mn-lt"/>
+                          <a:ea typeface="+mn-ea"/>
+                          <a:cs typeface="+mn-cs"/>
+                        </a:rPr>
+                        <a:t>Knowledge-based Robot Decision-making and Manipulation</a:t>
+                      </a:r>
+                      <a:endParaRPr lang="zh-CN" altLang="en-US" sz="1400" b="1" kern="1200" dirty="0">
+                        <a:solidFill>
+                          <a:schemeClr val="dk1"/>
+                        </a:solidFill>
+                        <a:latin typeface="+mn-lt"/>
+                        <a:ea typeface="+mn-ea"/>
+                        <a:cs typeface="+mn-cs"/>
+                      </a:endParaRPr>
+                    </a:p>
+                  </a:txBody>
+                  <a:tcPr anchor="ctr">
+                    <a:lnL w="12700" cap="flat" cmpd="sng" algn="ctr">
+                      <a:solidFill>
+                        <a:schemeClr val="tx1"/>
+                      </a:solidFill>
+                      <a:prstDash val="solid"/>
+                      <a:round/>
+                      <a:headEnd type="none" w="med" len="med"/>
+                      <a:tailEnd type="none" w="med" len="med"/>
+                    </a:lnL>
+                    <a:lnR w="12700" cap="flat" cmpd="sng" algn="ctr">
+                      <a:solidFill>
+                        <a:schemeClr val="tx1"/>
+                      </a:solidFill>
+                      <a:prstDash val="solid"/>
+                      <a:round/>
+                      <a:headEnd type="none" w="med" len="med"/>
+                      <a:tailEnd type="none" w="med" len="med"/>
+                    </a:lnR>
+                    <a:lnT w="12700" cap="flat" cmpd="sng" algn="ctr">
+                      <a:solidFill>
+                        <a:schemeClr val="tx1"/>
+                      </a:solidFill>
+                      <a:prstDash val="solid"/>
+                      <a:round/>
+                      <a:headEnd type="none" w="med" len="med"/>
+                      <a:tailEnd type="none" w="med" len="med"/>
+                    </a:lnT>
+                    <a:lnB w="12700" cap="flat" cmpd="sng" algn="ctr">
+                      <a:solidFill>
+                        <a:schemeClr val="tx1"/>
+                      </a:solidFill>
+                      <a:prstDash val="solid"/>
+                      <a:round/>
+                      <a:headEnd type="none" w="med" len="med"/>
+                      <a:tailEnd type="none" w="med" len="med"/>
+                    </a:lnB>
+                  </a:tcPr>
+                </a:tc>
+                <a:tc gridSpan="2">
                   <a:txBody>
                     <a:bodyPr/>
                     <a:lstStyle/>
@@ -9933,6 +11109,88 @@
                         </a:rPr>
                         <a:t>Design and Control of Legged Robots</a:t>
                       </a:r>
+                      <a:endParaRPr lang="zh-CN" altLang="en-US" sz="1400" b="1" kern="1200" dirty="0">
+                        <a:solidFill>
+                          <a:schemeClr val="dk1"/>
+                        </a:solidFill>
+                        <a:latin typeface="+mn-lt"/>
+                        <a:ea typeface="+mn-ea"/>
+                        <a:cs typeface="+mn-cs"/>
+                      </a:endParaRPr>
+                    </a:p>
+                  </a:txBody>
+                  <a:tcPr anchor="ctr">
+                    <a:lnL w="12700" cap="flat" cmpd="sng" algn="ctr">
+                      <a:solidFill>
+                        <a:schemeClr val="tx1"/>
+                      </a:solidFill>
+                      <a:prstDash val="solid"/>
+                      <a:round/>
+                      <a:headEnd type="none" w="med" len="med"/>
+                      <a:tailEnd type="none" w="med" len="med"/>
+                    </a:lnL>
+                    <a:lnR w="12700" cap="flat" cmpd="sng" algn="ctr">
+                      <a:solidFill>
+                        <a:schemeClr val="tx1"/>
+                      </a:solidFill>
+                      <a:prstDash val="solid"/>
+                      <a:round/>
+                      <a:headEnd type="none" w="med" len="med"/>
+                      <a:tailEnd type="none" w="med" len="med"/>
+                    </a:lnR>
+                    <a:lnT w="12700" cap="flat" cmpd="sng" algn="ctr">
+                      <a:solidFill>
+                        <a:schemeClr val="tx1"/>
+                      </a:solidFill>
+                      <a:prstDash val="solid"/>
+                      <a:round/>
+                      <a:headEnd type="none" w="med" len="med"/>
+                      <a:tailEnd type="none" w="med" len="med"/>
+                    </a:lnT>
+                    <a:lnB w="12700" cap="flat" cmpd="sng" algn="ctr">
+                      <a:solidFill>
+                        <a:schemeClr val="tx1"/>
+                      </a:solidFill>
+                      <a:prstDash val="solid"/>
+                      <a:round/>
+                      <a:headEnd type="none" w="med" len="med"/>
+                      <a:tailEnd type="none" w="med" len="med"/>
+                    </a:lnB>
+                  </a:tcPr>
+                </a:tc>
+                <a:tc hMerge="1">
+                  <a:txBody>
+                    <a:bodyPr/>
+                    <a:lstStyle/>
+                    <a:p>
+                      <a:pPr marL="0" marR="0" lvl="0" indent="0" algn="ctr" defTabSz="914400" rtl="0" eaLnBrk="1" fontAlgn="auto" latinLnBrk="0" hangingPunct="1">
+                        <a:lnSpc>
+                          <a:spcPct val="100000"/>
+                        </a:lnSpc>
+                        <a:spcBef>
+                          <a:spcPts val="0"/>
+                        </a:spcBef>
+                        <a:spcAft>
+                          <a:spcPts val="0"/>
+                        </a:spcAft>
+                        <a:buClrTx/>
+                        <a:buSzTx/>
+                        <a:buFontTx/>
+                        <a:buNone/>
+                        <a:tabLst/>
+                        <a:defRPr/>
+                      </a:pPr>
+                      <a:r>
+                        <a:rPr lang="en-US" altLang="zh-CN" sz="1400" b="1" kern="1200" dirty="0">
+                          <a:solidFill>
+                            <a:schemeClr val="dk1"/>
+                          </a:solidFill>
+                          <a:latin typeface="+mn-lt"/>
+                          <a:ea typeface="+mn-ea"/>
+                          <a:cs typeface="+mn-cs"/>
+                        </a:rPr>
+                        <a:t>Design and Control of Legged Robots</a:t>
+                      </a:r>
                     </a:p>
                   </a:txBody>
                   <a:tcPr anchor="ctr">
@@ -9981,7 +11239,7 @@
                 </a:extLst>
               </a:tr>
               <a:tr h="185420">
-                <a:tc>
+                <a:tc gridSpan="2">
                   <a:txBody>
                     <a:bodyPr/>
                     <a:lstStyle/>
@@ -10063,7 +11321,89 @@
                     </a:lnB>
                   </a:tcPr>
                 </a:tc>
-                <a:tc gridSpan="2">
+                <a:tc hMerge="1">
+                  <a:txBody>
+                    <a:bodyPr/>
+                    <a:lstStyle/>
+                    <a:p>
+                      <a:pPr marL="0" marR="0" lvl="0" indent="0" algn="ctr" defTabSz="914400" rtl="0" eaLnBrk="1" fontAlgn="auto" latinLnBrk="0" hangingPunct="1">
+                        <a:lnSpc>
+                          <a:spcPct val="100000"/>
+                        </a:lnSpc>
+                        <a:spcBef>
+                          <a:spcPts val="0"/>
+                        </a:spcBef>
+                        <a:spcAft>
+                          <a:spcPts val="0"/>
+                        </a:spcAft>
+                        <a:buClrTx/>
+                        <a:buSzTx/>
+                        <a:buFontTx/>
+                        <a:buNone/>
+                        <a:tabLst/>
+                        <a:defRPr/>
+                      </a:pPr>
+                      <a:r>
+                        <a:rPr lang="en-US" altLang="zh-CN" sz="1600" b="1" kern="1200" dirty="0">
+                          <a:solidFill>
+                            <a:schemeClr val="dk1"/>
+                          </a:solidFill>
+                          <a:latin typeface="+mn-lt"/>
+                          <a:ea typeface="+mn-ea"/>
+                          <a:cs typeface="+mn-cs"/>
+                        </a:rPr>
+                        <a:t>S21</a:t>
+                      </a:r>
+                      <a:endParaRPr lang="zh-CN" altLang="en-US" sz="1600" b="1" kern="1200" dirty="0">
+                        <a:solidFill>
+                          <a:schemeClr val="dk1"/>
+                        </a:solidFill>
+                        <a:latin typeface="+mn-lt"/>
+                        <a:ea typeface="+mn-ea"/>
+                        <a:cs typeface="+mn-cs"/>
+                      </a:endParaRPr>
+                    </a:p>
+                  </a:txBody>
+                  <a:tcPr>
+                    <a:lnL w="12700" cap="flat" cmpd="sng" algn="ctr">
+                      <a:solidFill>
+                        <a:schemeClr val="tx1"/>
+                      </a:solidFill>
+                      <a:prstDash val="solid"/>
+                      <a:round/>
+                      <a:headEnd type="none" w="med" len="med"/>
+                      <a:tailEnd type="none" w="med" len="med"/>
+                    </a:lnL>
+                    <a:lnR w="12700" cap="flat" cmpd="sng" algn="ctr">
+                      <a:solidFill>
+                        <a:schemeClr val="tx1"/>
+                      </a:solidFill>
+                      <a:prstDash val="solid"/>
+                      <a:round/>
+                      <a:headEnd type="none" w="med" len="med"/>
+                      <a:tailEnd type="none" w="med" len="med"/>
+                    </a:lnR>
+                    <a:lnT w="12700" cap="flat" cmpd="sng" algn="ctr">
+                      <a:solidFill>
+                        <a:schemeClr val="tx1"/>
+                      </a:solidFill>
+                      <a:prstDash val="solid"/>
+                      <a:round/>
+                      <a:headEnd type="none" w="med" len="med"/>
+                      <a:tailEnd type="none" w="med" len="med"/>
+                    </a:lnT>
+                    <a:lnB w="12700" cap="flat" cmpd="sng" algn="ctr">
+                      <a:solidFill>
+                        <a:schemeClr val="tx1"/>
+                      </a:solidFill>
+                      <a:prstDash val="solid"/>
+                      <a:round/>
+                      <a:headEnd type="none" w="med" len="med"/>
+                      <a:tailEnd type="none" w="med" len="med"/>
+                    </a:lnB>
+                  </a:tcPr>
+                </a:tc>
+                <a:tc gridSpan="3">
                   <a:txBody>
                     <a:bodyPr/>
                     <a:lstStyle/>
@@ -10096,6 +11436,14 @@
                         </a:rPr>
                         <a:t>S22</a:t>
                       </a:r>
+                      <a:endParaRPr lang="zh-CN" altLang="en-US" sz="1600" b="1" kern="1200" dirty="0">
+                        <a:solidFill>
+                          <a:schemeClr val="dk1"/>
+                        </a:solidFill>
+                        <a:latin typeface="+mn-lt"/>
+                        <a:ea typeface="+mn-ea"/>
+                        <a:cs typeface="+mn-cs"/>
+                      </a:endParaRPr>
                     </a:p>
                   </a:txBody>
                   <a:tcPr>
@@ -10142,7 +11490,7 @@
                     <a:bodyPr/>
                     <a:lstStyle/>
                     <a:p>
-                      <a:pPr marL="0" marR="0" lvl="0" indent="0" algn="l" defTabSz="914400" rtl="0" eaLnBrk="1" fontAlgn="auto" latinLnBrk="0" hangingPunct="1">
+                      <a:pPr marL="0" marR="0" lvl="0" indent="0" algn="ctr" defTabSz="914400" rtl="0" eaLnBrk="1" fontAlgn="auto" latinLnBrk="0" hangingPunct="1">
                         <a:lnSpc>
                           <a:spcPct val="100000"/>
                         </a:lnSpc>
@@ -10159,12 +11507,130 @@
                         <a:tabLst/>
                         <a:defRPr/>
                       </a:pPr>
-                      <a:endParaRPr lang="en-US" altLang="zh-CN" baseline="0" dirty="0"/>
-                    </a:p>
-                  </a:txBody>
-                  <a:tcPr/>
-                </a:tc>
-                <a:tc>
+                      <a:endParaRPr lang="zh-CN" altLang="en-US" sz="1600" b="1" kern="1200" dirty="0">
+                        <a:solidFill>
+                          <a:schemeClr val="dk1"/>
+                        </a:solidFill>
+                        <a:latin typeface="+mn-lt"/>
+                        <a:ea typeface="+mn-ea"/>
+                        <a:cs typeface="+mn-cs"/>
+                      </a:endParaRPr>
+                    </a:p>
+                  </a:txBody>
+                  <a:tcPr>
+                    <a:lnL w="12700" cap="flat" cmpd="sng" algn="ctr">
+                      <a:solidFill>
+                        <a:schemeClr val="tx1"/>
+                      </a:solidFill>
+                      <a:prstDash val="solid"/>
+                      <a:round/>
+                      <a:headEnd type="none" w="med" len="med"/>
+                      <a:tailEnd type="none" w="med" len="med"/>
+                    </a:lnL>
+                    <a:lnR w="12700" cap="flat" cmpd="sng" algn="ctr">
+                      <a:solidFill>
+                        <a:schemeClr val="tx1"/>
+                      </a:solidFill>
+                      <a:prstDash val="solid"/>
+                      <a:round/>
+                      <a:headEnd type="none" w="med" len="med"/>
+                      <a:tailEnd type="none" w="med" len="med"/>
+                    </a:lnR>
+                    <a:lnT w="12700" cap="flat" cmpd="sng" algn="ctr">
+                      <a:solidFill>
+                        <a:schemeClr val="tx1"/>
+                      </a:solidFill>
+                      <a:prstDash val="solid"/>
+                      <a:round/>
+                      <a:headEnd type="none" w="med" len="med"/>
+                      <a:tailEnd type="none" w="med" len="med"/>
+                    </a:lnT>
+                    <a:lnB w="12700" cap="flat" cmpd="sng" algn="ctr">
+                      <a:solidFill>
+                        <a:schemeClr val="tx1"/>
+                      </a:solidFill>
+                      <a:prstDash val="solid"/>
+                      <a:round/>
+                      <a:headEnd type="none" w="med" len="med"/>
+                      <a:tailEnd type="none" w="med" len="med"/>
+                    </a:lnB>
+                  </a:tcPr>
+                </a:tc>
+                <a:tc hMerge="1">
+                  <a:txBody>
+                    <a:bodyPr/>
+                    <a:lstStyle/>
+                    <a:p>
+                      <a:pPr marL="0" marR="0" lvl="0" indent="0" algn="ctr" defTabSz="914400" rtl="0" eaLnBrk="1" fontAlgn="auto" latinLnBrk="0" hangingPunct="1">
+                        <a:lnSpc>
+                          <a:spcPct val="100000"/>
+                        </a:lnSpc>
+                        <a:spcBef>
+                          <a:spcPts val="0"/>
+                        </a:spcBef>
+                        <a:spcAft>
+                          <a:spcPts val="0"/>
+                        </a:spcAft>
+                        <a:buClrTx/>
+                        <a:buSzTx/>
+                        <a:buFontTx/>
+                        <a:buNone/>
+                        <a:tabLst/>
+                        <a:defRPr/>
+                      </a:pPr>
+                      <a:r>
+                        <a:rPr lang="en-US" altLang="zh-CN" sz="1600" b="1" kern="1200" dirty="0">
+                          <a:solidFill>
+                            <a:schemeClr val="dk1"/>
+                          </a:solidFill>
+                          <a:latin typeface="+mn-lt"/>
+                          <a:ea typeface="+mn-ea"/>
+                          <a:cs typeface="+mn-cs"/>
+                        </a:rPr>
+                        <a:t>S22</a:t>
+                      </a:r>
+                    </a:p>
+                  </a:txBody>
+                  <a:tcPr>
+                    <a:lnL w="12700" cap="flat" cmpd="sng" algn="ctr">
+                      <a:solidFill>
+                        <a:schemeClr val="tx1"/>
+                      </a:solidFill>
+                      <a:prstDash val="solid"/>
+                      <a:round/>
+                      <a:headEnd type="none" w="med" len="med"/>
+                      <a:tailEnd type="none" w="med" len="med"/>
+                    </a:lnL>
+                    <a:lnR w="12700" cap="flat" cmpd="sng" algn="ctr">
+                      <a:solidFill>
+                        <a:schemeClr val="tx1"/>
+                      </a:solidFill>
+                      <a:prstDash val="solid"/>
+                      <a:round/>
+                      <a:headEnd type="none" w="med" len="med"/>
+                      <a:tailEnd type="none" w="med" len="med"/>
+                    </a:lnR>
+                    <a:lnT w="12700" cap="flat" cmpd="sng" algn="ctr">
+                      <a:solidFill>
+                        <a:schemeClr val="tx1"/>
+                      </a:solidFill>
+                      <a:prstDash val="solid"/>
+                      <a:round/>
+                      <a:headEnd type="none" w="med" len="med"/>
+                      <a:tailEnd type="none" w="med" len="med"/>
+                    </a:lnT>
+                    <a:lnB w="12700" cap="flat" cmpd="sng" algn="ctr">
+                      <a:solidFill>
+                        <a:schemeClr val="tx1"/>
+                      </a:solidFill>
+                      <a:prstDash val="solid"/>
+                      <a:round/>
+                      <a:headEnd type="none" w="med" len="med"/>
+                      <a:tailEnd type="none" w="med" len="med"/>
+                    </a:lnB>
+                  </a:tcPr>
+                </a:tc>
+                <a:tc gridSpan="2">
                   <a:txBody>
                     <a:bodyPr/>
                     <a:lstStyle/>
@@ -10197,6 +11663,14 @@
                         </a:rPr>
                         <a:t>S23</a:t>
                       </a:r>
+                      <a:endParaRPr lang="zh-CN" altLang="en-US" sz="1600" b="1" kern="1200" dirty="0">
+                        <a:solidFill>
+                          <a:schemeClr val="dk1"/>
+                        </a:solidFill>
+                        <a:latin typeface="+mn-lt"/>
+                        <a:ea typeface="+mn-ea"/>
+                        <a:cs typeface="+mn-cs"/>
+                      </a:endParaRPr>
                     </a:p>
                   </a:txBody>
                   <a:tcPr>
@@ -10238,7 +11712,81 @@
                     </a:lnB>
                   </a:tcPr>
                 </a:tc>
-                <a:tc>
+                <a:tc hMerge="1">
+                  <a:txBody>
+                    <a:bodyPr/>
+                    <a:lstStyle/>
+                    <a:p>
+                      <a:pPr marL="0" marR="0" lvl="0" indent="0" algn="ctr" defTabSz="914400" rtl="0" eaLnBrk="1" fontAlgn="auto" latinLnBrk="0" hangingPunct="1">
+                        <a:lnSpc>
+                          <a:spcPct val="100000"/>
+                        </a:lnSpc>
+                        <a:spcBef>
+                          <a:spcPts val="0"/>
+                        </a:spcBef>
+                        <a:spcAft>
+                          <a:spcPts val="0"/>
+                        </a:spcAft>
+                        <a:buClrTx/>
+                        <a:buSzTx/>
+                        <a:buFontTx/>
+                        <a:buNone/>
+                        <a:tabLst/>
+                        <a:defRPr/>
+                      </a:pPr>
+                      <a:r>
+                        <a:rPr lang="en-US" altLang="zh-CN" sz="1600" b="1" kern="1200" dirty="0">
+                          <a:solidFill>
+                            <a:schemeClr val="dk1"/>
+                          </a:solidFill>
+                          <a:latin typeface="+mn-lt"/>
+                          <a:ea typeface="+mn-ea"/>
+                          <a:cs typeface="+mn-cs"/>
+                        </a:rPr>
+                        <a:t>S23</a:t>
+                      </a:r>
+                    </a:p>
+                  </a:txBody>
+                  <a:tcPr>
+                    <a:lnL w="12700" cap="flat" cmpd="sng" algn="ctr">
+                      <a:solidFill>
+                        <a:schemeClr val="tx1"/>
+                      </a:solidFill>
+                      <a:prstDash val="solid"/>
+                      <a:round/>
+                      <a:headEnd type="none" w="med" len="med"/>
+                      <a:tailEnd type="none" w="med" len="med"/>
+                    </a:lnL>
+                    <a:lnR w="12700" cap="flat" cmpd="sng" algn="ctr">
+                      <a:solidFill>
+                        <a:schemeClr val="tx1"/>
+                      </a:solidFill>
+                      <a:prstDash val="solid"/>
+                      <a:round/>
+                      <a:headEnd type="none" w="med" len="med"/>
+                      <a:tailEnd type="none" w="med" len="med"/>
+                    </a:lnR>
+                    <a:lnT w="12700" cap="flat" cmpd="sng" algn="ctr">
+                      <a:solidFill>
+                        <a:schemeClr val="tx1"/>
+                      </a:solidFill>
+                      <a:prstDash val="solid"/>
+                      <a:round/>
+                      <a:headEnd type="none" w="med" len="med"/>
+                      <a:tailEnd type="none" w="med" len="med"/>
+                    </a:lnT>
+                    <a:lnB w="12700" cap="flat" cmpd="sng" algn="ctr">
+                      <a:solidFill>
+                        <a:schemeClr val="tx1"/>
+                      </a:solidFill>
+                      <a:prstDash val="solid"/>
+                      <a:round/>
+                      <a:headEnd type="none" w="med" len="med"/>
+                      <a:tailEnd type="none" w="med" len="med"/>
+                    </a:lnB>
+                  </a:tcPr>
+                </a:tc>
+                <a:tc gridSpan="2">
                   <a:txBody>
                     <a:bodyPr/>
                     <a:lstStyle/>
@@ -10271,6 +11819,88 @@
                         </a:rPr>
                         <a:t>S24</a:t>
                       </a:r>
+                      <a:endParaRPr lang="zh-CN" altLang="en-US" sz="1600" b="1" kern="1200" dirty="0">
+                        <a:solidFill>
+                          <a:schemeClr val="dk1"/>
+                        </a:solidFill>
+                        <a:latin typeface="+mn-lt"/>
+                        <a:ea typeface="+mn-ea"/>
+                        <a:cs typeface="+mn-cs"/>
+                      </a:endParaRPr>
+                    </a:p>
+                  </a:txBody>
+                  <a:tcPr>
+                    <a:lnL w="12700" cap="flat" cmpd="sng" algn="ctr">
+                      <a:solidFill>
+                        <a:schemeClr val="tx1"/>
+                      </a:solidFill>
+                      <a:prstDash val="solid"/>
+                      <a:round/>
+                      <a:headEnd type="none" w="med" len="med"/>
+                      <a:tailEnd type="none" w="med" len="med"/>
+                    </a:lnL>
+                    <a:lnR w="12700" cap="flat" cmpd="sng" algn="ctr">
+                      <a:solidFill>
+                        <a:schemeClr val="tx1"/>
+                      </a:solidFill>
+                      <a:prstDash val="solid"/>
+                      <a:round/>
+                      <a:headEnd type="none" w="med" len="med"/>
+                      <a:tailEnd type="none" w="med" len="med"/>
+                    </a:lnR>
+                    <a:lnT w="12700" cap="flat" cmpd="sng" algn="ctr">
+                      <a:solidFill>
+                        <a:schemeClr val="tx1"/>
+                      </a:solidFill>
+                      <a:prstDash val="solid"/>
+                      <a:round/>
+                      <a:headEnd type="none" w="med" len="med"/>
+                      <a:tailEnd type="none" w="med" len="med"/>
+                    </a:lnT>
+                    <a:lnB w="12700" cap="flat" cmpd="sng" algn="ctr">
+                      <a:solidFill>
+                        <a:schemeClr val="tx1"/>
+                      </a:solidFill>
+                      <a:prstDash val="solid"/>
+                      <a:round/>
+                      <a:headEnd type="none" w="med" len="med"/>
+                      <a:tailEnd type="none" w="med" len="med"/>
+                    </a:lnB>
+                  </a:tcPr>
+                </a:tc>
+                <a:tc hMerge="1">
+                  <a:txBody>
+                    <a:bodyPr/>
+                    <a:lstStyle/>
+                    <a:p>
+                      <a:pPr marL="0" marR="0" lvl="0" indent="0" algn="ctr" defTabSz="914400" rtl="0" eaLnBrk="1" fontAlgn="auto" latinLnBrk="0" hangingPunct="1">
+                        <a:lnSpc>
+                          <a:spcPct val="100000"/>
+                        </a:lnSpc>
+                        <a:spcBef>
+                          <a:spcPts val="0"/>
+                        </a:spcBef>
+                        <a:spcAft>
+                          <a:spcPts val="0"/>
+                        </a:spcAft>
+                        <a:buClrTx/>
+                        <a:buSzTx/>
+                        <a:buFontTx/>
+                        <a:buNone/>
+                        <a:tabLst/>
+                        <a:defRPr/>
+                      </a:pPr>
+                      <a:r>
+                        <a:rPr lang="en-US" altLang="zh-CN" sz="1600" b="1" kern="1200" dirty="0">
+                          <a:solidFill>
+                            <a:schemeClr val="dk1"/>
+                          </a:solidFill>
+                          <a:latin typeface="+mn-lt"/>
+                          <a:ea typeface="+mn-ea"/>
+                          <a:cs typeface="+mn-cs"/>
+                        </a:rPr>
+                        <a:t>S24</a:t>
+                      </a:r>
                     </a:p>
                   </a:txBody>
                   <a:tcPr>
@@ -10319,7 +11949,7 @@
                 </a:extLst>
               </a:tr>
               <a:tr h="185420">
-                <a:tc>
+                <a:tc gridSpan="2">
                   <a:txBody>
                     <a:bodyPr/>
                     <a:lstStyle/>
@@ -10401,7 +12031,89 @@
                     </a:lnB>
                   </a:tcPr>
                 </a:tc>
-                <a:tc gridSpan="2">
+                <a:tc hMerge="1">
+                  <a:txBody>
+                    <a:bodyPr/>
+                    <a:lstStyle/>
+                    <a:p>
+                      <a:pPr marL="0" marR="0" lvl="0" indent="0" algn="ctr" defTabSz="914400" rtl="0" eaLnBrk="1" fontAlgn="auto" latinLnBrk="0" hangingPunct="1">
+                        <a:lnSpc>
+                          <a:spcPct val="100000"/>
+                        </a:lnSpc>
+                        <a:spcBef>
+                          <a:spcPts val="0"/>
+                        </a:spcBef>
+                        <a:spcAft>
+                          <a:spcPts val="0"/>
+                        </a:spcAft>
+                        <a:buClrTx/>
+                        <a:buSzTx/>
+                        <a:buFontTx/>
+                        <a:buNone/>
+                        <a:tabLst/>
+                        <a:defRPr/>
+                      </a:pPr>
+                      <a:r>
+                        <a:rPr lang="en-US" altLang="zh-CN" sz="1400" b="1" kern="1200" dirty="0">
+                          <a:solidFill>
+                            <a:schemeClr val="dk1"/>
+                          </a:solidFill>
+                          <a:latin typeface="+mn-lt"/>
+                          <a:ea typeface="+mn-ea"/>
+                          <a:cs typeface="+mn-cs"/>
+                        </a:rPr>
+                        <a:t>Robots in Tunnelling and Underground Space</a:t>
+                      </a:r>
+                      <a:endParaRPr lang="zh-CN" altLang="en-US" sz="1400" b="1" kern="1200" dirty="0">
+                        <a:solidFill>
+                          <a:schemeClr val="dk1"/>
+                        </a:solidFill>
+                        <a:latin typeface="+mn-lt"/>
+                        <a:ea typeface="+mn-ea"/>
+                        <a:cs typeface="+mn-cs"/>
+                      </a:endParaRPr>
+                    </a:p>
+                  </a:txBody>
+                  <a:tcPr anchor="ctr">
+                    <a:lnL w="12700" cap="flat" cmpd="sng" algn="ctr">
+                      <a:solidFill>
+                        <a:schemeClr val="tx1"/>
+                      </a:solidFill>
+                      <a:prstDash val="solid"/>
+                      <a:round/>
+                      <a:headEnd type="none" w="med" len="med"/>
+                      <a:tailEnd type="none" w="med" len="med"/>
+                    </a:lnL>
+                    <a:lnR w="12700" cap="flat" cmpd="sng" algn="ctr">
+                      <a:solidFill>
+                        <a:schemeClr val="tx1"/>
+                      </a:solidFill>
+                      <a:prstDash val="solid"/>
+                      <a:round/>
+                      <a:headEnd type="none" w="med" len="med"/>
+                      <a:tailEnd type="none" w="med" len="med"/>
+                    </a:lnR>
+                    <a:lnT w="12700" cap="flat" cmpd="sng" algn="ctr">
+                      <a:solidFill>
+                        <a:schemeClr val="tx1"/>
+                      </a:solidFill>
+                      <a:prstDash val="solid"/>
+                      <a:round/>
+                      <a:headEnd type="none" w="med" len="med"/>
+                      <a:tailEnd type="none" w="med" len="med"/>
+                    </a:lnT>
+                    <a:lnB w="12700" cap="flat" cmpd="sng" algn="ctr">
+                      <a:solidFill>
+                        <a:schemeClr val="tx1"/>
+                      </a:solidFill>
+                      <a:prstDash val="solid"/>
+                      <a:round/>
+                      <a:headEnd type="none" w="med" len="med"/>
+                      <a:tailEnd type="none" w="med" len="med"/>
+                    </a:lnB>
+                  </a:tcPr>
+                </a:tc>
+                <a:tc gridSpan="3">
                   <a:txBody>
                     <a:bodyPr/>
                     <a:lstStyle/>
@@ -10434,6 +12146,14 @@
                         </a:rPr>
                         <a:t>Robotic Machining of Complex Components</a:t>
                       </a:r>
+                      <a:endParaRPr lang="zh-CN" altLang="en-US" sz="1400" b="1" kern="1200" dirty="0">
+                        <a:solidFill>
+                          <a:schemeClr val="dk1"/>
+                        </a:solidFill>
+                        <a:latin typeface="+mn-lt"/>
+                        <a:ea typeface="+mn-ea"/>
+                        <a:cs typeface="+mn-cs"/>
+                      </a:endParaRPr>
                     </a:p>
                   </a:txBody>
                   <a:tcPr anchor="ctr">
@@ -10480,17 +12200,168 @@
                     <a:bodyPr/>
                     <a:lstStyle/>
                     <a:p>
-                      <a:endParaRPr lang="zh-CN" altLang="en-US"/>
-                    </a:p>
-                  </a:txBody>
-                  <a:tcPr/>
-                </a:tc>
-                <a:tc>
-                  <a:txBody>
-                    <a:bodyPr/>
-                    <a:lstStyle/>
-                    <a:p>
-                      <a:pPr algn="ctr"/>
+                      <a:pPr marL="0" marR="0" lvl="0" indent="0" algn="ctr" defTabSz="914400" rtl="0" eaLnBrk="1" fontAlgn="auto" latinLnBrk="0" hangingPunct="1">
+                        <a:lnSpc>
+                          <a:spcPct val="100000"/>
+                        </a:lnSpc>
+                        <a:spcBef>
+                          <a:spcPts val="0"/>
+                        </a:spcBef>
+                        <a:spcAft>
+                          <a:spcPts val="0"/>
+                        </a:spcAft>
+                        <a:buClrTx/>
+                        <a:buSzTx/>
+                        <a:buFontTx/>
+                        <a:buNone/>
+                        <a:tabLst/>
+                        <a:defRPr/>
+                      </a:pPr>
+                      <a:endParaRPr lang="zh-CN" altLang="en-US" sz="1400" b="1" kern="1200" dirty="0">
+                        <a:solidFill>
+                          <a:schemeClr val="dk1"/>
+                        </a:solidFill>
+                        <a:latin typeface="+mn-lt"/>
+                        <a:ea typeface="+mn-ea"/>
+                        <a:cs typeface="+mn-cs"/>
+                      </a:endParaRPr>
+                    </a:p>
+                  </a:txBody>
+                  <a:tcPr anchor="ctr">
+                    <a:lnL w="12700" cap="flat" cmpd="sng" algn="ctr">
+                      <a:solidFill>
+                        <a:schemeClr val="tx1"/>
+                      </a:solidFill>
+                      <a:prstDash val="solid"/>
+                      <a:round/>
+                      <a:headEnd type="none" w="med" len="med"/>
+                      <a:tailEnd type="none" w="med" len="med"/>
+                    </a:lnL>
+                    <a:lnR w="12700" cap="flat" cmpd="sng" algn="ctr">
+                      <a:solidFill>
+                        <a:schemeClr val="tx1"/>
+                      </a:solidFill>
+                      <a:prstDash val="solid"/>
+                      <a:round/>
+                      <a:headEnd type="none" w="med" len="med"/>
+                      <a:tailEnd type="none" w="med" len="med"/>
+                    </a:lnR>
+                    <a:lnT w="12700" cap="flat" cmpd="sng" algn="ctr">
+                      <a:solidFill>
+                        <a:schemeClr val="tx1"/>
+                      </a:solidFill>
+                      <a:prstDash val="solid"/>
+                      <a:round/>
+                      <a:headEnd type="none" w="med" len="med"/>
+                      <a:tailEnd type="none" w="med" len="med"/>
+                    </a:lnT>
+                    <a:lnB w="12700" cap="flat" cmpd="sng" algn="ctr">
+                      <a:solidFill>
+                        <a:schemeClr val="tx1"/>
+                      </a:solidFill>
+                      <a:prstDash val="solid"/>
+                      <a:round/>
+                      <a:headEnd type="none" w="med" len="med"/>
+                      <a:tailEnd type="none" w="med" len="med"/>
+                    </a:lnB>
+                  </a:tcPr>
+                </a:tc>
+                <a:tc hMerge="1">
+                  <a:txBody>
+                    <a:bodyPr/>
+                    <a:lstStyle/>
+                    <a:p>
+                      <a:pPr marL="0" marR="0" lvl="0" indent="0" algn="ctr" defTabSz="914400" rtl="0" eaLnBrk="1" fontAlgn="auto" latinLnBrk="0" hangingPunct="1">
+                        <a:lnSpc>
+                          <a:spcPct val="100000"/>
+                        </a:lnSpc>
+                        <a:spcBef>
+                          <a:spcPts val="0"/>
+                        </a:spcBef>
+                        <a:spcAft>
+                          <a:spcPts val="0"/>
+                        </a:spcAft>
+                        <a:buClrTx/>
+                        <a:buSzTx/>
+                        <a:buFontTx/>
+                        <a:buNone/>
+                        <a:tabLst/>
+                        <a:defRPr/>
+                      </a:pPr>
+                      <a:r>
+                        <a:rPr lang="en-US" altLang="zh-CN" sz="1400" b="1" kern="1200" dirty="0">
+                          <a:solidFill>
+                            <a:schemeClr val="dk1"/>
+                          </a:solidFill>
+                          <a:latin typeface="+mn-lt"/>
+                          <a:ea typeface="+mn-ea"/>
+                          <a:cs typeface="+mn-cs"/>
+                        </a:rPr>
+                        <a:t>Robotic Machining of Complex Components</a:t>
+                      </a:r>
+                    </a:p>
+                  </a:txBody>
+                  <a:tcPr anchor="ctr">
+                    <a:lnL w="12700" cap="flat" cmpd="sng" algn="ctr">
+                      <a:solidFill>
+                        <a:schemeClr val="tx1"/>
+                      </a:solidFill>
+                      <a:prstDash val="solid"/>
+                      <a:round/>
+                      <a:headEnd type="none" w="med" len="med"/>
+                      <a:tailEnd type="none" w="med" len="med"/>
+                    </a:lnL>
+                    <a:lnR w="12700" cap="flat" cmpd="sng" algn="ctr">
+                      <a:solidFill>
+                        <a:schemeClr val="tx1"/>
+                      </a:solidFill>
+                      <a:prstDash val="solid"/>
+                      <a:round/>
+                      <a:headEnd type="none" w="med" len="med"/>
+                      <a:tailEnd type="none" w="med" len="med"/>
+                    </a:lnR>
+                    <a:lnT w="12700" cap="flat" cmpd="sng" algn="ctr">
+                      <a:solidFill>
+                        <a:schemeClr val="tx1"/>
+                      </a:solidFill>
+                      <a:prstDash val="solid"/>
+                      <a:round/>
+                      <a:headEnd type="none" w="med" len="med"/>
+                      <a:tailEnd type="none" w="med" len="med"/>
+                    </a:lnT>
+                    <a:lnB w="12700" cap="flat" cmpd="sng" algn="ctr">
+                      <a:solidFill>
+                        <a:schemeClr val="tx1"/>
+                      </a:solidFill>
+                      <a:prstDash val="solid"/>
+                      <a:round/>
+                      <a:headEnd type="none" w="med" len="med"/>
+                      <a:tailEnd type="none" w="med" len="med"/>
+                    </a:lnB>
+                  </a:tcPr>
+                </a:tc>
+                <a:tc gridSpan="2">
+                  <a:txBody>
+                    <a:bodyPr/>
+                    <a:lstStyle/>
+                    <a:p>
+                      <a:pPr marL="0" marR="0" lvl="0" indent="0" algn="ctr" defTabSz="914400" rtl="0" eaLnBrk="1" fontAlgn="auto" latinLnBrk="0" hangingPunct="1">
+                        <a:lnSpc>
+                          <a:spcPct val="100000"/>
+                        </a:lnSpc>
+                        <a:spcBef>
+                          <a:spcPts val="0"/>
+                        </a:spcBef>
+                        <a:spcAft>
+                          <a:spcPts val="0"/>
+                        </a:spcAft>
+                        <a:buClrTx/>
+                        <a:buSzTx/>
+                        <a:buFontTx/>
+                        <a:buNone/>
+                        <a:tabLst/>
+                        <a:defRPr/>
+                      </a:pPr>
                       <a:r>
                         <a:rPr lang="en-US" altLang="zh-CN" sz="1400" b="1" kern="1200" dirty="0">
                           <a:solidFill>
@@ -10502,6 +12373,14 @@
                         </a:rPr>
                         <a:t>Clinically Oriented Design in Robotic Surgery and Rehabilitation</a:t>
                       </a:r>
+                      <a:endParaRPr lang="zh-CN" altLang="en-US" sz="1400" b="1" kern="1200" dirty="0">
+                        <a:solidFill>
+                          <a:schemeClr val="dk1"/>
+                        </a:solidFill>
+                        <a:latin typeface="+mn-lt"/>
+                        <a:ea typeface="+mn-ea"/>
+                        <a:cs typeface="+mn-cs"/>
+                      </a:endParaRPr>
                     </a:p>
                   </a:txBody>
                   <a:tcPr anchor="ctr">
@@ -10543,12 +12422,86 @@
                     </a:lnB>
                   </a:tcPr>
                 </a:tc>
-                <a:tc>
+                <a:tc hMerge="1">
                   <a:txBody>
                     <a:bodyPr/>
                     <a:lstStyle/>
                     <a:p>
                       <a:pPr algn="ctr"/>
+                      <a:r>
+                        <a:rPr lang="en-US" altLang="zh-CN" sz="1400" b="1" kern="1200" dirty="0">
+                          <a:solidFill>
+                            <a:schemeClr val="dk1"/>
+                          </a:solidFill>
+                          <a:latin typeface="+mn-lt"/>
+                          <a:ea typeface="+mn-ea"/>
+                          <a:cs typeface="+mn-cs"/>
+                        </a:rPr>
+                        <a:t>Clinically Oriented Design in Robotic Surgery and Rehabilitation</a:t>
+                      </a:r>
+                    </a:p>
+                  </a:txBody>
+                  <a:tcPr anchor="ctr">
+                    <a:lnL w="12700" cap="flat" cmpd="sng" algn="ctr">
+                      <a:solidFill>
+                        <a:schemeClr val="tx1"/>
+                      </a:solidFill>
+                      <a:prstDash val="solid"/>
+                      <a:round/>
+                      <a:headEnd type="none" w="med" len="med"/>
+                      <a:tailEnd type="none" w="med" len="med"/>
+                    </a:lnL>
+                    <a:lnR w="12700" cap="flat" cmpd="sng" algn="ctr">
+                      <a:solidFill>
+                        <a:schemeClr val="tx1"/>
+                      </a:solidFill>
+                      <a:prstDash val="solid"/>
+                      <a:round/>
+                      <a:headEnd type="none" w="med" len="med"/>
+                      <a:tailEnd type="none" w="med" len="med"/>
+                    </a:lnR>
+                    <a:lnT w="12700" cap="flat" cmpd="sng" algn="ctr">
+                      <a:solidFill>
+                        <a:schemeClr val="tx1"/>
+                      </a:solidFill>
+                      <a:prstDash val="solid"/>
+                      <a:round/>
+                      <a:headEnd type="none" w="med" len="med"/>
+                      <a:tailEnd type="none" w="med" len="med"/>
+                    </a:lnT>
+                    <a:lnB w="12700" cap="flat" cmpd="sng" algn="ctr">
+                      <a:solidFill>
+                        <a:schemeClr val="tx1"/>
+                      </a:solidFill>
+                      <a:prstDash val="solid"/>
+                      <a:round/>
+                      <a:headEnd type="none" w="med" len="med"/>
+                      <a:tailEnd type="none" w="med" len="med"/>
+                    </a:lnB>
+                  </a:tcPr>
+                </a:tc>
+                <a:tc gridSpan="2">
+                  <a:txBody>
+                    <a:bodyPr/>
+                    <a:lstStyle/>
+                    <a:p>
+                      <a:pPr marL="0" marR="0" lvl="0" indent="0" algn="ctr" defTabSz="914400" rtl="0" eaLnBrk="1" fontAlgn="auto" latinLnBrk="0" hangingPunct="1">
+                        <a:lnSpc>
+                          <a:spcPct val="100000"/>
+                        </a:lnSpc>
+                        <a:spcBef>
+                          <a:spcPts val="0"/>
+                        </a:spcBef>
+                        <a:spcAft>
+                          <a:spcPts val="0"/>
+                        </a:spcAft>
+                        <a:buClrTx/>
+                        <a:buSzTx/>
+                        <a:buFontTx/>
+                        <a:buNone/>
+                        <a:tabLst/>
+                        <a:defRPr/>
+                      </a:pPr>
                       <a:r>
                         <a:rPr lang="en-US" altLang="zh-CN" sz="1400" b="1" kern="1200" dirty="0">
                           <a:solidFill>
@@ -10560,6 +12513,72 @@
                         </a:rPr>
                         <a:t>Visual and Visual-tactile Perception for Robotics</a:t>
                       </a:r>
+                      <a:endParaRPr lang="zh-CN" altLang="en-US" sz="1400" b="1" kern="1200" dirty="0">
+                        <a:solidFill>
+                          <a:schemeClr val="dk1"/>
+                        </a:solidFill>
+                        <a:latin typeface="+mn-lt"/>
+                        <a:ea typeface="+mn-ea"/>
+                        <a:cs typeface="+mn-cs"/>
+                      </a:endParaRPr>
+                    </a:p>
+                  </a:txBody>
+                  <a:tcPr anchor="ctr">
+                    <a:lnL w="12700" cap="flat" cmpd="sng" algn="ctr">
+                      <a:solidFill>
+                        <a:schemeClr val="tx1"/>
+                      </a:solidFill>
+                      <a:prstDash val="solid"/>
+                      <a:round/>
+                      <a:headEnd type="none" w="med" len="med"/>
+                      <a:tailEnd type="none" w="med" len="med"/>
+                    </a:lnL>
+                    <a:lnR w="12700" cap="flat" cmpd="sng" algn="ctr">
+                      <a:solidFill>
+                        <a:schemeClr val="tx1"/>
+                      </a:solidFill>
+                      <a:prstDash val="solid"/>
+                      <a:round/>
+                      <a:headEnd type="none" w="med" len="med"/>
+                      <a:tailEnd type="none" w="med" len="med"/>
+                    </a:lnR>
+                    <a:lnT w="12700" cap="flat" cmpd="sng" algn="ctr">
+                      <a:solidFill>
+                        <a:schemeClr val="tx1"/>
+                      </a:solidFill>
+                      <a:prstDash val="solid"/>
+                      <a:round/>
+                      <a:headEnd type="none" w="med" len="med"/>
+                      <a:tailEnd type="none" w="med" len="med"/>
+                    </a:lnT>
+                    <a:lnB w="12700" cap="flat" cmpd="sng" algn="ctr">
+                      <a:solidFill>
+                        <a:schemeClr val="tx1"/>
+                      </a:solidFill>
+                      <a:prstDash val="solid"/>
+                      <a:round/>
+                      <a:headEnd type="none" w="med" len="med"/>
+                      <a:tailEnd type="none" w="med" len="med"/>
+                    </a:lnB>
+                  </a:tcPr>
+                </a:tc>
+                <a:tc hMerge="1">
+                  <a:txBody>
+                    <a:bodyPr/>
+                    <a:lstStyle/>
+                    <a:p>
+                      <a:pPr algn="ctr"/>
+                      <a:r>
+                        <a:rPr lang="en-US" altLang="zh-CN" sz="1400" b="1" kern="1200" dirty="0">
+                          <a:solidFill>
+                            <a:schemeClr val="dk1"/>
+                          </a:solidFill>
+                          <a:latin typeface="+mn-lt"/>
+                          <a:ea typeface="+mn-ea"/>
+                          <a:cs typeface="+mn-cs"/>
+                        </a:rPr>
+                        <a:t>Visual and Visual-tactile Perception for Robotics</a:t>
+                      </a:r>
                     </a:p>
                   </a:txBody>
                   <a:tcPr anchor="ctr">
@@ -10608,7 +12627,7 @@
                 </a:extLst>
               </a:tr>
               <a:tr h="370840">
-                <a:tc gridSpan="2">
+                <a:tc gridSpan="3">
                   <a:txBody>
                     <a:bodyPr/>
                     <a:lstStyle/>
@@ -10654,16 +12673,6 @@
                     <a:bodyPr/>
                     <a:lstStyle/>
                     <a:p>
-                      <a:endParaRPr lang="zh-CN" altLang="en-US"/>
-                    </a:p>
-                  </a:txBody>
-                  <a:tcPr/>
-                </a:tc>
-                <a:tc gridSpan="3">
-                  <a:txBody>
-                    <a:bodyPr/>
-                    <a:lstStyle/>
-                    <a:p>
                       <a:pPr marL="0" marR="0" lvl="0" indent="0" algn="l" defTabSz="914400" rtl="0" eaLnBrk="1" fontAlgn="auto" latinLnBrk="0" hangingPunct="1">
                         <a:lnSpc>
                           <a:spcPct val="100000"/>
@@ -10682,16 +12691,8 @@
                         <a:defRPr/>
                       </a:pPr>
                       <a:r>
-                        <a:rPr lang="en-US" altLang="zh-CN" b="1"/>
-                        <a:t>Poster Session (Coffee </a:t>
-                      </a:r>
-                      <a:r>
                         <a:rPr lang="en-US" altLang="zh-CN" b="1" dirty="0"/>
-                        <a:t>&amp; </a:t>
-                      </a:r>
-                      <a:r>
-                        <a:rPr lang="en-US" altLang="zh-CN" b="1"/>
-                        <a:t>Tea Break)</a:t>
+                        <a:t>15:30-15:45</a:t>
                       </a:r>
                       <a:endParaRPr lang="zh-CN" altLang="en-US" b="1" dirty="0"/>
                     </a:p>
@@ -10709,33 +12710,6 @@
                   </a:tcPr>
                 </a:tc>
                 <a:tc hMerge="1">
-                  <a:txBody>
-                    <a:bodyPr/>
-                    <a:lstStyle/>
-                    <a:p>
-                      <a:endParaRPr lang="zh-CN" altLang="en-US"/>
-                    </a:p>
-                  </a:txBody>
-                  <a:tcPr/>
-                </a:tc>
-                <a:tc hMerge="1">
-                  <a:txBody>
-                    <a:bodyPr/>
-                    <a:lstStyle/>
-                    <a:p>
-                      <a:endParaRPr lang="zh-CN" altLang="en-US"/>
-                    </a:p>
-                  </a:txBody>
-                  <a:tcPr/>
-                </a:tc>
-                <a:extLst>
-                  <a:ext uri="{0D108BD9-81ED-4DB2-BD59-A6C34878D82A}">
-                    <a16:rowId xmlns:a16="http://schemas.microsoft.com/office/drawing/2014/main" val="1552770658"/>
-                  </a:ext>
-                </a:extLst>
-              </a:tr>
-              <a:tr h="370840">
-                <a:tc gridSpan="2">
                   <a:txBody>
                     <a:bodyPr/>
                     <a:lstStyle/>
@@ -10757,25 +12731,45 @@
                         <a:tabLst/>
                         <a:defRPr/>
                       </a:pPr>
-                      <a:r>
-                        <a:rPr lang="en-US" altLang="zh-CN" b="1" dirty="0"/>
-                        <a:t>15:45-17:45</a:t>
-                      </a:r>
                       <a:endParaRPr lang="zh-CN" altLang="en-US" b="1" dirty="0"/>
                     </a:p>
                   </a:txBody>
                   <a:tcPr>
-                    <a:lnB w="12700" cap="flat" cmpd="sng" algn="ctr">
-                      <a:solidFill>
-                        <a:schemeClr val="tx1"/>
-                      </a:solidFill>
-                      <a:prstDash val="solid"/>
-                      <a:round/>
-                      <a:headEnd type="none" w="med" len="med"/>
-                      <a:tailEnd type="none" w="med" len="med"/>
-                    </a:lnB>
+                    <a:lnT w="12700" cap="flat" cmpd="sng" algn="ctr">
+                      <a:solidFill>
+                        <a:schemeClr val="tx1"/>
+                      </a:solidFill>
+                      <a:prstDash val="solid"/>
+                      <a:round/>
+                      <a:headEnd type="none" w="med" len="med"/>
+                      <a:tailEnd type="none" w="med" len="med"/>
+                    </a:lnT>
                   </a:tcPr>
                 </a:tc>
+                <a:tc gridSpan="6">
+                  <a:txBody>
+                    <a:bodyPr/>
+                    <a:lstStyle/>
+                    <a:p>
+                      <a:r>
+                        <a:rPr lang="en-US" altLang="zh-CN" b="1"/>
+                        <a:t>Poster Session (Coffee &amp; Tea Break)</a:t>
+                      </a:r>
+                      <a:endParaRPr lang="zh-CN" altLang="en-US"/>
+                    </a:p>
+                  </a:txBody>
+                  <a:tcPr>
+                    <a:lnT w="12700" cap="flat" cmpd="sng" algn="ctr">
+                      <a:solidFill>
+                        <a:schemeClr val="tx1"/>
+                      </a:solidFill>
+                      <a:prstDash val="solid"/>
+                      <a:round/>
+                      <a:headEnd type="none" w="med" len="med"/>
+                      <a:tailEnd type="none" w="med" len="med"/>
+                    </a:lnT>
+                  </a:tcPr>
+                </a:tc>
                 <a:tc hMerge="1">
                   <a:txBody>
                     <a:bodyPr/>
@@ -10784,8 +12778,75 @@
                       <a:endParaRPr lang="zh-CN" altLang="en-US"/>
                     </a:p>
                   </a:txBody>
+                  <a:tcPr>
+                    <a:lnT w="12700" cap="flat" cmpd="sng" algn="ctr">
+                      <a:solidFill>
+                        <a:schemeClr val="tx1"/>
+                      </a:solidFill>
+                      <a:prstDash val="solid"/>
+                      <a:round/>
+                      <a:headEnd type="none" w="med" len="med"/>
+                      <a:tailEnd type="none" w="med" len="med"/>
+                    </a:lnT>
+                  </a:tcPr>
+                </a:tc>
+                <a:tc hMerge="1">
+                  <a:txBody>
+                    <a:bodyPr/>
+                    <a:lstStyle/>
+                    <a:p>
+                      <a:endParaRPr lang="zh-CN" altLang="en-US"/>
+                    </a:p>
+                  </a:txBody>
                   <a:tcPr/>
                 </a:tc>
+                <a:tc hMerge="1">
+                  <a:txBody>
+                    <a:bodyPr/>
+                    <a:lstStyle/>
+                    <a:p>
+                      <a:endParaRPr lang="zh-CN" altLang="en-US"/>
+                    </a:p>
+                  </a:txBody>
+                  <a:tcPr>
+                    <a:lnT w="12700" cap="flat" cmpd="sng" algn="ctr">
+                      <a:solidFill>
+                        <a:schemeClr val="tx1"/>
+                      </a:solidFill>
+                      <a:prstDash val="solid"/>
+                      <a:round/>
+                      <a:headEnd type="none" w="med" len="med"/>
+                      <a:tailEnd type="none" w="med" len="med"/>
+                    </a:lnT>
+                  </a:tcPr>
+                </a:tc>
+                <a:tc hMerge="1">
+                  <a:txBody>
+                    <a:bodyPr/>
+                    <a:lstStyle/>
+                    <a:p>
+                      <a:endParaRPr lang="zh-CN" altLang="en-US"/>
+                    </a:p>
+                  </a:txBody>
+                  <a:tcPr/>
+                </a:tc>
+                <a:tc hMerge="1">
+                  <a:txBody>
+                    <a:bodyPr/>
+                    <a:lstStyle/>
+                    <a:p>
+                      <a:endParaRPr lang="zh-CN" altLang="en-US"/>
+                    </a:p>
+                  </a:txBody>
+                  <a:tcPr/>
+                </a:tc>
+                <a:extLst>
+                  <a:ext uri="{0D108BD9-81ED-4DB2-BD59-A6C34878D82A}">
+                    <a16:rowId xmlns:a16="http://schemas.microsoft.com/office/drawing/2014/main" val="1552770658"/>
+                  </a:ext>
+                </a:extLst>
+              </a:tr>
+              <a:tr h="370840">
                 <a:tc gridSpan="3">
                   <a:txBody>
                     <a:bodyPr/>
@@ -10810,12 +12871,115 @@
                       </a:pPr>
                       <a:r>
                         <a:rPr lang="en-US" altLang="zh-CN" b="1" dirty="0"/>
+                        <a:t>15:45-17:45</a:t>
+                      </a:r>
+                      <a:endParaRPr lang="zh-CN" altLang="en-US" b="1" dirty="0"/>
+                    </a:p>
+                  </a:txBody>
+                  <a:tcPr>
+                    <a:lnB w="28575" cap="flat" cmpd="sng" algn="ctr">
+                      <a:solidFill>
+                        <a:schemeClr val="tx1"/>
+                      </a:solidFill>
+                      <a:prstDash val="solid"/>
+                      <a:round/>
+                      <a:headEnd type="none" w="med" len="med"/>
+                      <a:tailEnd type="none" w="med" len="med"/>
+                    </a:lnB>
+                  </a:tcPr>
+                </a:tc>
+                <a:tc hMerge="1">
+                  <a:txBody>
+                    <a:bodyPr/>
+                    <a:lstStyle/>
+                    <a:p>
+                      <a:pPr marL="0" marR="0" lvl="0" indent="0" algn="l" defTabSz="914400" rtl="0" eaLnBrk="1" fontAlgn="auto" latinLnBrk="0" hangingPunct="1">
+                        <a:lnSpc>
+                          <a:spcPct val="100000"/>
+                        </a:lnSpc>
+                        <a:spcBef>
+                          <a:spcPts val="0"/>
+                        </a:spcBef>
+                        <a:spcAft>
+                          <a:spcPts val="0"/>
+                        </a:spcAft>
+                        <a:buClrTx/>
+                        <a:buSzTx/>
+                        <a:buFontTx/>
+                        <a:buNone/>
+                        <a:tabLst/>
+                        <a:defRPr/>
+                      </a:pPr>
+                      <a:r>
+                        <a:rPr lang="en-US" altLang="zh-CN" b="1" dirty="0"/>
+                        <a:t>15:45-17:45</a:t>
+                      </a:r>
+                      <a:endParaRPr lang="zh-CN" altLang="en-US" b="1" dirty="0"/>
+                    </a:p>
+                  </a:txBody>
+                  <a:tcPr>
+                    <a:lnB w="12700" cap="flat" cmpd="sng" algn="ctr">
+                      <a:solidFill>
+                        <a:schemeClr val="tx1"/>
+                      </a:solidFill>
+                      <a:prstDash val="solid"/>
+                      <a:round/>
+                      <a:headEnd type="none" w="med" len="med"/>
+                      <a:tailEnd type="none" w="med" len="med"/>
+                    </a:lnB>
+                  </a:tcPr>
+                </a:tc>
+                <a:tc hMerge="1">
+                  <a:txBody>
+                    <a:bodyPr/>
+                    <a:lstStyle/>
+                    <a:p>
+                      <a:pPr marL="0" marR="0" lvl="0" indent="0" algn="l" defTabSz="914400" rtl="0" eaLnBrk="1" fontAlgn="auto" latinLnBrk="0" hangingPunct="1">
+                        <a:lnSpc>
+                          <a:spcPct val="100000"/>
+                        </a:lnSpc>
+                        <a:spcBef>
+                          <a:spcPts val="0"/>
+                        </a:spcBef>
+                        <a:spcAft>
+                          <a:spcPts val="0"/>
+                        </a:spcAft>
+                        <a:buClrTx/>
+                        <a:buSzTx/>
+                        <a:buFontTx/>
+                        <a:buNone/>
+                        <a:tabLst/>
+                        <a:defRPr/>
+                      </a:pPr>
+                      <a:endParaRPr lang="zh-CN" altLang="en-US" b="1" dirty="0"/>
+                    </a:p>
+                  </a:txBody>
+                  <a:tcPr>
+                    <a:lnB w="12700" cap="flat" cmpd="sng" algn="ctr">
+                      <a:solidFill>
+                        <a:schemeClr val="tx1"/>
+                      </a:solidFill>
+                      <a:prstDash val="solid"/>
+                      <a:round/>
+                      <a:headEnd type="none" w="med" len="med"/>
+                      <a:tailEnd type="none" w="med" len="med"/>
+                    </a:lnB>
+                  </a:tcPr>
+                </a:tc>
+                <a:tc gridSpan="6">
+                  <a:txBody>
+                    <a:bodyPr/>
+                    <a:lstStyle/>
+                    <a:p>
+                      <a:r>
+                        <a:rPr lang="en-US" altLang="zh-CN" b="1" dirty="0"/>
                         <a:t>Session</a:t>
                       </a:r>
                       <a:r>
                         <a:rPr lang="en-US" altLang="zh-CN" b="1" baseline="0" dirty="0"/>
                         <a:t> Ⅳ (S25 – S32)</a:t>
                       </a:r>
+                      <a:endParaRPr lang="zh-CN" altLang="en-US" dirty="0"/>
                     </a:p>
                   </a:txBody>
                   <a:tcPr>
@@ -10829,6 +12993,36 @@
                       <a:tailEnd type="none" w="med" len="med"/>
                     </a:lnB>
                   </a:tcPr>
+                </a:tc>
+                <a:tc hMerge="1">
+                  <a:txBody>
+                    <a:bodyPr/>
+                    <a:lstStyle/>
+                    <a:p>
+                      <a:endParaRPr lang="zh-CN" altLang="en-US"/>
+                    </a:p>
+                  </a:txBody>
+                  <a:tcPr/>
+                </a:tc>
+                <a:tc hMerge="1">
+                  <a:txBody>
+                    <a:bodyPr/>
+                    <a:lstStyle/>
+                    <a:p>
+                      <a:endParaRPr lang="zh-CN" altLang="en-US"/>
+                    </a:p>
+                  </a:txBody>
+                  <a:tcPr/>
+                </a:tc>
+                <a:tc hMerge="1">
+                  <a:txBody>
+                    <a:bodyPr/>
+                    <a:lstStyle/>
+                    <a:p>
+                      <a:endParaRPr lang="zh-CN" altLang="en-US"/>
+                    </a:p>
+                  </a:txBody>
+                  <a:tcPr/>
                 </a:tc>
                 <a:tc hMerge="1">
                   <a:txBody>
@@ -10858,6 +13052,88 @@
               </a:tr>
               <a:tr h="370840">
                 <a:tc>
+                  <a:txBody>
+                    <a:bodyPr/>
+                    <a:lstStyle/>
+                    <a:p>
+                      <a:pPr marL="0" marR="0" lvl="0" indent="0" algn="ctr" defTabSz="914400" rtl="0" eaLnBrk="1" fontAlgn="auto" latinLnBrk="0" hangingPunct="1">
+                        <a:lnSpc>
+                          <a:spcPct val="100000"/>
+                        </a:lnSpc>
+                        <a:spcBef>
+                          <a:spcPts val="0"/>
+                        </a:spcBef>
+                        <a:spcAft>
+                          <a:spcPts val="0"/>
+                        </a:spcAft>
+                        <a:buClrTx/>
+                        <a:buSzTx/>
+                        <a:buFontTx/>
+                        <a:buNone/>
+                        <a:tabLst/>
+                        <a:defRPr/>
+                      </a:pPr>
+                      <a:r>
+                        <a:rPr lang="en-US" altLang="zh-CN" sz="1600" b="1" kern="1200" dirty="0">
+                          <a:solidFill>
+                            <a:schemeClr val="dk1"/>
+                          </a:solidFill>
+                          <a:latin typeface="+mn-lt"/>
+                          <a:ea typeface="+mn-ea"/>
+                          <a:cs typeface="+mn-cs"/>
+                        </a:rPr>
+                        <a:t>C01</a:t>
+                      </a:r>
+                      <a:endParaRPr lang="zh-CN" altLang="en-US" sz="1600" b="1" kern="1200" dirty="0">
+                        <a:solidFill>
+                          <a:schemeClr val="dk1"/>
+                        </a:solidFill>
+                        <a:latin typeface="+mn-lt"/>
+                        <a:ea typeface="+mn-ea"/>
+                        <a:cs typeface="+mn-cs"/>
+                      </a:endParaRPr>
+                    </a:p>
+                  </a:txBody>
+                  <a:tcPr>
+                    <a:lnL w="28575" cap="flat" cmpd="sng" algn="ctr">
+                      <a:solidFill>
+                        <a:schemeClr val="tx1"/>
+                      </a:solidFill>
+                      <a:prstDash val="solid"/>
+                      <a:round/>
+                      <a:headEnd type="none" w="med" len="med"/>
+                      <a:tailEnd type="none" w="med" len="med"/>
+                    </a:lnL>
+                    <a:lnR w="28575" cap="flat" cmpd="sng" algn="ctr">
+                      <a:solidFill>
+                        <a:schemeClr val="tx1"/>
+                      </a:solidFill>
+                      <a:prstDash val="solid"/>
+                      <a:round/>
+                      <a:headEnd type="none" w="med" len="med"/>
+                      <a:tailEnd type="none" w="med" len="med"/>
+                    </a:lnR>
+                    <a:lnT w="28575" cap="flat" cmpd="sng" algn="ctr">
+                      <a:solidFill>
+                        <a:schemeClr val="tx1"/>
+                      </a:solidFill>
+                      <a:prstDash val="solid"/>
+                      <a:round/>
+                      <a:headEnd type="none" w="med" len="med"/>
+                      <a:tailEnd type="none" w="med" len="med"/>
+                    </a:lnT>
+                    <a:lnB w="28575" cap="flat" cmpd="sng" algn="ctr">
+                      <a:solidFill>
+                        <a:schemeClr val="tx1"/>
+                      </a:solidFill>
+                      <a:prstDash val="solid"/>
+                      <a:round/>
+                      <a:headEnd type="none" w="med" len="med"/>
+                      <a:tailEnd type="none" w="med" len="med"/>
+                    </a:lnB>
+                  </a:tcPr>
+                </a:tc>
+                <a:tc gridSpan="3">
                   <a:txBody>
                     <a:bodyPr/>
                     <a:lstStyle/>
@@ -10901,6 +13177,87 @@
                     </a:p>
                   </a:txBody>
                   <a:tcPr>
+                    <a:lnL w="28575" cap="flat" cmpd="sng" algn="ctr">
+                      <a:solidFill>
+                        <a:schemeClr val="tx1"/>
+                      </a:solidFill>
+                      <a:prstDash val="solid"/>
+                      <a:round/>
+                      <a:headEnd type="none" w="med" len="med"/>
+                      <a:tailEnd type="none" w="med" len="med"/>
+                    </a:lnL>
+                    <a:lnR w="12700" cap="flat" cmpd="sng" algn="ctr">
+                      <a:solidFill>
+                        <a:schemeClr val="tx1"/>
+                      </a:solidFill>
+                      <a:prstDash val="solid"/>
+                      <a:round/>
+                      <a:headEnd type="none" w="med" len="med"/>
+                      <a:tailEnd type="none" w="med" len="med"/>
+                    </a:lnR>
+                    <a:lnT w="12700" cap="flat" cmpd="sng" algn="ctr">
+                      <a:solidFill>
+                        <a:schemeClr val="tx1"/>
+                      </a:solidFill>
+                      <a:prstDash val="solid"/>
+                      <a:round/>
+                      <a:headEnd type="none" w="med" len="med"/>
+                      <a:tailEnd type="none" w="med" len="med"/>
+                    </a:lnT>
+                    <a:lnB w="12700" cap="flat" cmpd="sng" algn="ctr">
+                      <a:solidFill>
+                        <a:schemeClr val="tx1"/>
+                      </a:solidFill>
+                      <a:prstDash val="solid"/>
+                      <a:round/>
+                      <a:headEnd type="none" w="med" len="med"/>
+                      <a:tailEnd type="none" w="med" len="med"/>
+                    </a:lnB>
+                  </a:tcPr>
+                </a:tc>
+                <a:tc hMerge="1">
+                  <a:txBody>
+                    <a:bodyPr/>
+                    <a:lstStyle/>
+                    <a:p>
+                      <a:endParaRPr lang="zh-CN" altLang="en-US"/>
+                    </a:p>
+                  </a:txBody>
+                  <a:tcPr/>
+                </a:tc>
+                <a:tc hMerge="1">
+                  <a:txBody>
+                    <a:bodyPr/>
+                    <a:lstStyle/>
+                    <a:p>
+                      <a:pPr marL="0" marR="0" lvl="0" indent="0" algn="ctr" defTabSz="914400" rtl="0" eaLnBrk="1" fontAlgn="auto" latinLnBrk="0" hangingPunct="1">
+                        <a:lnSpc>
+                          <a:spcPct val="100000"/>
+                        </a:lnSpc>
+                        <a:spcBef>
+                          <a:spcPts val="0"/>
+                        </a:spcBef>
+                        <a:spcAft>
+                          <a:spcPts val="0"/>
+                        </a:spcAft>
+                        <a:buClrTx/>
+                        <a:buSzTx/>
+                        <a:buFontTx/>
+                        <a:buNone/>
+                        <a:tabLst/>
+                        <a:defRPr/>
+                      </a:pPr>
+                      <a:endParaRPr lang="zh-CN" altLang="en-US" sz="1600" b="1" kern="1200" dirty="0">
+                        <a:solidFill>
+                          <a:schemeClr val="dk1"/>
+                        </a:solidFill>
+                        <a:latin typeface="+mn-lt"/>
+                        <a:ea typeface="+mn-ea"/>
+                        <a:cs typeface="+mn-cs"/>
+                      </a:endParaRPr>
+                    </a:p>
+                  </a:txBody>
+                  <a:tcPr>
                     <a:lnL w="12700" cap="flat" cmpd="sng" algn="ctr">
                       <a:solidFill>
                         <a:schemeClr val="tx1"/>
@@ -11018,7 +13375,7 @@
                     <a:bodyPr/>
                     <a:lstStyle/>
                     <a:p>
-                      <a:pPr marL="0" marR="0" lvl="0" indent="0" algn="l" defTabSz="914400" rtl="0" eaLnBrk="1" fontAlgn="auto" latinLnBrk="0" hangingPunct="1">
+                      <a:pPr marL="0" marR="0" lvl="0" indent="0" algn="ctr" defTabSz="914400" rtl="0" eaLnBrk="1" fontAlgn="auto" latinLnBrk="0" hangingPunct="1">
                         <a:lnSpc>
                           <a:spcPct val="100000"/>
                         </a:lnSpc>
@@ -11035,12 +13392,56 @@
                         <a:tabLst/>
                         <a:defRPr/>
                       </a:pPr>
-                      <a:endParaRPr lang="en-US" altLang="zh-CN" baseline="0" dirty="0"/>
-                    </a:p>
-                  </a:txBody>
-                  <a:tcPr/>
-                </a:tc>
-                <a:tc>
+                      <a:endParaRPr lang="en-US" altLang="zh-CN" sz="1600" b="1" kern="1200" dirty="0">
+                        <a:solidFill>
+                          <a:schemeClr val="dk1"/>
+                        </a:solidFill>
+                        <a:latin typeface="+mn-lt"/>
+                        <a:ea typeface="+mn-ea"/>
+                        <a:cs typeface="+mn-cs"/>
+                      </a:endParaRPr>
+                    </a:p>
+                  </a:txBody>
+                  <a:tcPr>
+                    <a:lnL w="12700" cap="flat" cmpd="sng" algn="ctr">
+                      <a:solidFill>
+                        <a:schemeClr val="tx1"/>
+                      </a:solidFill>
+                      <a:prstDash val="solid"/>
+                      <a:round/>
+                      <a:headEnd type="none" w="med" len="med"/>
+                      <a:tailEnd type="none" w="med" len="med"/>
+                    </a:lnL>
+                    <a:lnR w="12700" cap="flat" cmpd="sng" algn="ctr">
+                      <a:solidFill>
+                        <a:schemeClr val="tx1"/>
+                      </a:solidFill>
+                      <a:prstDash val="solid"/>
+                      <a:round/>
+                      <a:headEnd type="none" w="med" len="med"/>
+                      <a:tailEnd type="none" w="med" len="med"/>
+                    </a:lnR>
+                    <a:lnT w="12700" cap="flat" cmpd="sng" algn="ctr">
+                      <a:solidFill>
+                        <a:schemeClr val="tx1"/>
+                      </a:solidFill>
+                      <a:prstDash val="solid"/>
+                      <a:round/>
+                      <a:headEnd type="none" w="med" len="med"/>
+                      <a:tailEnd type="none" w="med" len="med"/>
+                    </a:lnT>
+                    <a:lnB w="12700" cap="flat" cmpd="sng" algn="ctr">
+                      <a:solidFill>
+                        <a:schemeClr val="tx1"/>
+                      </a:solidFill>
+                      <a:prstDash val="solid"/>
+                      <a:round/>
+                      <a:headEnd type="none" w="med" len="med"/>
+                      <a:tailEnd type="none" w="med" len="med"/>
+                    </a:lnB>
+                  </a:tcPr>
+                </a:tc>
+                <a:tc gridSpan="2">
                   <a:txBody>
                     <a:bodyPr/>
                     <a:lstStyle/>
@@ -11114,6 +13515,77 @@
                     </a:lnB>
                   </a:tcPr>
                 </a:tc>
+                <a:tc hMerge="1">
+                  <a:txBody>
+                    <a:bodyPr/>
+                    <a:lstStyle/>
+                    <a:p>
+                      <a:pPr marL="0" marR="0" lvl="0" indent="0" algn="ctr" defTabSz="914400" rtl="0" eaLnBrk="1" fontAlgn="auto" latinLnBrk="0" hangingPunct="1">
+                        <a:lnSpc>
+                          <a:spcPct val="100000"/>
+                        </a:lnSpc>
+                        <a:spcBef>
+                          <a:spcPts val="0"/>
+                        </a:spcBef>
+                        <a:spcAft>
+                          <a:spcPts val="0"/>
+                        </a:spcAft>
+                        <a:buClrTx/>
+                        <a:buSzTx/>
+                        <a:buFontTx/>
+                        <a:buNone/>
+                        <a:tabLst/>
+                        <a:defRPr/>
+                      </a:pPr>
+                      <a:endParaRPr lang="en-US" altLang="zh-CN" sz="1600" b="1" kern="1200" dirty="0">
+                        <a:solidFill>
+                          <a:schemeClr val="dk1"/>
+                        </a:solidFill>
+                        <a:latin typeface="+mn-lt"/>
+                        <a:ea typeface="+mn-ea"/>
+                        <a:cs typeface="+mn-cs"/>
+                      </a:endParaRPr>
+                    </a:p>
+                  </a:txBody>
+                  <a:tcPr>
+                    <a:lnL w="12700" cap="flat" cmpd="sng" algn="ctr">
+                      <a:solidFill>
+                        <a:schemeClr val="tx1"/>
+                      </a:solidFill>
+                      <a:prstDash val="solid"/>
+                      <a:round/>
+                      <a:headEnd type="none" w="med" len="med"/>
+                      <a:tailEnd type="none" w="med" len="med"/>
+                    </a:lnL>
+                    <a:lnR w="12700" cap="flat" cmpd="sng" algn="ctr">
+                      <a:solidFill>
+                        <a:schemeClr val="tx1"/>
+                      </a:solidFill>
+                      <a:prstDash val="solid"/>
+                      <a:round/>
+                      <a:headEnd type="none" w="med" len="med"/>
+                      <a:tailEnd type="none" w="med" len="med"/>
+                    </a:lnR>
+                    <a:lnT w="12700" cap="flat" cmpd="sng" algn="ctr">
+                      <a:solidFill>
+                        <a:schemeClr val="tx1"/>
+                      </a:solidFill>
+                      <a:prstDash val="solid"/>
+                      <a:round/>
+                      <a:headEnd type="none" w="med" len="med"/>
+                      <a:tailEnd type="none" w="med" len="med"/>
+                    </a:lnT>
+                    <a:lnB w="12700" cap="flat" cmpd="sng" algn="ctr">
+                      <a:solidFill>
+                        <a:schemeClr val="tx1"/>
+                      </a:solidFill>
+                      <a:prstDash val="solid"/>
+                      <a:round/>
+                      <a:headEnd type="none" w="med" len="med"/>
+                      <a:tailEnd type="none" w="med" len="med"/>
+                    </a:lnB>
+                  </a:tcPr>
+                </a:tc>
                 <a:tc>
                   <a:txBody>
                     <a:bodyPr/>
@@ -11226,8 +13698,171 @@
                           <a:ea typeface="+mn-ea"/>
                           <a:cs typeface="+mn-cs"/>
                         </a:rPr>
+                        <a:t>Cutting-edge research in robotics (I)</a:t>
+                      </a:r>
+                      <a:endParaRPr lang="zh-CN" altLang="en-US" sz="1400" b="1" kern="1200" dirty="0">
+                        <a:solidFill>
+                          <a:schemeClr val="dk1"/>
+                        </a:solidFill>
+                        <a:latin typeface="+mn-lt"/>
+                        <a:ea typeface="+mn-ea"/>
+                        <a:cs typeface="+mn-cs"/>
+                      </a:endParaRPr>
+                    </a:p>
+                  </a:txBody>
+                  <a:tcPr anchor="ctr">
+                    <a:lnL w="28575" cap="flat" cmpd="sng" algn="ctr">
+                      <a:solidFill>
+                        <a:schemeClr val="tx1"/>
+                      </a:solidFill>
+                      <a:prstDash val="solid"/>
+                      <a:round/>
+                      <a:headEnd type="none" w="med" len="med"/>
+                      <a:tailEnd type="none" w="med" len="med"/>
+                    </a:lnL>
+                    <a:lnR w="28575" cap="flat" cmpd="sng" algn="ctr">
+                      <a:solidFill>
+                        <a:schemeClr val="tx1"/>
+                      </a:solidFill>
+                      <a:prstDash val="solid"/>
+                      <a:round/>
+                      <a:headEnd type="none" w="med" len="med"/>
+                      <a:tailEnd type="none" w="med" len="med"/>
+                    </a:lnR>
+                    <a:lnT w="28575" cap="flat" cmpd="sng" algn="ctr">
+                      <a:solidFill>
+                        <a:schemeClr val="tx1"/>
+                      </a:solidFill>
+                      <a:prstDash val="solid"/>
+                      <a:round/>
+                      <a:headEnd type="none" w="med" len="med"/>
+                      <a:tailEnd type="none" w="med" len="med"/>
+                    </a:lnT>
+                    <a:lnB w="28575" cap="flat" cmpd="sng" algn="ctr">
+                      <a:solidFill>
+                        <a:schemeClr val="tx1"/>
+                      </a:solidFill>
+                      <a:prstDash val="solid"/>
+                      <a:round/>
+                      <a:headEnd type="none" w="med" len="med"/>
+                      <a:tailEnd type="none" w="med" len="med"/>
+                    </a:lnB>
+                  </a:tcPr>
+                </a:tc>
+                <a:tc gridSpan="3">
+                  <a:txBody>
+                    <a:bodyPr/>
+                    <a:lstStyle/>
+                    <a:p>
+                      <a:pPr marL="0" marR="0" lvl="0" indent="0" algn="ctr" defTabSz="914400" rtl="0" eaLnBrk="1" fontAlgn="auto" latinLnBrk="0" hangingPunct="1">
+                        <a:lnSpc>
+                          <a:spcPct val="100000"/>
+                        </a:lnSpc>
+                        <a:spcBef>
+                          <a:spcPts val="0"/>
+                        </a:spcBef>
+                        <a:spcAft>
+                          <a:spcPts val="0"/>
+                        </a:spcAft>
+                        <a:buClrTx/>
+                        <a:buSzTx/>
+                        <a:buFontTx/>
+                        <a:buNone/>
+                        <a:tabLst/>
+                        <a:defRPr/>
+                      </a:pPr>
+                      <a:r>
+                        <a:rPr lang="en-US" altLang="zh-CN" sz="1400" b="1" kern="1200" dirty="0">
+                          <a:solidFill>
+                            <a:schemeClr val="dk1"/>
+                          </a:solidFill>
+                          <a:latin typeface="+mn-lt"/>
+                          <a:ea typeface="+mn-ea"/>
+                          <a:cs typeface="+mn-cs"/>
+                        </a:rPr>
                         <a:t>Perception, Interaction, and Control of Wearable Robots</a:t>
                       </a:r>
+                      <a:endParaRPr lang="zh-CN" altLang="en-US" sz="1400" b="1" kern="1200" dirty="0">
+                        <a:solidFill>
+                          <a:schemeClr val="dk1"/>
+                        </a:solidFill>
+                        <a:latin typeface="+mn-lt"/>
+                        <a:ea typeface="+mn-ea"/>
+                        <a:cs typeface="+mn-cs"/>
+                      </a:endParaRPr>
+                    </a:p>
+                  </a:txBody>
+                  <a:tcPr anchor="ctr">
+                    <a:lnL w="28575" cap="flat" cmpd="sng" algn="ctr">
+                      <a:solidFill>
+                        <a:schemeClr val="tx1"/>
+                      </a:solidFill>
+                      <a:prstDash val="solid"/>
+                      <a:round/>
+                      <a:headEnd type="none" w="med" len="med"/>
+                      <a:tailEnd type="none" w="med" len="med"/>
+                    </a:lnL>
+                    <a:lnR w="12700" cap="flat" cmpd="sng" algn="ctr">
+                      <a:solidFill>
+                        <a:schemeClr val="tx1"/>
+                      </a:solidFill>
+                      <a:prstDash val="solid"/>
+                      <a:round/>
+                      <a:headEnd type="none" w="med" len="med"/>
+                      <a:tailEnd type="none" w="med" len="med"/>
+                    </a:lnR>
+                    <a:lnT w="12700" cap="flat" cmpd="sng" algn="ctr">
+                      <a:solidFill>
+                        <a:schemeClr val="tx1"/>
+                      </a:solidFill>
+                      <a:prstDash val="solid"/>
+                      <a:round/>
+                      <a:headEnd type="none" w="med" len="med"/>
+                      <a:tailEnd type="none" w="med" len="med"/>
+                    </a:lnT>
+                    <a:lnB w="12700" cap="flat" cmpd="sng" algn="ctr">
+                      <a:solidFill>
+                        <a:schemeClr val="tx1"/>
+                      </a:solidFill>
+                      <a:prstDash val="solid"/>
+                      <a:round/>
+                      <a:headEnd type="none" w="med" len="med"/>
+                      <a:tailEnd type="none" w="med" len="med"/>
+                    </a:lnB>
+                  </a:tcPr>
+                </a:tc>
+                <a:tc hMerge="1">
+                  <a:txBody>
+                    <a:bodyPr/>
+                    <a:lstStyle/>
+                    <a:p>
+                      <a:endParaRPr lang="zh-CN" altLang="en-US"/>
+                    </a:p>
+                  </a:txBody>
+                  <a:tcPr/>
+                </a:tc>
+                <a:tc hMerge="1">
+                  <a:txBody>
+                    <a:bodyPr/>
+                    <a:lstStyle/>
+                    <a:p>
+                      <a:pPr marL="0" marR="0" lvl="0" indent="0" algn="ctr" defTabSz="914400" rtl="0" eaLnBrk="1" fontAlgn="auto" latinLnBrk="0" hangingPunct="1">
+                        <a:lnSpc>
+                          <a:spcPct val="100000"/>
+                        </a:lnSpc>
+                        <a:spcBef>
+                          <a:spcPts val="0"/>
+                        </a:spcBef>
+                        <a:spcAft>
+                          <a:spcPts val="0"/>
+                        </a:spcAft>
+                        <a:buClrTx/>
+                        <a:buSzTx/>
+                        <a:buFontTx/>
+                        <a:buNone/>
+                        <a:tabLst/>
+                        <a:defRPr/>
+                      </a:pPr>
                       <a:endParaRPr lang="zh-CN" altLang="en-US" sz="1400" b="1" kern="1200" dirty="0">
                         <a:solidFill>
                           <a:schemeClr val="dk1"/>
@@ -11364,12 +13999,73 @@
                     <a:bodyPr/>
                     <a:lstStyle/>
                     <a:p>
-                      <a:endParaRPr lang="zh-CN" altLang="en-US"/>
-                    </a:p>
-                  </a:txBody>
-                  <a:tcPr/>
-                </a:tc>
-                <a:tc>
+                      <a:pPr marL="0" marR="0" lvl="0" indent="0" algn="ctr" defTabSz="914400" rtl="0" eaLnBrk="1" fontAlgn="auto" latinLnBrk="0" hangingPunct="1">
+                        <a:lnSpc>
+                          <a:spcPct val="100000"/>
+                        </a:lnSpc>
+                        <a:spcBef>
+                          <a:spcPts val="0"/>
+                        </a:spcBef>
+                        <a:spcAft>
+                          <a:spcPts val="0"/>
+                        </a:spcAft>
+                        <a:buClrTx/>
+                        <a:buSzTx/>
+                        <a:buFontTx/>
+                        <a:buNone/>
+                        <a:tabLst/>
+                        <a:defRPr/>
+                      </a:pPr>
+                      <a:endParaRPr lang="zh-CN" altLang="en-US" sz="1400" b="1" kern="1200" dirty="0">
+                        <a:solidFill>
+                          <a:schemeClr val="dk1"/>
+                        </a:solidFill>
+                        <a:latin typeface="+mn-lt"/>
+                        <a:ea typeface="+mn-ea"/>
+                        <a:cs typeface="+mn-cs"/>
+                      </a:endParaRPr>
+                    </a:p>
+                  </a:txBody>
+                  <a:tcPr anchor="ctr">
+                    <a:lnL w="12700" cap="flat" cmpd="sng" algn="ctr">
+                      <a:solidFill>
+                        <a:schemeClr val="tx1"/>
+                      </a:solidFill>
+                      <a:prstDash val="solid"/>
+                      <a:round/>
+                      <a:headEnd type="none" w="med" len="med"/>
+                      <a:tailEnd type="none" w="med" len="med"/>
+                    </a:lnL>
+                    <a:lnR w="12700" cap="flat" cmpd="sng" algn="ctr">
+                      <a:solidFill>
+                        <a:schemeClr val="tx1"/>
+                      </a:solidFill>
+                      <a:prstDash val="solid"/>
+                      <a:round/>
+                      <a:headEnd type="none" w="med" len="med"/>
+                      <a:tailEnd type="none" w="med" len="med"/>
+                    </a:lnR>
+                    <a:lnT w="12700" cap="flat" cmpd="sng" algn="ctr">
+                      <a:solidFill>
+                        <a:schemeClr val="tx1"/>
+                      </a:solidFill>
+                      <a:prstDash val="solid"/>
+                      <a:round/>
+                      <a:headEnd type="none" w="med" len="med"/>
+                      <a:tailEnd type="none" w="med" len="med"/>
+                    </a:lnT>
+                    <a:lnB w="12700" cap="flat" cmpd="sng" algn="ctr">
+                      <a:solidFill>
+                        <a:schemeClr val="tx1"/>
+                      </a:solidFill>
+                      <a:prstDash val="solid"/>
+                      <a:round/>
+                      <a:headEnd type="none" w="med" len="med"/>
+                      <a:tailEnd type="none" w="med" len="med"/>
+                    </a:lnB>
+                  </a:tcPr>
+                </a:tc>
+                <a:tc gridSpan="2">
                   <a:txBody>
                     <a:bodyPr/>
                     <a:lstStyle/>
@@ -11451,6 +14147,77 @@
                     </a:lnB>
                   </a:tcPr>
                 </a:tc>
+                <a:tc hMerge="1">
+                  <a:txBody>
+                    <a:bodyPr/>
+                    <a:lstStyle/>
+                    <a:p>
+                      <a:pPr marL="0" marR="0" lvl="0" indent="0" algn="ctr" defTabSz="914400" rtl="0" eaLnBrk="1" fontAlgn="auto" latinLnBrk="0" hangingPunct="1">
+                        <a:lnSpc>
+                          <a:spcPct val="100000"/>
+                        </a:lnSpc>
+                        <a:spcBef>
+                          <a:spcPts val="0"/>
+                        </a:spcBef>
+                        <a:spcAft>
+                          <a:spcPts val="0"/>
+                        </a:spcAft>
+                        <a:buClrTx/>
+                        <a:buSzTx/>
+                        <a:buFontTx/>
+                        <a:buNone/>
+                        <a:tabLst/>
+                        <a:defRPr/>
+                      </a:pPr>
+                      <a:endParaRPr lang="zh-CN" altLang="en-US" sz="1400" b="1" kern="1200" dirty="0">
+                        <a:solidFill>
+                          <a:schemeClr val="dk1"/>
+                        </a:solidFill>
+                        <a:latin typeface="+mn-lt"/>
+                        <a:ea typeface="+mn-ea"/>
+                        <a:cs typeface="+mn-cs"/>
+                      </a:endParaRPr>
+                    </a:p>
+                  </a:txBody>
+                  <a:tcPr anchor="ctr">
+                    <a:lnL w="12700" cap="flat" cmpd="sng" algn="ctr">
+                      <a:solidFill>
+                        <a:schemeClr val="tx1"/>
+                      </a:solidFill>
+                      <a:prstDash val="solid"/>
+                      <a:round/>
+                      <a:headEnd type="none" w="med" len="med"/>
+                      <a:tailEnd type="none" w="med" len="med"/>
+                    </a:lnL>
+                    <a:lnR w="12700" cap="flat" cmpd="sng" algn="ctr">
+                      <a:solidFill>
+                        <a:schemeClr val="tx1"/>
+                      </a:solidFill>
+                      <a:prstDash val="solid"/>
+                      <a:round/>
+                      <a:headEnd type="none" w="med" len="med"/>
+                      <a:tailEnd type="none" w="med" len="med"/>
+                    </a:lnR>
+                    <a:lnT w="12700" cap="flat" cmpd="sng" algn="ctr">
+                      <a:solidFill>
+                        <a:schemeClr val="tx1"/>
+                      </a:solidFill>
+                      <a:prstDash val="solid"/>
+                      <a:round/>
+                      <a:headEnd type="none" w="med" len="med"/>
+                      <a:tailEnd type="none" w="med" len="med"/>
+                    </a:lnT>
+                    <a:lnB w="12700" cap="flat" cmpd="sng" algn="ctr">
+                      <a:solidFill>
+                        <a:schemeClr val="tx1"/>
+                      </a:solidFill>
+                      <a:prstDash val="solid"/>
+                      <a:round/>
+                      <a:headEnd type="none" w="med" len="med"/>
+                      <a:tailEnd type="none" w="med" len="med"/>
+                    </a:lnB>
+                  </a:tcPr>
+                </a:tc>
                 <a:tc>
                   <a:txBody>
                     <a:bodyPr/>
@@ -11563,8 +14330,171 @@
                           <a:ea typeface="+mn-ea"/>
                           <a:cs typeface="+mn-cs"/>
                         </a:rPr>
+                        <a:t>C02</a:t>
+                      </a:r>
+                      <a:endParaRPr lang="zh-CN" altLang="en-US" sz="1600" b="1" kern="1200" dirty="0">
+                        <a:solidFill>
+                          <a:schemeClr val="dk1"/>
+                        </a:solidFill>
+                        <a:latin typeface="+mn-lt"/>
+                        <a:ea typeface="+mn-ea"/>
+                        <a:cs typeface="+mn-cs"/>
+                      </a:endParaRPr>
+                    </a:p>
+                  </a:txBody>
+                  <a:tcPr>
+                    <a:lnL w="28575" cap="flat" cmpd="sng" algn="ctr">
+                      <a:solidFill>
+                        <a:schemeClr val="tx1"/>
+                      </a:solidFill>
+                      <a:prstDash val="solid"/>
+                      <a:round/>
+                      <a:headEnd type="none" w="med" len="med"/>
+                      <a:tailEnd type="none" w="med" len="med"/>
+                    </a:lnL>
+                    <a:lnR w="28575" cap="flat" cmpd="sng" algn="ctr">
+                      <a:solidFill>
+                        <a:schemeClr val="tx1"/>
+                      </a:solidFill>
+                      <a:prstDash val="solid"/>
+                      <a:round/>
+                      <a:headEnd type="none" w="med" len="med"/>
+                      <a:tailEnd type="none" w="med" len="med"/>
+                    </a:lnR>
+                    <a:lnT w="28575" cap="flat" cmpd="sng" algn="ctr">
+                      <a:solidFill>
+                        <a:schemeClr val="tx1"/>
+                      </a:solidFill>
+                      <a:prstDash val="solid"/>
+                      <a:round/>
+                      <a:headEnd type="none" w="med" len="med"/>
+                      <a:tailEnd type="none" w="med" len="med"/>
+                    </a:lnT>
+                    <a:lnB w="28575" cap="flat" cmpd="sng" algn="ctr">
+                      <a:solidFill>
+                        <a:schemeClr val="tx1"/>
+                      </a:solidFill>
+                      <a:prstDash val="solid"/>
+                      <a:round/>
+                      <a:headEnd type="none" w="med" len="med"/>
+                      <a:tailEnd type="none" w="med" len="med"/>
+                    </a:lnB>
+                  </a:tcPr>
+                </a:tc>
+                <a:tc gridSpan="3">
+                  <a:txBody>
+                    <a:bodyPr/>
+                    <a:lstStyle/>
+                    <a:p>
+                      <a:pPr marL="0" marR="0" lvl="0" indent="0" algn="ctr" defTabSz="914400" rtl="0" eaLnBrk="1" fontAlgn="auto" latinLnBrk="0" hangingPunct="1">
+                        <a:lnSpc>
+                          <a:spcPct val="100000"/>
+                        </a:lnSpc>
+                        <a:spcBef>
+                          <a:spcPts val="0"/>
+                        </a:spcBef>
+                        <a:spcAft>
+                          <a:spcPts val="0"/>
+                        </a:spcAft>
+                        <a:buClrTx/>
+                        <a:buSzTx/>
+                        <a:buFontTx/>
+                        <a:buNone/>
+                        <a:tabLst/>
+                        <a:defRPr/>
+                      </a:pPr>
+                      <a:r>
+                        <a:rPr lang="en-US" altLang="zh-CN" sz="1600" b="1" kern="1200" dirty="0">
+                          <a:solidFill>
+                            <a:schemeClr val="dk1"/>
+                          </a:solidFill>
+                          <a:latin typeface="+mn-lt"/>
+                          <a:ea typeface="+mn-ea"/>
+                          <a:cs typeface="+mn-cs"/>
+                        </a:rPr>
                         <a:t>S29</a:t>
                       </a:r>
+                      <a:endParaRPr lang="zh-CN" altLang="en-US" sz="1600" b="1" kern="1200" dirty="0">
+                        <a:solidFill>
+                          <a:schemeClr val="dk1"/>
+                        </a:solidFill>
+                        <a:latin typeface="+mn-lt"/>
+                        <a:ea typeface="+mn-ea"/>
+                        <a:cs typeface="+mn-cs"/>
+                      </a:endParaRPr>
+                    </a:p>
+                  </a:txBody>
+                  <a:tcPr>
+                    <a:lnL w="28575" cap="flat" cmpd="sng" algn="ctr">
+                      <a:solidFill>
+                        <a:schemeClr val="tx1"/>
+                      </a:solidFill>
+                      <a:prstDash val="solid"/>
+                      <a:round/>
+                      <a:headEnd type="none" w="med" len="med"/>
+                      <a:tailEnd type="none" w="med" len="med"/>
+                    </a:lnL>
+                    <a:lnR w="12700" cap="flat" cmpd="sng" algn="ctr">
+                      <a:solidFill>
+                        <a:schemeClr val="tx1"/>
+                      </a:solidFill>
+                      <a:prstDash val="solid"/>
+                      <a:round/>
+                      <a:headEnd type="none" w="med" len="med"/>
+                      <a:tailEnd type="none" w="med" len="med"/>
+                    </a:lnR>
+                    <a:lnT w="12700" cap="flat" cmpd="sng" algn="ctr">
+                      <a:solidFill>
+                        <a:schemeClr val="tx1"/>
+                      </a:solidFill>
+                      <a:prstDash val="solid"/>
+                      <a:round/>
+                      <a:headEnd type="none" w="med" len="med"/>
+                      <a:tailEnd type="none" w="med" len="med"/>
+                    </a:lnT>
+                    <a:lnB w="12700" cap="flat" cmpd="sng" algn="ctr">
+                      <a:solidFill>
+                        <a:schemeClr val="tx1"/>
+                      </a:solidFill>
+                      <a:prstDash val="solid"/>
+                      <a:round/>
+                      <a:headEnd type="none" w="med" len="med"/>
+                      <a:tailEnd type="none" w="med" len="med"/>
+                    </a:lnB>
+                  </a:tcPr>
+                </a:tc>
+                <a:tc hMerge="1">
+                  <a:txBody>
+                    <a:bodyPr/>
+                    <a:lstStyle/>
+                    <a:p>
+                      <a:endParaRPr lang="zh-CN" altLang="en-US"/>
+                    </a:p>
+                  </a:txBody>
+                  <a:tcPr/>
+                </a:tc>
+                <a:tc hMerge="1">
+                  <a:txBody>
+                    <a:bodyPr/>
+                    <a:lstStyle/>
+                    <a:p>
+                      <a:pPr marL="0" marR="0" lvl="0" indent="0" algn="ctr" defTabSz="914400" rtl="0" eaLnBrk="1" fontAlgn="auto" latinLnBrk="0" hangingPunct="1">
+                        <a:lnSpc>
+                          <a:spcPct val="100000"/>
+                        </a:lnSpc>
+                        <a:spcBef>
+                          <a:spcPts val="0"/>
+                        </a:spcBef>
+                        <a:spcAft>
+                          <a:spcPts val="0"/>
+                        </a:spcAft>
+                        <a:buClrTx/>
+                        <a:buSzTx/>
+                        <a:buFontTx/>
+                        <a:buNone/>
+                        <a:tabLst/>
+                        <a:defRPr/>
+                      </a:pPr>
                       <a:endParaRPr lang="zh-CN" altLang="en-US" sz="1600" b="1" kern="1200" dirty="0">
                         <a:solidFill>
                           <a:schemeClr val="dk1"/>
@@ -11693,7 +14623,7 @@
                     <a:bodyPr/>
                     <a:lstStyle/>
                     <a:p>
-                      <a:pPr marL="0" marR="0" lvl="0" indent="0" algn="l" defTabSz="914400" rtl="0" eaLnBrk="1" fontAlgn="auto" latinLnBrk="0" hangingPunct="1">
+                      <a:pPr marL="0" marR="0" lvl="0" indent="0" algn="ctr" defTabSz="914400" rtl="0" eaLnBrk="1" fontAlgn="auto" latinLnBrk="0" hangingPunct="1">
                         <a:lnSpc>
                           <a:spcPct val="100000"/>
                         </a:lnSpc>
@@ -11710,12 +14640,56 @@
                         <a:tabLst/>
                         <a:defRPr/>
                       </a:pPr>
-                      <a:endParaRPr lang="en-US" altLang="zh-CN" baseline="0" dirty="0"/>
-                    </a:p>
-                  </a:txBody>
-                  <a:tcPr/>
-                </a:tc>
-                <a:tc>
+                      <a:endParaRPr lang="en-US" altLang="zh-CN" sz="1600" b="1" kern="1200" dirty="0">
+                        <a:solidFill>
+                          <a:schemeClr val="dk1"/>
+                        </a:solidFill>
+                        <a:latin typeface="+mn-lt"/>
+                        <a:ea typeface="+mn-ea"/>
+                        <a:cs typeface="+mn-cs"/>
+                      </a:endParaRPr>
+                    </a:p>
+                  </a:txBody>
+                  <a:tcPr>
+                    <a:lnL w="12700" cap="flat" cmpd="sng" algn="ctr">
+                      <a:solidFill>
+                        <a:schemeClr val="tx1"/>
+                      </a:solidFill>
+                      <a:prstDash val="solid"/>
+                      <a:round/>
+                      <a:headEnd type="none" w="med" len="med"/>
+                      <a:tailEnd type="none" w="med" len="med"/>
+                    </a:lnL>
+                    <a:lnR w="12700" cap="flat" cmpd="sng" algn="ctr">
+                      <a:solidFill>
+                        <a:schemeClr val="tx1"/>
+                      </a:solidFill>
+                      <a:prstDash val="solid"/>
+                      <a:round/>
+                      <a:headEnd type="none" w="med" len="med"/>
+                      <a:tailEnd type="none" w="med" len="med"/>
+                    </a:lnR>
+                    <a:lnT w="12700" cap="flat" cmpd="sng" algn="ctr">
+                      <a:solidFill>
+                        <a:schemeClr val="tx1"/>
+                      </a:solidFill>
+                      <a:prstDash val="solid"/>
+                      <a:round/>
+                      <a:headEnd type="none" w="med" len="med"/>
+                      <a:tailEnd type="none" w="med" len="med"/>
+                    </a:lnT>
+                    <a:lnB w="12700" cap="flat" cmpd="sng" algn="ctr">
+                      <a:solidFill>
+                        <a:schemeClr val="tx1"/>
+                      </a:solidFill>
+                      <a:prstDash val="solid"/>
+                      <a:round/>
+                      <a:headEnd type="none" w="med" len="med"/>
+                      <a:tailEnd type="none" w="med" len="med"/>
+                    </a:lnB>
+                  </a:tcPr>
+                </a:tc>
+                <a:tc gridSpan="2">
                   <a:txBody>
                     <a:bodyPr/>
                     <a:lstStyle/>
@@ -11789,6 +14763,77 @@
                     </a:lnB>
                   </a:tcPr>
                 </a:tc>
+                <a:tc hMerge="1">
+                  <a:txBody>
+                    <a:bodyPr/>
+                    <a:lstStyle/>
+                    <a:p>
+                      <a:pPr marL="0" marR="0" lvl="0" indent="0" algn="ctr" defTabSz="914400" rtl="0" eaLnBrk="1" fontAlgn="auto" latinLnBrk="0" hangingPunct="1">
+                        <a:lnSpc>
+                          <a:spcPct val="100000"/>
+                        </a:lnSpc>
+                        <a:spcBef>
+                          <a:spcPts val="0"/>
+                        </a:spcBef>
+                        <a:spcAft>
+                          <a:spcPts val="0"/>
+                        </a:spcAft>
+                        <a:buClrTx/>
+                        <a:buSzTx/>
+                        <a:buFontTx/>
+                        <a:buNone/>
+                        <a:tabLst/>
+                        <a:defRPr/>
+                      </a:pPr>
+                      <a:endParaRPr lang="en-US" altLang="zh-CN" sz="1600" b="1" kern="1200" dirty="0">
+                        <a:solidFill>
+                          <a:schemeClr val="dk1"/>
+                        </a:solidFill>
+                        <a:latin typeface="+mn-lt"/>
+                        <a:ea typeface="+mn-ea"/>
+                        <a:cs typeface="+mn-cs"/>
+                      </a:endParaRPr>
+                    </a:p>
+                  </a:txBody>
+                  <a:tcPr>
+                    <a:lnL w="12700" cap="flat" cmpd="sng" algn="ctr">
+                      <a:solidFill>
+                        <a:schemeClr val="tx1"/>
+                      </a:solidFill>
+                      <a:prstDash val="solid"/>
+                      <a:round/>
+                      <a:headEnd type="none" w="med" len="med"/>
+                      <a:tailEnd type="none" w="med" len="med"/>
+                    </a:lnL>
+                    <a:lnR w="12700" cap="flat" cmpd="sng" algn="ctr">
+                      <a:solidFill>
+                        <a:schemeClr val="tx1"/>
+                      </a:solidFill>
+                      <a:prstDash val="solid"/>
+                      <a:round/>
+                      <a:headEnd type="none" w="med" len="med"/>
+                      <a:tailEnd type="none" w="med" len="med"/>
+                    </a:lnR>
+                    <a:lnT w="12700" cap="flat" cmpd="sng" algn="ctr">
+                      <a:solidFill>
+                        <a:schemeClr val="tx1"/>
+                      </a:solidFill>
+                      <a:prstDash val="solid"/>
+                      <a:round/>
+                      <a:headEnd type="none" w="med" len="med"/>
+                      <a:tailEnd type="none" w="med" len="med"/>
+                    </a:lnT>
+                    <a:lnB w="12700" cap="flat" cmpd="sng" algn="ctr">
+                      <a:solidFill>
+                        <a:schemeClr val="tx1"/>
+                      </a:solidFill>
+                      <a:prstDash val="solid"/>
+                      <a:round/>
+                      <a:headEnd type="none" w="med" len="med"/>
+                      <a:tailEnd type="none" w="med" len="med"/>
+                    </a:lnB>
+                  </a:tcPr>
+                </a:tc>
                 <a:tc>
                   <a:txBody>
                     <a:bodyPr/>
@@ -11901,8 +14946,171 @@
                           <a:ea typeface="+mn-ea"/>
                           <a:cs typeface="+mn-cs"/>
                         </a:rPr>
+                        <a:t>Cutting-edge research in robotics (Ⅱ)</a:t>
+                      </a:r>
+                      <a:endParaRPr lang="zh-CN" altLang="en-US" sz="1400" b="1" kern="1200" dirty="0">
+                        <a:solidFill>
+                          <a:schemeClr val="dk1"/>
+                        </a:solidFill>
+                        <a:latin typeface="+mn-lt"/>
+                        <a:ea typeface="+mn-ea"/>
+                        <a:cs typeface="+mn-cs"/>
+                      </a:endParaRPr>
+                    </a:p>
+                  </a:txBody>
+                  <a:tcPr anchor="ctr">
+                    <a:lnL w="28575" cap="flat" cmpd="sng" algn="ctr">
+                      <a:solidFill>
+                        <a:schemeClr val="tx1"/>
+                      </a:solidFill>
+                      <a:prstDash val="solid"/>
+                      <a:round/>
+                      <a:headEnd type="none" w="med" len="med"/>
+                      <a:tailEnd type="none" w="med" len="med"/>
+                    </a:lnL>
+                    <a:lnR w="28575" cap="flat" cmpd="sng" algn="ctr">
+                      <a:solidFill>
+                        <a:schemeClr val="tx1"/>
+                      </a:solidFill>
+                      <a:prstDash val="solid"/>
+                      <a:round/>
+                      <a:headEnd type="none" w="med" len="med"/>
+                      <a:tailEnd type="none" w="med" len="med"/>
+                    </a:lnR>
+                    <a:lnT w="28575" cap="flat" cmpd="sng" algn="ctr">
+                      <a:solidFill>
+                        <a:schemeClr val="tx1"/>
+                      </a:solidFill>
+                      <a:prstDash val="solid"/>
+                      <a:round/>
+                      <a:headEnd type="none" w="med" len="med"/>
+                      <a:tailEnd type="none" w="med" len="med"/>
+                    </a:lnT>
+                    <a:lnB w="28575" cap="flat" cmpd="sng" algn="ctr">
+                      <a:solidFill>
+                        <a:schemeClr val="tx1"/>
+                      </a:solidFill>
+                      <a:prstDash val="solid"/>
+                      <a:round/>
+                      <a:headEnd type="none" w="med" len="med"/>
+                      <a:tailEnd type="none" w="med" len="med"/>
+                    </a:lnB>
+                  </a:tcPr>
+                </a:tc>
+                <a:tc gridSpan="3">
+                  <a:txBody>
+                    <a:bodyPr/>
+                    <a:lstStyle/>
+                    <a:p>
+                      <a:pPr marL="0" marR="0" lvl="0" indent="0" algn="ctr" defTabSz="914400" rtl="0" eaLnBrk="1" fontAlgn="auto" latinLnBrk="0" hangingPunct="1">
+                        <a:lnSpc>
+                          <a:spcPct val="100000"/>
+                        </a:lnSpc>
+                        <a:spcBef>
+                          <a:spcPts val="0"/>
+                        </a:spcBef>
+                        <a:spcAft>
+                          <a:spcPts val="0"/>
+                        </a:spcAft>
+                        <a:buClrTx/>
+                        <a:buSzTx/>
+                        <a:buFontTx/>
+                        <a:buNone/>
+                        <a:tabLst/>
+                        <a:defRPr/>
+                      </a:pPr>
+                      <a:r>
+                        <a:rPr lang="en-US" altLang="zh-CN" sz="1400" b="1" kern="1200" dirty="0">
+                          <a:solidFill>
+                            <a:schemeClr val="dk1"/>
+                          </a:solidFill>
+                          <a:latin typeface="+mn-lt"/>
+                          <a:ea typeface="+mn-ea"/>
+                          <a:cs typeface="+mn-cs"/>
+                        </a:rPr>
                         <a:t>Advanced Motion Control Technologies for Mobile Robots</a:t>
                       </a:r>
+                      <a:endParaRPr lang="zh-CN" altLang="en-US" sz="1400" b="1" kern="1200" dirty="0">
+                        <a:solidFill>
+                          <a:schemeClr val="dk1"/>
+                        </a:solidFill>
+                        <a:latin typeface="+mn-lt"/>
+                        <a:ea typeface="+mn-ea"/>
+                        <a:cs typeface="+mn-cs"/>
+                      </a:endParaRPr>
+                    </a:p>
+                  </a:txBody>
+                  <a:tcPr anchor="ctr">
+                    <a:lnL w="28575" cap="flat" cmpd="sng" algn="ctr">
+                      <a:solidFill>
+                        <a:schemeClr val="tx1"/>
+                      </a:solidFill>
+                      <a:prstDash val="solid"/>
+                      <a:round/>
+                      <a:headEnd type="none" w="med" len="med"/>
+                      <a:tailEnd type="none" w="med" len="med"/>
+                    </a:lnL>
+                    <a:lnR w="12700" cap="flat" cmpd="sng" algn="ctr">
+                      <a:solidFill>
+                        <a:schemeClr val="tx1"/>
+                      </a:solidFill>
+                      <a:prstDash val="solid"/>
+                      <a:round/>
+                      <a:headEnd type="none" w="med" len="med"/>
+                      <a:tailEnd type="none" w="med" len="med"/>
+                    </a:lnR>
+                    <a:lnT w="12700" cap="flat" cmpd="sng" algn="ctr">
+                      <a:solidFill>
+                        <a:schemeClr val="tx1"/>
+                      </a:solidFill>
+                      <a:prstDash val="solid"/>
+                      <a:round/>
+                      <a:headEnd type="none" w="med" len="med"/>
+                      <a:tailEnd type="none" w="med" len="med"/>
+                    </a:lnT>
+                    <a:lnB w="12700" cap="flat" cmpd="sng" algn="ctr">
+                      <a:solidFill>
+                        <a:schemeClr val="tx1"/>
+                      </a:solidFill>
+                      <a:prstDash val="solid"/>
+                      <a:round/>
+                      <a:headEnd type="none" w="med" len="med"/>
+                      <a:tailEnd type="none" w="med" len="med"/>
+                    </a:lnB>
+                  </a:tcPr>
+                </a:tc>
+                <a:tc hMerge="1">
+                  <a:txBody>
+                    <a:bodyPr/>
+                    <a:lstStyle/>
+                    <a:p>
+                      <a:endParaRPr lang="zh-CN" altLang="en-US"/>
+                    </a:p>
+                  </a:txBody>
+                  <a:tcPr/>
+                </a:tc>
+                <a:tc hMerge="1">
+                  <a:txBody>
+                    <a:bodyPr/>
+                    <a:lstStyle/>
+                    <a:p>
+                      <a:pPr marL="0" marR="0" lvl="0" indent="0" algn="ctr" defTabSz="914400" rtl="0" eaLnBrk="1" fontAlgn="auto" latinLnBrk="0" hangingPunct="1">
+                        <a:lnSpc>
+                          <a:spcPct val="100000"/>
+                        </a:lnSpc>
+                        <a:spcBef>
+                          <a:spcPts val="0"/>
+                        </a:spcBef>
+                        <a:spcAft>
+                          <a:spcPts val="0"/>
+                        </a:spcAft>
+                        <a:buClrTx/>
+                        <a:buSzTx/>
+                        <a:buFontTx/>
+                        <a:buNone/>
+                        <a:tabLst/>
+                        <a:defRPr/>
+                      </a:pPr>
                       <a:endParaRPr lang="zh-CN" altLang="en-US" sz="1400" b="1" kern="1200" dirty="0">
                         <a:solidFill>
                           <a:schemeClr val="dk1"/>
@@ -12031,12 +15239,73 @@
                     <a:bodyPr/>
                     <a:lstStyle/>
                     <a:p>
-                      <a:endParaRPr lang="zh-CN" altLang="en-US"/>
-                    </a:p>
-                  </a:txBody>
-                  <a:tcPr/>
-                </a:tc>
-                <a:tc>
+                      <a:pPr marL="0" marR="0" lvl="0" indent="0" algn="ctr" defTabSz="914400" rtl="0" eaLnBrk="1" fontAlgn="auto" latinLnBrk="0" hangingPunct="1">
+                        <a:lnSpc>
+                          <a:spcPct val="100000"/>
+                        </a:lnSpc>
+                        <a:spcBef>
+                          <a:spcPts val="0"/>
+                        </a:spcBef>
+                        <a:spcAft>
+                          <a:spcPts val="0"/>
+                        </a:spcAft>
+                        <a:buClrTx/>
+                        <a:buSzTx/>
+                        <a:buFontTx/>
+                        <a:buNone/>
+                        <a:tabLst/>
+                        <a:defRPr/>
+                      </a:pPr>
+                      <a:endParaRPr lang="en-US" altLang="zh-CN" sz="1400" b="1" kern="1200" dirty="0">
+                        <a:solidFill>
+                          <a:schemeClr val="dk1"/>
+                        </a:solidFill>
+                        <a:latin typeface="+mn-lt"/>
+                        <a:ea typeface="+mn-ea"/>
+                        <a:cs typeface="+mn-cs"/>
+                      </a:endParaRPr>
+                    </a:p>
+                  </a:txBody>
+                  <a:tcPr anchor="ctr">
+                    <a:lnL w="12700" cap="flat" cmpd="sng" algn="ctr">
+                      <a:solidFill>
+                        <a:schemeClr val="tx1"/>
+                      </a:solidFill>
+                      <a:prstDash val="solid"/>
+                      <a:round/>
+                      <a:headEnd type="none" w="med" len="med"/>
+                      <a:tailEnd type="none" w="med" len="med"/>
+                    </a:lnL>
+                    <a:lnR w="12700" cap="flat" cmpd="sng" algn="ctr">
+                      <a:solidFill>
+                        <a:schemeClr val="tx1"/>
+                      </a:solidFill>
+                      <a:prstDash val="solid"/>
+                      <a:round/>
+                      <a:headEnd type="none" w="med" len="med"/>
+                      <a:tailEnd type="none" w="med" len="med"/>
+                    </a:lnR>
+                    <a:lnT w="12700" cap="flat" cmpd="sng" algn="ctr">
+                      <a:solidFill>
+                        <a:schemeClr val="tx1"/>
+                      </a:solidFill>
+                      <a:prstDash val="solid"/>
+                      <a:round/>
+                      <a:headEnd type="none" w="med" len="med"/>
+                      <a:tailEnd type="none" w="med" len="med"/>
+                    </a:lnT>
+                    <a:lnB w="12700" cap="flat" cmpd="sng" algn="ctr">
+                      <a:solidFill>
+                        <a:schemeClr val="tx1"/>
+                      </a:solidFill>
+                      <a:prstDash val="solid"/>
+                      <a:round/>
+                      <a:headEnd type="none" w="med" len="med"/>
+                      <a:tailEnd type="none" w="med" len="med"/>
+                    </a:lnB>
+                  </a:tcPr>
+                </a:tc>
+                <a:tc gridSpan="2">
                   <a:txBody>
                     <a:bodyPr/>
                     <a:lstStyle/>
@@ -12053,6 +15322,61 @@
                         </a:rPr>
                         <a:t>Robotics in Sustainable Manufacturing for Carbon Neutrality</a:t>
                       </a:r>
+                    </a:p>
+                  </a:txBody>
+                  <a:tcPr anchor="ctr">
+                    <a:lnL w="12700" cap="flat" cmpd="sng" algn="ctr">
+                      <a:solidFill>
+                        <a:schemeClr val="tx1"/>
+                      </a:solidFill>
+                      <a:prstDash val="solid"/>
+                      <a:round/>
+                      <a:headEnd type="none" w="med" len="med"/>
+                      <a:tailEnd type="none" w="med" len="med"/>
+                    </a:lnL>
+                    <a:lnR w="12700" cap="flat" cmpd="sng" algn="ctr">
+                      <a:solidFill>
+                        <a:schemeClr val="tx1"/>
+                      </a:solidFill>
+                      <a:prstDash val="solid"/>
+                      <a:round/>
+                      <a:headEnd type="none" w="med" len="med"/>
+                      <a:tailEnd type="none" w="med" len="med"/>
+                    </a:lnR>
+                    <a:lnT w="12700" cap="flat" cmpd="sng" algn="ctr">
+                      <a:solidFill>
+                        <a:schemeClr val="tx1"/>
+                      </a:solidFill>
+                      <a:prstDash val="solid"/>
+                      <a:round/>
+                      <a:headEnd type="none" w="med" len="med"/>
+                      <a:tailEnd type="none" w="med" len="med"/>
+                    </a:lnT>
+                    <a:lnB w="12700" cap="flat" cmpd="sng" algn="ctr">
+                      <a:solidFill>
+                        <a:schemeClr val="tx1"/>
+                      </a:solidFill>
+                      <a:prstDash val="solid"/>
+                      <a:round/>
+                      <a:headEnd type="none" w="med" len="med"/>
+                      <a:tailEnd type="none" w="med" len="med"/>
+                    </a:lnB>
+                  </a:tcPr>
+                </a:tc>
+                <a:tc hMerge="1">
+                  <a:txBody>
+                    <a:bodyPr/>
+                    <a:lstStyle/>
+                    <a:p>
+                      <a:pPr algn="ctr"/>
+                      <a:endParaRPr lang="en-US" altLang="zh-CN" sz="1400" b="1" kern="1200" dirty="0">
+                        <a:solidFill>
+                          <a:schemeClr val="dk1"/>
+                        </a:solidFill>
+                        <a:latin typeface="+mn-lt"/>
+                        <a:ea typeface="+mn-ea"/>
+                        <a:cs typeface="+mn-cs"/>
+                      </a:endParaRPr>
                     </a:p>
                   </a:txBody>
                   <a:tcPr anchor="ctr">

--- a/images/schedule/schedule.pptx
+++ b/images/schedule/schedule.pptx
@@ -8641,7 +8641,7 @@
           <p:nvPr>
             <p:extLst>
               <p:ext uri="{D42A27DB-BD31-4B8C-83A1-F6EECF244321}">
-                <p14:modId xmlns:p14="http://schemas.microsoft.com/office/powerpoint/2010/main" val="2189411774"/>
+                <p14:modId xmlns:p14="http://schemas.microsoft.com/office/powerpoint/2010/main" val="632441339"/>
               </p:ext>
             </p:extLst>
           </p:nvPr>
@@ -12149,6 +12149,15 @@
                       <a:headEnd type="none" w="med" len="med"/>
                       <a:tailEnd type="none" w="med" len="med"/>
                     </a:lnR>
+                    <a:lnT w="12700" cap="flat" cmpd="sng" algn="ctr">
+                      <a:solidFill>
+                        <a:schemeClr val="tx1"/>
+                      </a:solidFill>
+                      <a:prstDash val="solid"/>
+                      <a:round/>
+                      <a:headEnd type="none" w="med" len="med"/>
+                      <a:tailEnd type="none" w="med" len="med"/>
+                    </a:lnT>
                     <a:lnB w="12700" cap="flat" cmpd="sng" algn="ctr">
                       <a:solidFill>
                         <a:schemeClr val="tx1"/>
@@ -20582,7 +20591,13 @@
           <p:cNvGraphicFramePr>
             <a:graphicFrameLocks noGrp="1"/>
           </p:cNvGraphicFramePr>
-          <p:nvPr/>
+          <p:nvPr>
+            <p:extLst>
+              <p:ext uri="{D42A27DB-BD31-4B8C-83A1-F6EECF244321}">
+                <p14:modId xmlns:p14="http://schemas.microsoft.com/office/powerpoint/2010/main" val="929452260"/>
+              </p:ext>
+            </p:extLst>
+          </p:nvPr>
         </p:nvGraphicFramePr>
         <p:xfrm>
           <a:off x="2165163" y="0"/>
@@ -24087,6 +24102,15 @@
                       <a:headEnd type="none" w="med" len="med"/>
                       <a:tailEnd type="none" w="med" len="med"/>
                     </a:lnR>
+                    <a:lnT w="12700" cap="flat" cmpd="sng" algn="ctr">
+                      <a:solidFill>
+                        <a:schemeClr val="tx1"/>
+                      </a:solidFill>
+                      <a:prstDash val="solid"/>
+                      <a:round/>
+                      <a:headEnd type="none" w="med" len="med"/>
+                      <a:tailEnd type="none" w="med" len="med"/>
+                    </a:lnT>
                     <a:lnB w="12700" cap="flat" cmpd="sng" algn="ctr">
                       <a:solidFill>
                         <a:schemeClr val="tx1"/>

--- a/images/schedule/schedule.pptx
+++ b/images/schedule/schedule.pptx
@@ -263,7 +263,7 @@
           <a:p>
             <a:fld id="{5A4AD796-EF3F-495C-A3CD-D0F0A8E07386}" type="datetimeFigureOut">
               <a:rPr lang="zh-CN" altLang="en-US" smtClean="0"/>
-              <a:t>2023/6/23</a:t>
+              <a:t>2023/6/26</a:t>
             </a:fld>
             <a:endParaRPr lang="zh-CN" altLang="en-US"/>
           </a:p>
@@ -461,7 +461,7 @@
           <a:p>
             <a:fld id="{5A4AD796-EF3F-495C-A3CD-D0F0A8E07386}" type="datetimeFigureOut">
               <a:rPr lang="zh-CN" altLang="en-US" smtClean="0"/>
-              <a:t>2023/6/23</a:t>
+              <a:t>2023/6/26</a:t>
             </a:fld>
             <a:endParaRPr lang="zh-CN" altLang="en-US"/>
           </a:p>
@@ -669,7 +669,7 @@
           <a:p>
             <a:fld id="{5A4AD796-EF3F-495C-A3CD-D0F0A8E07386}" type="datetimeFigureOut">
               <a:rPr lang="zh-CN" altLang="en-US" smtClean="0"/>
-              <a:t>2023/6/23</a:t>
+              <a:t>2023/6/26</a:t>
             </a:fld>
             <a:endParaRPr lang="zh-CN" altLang="en-US"/>
           </a:p>
@@ -867,7 +867,7 @@
           <a:p>
             <a:fld id="{5A4AD796-EF3F-495C-A3CD-D0F0A8E07386}" type="datetimeFigureOut">
               <a:rPr lang="zh-CN" altLang="en-US" smtClean="0"/>
-              <a:t>2023/6/23</a:t>
+              <a:t>2023/6/26</a:t>
             </a:fld>
             <a:endParaRPr lang="zh-CN" altLang="en-US"/>
           </a:p>
@@ -1142,7 +1142,7 @@
           <a:p>
             <a:fld id="{5A4AD796-EF3F-495C-A3CD-D0F0A8E07386}" type="datetimeFigureOut">
               <a:rPr lang="zh-CN" altLang="en-US" smtClean="0"/>
-              <a:t>2023/6/23</a:t>
+              <a:t>2023/6/26</a:t>
             </a:fld>
             <a:endParaRPr lang="zh-CN" altLang="en-US"/>
           </a:p>
@@ -1407,7 +1407,7 @@
           <a:p>
             <a:fld id="{5A4AD796-EF3F-495C-A3CD-D0F0A8E07386}" type="datetimeFigureOut">
               <a:rPr lang="zh-CN" altLang="en-US" smtClean="0"/>
-              <a:t>2023/6/23</a:t>
+              <a:t>2023/6/26</a:t>
             </a:fld>
             <a:endParaRPr lang="zh-CN" altLang="en-US"/>
           </a:p>
@@ -1819,7 +1819,7 @@
           <a:p>
             <a:fld id="{5A4AD796-EF3F-495C-A3CD-D0F0A8E07386}" type="datetimeFigureOut">
               <a:rPr lang="zh-CN" altLang="en-US" smtClean="0"/>
-              <a:t>2023/6/23</a:t>
+              <a:t>2023/6/26</a:t>
             </a:fld>
             <a:endParaRPr lang="zh-CN" altLang="en-US"/>
           </a:p>
@@ -1960,7 +1960,7 @@
           <a:p>
             <a:fld id="{5A4AD796-EF3F-495C-A3CD-D0F0A8E07386}" type="datetimeFigureOut">
               <a:rPr lang="zh-CN" altLang="en-US" smtClean="0"/>
-              <a:t>2023/6/23</a:t>
+              <a:t>2023/6/26</a:t>
             </a:fld>
             <a:endParaRPr lang="zh-CN" altLang="en-US"/>
           </a:p>
@@ -2073,7 +2073,7 @@
           <a:p>
             <a:fld id="{5A4AD796-EF3F-495C-A3CD-D0F0A8E07386}" type="datetimeFigureOut">
               <a:rPr lang="zh-CN" altLang="en-US" smtClean="0"/>
-              <a:t>2023/6/23</a:t>
+              <a:t>2023/6/26</a:t>
             </a:fld>
             <a:endParaRPr lang="zh-CN" altLang="en-US"/>
           </a:p>
@@ -2384,7 +2384,7 @@
           <a:p>
             <a:fld id="{5A4AD796-EF3F-495C-A3CD-D0F0A8E07386}" type="datetimeFigureOut">
               <a:rPr lang="zh-CN" altLang="en-US" smtClean="0"/>
-              <a:t>2023/6/23</a:t>
+              <a:t>2023/6/26</a:t>
             </a:fld>
             <a:endParaRPr lang="zh-CN" altLang="en-US"/>
           </a:p>
@@ -2672,7 +2672,7 @@
           <a:p>
             <a:fld id="{5A4AD796-EF3F-495C-A3CD-D0F0A8E07386}" type="datetimeFigureOut">
               <a:rPr lang="zh-CN" altLang="en-US" smtClean="0"/>
-              <a:t>2023/6/23</a:t>
+              <a:t>2023/6/26</a:t>
             </a:fld>
             <a:endParaRPr lang="zh-CN" altLang="en-US"/>
           </a:p>
@@ -2913,7 +2913,7 @@
           <a:p>
             <a:fld id="{5A4AD796-EF3F-495C-A3CD-D0F0A8E07386}" type="datetimeFigureOut">
               <a:rPr lang="zh-CN" altLang="en-US" smtClean="0"/>
-              <a:t>2023/6/23</a:t>
+              <a:t>2023/6/26</a:t>
             </a:fld>
             <a:endParaRPr lang="zh-CN" altLang="en-US"/>
           </a:p>
@@ -3499,7 +3499,7 @@
           <p:nvPr>
             <p:extLst>
               <p:ext uri="{D42A27DB-BD31-4B8C-83A1-F6EECF244321}">
-                <p14:modId xmlns:p14="http://schemas.microsoft.com/office/powerpoint/2010/main" val="1607460876"/>
+                <p14:modId xmlns:p14="http://schemas.microsoft.com/office/powerpoint/2010/main" val="2504112747"/>
               </p:ext>
             </p:extLst>
           </p:nvPr>
@@ -4548,7 +4548,7 @@
                           <a:ea typeface="+mn-ea"/>
                           <a:cs typeface="+mn-cs"/>
                         </a:rPr>
-                        <a:t>B01</a:t>
+                        <a:t>Best01</a:t>
                       </a:r>
                     </a:p>
                   </a:txBody>
@@ -5506,7 +5506,7 @@
                           <a:ea typeface="+mn-ea"/>
                           <a:cs typeface="+mn-cs"/>
                         </a:rPr>
-                        <a:t>B02</a:t>
+                        <a:t>Best02</a:t>
                       </a:r>
                     </a:p>
                   </a:txBody>
@@ -6724,7 +6724,7 @@
                           <a:ea typeface="+mn-ea"/>
                           <a:cs typeface="+mn-cs"/>
                         </a:rPr>
-                        <a:t>B03</a:t>
+                        <a:t>Best03</a:t>
                       </a:r>
                       <a:endParaRPr lang="zh-CN" altLang="en-US" sz="1600" b="1" kern="1200" dirty="0">
                         <a:solidFill>
@@ -7698,7 +7698,7 @@
                           <a:ea typeface="+mn-ea"/>
                           <a:cs typeface="+mn-cs"/>
                         </a:rPr>
-                        <a:t>B04</a:t>
+                        <a:t>Best04</a:t>
                       </a:r>
                       <a:endParaRPr lang="zh-CN" altLang="en-US" sz="1600" b="1" kern="1200" dirty="0">
                         <a:solidFill>

--- a/images/schedule/schedule.pptx
+++ b/images/schedule/schedule.pptx
@@ -263,7 +263,7 @@
           <a:p>
             <a:fld id="{5A4AD796-EF3F-495C-A3CD-D0F0A8E07386}" type="datetimeFigureOut">
               <a:rPr lang="zh-CN" altLang="en-US" smtClean="0"/>
-              <a:t>2023/6/26</a:t>
+              <a:t>2023/6/27</a:t>
             </a:fld>
             <a:endParaRPr lang="zh-CN" altLang="en-US"/>
           </a:p>
@@ -461,7 +461,7 @@
           <a:p>
             <a:fld id="{5A4AD796-EF3F-495C-A3CD-D0F0A8E07386}" type="datetimeFigureOut">
               <a:rPr lang="zh-CN" altLang="en-US" smtClean="0"/>
-              <a:t>2023/6/26</a:t>
+              <a:t>2023/6/27</a:t>
             </a:fld>
             <a:endParaRPr lang="zh-CN" altLang="en-US"/>
           </a:p>
@@ -669,7 +669,7 @@
           <a:p>
             <a:fld id="{5A4AD796-EF3F-495C-A3CD-D0F0A8E07386}" type="datetimeFigureOut">
               <a:rPr lang="zh-CN" altLang="en-US" smtClean="0"/>
-              <a:t>2023/6/26</a:t>
+              <a:t>2023/6/27</a:t>
             </a:fld>
             <a:endParaRPr lang="zh-CN" altLang="en-US"/>
           </a:p>
@@ -867,7 +867,7 @@
           <a:p>
             <a:fld id="{5A4AD796-EF3F-495C-A3CD-D0F0A8E07386}" type="datetimeFigureOut">
               <a:rPr lang="zh-CN" altLang="en-US" smtClean="0"/>
-              <a:t>2023/6/26</a:t>
+              <a:t>2023/6/27</a:t>
             </a:fld>
             <a:endParaRPr lang="zh-CN" altLang="en-US"/>
           </a:p>
@@ -1142,7 +1142,7 @@
           <a:p>
             <a:fld id="{5A4AD796-EF3F-495C-A3CD-D0F0A8E07386}" type="datetimeFigureOut">
               <a:rPr lang="zh-CN" altLang="en-US" smtClean="0"/>
-              <a:t>2023/6/26</a:t>
+              <a:t>2023/6/27</a:t>
             </a:fld>
             <a:endParaRPr lang="zh-CN" altLang="en-US"/>
           </a:p>
@@ -1407,7 +1407,7 @@
           <a:p>
             <a:fld id="{5A4AD796-EF3F-495C-A3CD-D0F0A8E07386}" type="datetimeFigureOut">
               <a:rPr lang="zh-CN" altLang="en-US" smtClean="0"/>
-              <a:t>2023/6/26</a:t>
+              <a:t>2023/6/27</a:t>
             </a:fld>
             <a:endParaRPr lang="zh-CN" altLang="en-US"/>
           </a:p>
@@ -1819,7 +1819,7 @@
           <a:p>
             <a:fld id="{5A4AD796-EF3F-495C-A3CD-D0F0A8E07386}" type="datetimeFigureOut">
               <a:rPr lang="zh-CN" altLang="en-US" smtClean="0"/>
-              <a:t>2023/6/26</a:t>
+              <a:t>2023/6/27</a:t>
             </a:fld>
             <a:endParaRPr lang="zh-CN" altLang="en-US"/>
           </a:p>
@@ -1960,7 +1960,7 @@
           <a:p>
             <a:fld id="{5A4AD796-EF3F-495C-A3CD-D0F0A8E07386}" type="datetimeFigureOut">
               <a:rPr lang="zh-CN" altLang="en-US" smtClean="0"/>
-              <a:t>2023/6/26</a:t>
+              <a:t>2023/6/27</a:t>
             </a:fld>
             <a:endParaRPr lang="zh-CN" altLang="en-US"/>
           </a:p>
@@ -2073,7 +2073,7 @@
           <a:p>
             <a:fld id="{5A4AD796-EF3F-495C-A3CD-D0F0A8E07386}" type="datetimeFigureOut">
               <a:rPr lang="zh-CN" altLang="en-US" smtClean="0"/>
-              <a:t>2023/6/26</a:t>
+              <a:t>2023/6/27</a:t>
             </a:fld>
             <a:endParaRPr lang="zh-CN" altLang="en-US"/>
           </a:p>
@@ -2384,7 +2384,7 @@
           <a:p>
             <a:fld id="{5A4AD796-EF3F-495C-A3CD-D0F0A8E07386}" type="datetimeFigureOut">
               <a:rPr lang="zh-CN" altLang="en-US" smtClean="0"/>
-              <a:t>2023/6/26</a:t>
+              <a:t>2023/6/27</a:t>
             </a:fld>
             <a:endParaRPr lang="zh-CN" altLang="en-US"/>
           </a:p>
@@ -2672,7 +2672,7 @@
           <a:p>
             <a:fld id="{5A4AD796-EF3F-495C-A3CD-D0F0A8E07386}" type="datetimeFigureOut">
               <a:rPr lang="zh-CN" altLang="en-US" smtClean="0"/>
-              <a:t>2023/6/26</a:t>
+              <a:t>2023/6/27</a:t>
             </a:fld>
             <a:endParaRPr lang="zh-CN" altLang="en-US"/>
           </a:p>
@@ -2913,7 +2913,7 @@
           <a:p>
             <a:fld id="{5A4AD796-EF3F-495C-A3CD-D0F0A8E07386}" type="datetimeFigureOut">
               <a:rPr lang="zh-CN" altLang="en-US" smtClean="0"/>
-              <a:t>2023/6/26</a:t>
+              <a:t>2023/6/27</a:t>
             </a:fld>
             <a:endParaRPr lang="zh-CN" altLang="en-US"/>
           </a:p>
@@ -3499,14 +3499,14 @@
           <p:nvPr>
             <p:extLst>
               <p:ext uri="{D42A27DB-BD31-4B8C-83A1-F6EECF244321}">
-                <p14:modId xmlns:p14="http://schemas.microsoft.com/office/powerpoint/2010/main" val="2504112747"/>
+                <p14:modId xmlns:p14="http://schemas.microsoft.com/office/powerpoint/2010/main" val="2125987016"/>
               </p:ext>
             </p:extLst>
           </p:nvPr>
         </p:nvGraphicFramePr>
         <p:xfrm>
           <a:off x="2165163" y="0"/>
-          <a:ext cx="8128000" cy="10180320"/>
+          <a:ext cx="8128000" cy="10922000"/>
         </p:xfrm>
         <a:graphic>
           <a:graphicData uri="http://schemas.openxmlformats.org/drawingml/2006/table">
@@ -3522,17 +3522,10 @@
                     </a:ext>
                   </a:extLst>
                 </a:gridCol>
-                <a:gridCol w="1047567">
+                <a:gridCol w="1625600">
                   <a:extLst>
                     <a:ext uri="{9D8B030D-6E8A-4147-A177-3AD203B41FA5}">
                       <a16:colId xmlns:a16="http://schemas.microsoft.com/office/drawing/2014/main" val="3661055256"/>
-                    </a:ext>
-                  </a:extLst>
-                </a:gridCol>
-                <a:gridCol w="578033">
-                  <a:extLst>
-                    <a:ext uri="{9D8B030D-6E8A-4147-A177-3AD203B41FA5}">
-                      <a16:colId xmlns:a16="http://schemas.microsoft.com/office/drawing/2014/main" val="2505159658"/>
                     </a:ext>
                   </a:extLst>
                 </a:gridCol>
@@ -3559,7 +3552,7 @@
                 </a:gridCol>
               </a:tblGrid>
               <a:tr h="370840">
-                <a:tc gridSpan="6">
+                <a:tc gridSpan="5">
                   <a:txBody>
                     <a:bodyPr/>
                     <a:lstStyle/>
@@ -3599,16 +3592,6 @@
                         <a:t>2023</a:t>
                       </a:r>
                       <a:endParaRPr lang="zh-CN" altLang="en-US" b="1" dirty="0"/>
-                    </a:p>
-                  </a:txBody>
-                  <a:tcPr/>
-                </a:tc>
-                <a:tc hMerge="1">
-                  <a:txBody>
-                    <a:bodyPr/>
-                    <a:lstStyle/>
-                    <a:p>
-                      <a:endParaRPr lang="zh-CN" altLang="en-US"/>
                     </a:p>
                   </a:txBody>
                   <a:tcPr/>
@@ -3650,7 +3633,38 @@
                 </a:extLst>
               </a:tr>
               <a:tr h="370840">
-                <a:tc gridSpan="3">
+                <a:tc gridSpan="2">
+                  <a:txBody>
+                    <a:bodyPr/>
+                    <a:lstStyle/>
+                    <a:p>
+                      <a:pPr marL="0" marR="0" lvl="0" indent="0" algn="l" defTabSz="914400" rtl="0" eaLnBrk="1" fontAlgn="auto" latinLnBrk="0" hangingPunct="1">
+                        <a:lnSpc>
+                          <a:spcPct val="100000"/>
+                        </a:lnSpc>
+                        <a:spcBef>
+                          <a:spcPts val="0"/>
+                        </a:spcBef>
+                        <a:spcAft>
+                          <a:spcPts val="0"/>
+                        </a:spcAft>
+                        <a:buClrTx/>
+                        <a:buSzTx/>
+                        <a:buFontTx/>
+                        <a:buNone/>
+                        <a:tabLst/>
+                        <a:defRPr/>
+                      </a:pPr>
+                      <a:r>
+                        <a:rPr lang="en-US" altLang="zh-CN" b="1" dirty="0"/>
+                        <a:t>08:30-08:40</a:t>
+                      </a:r>
+                      <a:endParaRPr lang="zh-CN" altLang="en-US" b="1" dirty="0"/>
+                    </a:p>
+                  </a:txBody>
+                  <a:tcPr/>
+                </a:tc>
+                <a:tc hMerge="1">
                   <a:txBody>
                     <a:bodyPr/>
                     <a:lstStyle/>
@@ -3677,51 +3691,6 @@
                         <a:t>08:30-08:50</a:t>
                       </a:r>
                       <a:endParaRPr lang="zh-CN" altLang="en-US" b="1" dirty="0"/>
-                    </a:p>
-                  </a:txBody>
-                  <a:tcPr/>
-                </a:tc>
-                <a:tc hMerge="1">
-                  <a:txBody>
-                    <a:bodyPr/>
-                    <a:lstStyle/>
-                    <a:p>
-                      <a:pPr marL="0" marR="0" lvl="0" indent="0" algn="l" defTabSz="914400" rtl="0" eaLnBrk="1" fontAlgn="auto" latinLnBrk="0" hangingPunct="1">
-                        <a:lnSpc>
-                          <a:spcPct val="100000"/>
-                        </a:lnSpc>
-                        <a:spcBef>
-                          <a:spcPts val="0"/>
-                        </a:spcBef>
-                        <a:spcAft>
-                          <a:spcPts val="0"/>
-                        </a:spcAft>
-                        <a:buClrTx/>
-                        <a:buSzTx/>
-                        <a:buFontTx/>
-                        <a:buNone/>
-                        <a:tabLst/>
-                        <a:defRPr/>
-                      </a:pPr>
-                      <a:r>
-                        <a:rPr lang="en-US" altLang="zh-CN" b="1" dirty="0"/>
-                        <a:t>08:30-08:50</a:t>
-                      </a:r>
-                      <a:endParaRPr lang="zh-CN" altLang="en-US" b="1" dirty="0"/>
-                    </a:p>
-                  </a:txBody>
-                  <a:tcPr/>
-                </a:tc>
-                <a:tc hMerge="1">
-                  <a:txBody>
-                    <a:bodyPr/>
-                    <a:lstStyle/>
-                    <a:p>
-                      <a:r>
-                        <a:rPr lang="en-US" altLang="zh-CN" b="1"/>
-                        <a:t>Opening Ceremony</a:t>
-                      </a:r>
-                      <a:endParaRPr lang="zh-CN" altLang="en-US"/>
                     </a:p>
                   </a:txBody>
                   <a:tcPr/>
@@ -3767,7 +3736,38 @@
                 </a:extLst>
               </a:tr>
               <a:tr h="370840">
-                <a:tc gridSpan="3">
+                <a:tc gridSpan="2">
+                  <a:txBody>
+                    <a:bodyPr/>
+                    <a:lstStyle/>
+                    <a:p>
+                      <a:pPr marL="0" marR="0" lvl="0" indent="0" algn="l" defTabSz="914400" rtl="0" eaLnBrk="1" fontAlgn="auto" latinLnBrk="0" hangingPunct="1">
+                        <a:lnSpc>
+                          <a:spcPct val="100000"/>
+                        </a:lnSpc>
+                        <a:spcBef>
+                          <a:spcPts val="0"/>
+                        </a:spcBef>
+                        <a:spcAft>
+                          <a:spcPts val="0"/>
+                        </a:spcAft>
+                        <a:buClrTx/>
+                        <a:buSzTx/>
+                        <a:buFontTx/>
+                        <a:buNone/>
+                        <a:tabLst/>
+                        <a:defRPr/>
+                      </a:pPr>
+                      <a:r>
+                        <a:rPr lang="en-US" altLang="zh-CN" b="1" dirty="0"/>
+                        <a:t>08:40-10:10</a:t>
+                      </a:r>
+                      <a:endParaRPr lang="zh-CN" altLang="en-US" b="1" dirty="0"/>
+                    </a:p>
+                  </a:txBody>
+                  <a:tcPr/>
+                </a:tc>
+                <a:tc hMerge="1">
                   <a:txBody>
                     <a:bodyPr/>
                     <a:lstStyle/>
@@ -3798,61 +3798,28 @@
                   </a:txBody>
                   <a:tcPr/>
                 </a:tc>
-                <a:tc hMerge="1">
-                  <a:txBody>
-                    <a:bodyPr/>
-                    <a:lstStyle/>
-                    <a:p>
-                      <a:pPr marL="0" marR="0" lvl="0" indent="0" algn="l" defTabSz="914400" rtl="0" eaLnBrk="1" fontAlgn="auto" latinLnBrk="0" hangingPunct="1">
-                        <a:lnSpc>
-                          <a:spcPct val="100000"/>
-                        </a:lnSpc>
-                        <a:spcBef>
-                          <a:spcPts val="0"/>
-                        </a:spcBef>
-                        <a:spcAft>
-                          <a:spcPts val="0"/>
-                        </a:spcAft>
-                        <a:buClrTx/>
-                        <a:buSzTx/>
-                        <a:buFontTx/>
-                        <a:buNone/>
-                        <a:tabLst/>
-                        <a:defRPr/>
-                      </a:pPr>
+                <a:tc gridSpan="3">
+                  <a:txBody>
+                    <a:bodyPr/>
+                    <a:lstStyle/>
+                    <a:p>
                       <a:r>
                         <a:rPr lang="en-US" altLang="zh-CN" b="1" dirty="0"/>
-                        <a:t>08:50-10:10</a:t>
-                      </a:r>
-                      <a:endParaRPr lang="zh-CN" altLang="en-US" b="1" dirty="0"/>
-                    </a:p>
-                  </a:txBody>
-                  <a:tcPr/>
-                </a:tc>
-                <a:tc hMerge="1">
-                  <a:txBody>
-                    <a:bodyPr/>
-                    <a:lstStyle/>
-                    <a:p>
-                      <a:r>
-                        <a:rPr lang="en-US" altLang="zh-CN" b="1"/>
-                        <a:t>Plenary Speech</a:t>
-                      </a:r>
-                      <a:endParaRPr lang="zh-CN" altLang="en-US"/>
-                    </a:p>
-                  </a:txBody>
-                  <a:tcPr/>
-                </a:tc>
-                <a:tc gridSpan="3">
-                  <a:txBody>
-                    <a:bodyPr/>
-                    <a:lstStyle/>
-                    <a:p>
-                      <a:r>
-                        <a:rPr lang="en-US" altLang="zh-CN" b="1"/>
-                        <a:t>Plenary Speech</a:t>
-                      </a:r>
-                      <a:endParaRPr lang="zh-CN" altLang="en-US"/>
+                        <a:t>Plenary Speech </a:t>
+                      </a:r>
+                      <a:r>
+                        <a:rPr lang="en-US" altLang="zh-CN" sz="1800" b="1" kern="1200" dirty="0">
+                          <a:solidFill>
+                            <a:schemeClr val="dk1"/>
+                          </a:solidFill>
+                          <a:effectLst/>
+                          <a:latin typeface="+mn-lt"/>
+                          <a:ea typeface="+mn-ea"/>
+                          <a:cs typeface="+mn-cs"/>
+                        </a:rPr>
+                        <a:t>I</a:t>
+                      </a:r>
+                      <a:endParaRPr lang="zh-CN" altLang="en-US" dirty="0"/>
                     </a:p>
                   </a:txBody>
                   <a:tcPr/>
@@ -3884,7 +3851,38 @@
                 </a:extLst>
               </a:tr>
               <a:tr h="370840">
-                <a:tc gridSpan="3">
+                <a:tc gridSpan="2">
+                  <a:txBody>
+                    <a:bodyPr/>
+                    <a:lstStyle/>
+                    <a:p>
+                      <a:pPr marL="0" marR="0" lvl="0" indent="0" algn="l" defTabSz="914400" rtl="0" eaLnBrk="1" fontAlgn="auto" latinLnBrk="0" hangingPunct="1">
+                        <a:lnSpc>
+                          <a:spcPct val="100000"/>
+                        </a:lnSpc>
+                        <a:spcBef>
+                          <a:spcPts val="0"/>
+                        </a:spcBef>
+                        <a:spcAft>
+                          <a:spcPts val="0"/>
+                        </a:spcAft>
+                        <a:buClrTx/>
+                        <a:buSzTx/>
+                        <a:buFontTx/>
+                        <a:buNone/>
+                        <a:tabLst/>
+                        <a:defRPr/>
+                      </a:pPr>
+                      <a:r>
+                        <a:rPr lang="en-US" altLang="zh-CN" b="1" dirty="0"/>
+                        <a:t>10:10-10:25</a:t>
+                      </a:r>
+                      <a:endParaRPr lang="zh-CN" altLang="en-US" b="1" dirty="0"/>
+                    </a:p>
+                  </a:txBody>
+                  <a:tcPr/>
+                </a:tc>
+                <a:tc hMerge="1">
                   <a:txBody>
                     <a:bodyPr/>
                     <a:lstStyle/>
@@ -3915,38 +3913,7 @@
                   </a:txBody>
                   <a:tcPr/>
                 </a:tc>
-                <a:tc hMerge="1">
-                  <a:txBody>
-                    <a:bodyPr/>
-                    <a:lstStyle/>
-                    <a:p>
-                      <a:pPr marL="0" marR="0" lvl="0" indent="0" algn="l" defTabSz="914400" rtl="0" eaLnBrk="1" fontAlgn="auto" latinLnBrk="0" hangingPunct="1">
-                        <a:lnSpc>
-                          <a:spcPct val="100000"/>
-                        </a:lnSpc>
-                        <a:spcBef>
-                          <a:spcPts val="0"/>
-                        </a:spcBef>
-                        <a:spcAft>
-                          <a:spcPts val="0"/>
-                        </a:spcAft>
-                        <a:buClrTx/>
-                        <a:buSzTx/>
-                        <a:buFontTx/>
-                        <a:buNone/>
-                        <a:tabLst/>
-                        <a:defRPr/>
-                      </a:pPr>
-                      <a:r>
-                        <a:rPr lang="en-US" altLang="zh-CN" b="1" dirty="0"/>
-                        <a:t>10:10-10:35</a:t>
-                      </a:r>
-                      <a:endParaRPr lang="zh-CN" altLang="en-US" b="1" dirty="0"/>
-                    </a:p>
-                  </a:txBody>
-                  <a:tcPr/>
-                </a:tc>
-                <a:tc hMerge="1">
+                <a:tc gridSpan="3">
                   <a:txBody>
                     <a:bodyPr/>
                     <a:lstStyle/>
@@ -3956,20 +3923,6 @@
                         <a:t>Photograph &amp; Coffee &amp; Tea Break</a:t>
                       </a:r>
                       <a:endParaRPr lang="zh-CN" altLang="en-US" dirty="0"/>
-                    </a:p>
-                  </a:txBody>
-                  <a:tcPr/>
-                </a:tc>
-                <a:tc gridSpan="3">
-                  <a:txBody>
-                    <a:bodyPr/>
-                    <a:lstStyle/>
-                    <a:p>
-                      <a:r>
-                        <a:rPr lang="en-US" altLang="zh-CN" b="1"/>
-                        <a:t>Photograph &amp; Coffee &amp; Tea Break</a:t>
-                      </a:r>
-                      <a:endParaRPr lang="zh-CN" altLang="en-US"/>
                     </a:p>
                   </a:txBody>
                   <a:tcPr/>
@@ -4001,7 +3954,38 @@
                 </a:extLst>
               </a:tr>
               <a:tr h="370840">
-                <a:tc gridSpan="3">
+                <a:tc gridSpan="2">
+                  <a:txBody>
+                    <a:bodyPr/>
+                    <a:lstStyle/>
+                    <a:p>
+                      <a:pPr marL="0" marR="0" lvl="0" indent="0" algn="l" defTabSz="914400" rtl="0" eaLnBrk="1" fontAlgn="auto" latinLnBrk="0" hangingPunct="1">
+                        <a:lnSpc>
+                          <a:spcPct val="100000"/>
+                        </a:lnSpc>
+                        <a:spcBef>
+                          <a:spcPts val="0"/>
+                        </a:spcBef>
+                        <a:spcAft>
+                          <a:spcPts val="0"/>
+                        </a:spcAft>
+                        <a:buClrTx/>
+                        <a:buSzTx/>
+                        <a:buFontTx/>
+                        <a:buNone/>
+                        <a:tabLst/>
+                        <a:defRPr/>
+                      </a:pPr>
+                      <a:r>
+                        <a:rPr lang="en-US" altLang="zh-CN" b="1" dirty="0"/>
+                        <a:t>10:25-11:55</a:t>
+                      </a:r>
+                      <a:endParaRPr lang="zh-CN" altLang="en-US" b="1" dirty="0"/>
+                    </a:p>
+                  </a:txBody>
+                  <a:tcPr/>
+                </a:tc>
+                <a:tc hMerge="1">
                   <a:txBody>
                     <a:bodyPr/>
                     <a:lstStyle/>
@@ -4032,61 +4016,28 @@
                   </a:txBody>
                   <a:tcPr/>
                 </a:tc>
-                <a:tc hMerge="1">
-                  <a:txBody>
-                    <a:bodyPr/>
-                    <a:lstStyle/>
-                    <a:p>
-                      <a:pPr marL="0" marR="0" lvl="0" indent="0" algn="l" defTabSz="914400" rtl="0" eaLnBrk="1" fontAlgn="auto" latinLnBrk="0" hangingPunct="1">
-                        <a:lnSpc>
-                          <a:spcPct val="100000"/>
-                        </a:lnSpc>
-                        <a:spcBef>
-                          <a:spcPts val="0"/>
-                        </a:spcBef>
-                        <a:spcAft>
-                          <a:spcPts val="0"/>
-                        </a:spcAft>
-                        <a:buClrTx/>
-                        <a:buSzTx/>
-                        <a:buFontTx/>
-                        <a:buNone/>
-                        <a:tabLst/>
-                        <a:defRPr/>
-                      </a:pPr>
+                <a:tc gridSpan="3">
+                  <a:txBody>
+                    <a:bodyPr/>
+                    <a:lstStyle/>
+                    <a:p>
                       <a:r>
                         <a:rPr lang="en-US" altLang="zh-CN" b="1" dirty="0"/>
-                        <a:t>10:35-11:15</a:t>
-                      </a:r>
-                      <a:endParaRPr lang="zh-CN" altLang="en-US" b="1" dirty="0"/>
-                    </a:p>
-                  </a:txBody>
-                  <a:tcPr/>
-                </a:tc>
-                <a:tc hMerge="1">
-                  <a:txBody>
-                    <a:bodyPr/>
-                    <a:lstStyle/>
-                    <a:p>
-                      <a:r>
-                        <a:rPr lang="en-US" altLang="zh-CN" b="1" dirty="0"/>
-                        <a:t>Plenary Speech</a:t>
+                        <a:t>Plenary Speech </a:t>
+                      </a:r>
+                      <a:r>
+                        <a:rPr lang="en-US" altLang="zh-CN" sz="1800" b="1" kern="1200" dirty="0">
+                          <a:solidFill>
+                            <a:schemeClr val="dk1"/>
+                          </a:solidFill>
+                          <a:effectLst/>
+                          <a:latin typeface="+mn-lt"/>
+                          <a:ea typeface="+mn-ea"/>
+                          <a:cs typeface="+mn-cs"/>
+                        </a:rPr>
+                        <a:t>II</a:t>
                       </a:r>
                       <a:endParaRPr lang="zh-CN" altLang="en-US" dirty="0"/>
-                    </a:p>
-                  </a:txBody>
-                  <a:tcPr/>
-                </a:tc>
-                <a:tc gridSpan="3">
-                  <a:txBody>
-                    <a:bodyPr/>
-                    <a:lstStyle/>
-                    <a:p>
-                      <a:r>
-                        <a:rPr lang="en-US" altLang="zh-CN" b="1"/>
-                        <a:t>Plenary Speech</a:t>
-                      </a:r>
-                      <a:endParaRPr lang="zh-CN" altLang="en-US"/>
                     </a:p>
                   </a:txBody>
                   <a:tcPr/>
@@ -4118,7 +4069,7 @@
                 </a:extLst>
               </a:tr>
               <a:tr h="370840">
-                <a:tc gridSpan="3">
+                <a:tc gridSpan="2">
                   <a:txBody>
                     <a:bodyPr/>
                     <a:lstStyle/>
@@ -4142,7 +4093,7 @@
                       </a:pPr>
                       <a:r>
                         <a:rPr lang="en-US" altLang="zh-CN" b="1" dirty="0"/>
-                        <a:t>11:15-12:15</a:t>
+                        <a:t>11:55-14:00</a:t>
                       </a:r>
                       <a:endParaRPr lang="zh-CN" altLang="en-US" b="1" dirty="0"/>
                     </a:p>
@@ -4150,92 +4101,6 @@
                   <a:tcPr/>
                 </a:tc>
                 <a:tc hMerge="1">
-                  <a:txBody>
-                    <a:bodyPr/>
-                    <a:lstStyle/>
-                    <a:p>
-                      <a:pPr marL="0" marR="0" lvl="0" indent="0" algn="l" defTabSz="914400" rtl="0" eaLnBrk="1" fontAlgn="auto" latinLnBrk="0" hangingPunct="1">
-                        <a:lnSpc>
-                          <a:spcPct val="100000"/>
-                        </a:lnSpc>
-                        <a:spcBef>
-                          <a:spcPts val="0"/>
-                        </a:spcBef>
-                        <a:spcAft>
-                          <a:spcPts val="0"/>
-                        </a:spcAft>
-                        <a:buClrTx/>
-                        <a:buSzTx/>
-                        <a:buFontTx/>
-                        <a:buNone/>
-                        <a:tabLst/>
-                        <a:defRPr/>
-                      </a:pPr>
-                      <a:r>
-                        <a:rPr lang="en-US" altLang="zh-CN" b="1" dirty="0"/>
-                        <a:t>11:15-12:15</a:t>
-                      </a:r>
-                      <a:endParaRPr lang="zh-CN" altLang="en-US" b="1" dirty="0"/>
-                    </a:p>
-                  </a:txBody>
-                  <a:tcPr/>
-                </a:tc>
-                <a:tc hMerge="1">
-                  <a:txBody>
-                    <a:bodyPr/>
-                    <a:lstStyle/>
-                    <a:p>
-                      <a:r>
-                        <a:rPr lang="en-US" altLang="zh-CN" b="1"/>
-                        <a:t>Keynote Speech</a:t>
-                      </a:r>
-                      <a:endParaRPr lang="zh-CN" altLang="en-US"/>
-                    </a:p>
-                  </a:txBody>
-                  <a:tcPr/>
-                </a:tc>
-                <a:tc gridSpan="3">
-                  <a:txBody>
-                    <a:bodyPr/>
-                    <a:lstStyle/>
-                    <a:p>
-                      <a:r>
-                        <a:rPr lang="en-US" altLang="zh-CN" b="1"/>
-                        <a:t>Keynote Speech</a:t>
-                      </a:r>
-                      <a:endParaRPr lang="zh-CN" altLang="en-US"/>
-                    </a:p>
-                  </a:txBody>
-                  <a:tcPr/>
-                </a:tc>
-                <a:tc hMerge="1">
-                  <a:txBody>
-                    <a:bodyPr/>
-                    <a:lstStyle/>
-                    <a:p>
-                      <a:endParaRPr lang="zh-CN" altLang="en-US"/>
-                    </a:p>
-                  </a:txBody>
-                  <a:tcPr/>
-                </a:tc>
-                <a:tc hMerge="1">
-                  <a:txBody>
-                    <a:bodyPr/>
-                    <a:lstStyle/>
-                    <a:p>
-                      <a:endParaRPr lang="zh-CN" altLang="en-US"/>
-                    </a:p>
-                  </a:txBody>
-                  <a:tcPr/>
-                </a:tc>
-                <a:extLst>
-                  <a:ext uri="{0D108BD9-81ED-4DB2-BD59-A6C34878D82A}">
-                    <a16:rowId xmlns:a16="http://schemas.microsoft.com/office/drawing/2014/main" val="1629404881"/>
-                  </a:ext>
-                </a:extLst>
-              </a:tr>
-              <a:tr h="370840">
-                <a:tc gridSpan="3">
                   <a:txBody>
                     <a:bodyPr/>
                     <a:lstStyle/>
@@ -4266,61 +4131,16 @@
                   </a:txBody>
                   <a:tcPr/>
                 </a:tc>
-                <a:tc hMerge="1">
-                  <a:txBody>
-                    <a:bodyPr/>
-                    <a:lstStyle/>
-                    <a:p>
-                      <a:pPr marL="0" marR="0" lvl="0" indent="0" algn="l" defTabSz="914400" rtl="0" eaLnBrk="1" fontAlgn="auto" latinLnBrk="0" hangingPunct="1">
-                        <a:lnSpc>
-                          <a:spcPct val="100000"/>
-                        </a:lnSpc>
-                        <a:spcBef>
-                          <a:spcPts val="0"/>
-                        </a:spcBef>
-                        <a:spcAft>
-                          <a:spcPts val="0"/>
-                        </a:spcAft>
-                        <a:buClrTx/>
-                        <a:buSzTx/>
-                        <a:buFontTx/>
-                        <a:buNone/>
-                        <a:tabLst/>
-                        <a:defRPr/>
-                      </a:pPr>
+                <a:tc gridSpan="3">
+                  <a:txBody>
+                    <a:bodyPr/>
+                    <a:lstStyle/>
+                    <a:p>
                       <a:r>
                         <a:rPr lang="en-US" altLang="zh-CN" b="1" dirty="0"/>
-                        <a:t>12:15-13:30</a:t>
-                      </a:r>
-                      <a:endParaRPr lang="zh-CN" altLang="en-US" b="1" dirty="0"/>
-                    </a:p>
-                  </a:txBody>
-                  <a:tcPr/>
-                </a:tc>
-                <a:tc hMerge="1">
-                  <a:txBody>
-                    <a:bodyPr/>
-                    <a:lstStyle/>
-                    <a:p>
-                      <a:r>
-                        <a:rPr lang="en-US" altLang="zh-CN" b="1"/>
                         <a:t>Lunch &amp; Break</a:t>
                       </a:r>
-                      <a:endParaRPr lang="zh-CN" altLang="en-US"/>
-                    </a:p>
-                  </a:txBody>
-                  <a:tcPr/>
-                </a:tc>
-                <a:tc gridSpan="3">
-                  <a:txBody>
-                    <a:bodyPr/>
-                    <a:lstStyle/>
-                    <a:p>
-                      <a:r>
-                        <a:rPr lang="en-US" altLang="zh-CN" b="1"/>
-                        <a:t>Lunch &amp; Break</a:t>
-                      </a:r>
-                      <a:endParaRPr lang="zh-CN" altLang="en-US"/>
+                      <a:endParaRPr lang="zh-CN" altLang="en-US" dirty="0"/>
                     </a:p>
                   </a:txBody>
                   <a:tcPr/>
@@ -4352,7 +4172,48 @@
                 </a:extLst>
               </a:tr>
               <a:tr h="370840">
-                <a:tc gridSpan="3">
+                <a:tc gridSpan="2">
+                  <a:txBody>
+                    <a:bodyPr/>
+                    <a:lstStyle/>
+                    <a:p>
+                      <a:pPr marL="0" marR="0" lvl="0" indent="0" algn="l" defTabSz="914400" rtl="0" eaLnBrk="1" fontAlgn="auto" latinLnBrk="0" hangingPunct="1">
+                        <a:lnSpc>
+                          <a:spcPct val="100000"/>
+                        </a:lnSpc>
+                        <a:spcBef>
+                          <a:spcPts val="0"/>
+                        </a:spcBef>
+                        <a:spcAft>
+                          <a:spcPts val="0"/>
+                        </a:spcAft>
+                        <a:buClrTx/>
+                        <a:buSzTx/>
+                        <a:buFontTx/>
+                        <a:buNone/>
+                        <a:tabLst/>
+                        <a:defRPr/>
+                      </a:pPr>
+                      <a:r>
+                        <a:rPr lang="en-US" altLang="zh-CN" b="1" dirty="0"/>
+                        <a:t>14:00-15:45</a:t>
+                      </a:r>
+                      <a:endParaRPr lang="zh-CN" altLang="en-US" b="1" dirty="0"/>
+                    </a:p>
+                  </a:txBody>
+                  <a:tcPr>
+                    <a:lnB w="38100" cap="flat" cmpd="sng" algn="ctr">
+                      <a:solidFill>
+                        <a:schemeClr val="tx1"/>
+                      </a:solidFill>
+                      <a:prstDash val="solid"/>
+                      <a:round/>
+                      <a:headEnd type="none" w="med" len="med"/>
+                      <a:tailEnd type="none" w="med" len="med"/>
+                    </a:lnB>
+                  </a:tcPr>
+                </a:tc>
+                <a:tc hMerge="1">
                   <a:txBody>
                     <a:bodyPr/>
                     <a:lstStyle/>
@@ -4382,7 +4243,7 @@
                     </a:p>
                   </a:txBody>
                   <a:tcPr>
-                    <a:lnB w="38100" cap="flat" cmpd="sng" algn="ctr">
+                    <a:lnB w="12700" cap="flat" cmpd="sng" algn="ctr">
                       <a:solidFill>
                         <a:schemeClr val="tx1"/>
                       </a:solidFill>
@@ -4393,87 +4254,14 @@
                     </a:lnB>
                   </a:tcPr>
                 </a:tc>
-                <a:tc hMerge="1">
-                  <a:txBody>
-                    <a:bodyPr/>
-                    <a:lstStyle/>
-                    <a:p>
-                      <a:pPr marL="0" marR="0" lvl="0" indent="0" algn="l" defTabSz="914400" rtl="0" eaLnBrk="1" fontAlgn="auto" latinLnBrk="0" hangingPunct="1">
-                        <a:lnSpc>
-                          <a:spcPct val="100000"/>
-                        </a:lnSpc>
-                        <a:spcBef>
-                          <a:spcPts val="0"/>
-                        </a:spcBef>
-                        <a:spcAft>
-                          <a:spcPts val="0"/>
-                        </a:spcAft>
-                        <a:buClrTx/>
-                        <a:buSzTx/>
-                        <a:buFontTx/>
-                        <a:buNone/>
-                        <a:tabLst/>
-                        <a:defRPr/>
-                      </a:pPr>
-                      <a:r>
-                        <a:rPr lang="en-US" altLang="zh-CN" b="1" dirty="0"/>
-                        <a:t>13:30-15:30</a:t>
-                      </a:r>
-                      <a:endParaRPr lang="zh-CN" altLang="en-US" b="1" dirty="0"/>
-                    </a:p>
-                  </a:txBody>
-                  <a:tcPr>
-                    <a:lnB w="12700" cap="flat" cmpd="sng" algn="ctr">
-                      <a:solidFill>
-                        <a:schemeClr val="tx1"/>
-                      </a:solidFill>
-                      <a:prstDash val="solid"/>
-                      <a:round/>
-                      <a:headEnd type="none" w="med" len="med"/>
-                      <a:tailEnd type="none" w="med" len="med"/>
-                    </a:lnB>
-                  </a:tcPr>
-                </a:tc>
-                <a:tc hMerge="1">
-                  <a:txBody>
-                    <a:bodyPr/>
-                    <a:lstStyle/>
-                    <a:p>
-                      <a:r>
-                        <a:rPr lang="en-US" altLang="zh-CN" b="1" dirty="0"/>
-                        <a:t>Session</a:t>
-                      </a:r>
+                <a:tc gridSpan="3">
+                  <a:txBody>
+                    <a:bodyPr/>
+                    <a:lstStyle/>
+                    <a:p>
                       <a:r>
                         <a:rPr lang="en-US" altLang="zh-CN" b="1" baseline="0" dirty="0"/>
-                        <a:t> Ⅰ (S01 - S08)</a:t>
-                      </a:r>
-                      <a:endParaRPr lang="zh-CN" altLang="en-US" dirty="0"/>
-                    </a:p>
-                  </a:txBody>
-                  <a:tcPr>
-                    <a:lnB w="12700" cap="flat" cmpd="sng" algn="ctr">
-                      <a:solidFill>
-                        <a:schemeClr val="tx1"/>
-                      </a:solidFill>
-                      <a:prstDash val="solid"/>
-                      <a:round/>
-                      <a:headEnd type="none" w="med" len="med"/>
-                      <a:tailEnd type="none" w="med" len="med"/>
-                    </a:lnB>
-                  </a:tcPr>
-                </a:tc>
-                <a:tc gridSpan="3">
-                  <a:txBody>
-                    <a:bodyPr/>
-                    <a:lstStyle/>
-                    <a:p>
-                      <a:r>
-                        <a:rPr lang="en-US" altLang="zh-CN" b="1" dirty="0"/>
-                        <a:t>Session</a:t>
-                      </a:r>
-                      <a:r>
-                        <a:rPr lang="en-US" altLang="zh-CN" b="1" baseline="0" dirty="0"/>
-                        <a:t> Ⅰ (S01 - S08)</a:t>
+                        <a:t>Oral Presentation Ⅰ (S01 - S08)</a:t>
                       </a:r>
                       <a:endParaRPr lang="zh-CN" altLang="en-US" dirty="0"/>
                     </a:p>
@@ -4591,7 +4379,7 @@
                     </a:lnB>
                   </a:tcPr>
                 </a:tc>
-                <a:tc gridSpan="2">
+                <a:tc>
                   <a:txBody>
                     <a:bodyPr/>
                     <a:lstStyle/>
@@ -4665,77 +4453,6 @@
                     </a:lnB>
                   </a:tcPr>
                 </a:tc>
-                <a:tc hMerge="1">
-                  <a:txBody>
-                    <a:bodyPr/>
-                    <a:lstStyle/>
-                    <a:p>
-                      <a:pPr marL="0" marR="0" lvl="0" indent="0" algn="ctr" defTabSz="914400" rtl="0" eaLnBrk="1" fontAlgn="auto" latinLnBrk="0" hangingPunct="1">
-                        <a:lnSpc>
-                          <a:spcPct val="100000"/>
-                        </a:lnSpc>
-                        <a:spcBef>
-                          <a:spcPts val="0"/>
-                        </a:spcBef>
-                        <a:spcAft>
-                          <a:spcPts val="0"/>
-                        </a:spcAft>
-                        <a:buClrTx/>
-                        <a:buSzTx/>
-                        <a:buFontTx/>
-                        <a:buNone/>
-                        <a:tabLst/>
-                        <a:defRPr/>
-                      </a:pPr>
-                      <a:endParaRPr lang="en-US" altLang="zh-CN" sz="1600" b="1" kern="1200" dirty="0">
-                        <a:solidFill>
-                          <a:schemeClr val="dk1"/>
-                        </a:solidFill>
-                        <a:latin typeface="+mn-lt"/>
-                        <a:ea typeface="+mn-ea"/>
-                        <a:cs typeface="+mn-cs"/>
-                      </a:endParaRPr>
-                    </a:p>
-                  </a:txBody>
-                  <a:tcPr>
-                    <a:lnL w="12700" cap="flat" cmpd="sng" algn="ctr">
-                      <a:solidFill>
-                        <a:schemeClr val="tx1"/>
-                      </a:solidFill>
-                      <a:prstDash val="solid"/>
-                      <a:round/>
-                      <a:headEnd type="none" w="med" len="med"/>
-                      <a:tailEnd type="none" w="med" len="med"/>
-                    </a:lnL>
-                    <a:lnR w="12700" cap="flat" cmpd="sng" algn="ctr">
-                      <a:solidFill>
-                        <a:schemeClr val="tx1"/>
-                      </a:solidFill>
-                      <a:prstDash val="solid"/>
-                      <a:round/>
-                      <a:headEnd type="none" w="med" len="med"/>
-                      <a:tailEnd type="none" w="med" len="med"/>
-                    </a:lnR>
-                    <a:lnT w="12700" cap="flat" cmpd="sng" algn="ctr">
-                      <a:solidFill>
-                        <a:schemeClr val="tx1"/>
-                      </a:solidFill>
-                      <a:prstDash val="solid"/>
-                      <a:round/>
-                      <a:headEnd type="none" w="med" len="med"/>
-                      <a:tailEnd type="none" w="med" len="med"/>
-                    </a:lnT>
-                    <a:lnB w="12700" cap="flat" cmpd="sng" algn="ctr">
-                      <a:solidFill>
-                        <a:schemeClr val="tx1"/>
-                      </a:solidFill>
-                      <a:prstDash val="solid"/>
-                      <a:round/>
-                      <a:headEnd type="none" w="med" len="med"/>
-                      <a:tailEnd type="none" w="med" len="med"/>
-                    </a:lnB>
-                  </a:tcPr>
-                </a:tc>
                 <a:tc>
                   <a:txBody>
                     <a:bodyPr/>
@@ -5077,7 +4794,7 @@
                     </a:lnB>
                   </a:tcPr>
                 </a:tc>
-                <a:tc gridSpan="2">
+                <a:tc>
                   <a:txBody>
                     <a:bodyPr/>
                     <a:lstStyle/>
@@ -5159,77 +4876,6 @@
                     </a:lnB>
                   </a:tcPr>
                 </a:tc>
-                <a:tc hMerge="1">
-                  <a:txBody>
-                    <a:bodyPr/>
-                    <a:lstStyle/>
-                    <a:p>
-                      <a:pPr marL="0" marR="0" lvl="0" indent="0" algn="ctr" defTabSz="914400" rtl="0" eaLnBrk="1" fontAlgn="auto" latinLnBrk="0" hangingPunct="1">
-                        <a:lnSpc>
-                          <a:spcPct val="100000"/>
-                        </a:lnSpc>
-                        <a:spcBef>
-                          <a:spcPts val="0"/>
-                        </a:spcBef>
-                        <a:spcAft>
-                          <a:spcPts val="0"/>
-                        </a:spcAft>
-                        <a:buClrTx/>
-                        <a:buSzTx/>
-                        <a:buFontTx/>
-                        <a:buNone/>
-                        <a:tabLst/>
-                        <a:defRPr/>
-                      </a:pPr>
-                      <a:endParaRPr lang="zh-CN" altLang="en-US" sz="1400" b="1" kern="1200" dirty="0">
-                        <a:solidFill>
-                          <a:schemeClr val="dk1"/>
-                        </a:solidFill>
-                        <a:latin typeface="+mn-lt"/>
-                        <a:ea typeface="+mn-ea"/>
-                        <a:cs typeface="+mn-cs"/>
-                      </a:endParaRPr>
-                    </a:p>
-                  </a:txBody>
-                  <a:tcPr anchor="ctr">
-                    <a:lnL w="12700" cap="flat" cmpd="sng" algn="ctr">
-                      <a:solidFill>
-                        <a:schemeClr val="tx1"/>
-                      </a:solidFill>
-                      <a:prstDash val="solid"/>
-                      <a:round/>
-                      <a:headEnd type="none" w="med" len="med"/>
-                      <a:tailEnd type="none" w="med" len="med"/>
-                    </a:lnL>
-                    <a:lnR w="12700" cap="flat" cmpd="sng" algn="ctr">
-                      <a:solidFill>
-                        <a:schemeClr val="tx1"/>
-                      </a:solidFill>
-                      <a:prstDash val="solid"/>
-                      <a:round/>
-                      <a:headEnd type="none" w="med" len="med"/>
-                      <a:tailEnd type="none" w="med" len="med"/>
-                    </a:lnR>
-                    <a:lnT w="12700" cap="flat" cmpd="sng" algn="ctr">
-                      <a:solidFill>
-                        <a:schemeClr val="tx1"/>
-                      </a:solidFill>
-                      <a:prstDash val="solid"/>
-                      <a:round/>
-                      <a:headEnd type="none" w="med" len="med"/>
-                      <a:tailEnd type="none" w="med" len="med"/>
-                    </a:lnT>
-                    <a:lnB w="12700" cap="flat" cmpd="sng" algn="ctr">
-                      <a:solidFill>
-                        <a:schemeClr val="tx1"/>
-                      </a:solidFill>
-                      <a:prstDash val="solid"/>
-                      <a:round/>
-                      <a:headEnd type="none" w="med" len="med"/>
-                      <a:tailEnd type="none" w="med" len="med"/>
-                    </a:lnB>
-                  </a:tcPr>
-                </a:tc>
                 <a:tc>
                   <a:txBody>
                     <a:bodyPr/>
@@ -5549,7 +5195,7 @@
                     </a:lnB>
                   </a:tcPr>
                 </a:tc>
-                <a:tc gridSpan="2">
+                <a:tc>
                   <a:txBody>
                     <a:bodyPr/>
                     <a:lstStyle/>
@@ -5631,77 +5277,6 @@
                     </a:lnB>
                   </a:tcPr>
                 </a:tc>
-                <a:tc hMerge="1">
-                  <a:txBody>
-                    <a:bodyPr/>
-                    <a:lstStyle/>
-                    <a:p>
-                      <a:pPr marL="0" marR="0" lvl="0" indent="0" algn="ctr" defTabSz="914400" rtl="0" eaLnBrk="1" fontAlgn="auto" latinLnBrk="0" hangingPunct="1">
-                        <a:lnSpc>
-                          <a:spcPct val="100000"/>
-                        </a:lnSpc>
-                        <a:spcBef>
-                          <a:spcPts val="0"/>
-                        </a:spcBef>
-                        <a:spcAft>
-                          <a:spcPts val="0"/>
-                        </a:spcAft>
-                        <a:buClrTx/>
-                        <a:buSzTx/>
-                        <a:buFontTx/>
-                        <a:buNone/>
-                        <a:tabLst/>
-                        <a:defRPr/>
-                      </a:pPr>
-                      <a:endParaRPr lang="zh-CN" altLang="en-US" sz="1600" b="1" kern="1200" dirty="0">
-                        <a:solidFill>
-                          <a:schemeClr val="dk1"/>
-                        </a:solidFill>
-                        <a:latin typeface="+mn-lt"/>
-                        <a:ea typeface="+mn-ea"/>
-                        <a:cs typeface="+mn-cs"/>
-                      </a:endParaRPr>
-                    </a:p>
-                  </a:txBody>
-                  <a:tcPr>
-                    <a:lnL w="12700" cap="flat" cmpd="sng" algn="ctr">
-                      <a:solidFill>
-                        <a:schemeClr val="tx1"/>
-                      </a:solidFill>
-                      <a:prstDash val="solid"/>
-                      <a:round/>
-                      <a:headEnd type="none" w="med" len="med"/>
-                      <a:tailEnd type="none" w="med" len="med"/>
-                    </a:lnL>
-                    <a:lnR w="12700" cap="flat" cmpd="sng" algn="ctr">
-                      <a:solidFill>
-                        <a:schemeClr val="tx1"/>
-                      </a:solidFill>
-                      <a:prstDash val="solid"/>
-                      <a:round/>
-                      <a:headEnd type="none" w="med" len="med"/>
-                      <a:tailEnd type="none" w="med" len="med"/>
-                    </a:lnR>
-                    <a:lnT w="12700" cap="flat" cmpd="sng" algn="ctr">
-                      <a:solidFill>
-                        <a:schemeClr val="tx1"/>
-                      </a:solidFill>
-                      <a:prstDash val="solid"/>
-                      <a:round/>
-                      <a:headEnd type="none" w="med" len="med"/>
-                      <a:tailEnd type="none" w="med" len="med"/>
-                    </a:lnT>
-                    <a:lnB w="12700" cap="flat" cmpd="sng" algn="ctr">
-                      <a:solidFill>
-                        <a:schemeClr val="tx1"/>
-                      </a:solidFill>
-                      <a:prstDash val="solid"/>
-                      <a:round/>
-                      <a:headEnd type="none" w="med" len="med"/>
-                      <a:tailEnd type="none" w="med" len="med"/>
-                    </a:lnB>
-                  </a:tcPr>
-                </a:tc>
                 <a:tc>
                   <a:txBody>
                     <a:bodyPr/>
@@ -6043,7 +5618,7 @@
                     </a:lnB>
                   </a:tcPr>
                 </a:tc>
-                <a:tc gridSpan="2">
+                <a:tc>
                   <a:txBody>
                     <a:bodyPr/>
                     <a:lstStyle/>
@@ -6125,77 +5700,6 @@
                     </a:lnB>
                   </a:tcPr>
                 </a:tc>
-                <a:tc hMerge="1">
-                  <a:txBody>
-                    <a:bodyPr/>
-                    <a:lstStyle/>
-                    <a:p>
-                      <a:pPr marL="0" marR="0" lvl="0" indent="0" algn="ctr" defTabSz="914400" rtl="0" eaLnBrk="1" fontAlgn="auto" latinLnBrk="0" hangingPunct="1">
-                        <a:lnSpc>
-                          <a:spcPct val="100000"/>
-                        </a:lnSpc>
-                        <a:spcBef>
-                          <a:spcPts val="0"/>
-                        </a:spcBef>
-                        <a:spcAft>
-                          <a:spcPts val="0"/>
-                        </a:spcAft>
-                        <a:buClrTx/>
-                        <a:buSzTx/>
-                        <a:buFontTx/>
-                        <a:buNone/>
-                        <a:tabLst/>
-                        <a:defRPr/>
-                      </a:pPr>
-                      <a:endParaRPr lang="zh-CN" altLang="en-US" sz="1400" b="1" kern="1200" dirty="0">
-                        <a:solidFill>
-                          <a:schemeClr val="dk1"/>
-                        </a:solidFill>
-                        <a:latin typeface="+mn-lt"/>
-                        <a:ea typeface="+mn-ea"/>
-                        <a:cs typeface="+mn-cs"/>
-                      </a:endParaRPr>
-                    </a:p>
-                  </a:txBody>
-                  <a:tcPr anchor="ctr">
-                    <a:lnL w="12700" cap="flat" cmpd="sng" algn="ctr">
-                      <a:solidFill>
-                        <a:schemeClr val="tx1"/>
-                      </a:solidFill>
-                      <a:prstDash val="solid"/>
-                      <a:round/>
-                      <a:headEnd type="none" w="med" len="med"/>
-                      <a:tailEnd type="none" w="med" len="med"/>
-                    </a:lnL>
-                    <a:lnR w="12700" cap="flat" cmpd="sng" algn="ctr">
-                      <a:solidFill>
-                        <a:schemeClr val="tx1"/>
-                      </a:solidFill>
-                      <a:prstDash val="solid"/>
-                      <a:round/>
-                      <a:headEnd type="none" w="med" len="med"/>
-                      <a:tailEnd type="none" w="med" len="med"/>
-                    </a:lnR>
-                    <a:lnT w="12700" cap="flat" cmpd="sng" algn="ctr">
-                      <a:solidFill>
-                        <a:schemeClr val="tx1"/>
-                      </a:solidFill>
-                      <a:prstDash val="solid"/>
-                      <a:round/>
-                      <a:headEnd type="none" w="med" len="med"/>
-                      <a:tailEnd type="none" w="med" len="med"/>
-                    </a:lnT>
-                    <a:lnB w="12700" cap="flat" cmpd="sng" algn="ctr">
-                      <a:solidFill>
-                        <a:schemeClr val="tx1"/>
-                      </a:solidFill>
-                      <a:prstDash val="solid"/>
-                      <a:round/>
-                      <a:headEnd type="none" w="med" len="med"/>
-                      <a:tailEnd type="none" w="med" len="med"/>
-                    </a:lnB>
-                  </a:tcPr>
-                </a:tc>
                 <a:tc>
                   <a:txBody>
                     <a:bodyPr/>
@@ -6417,7 +5921,7 @@
                       </a:pPr>
                       <a:r>
                         <a:rPr lang="en-US" altLang="zh-CN" b="1" dirty="0"/>
-                        <a:t>15:30-15:45</a:t>
+                        <a:t>14:00-15:45</a:t>
                       </a:r>
                       <a:endParaRPr lang="zh-CN" altLang="en-US" b="1" dirty="0"/>
                     </a:p>
@@ -6475,14 +5979,14 @@
                     </a:lnT>
                   </a:tcPr>
                 </a:tc>
-                <a:tc gridSpan="4">
-                  <a:txBody>
-                    <a:bodyPr/>
-                    <a:lstStyle/>
-                    <a:p>
-                      <a:r>
-                        <a:rPr lang="en-US" altLang="zh-CN" b="1" dirty="0"/>
-                        <a:t>Poster Session (Coffee &amp; Tea Break)</a:t>
+                <a:tc gridSpan="3">
+                  <a:txBody>
+                    <a:bodyPr/>
+                    <a:lstStyle/>
+                    <a:p>
+                      <a:r>
+                        <a:rPr lang="en-US" altLang="zh-CN" b="1" baseline="0" dirty="0"/>
+                        <a:t>Poster Presentation Ⅰ </a:t>
                       </a:r>
                       <a:endParaRPr lang="zh-CN" altLang="en-US" dirty="0"/>
                     </a:p>
@@ -6498,16 +6002,6 @@
                       <a:tailEnd type="none" w="med" len="med"/>
                     </a:lnT>
                   </a:tcPr>
-                </a:tc>
-                <a:tc hMerge="1">
-                  <a:txBody>
-                    <a:bodyPr/>
-                    <a:lstStyle/>
-                    <a:p>
-                      <a:endParaRPr lang="zh-CN" altLang="en-US"/>
-                    </a:p>
-                  </a:txBody>
-                  <a:tcPr/>
                 </a:tc>
                 <a:tc hMerge="1">
                   <a:txBody>
@@ -6570,7 +6064,110 @@
                       </a:pPr>
                       <a:r>
                         <a:rPr lang="en-US" altLang="zh-CN" b="1" dirty="0"/>
-                        <a:t>15:45-17:45</a:t>
+                        <a:t>15:45-16:00</a:t>
+                      </a:r>
+                      <a:endParaRPr lang="zh-CN" altLang="en-US" b="1" dirty="0"/>
+                    </a:p>
+                  </a:txBody>
+                  <a:tcPr/>
+                </a:tc>
+                <a:tc hMerge="1">
+                  <a:txBody>
+                    <a:bodyPr/>
+                    <a:lstStyle/>
+                    <a:p>
+                      <a:pPr marL="0" marR="0" lvl="0" indent="0" algn="l" defTabSz="914400" rtl="0" eaLnBrk="1" fontAlgn="auto" latinLnBrk="0" hangingPunct="1">
+                        <a:lnSpc>
+                          <a:spcPct val="100000"/>
+                        </a:lnSpc>
+                        <a:spcBef>
+                          <a:spcPts val="0"/>
+                        </a:spcBef>
+                        <a:spcAft>
+                          <a:spcPts val="0"/>
+                        </a:spcAft>
+                        <a:buClrTx/>
+                        <a:buSzTx/>
+                        <a:buFontTx/>
+                        <a:buNone/>
+                        <a:tabLst/>
+                        <a:defRPr/>
+                      </a:pPr>
+                      <a:r>
+                        <a:rPr lang="en-US" altLang="zh-CN" b="1" dirty="0"/>
+                        <a:t>15:30-15:45</a:t>
+                      </a:r>
+                      <a:endParaRPr lang="zh-CN" altLang="en-US" b="1" dirty="0"/>
+                    </a:p>
+                  </a:txBody>
+                  <a:tcPr/>
+                </a:tc>
+                <a:tc gridSpan="3">
+                  <a:txBody>
+                    <a:bodyPr/>
+                    <a:lstStyle/>
+                    <a:p>
+                      <a:r>
+                        <a:rPr lang="en-US" altLang="zh-CN" b="1" dirty="0"/>
+                        <a:t>Coffee &amp; Tea Break</a:t>
+                      </a:r>
+                      <a:endParaRPr lang="zh-CN" altLang="en-US" dirty="0"/>
+                    </a:p>
+                  </a:txBody>
+                  <a:tcPr/>
+                </a:tc>
+                <a:tc hMerge="1">
+                  <a:txBody>
+                    <a:bodyPr/>
+                    <a:lstStyle/>
+                    <a:p>
+                      <a:endParaRPr lang="zh-CN" altLang="en-US"/>
+                    </a:p>
+                  </a:txBody>
+                  <a:tcPr/>
+                </a:tc>
+                <a:tc hMerge="1">
+                  <a:txBody>
+                    <a:bodyPr/>
+                    <a:lstStyle/>
+                    <a:p>
+                      <a:endParaRPr lang="zh-CN" altLang="en-US"/>
+                    </a:p>
+                  </a:txBody>
+                  <a:tcPr/>
+                </a:tc>
+                <a:extLst>
+                  <a:ext uri="{0D108BD9-81ED-4DB2-BD59-A6C34878D82A}">
+                    <a16:rowId xmlns:a16="http://schemas.microsoft.com/office/drawing/2014/main" val="2673204606"/>
+                  </a:ext>
+                </a:extLst>
+              </a:tr>
+              <a:tr h="370840">
+                <a:tc gridSpan="2">
+                  <a:txBody>
+                    <a:bodyPr/>
+                    <a:lstStyle/>
+                    <a:p>
+                      <a:pPr marL="0" marR="0" lvl="0" indent="0" algn="l" defTabSz="914400" rtl="0" eaLnBrk="1" fontAlgn="auto" latinLnBrk="0" hangingPunct="1">
+                        <a:lnSpc>
+                          <a:spcPct val="100000"/>
+                        </a:lnSpc>
+                        <a:spcBef>
+                          <a:spcPts val="0"/>
+                        </a:spcBef>
+                        <a:spcAft>
+                          <a:spcPts val="0"/>
+                        </a:spcAft>
+                        <a:buClrTx/>
+                        <a:buSzTx/>
+                        <a:buFontTx/>
+                        <a:buNone/>
+                        <a:tabLst/>
+                        <a:defRPr/>
+                      </a:pPr>
+                      <a:r>
+                        <a:rPr lang="en-US" altLang="zh-CN" b="1" dirty="0"/>
+                        <a:t>16:00-17:45</a:t>
                       </a:r>
                       <a:endParaRPr lang="zh-CN" altLang="en-US" b="1" dirty="0"/>
                     </a:p>
@@ -6628,18 +6225,14 @@
                     </a:lnB>
                   </a:tcPr>
                 </a:tc>
-                <a:tc gridSpan="4">
-                  <a:txBody>
-                    <a:bodyPr/>
-                    <a:lstStyle/>
-                    <a:p>
-                      <a:r>
-                        <a:rPr lang="en-US" altLang="zh-CN" b="1" dirty="0"/>
-                        <a:t>Session</a:t>
-                      </a:r>
+                <a:tc gridSpan="3">
+                  <a:txBody>
+                    <a:bodyPr/>
+                    <a:lstStyle/>
+                    <a:p>
                       <a:r>
                         <a:rPr lang="en-US" altLang="zh-CN" b="1" baseline="0" dirty="0"/>
-                        <a:t> Ⅱ (S09 – S16)</a:t>
+                        <a:t>Oral Presentation Ⅱ (S09 – S16)</a:t>
                       </a:r>
                       <a:endParaRPr lang="zh-CN" altLang="en-US" dirty="0"/>
                     </a:p>
@@ -6655,16 +6248,6 @@
                       <a:tailEnd type="none" w="med" len="med"/>
                     </a:lnB>
                   </a:tcPr>
-                </a:tc>
-                <a:tc hMerge="1">
-                  <a:txBody>
-                    <a:bodyPr/>
-                    <a:lstStyle/>
-                    <a:p>
-                      <a:endParaRPr lang="zh-CN" altLang="en-US"/>
-                    </a:p>
-                  </a:txBody>
-                  <a:tcPr/>
                 </a:tc>
                 <a:tc hMerge="1">
                   <a:txBody>
@@ -6775,7 +6358,7 @@
                     </a:lnB>
                   </a:tcPr>
                 </a:tc>
-                <a:tc gridSpan="2">
+                <a:tc>
                   <a:txBody>
                     <a:bodyPr/>
                     <a:lstStyle/>
@@ -6857,77 +6440,6 @@
                     </a:lnB>
                   </a:tcPr>
                 </a:tc>
-                <a:tc hMerge="1">
-                  <a:txBody>
-                    <a:bodyPr/>
-                    <a:lstStyle/>
-                    <a:p>
-                      <a:pPr marL="0" marR="0" lvl="0" indent="0" algn="ctr" defTabSz="914400" rtl="0" eaLnBrk="1" fontAlgn="auto" latinLnBrk="0" hangingPunct="1">
-                        <a:lnSpc>
-                          <a:spcPct val="100000"/>
-                        </a:lnSpc>
-                        <a:spcBef>
-                          <a:spcPts val="0"/>
-                        </a:spcBef>
-                        <a:spcAft>
-                          <a:spcPts val="0"/>
-                        </a:spcAft>
-                        <a:buClrTx/>
-                        <a:buSzTx/>
-                        <a:buFontTx/>
-                        <a:buNone/>
-                        <a:tabLst/>
-                        <a:defRPr/>
-                      </a:pPr>
-                      <a:endParaRPr lang="zh-CN" altLang="en-US" sz="1600" b="1" kern="1200" dirty="0">
-                        <a:solidFill>
-                          <a:schemeClr val="dk1"/>
-                        </a:solidFill>
-                        <a:latin typeface="+mn-lt"/>
-                        <a:ea typeface="+mn-ea"/>
-                        <a:cs typeface="+mn-cs"/>
-                      </a:endParaRPr>
-                    </a:p>
-                  </a:txBody>
-                  <a:tcPr>
-                    <a:lnL w="12700" cap="flat" cmpd="sng" algn="ctr">
-                      <a:solidFill>
-                        <a:schemeClr val="tx1"/>
-                      </a:solidFill>
-                      <a:prstDash val="solid"/>
-                      <a:round/>
-                      <a:headEnd type="none" w="med" len="med"/>
-                      <a:tailEnd type="none" w="med" len="med"/>
-                    </a:lnL>
-                    <a:lnR w="12700" cap="flat" cmpd="sng" algn="ctr">
-                      <a:solidFill>
-                        <a:schemeClr val="tx1"/>
-                      </a:solidFill>
-                      <a:prstDash val="solid"/>
-                      <a:round/>
-                      <a:headEnd type="none" w="med" len="med"/>
-                      <a:tailEnd type="none" w="med" len="med"/>
-                    </a:lnR>
-                    <a:lnT w="12700" cap="flat" cmpd="sng" algn="ctr">
-                      <a:solidFill>
-                        <a:schemeClr val="tx1"/>
-                      </a:solidFill>
-                      <a:prstDash val="solid"/>
-                      <a:round/>
-                      <a:headEnd type="none" w="med" len="med"/>
-                      <a:tailEnd type="none" w="med" len="med"/>
-                    </a:lnT>
-                    <a:lnB w="12700" cap="flat" cmpd="sng" algn="ctr">
-                      <a:solidFill>
-                        <a:schemeClr val="tx1"/>
-                      </a:solidFill>
-                      <a:prstDash val="solid"/>
-                      <a:round/>
-                      <a:headEnd type="none" w="med" len="med"/>
-                      <a:tailEnd type="none" w="med" len="med"/>
-                    </a:lnB>
-                  </a:tcPr>
-                </a:tc>
                 <a:tc>
                   <a:txBody>
                     <a:bodyPr/>
@@ -7269,7 +6781,7 @@
                     </a:lnB>
                   </a:tcPr>
                 </a:tc>
-                <a:tc gridSpan="2">
+                <a:tc>
                   <a:txBody>
                     <a:bodyPr/>
                     <a:lstStyle/>
@@ -7351,77 +6863,6 @@
                     </a:lnB>
                   </a:tcPr>
                 </a:tc>
-                <a:tc hMerge="1">
-                  <a:txBody>
-                    <a:bodyPr/>
-                    <a:lstStyle/>
-                    <a:p>
-                      <a:pPr marL="0" marR="0" lvl="0" indent="0" algn="ctr" defTabSz="914400" rtl="0" eaLnBrk="1" fontAlgn="auto" latinLnBrk="0" hangingPunct="1">
-                        <a:lnSpc>
-                          <a:spcPct val="100000"/>
-                        </a:lnSpc>
-                        <a:spcBef>
-                          <a:spcPts val="0"/>
-                        </a:spcBef>
-                        <a:spcAft>
-                          <a:spcPts val="0"/>
-                        </a:spcAft>
-                        <a:buClrTx/>
-                        <a:buSzTx/>
-                        <a:buFontTx/>
-                        <a:buNone/>
-                        <a:tabLst/>
-                        <a:defRPr/>
-                      </a:pPr>
-                      <a:endParaRPr lang="zh-CN" altLang="en-US" sz="1400" b="1" kern="1200" dirty="0">
-                        <a:solidFill>
-                          <a:schemeClr val="dk1"/>
-                        </a:solidFill>
-                        <a:latin typeface="+mn-lt"/>
-                        <a:ea typeface="+mn-ea"/>
-                        <a:cs typeface="+mn-cs"/>
-                      </a:endParaRPr>
-                    </a:p>
-                  </a:txBody>
-                  <a:tcPr anchor="ctr">
-                    <a:lnL w="12700" cap="flat" cmpd="sng" algn="ctr">
-                      <a:solidFill>
-                        <a:schemeClr val="tx1"/>
-                      </a:solidFill>
-                      <a:prstDash val="solid"/>
-                      <a:round/>
-                      <a:headEnd type="none" w="med" len="med"/>
-                      <a:tailEnd type="none" w="med" len="med"/>
-                    </a:lnL>
-                    <a:lnR w="12700" cap="flat" cmpd="sng" algn="ctr">
-                      <a:solidFill>
-                        <a:schemeClr val="tx1"/>
-                      </a:solidFill>
-                      <a:prstDash val="solid"/>
-                      <a:round/>
-                      <a:headEnd type="none" w="med" len="med"/>
-                      <a:tailEnd type="none" w="med" len="med"/>
-                    </a:lnR>
-                    <a:lnT w="12700" cap="flat" cmpd="sng" algn="ctr">
-                      <a:solidFill>
-                        <a:schemeClr val="tx1"/>
-                      </a:solidFill>
-                      <a:prstDash val="solid"/>
-                      <a:round/>
-                      <a:headEnd type="none" w="med" len="med"/>
-                      <a:tailEnd type="none" w="med" len="med"/>
-                    </a:lnT>
-                    <a:lnB w="12700" cap="flat" cmpd="sng" algn="ctr">
-                      <a:solidFill>
-                        <a:schemeClr val="tx1"/>
-                      </a:solidFill>
-                      <a:prstDash val="solid"/>
-                      <a:round/>
-                      <a:headEnd type="none" w="med" len="med"/>
-                      <a:tailEnd type="none" w="med" len="med"/>
-                    </a:lnB>
-                  </a:tcPr>
-                </a:tc>
                 <a:tc>
                   <a:txBody>
                     <a:bodyPr/>
@@ -7749,7 +7190,7 @@
                     </a:lnB>
                   </a:tcPr>
                 </a:tc>
-                <a:tc gridSpan="2">
+                <a:tc>
                   <a:txBody>
                     <a:bodyPr/>
                     <a:lstStyle/>
@@ -7831,77 +7272,6 @@
                     </a:lnB>
                   </a:tcPr>
                 </a:tc>
-                <a:tc hMerge="1">
-                  <a:txBody>
-                    <a:bodyPr/>
-                    <a:lstStyle/>
-                    <a:p>
-                      <a:pPr marL="0" marR="0" lvl="0" indent="0" algn="ctr" defTabSz="914400" rtl="0" eaLnBrk="1" fontAlgn="auto" latinLnBrk="0" hangingPunct="1">
-                        <a:lnSpc>
-                          <a:spcPct val="100000"/>
-                        </a:lnSpc>
-                        <a:spcBef>
-                          <a:spcPts val="0"/>
-                        </a:spcBef>
-                        <a:spcAft>
-                          <a:spcPts val="0"/>
-                        </a:spcAft>
-                        <a:buClrTx/>
-                        <a:buSzTx/>
-                        <a:buFontTx/>
-                        <a:buNone/>
-                        <a:tabLst/>
-                        <a:defRPr/>
-                      </a:pPr>
-                      <a:endParaRPr lang="zh-CN" altLang="en-US" sz="1600" b="1" kern="1200" dirty="0">
-                        <a:solidFill>
-                          <a:schemeClr val="dk1"/>
-                        </a:solidFill>
-                        <a:latin typeface="+mn-lt"/>
-                        <a:ea typeface="+mn-ea"/>
-                        <a:cs typeface="+mn-cs"/>
-                      </a:endParaRPr>
-                    </a:p>
-                  </a:txBody>
-                  <a:tcPr>
-                    <a:lnL w="12700" cap="flat" cmpd="sng" algn="ctr">
-                      <a:solidFill>
-                        <a:schemeClr val="tx1"/>
-                      </a:solidFill>
-                      <a:prstDash val="solid"/>
-                      <a:round/>
-                      <a:headEnd type="none" w="med" len="med"/>
-                      <a:tailEnd type="none" w="med" len="med"/>
-                    </a:lnL>
-                    <a:lnR w="12700" cap="flat" cmpd="sng" algn="ctr">
-                      <a:solidFill>
-                        <a:schemeClr val="tx1"/>
-                      </a:solidFill>
-                      <a:prstDash val="solid"/>
-                      <a:round/>
-                      <a:headEnd type="none" w="med" len="med"/>
-                      <a:tailEnd type="none" w="med" len="med"/>
-                    </a:lnR>
-                    <a:lnT w="12700" cap="flat" cmpd="sng" algn="ctr">
-                      <a:solidFill>
-                        <a:schemeClr val="tx1"/>
-                      </a:solidFill>
-                      <a:prstDash val="solid"/>
-                      <a:round/>
-                      <a:headEnd type="none" w="med" len="med"/>
-                      <a:tailEnd type="none" w="med" len="med"/>
-                    </a:lnT>
-                    <a:lnB w="12700" cap="flat" cmpd="sng" algn="ctr">
-                      <a:solidFill>
-                        <a:schemeClr val="tx1"/>
-                      </a:solidFill>
-                      <a:prstDash val="solid"/>
-                      <a:round/>
-                      <a:headEnd type="none" w="med" len="med"/>
-                      <a:tailEnd type="none" w="med" len="med"/>
-                    </a:lnB>
-                  </a:tcPr>
-                </a:tc>
                 <a:tc>
                   <a:txBody>
                     <a:bodyPr/>
@@ -8243,7 +7613,7 @@
                     </a:lnB>
                   </a:tcPr>
                 </a:tc>
-                <a:tc gridSpan="2">
+                <a:tc>
                   <a:txBody>
                     <a:bodyPr/>
                     <a:lstStyle/>
@@ -8325,77 +7695,6 @@
                     </a:lnB>
                   </a:tcPr>
                 </a:tc>
-                <a:tc hMerge="1">
-                  <a:txBody>
-                    <a:bodyPr/>
-                    <a:lstStyle/>
-                    <a:p>
-                      <a:pPr marL="0" marR="0" lvl="0" indent="0" algn="ctr" defTabSz="914400" rtl="0" eaLnBrk="1" fontAlgn="auto" latinLnBrk="0" hangingPunct="1">
-                        <a:lnSpc>
-                          <a:spcPct val="100000"/>
-                        </a:lnSpc>
-                        <a:spcBef>
-                          <a:spcPts val="0"/>
-                        </a:spcBef>
-                        <a:spcAft>
-                          <a:spcPts val="0"/>
-                        </a:spcAft>
-                        <a:buClrTx/>
-                        <a:buSzTx/>
-                        <a:buFontTx/>
-                        <a:buNone/>
-                        <a:tabLst/>
-                        <a:defRPr/>
-                      </a:pPr>
-                      <a:endParaRPr lang="zh-CN" altLang="en-US" sz="1400" b="1" kern="1200" dirty="0">
-                        <a:solidFill>
-                          <a:schemeClr val="dk1"/>
-                        </a:solidFill>
-                        <a:latin typeface="+mn-lt"/>
-                        <a:ea typeface="+mn-ea"/>
-                        <a:cs typeface="+mn-cs"/>
-                      </a:endParaRPr>
-                    </a:p>
-                  </a:txBody>
-                  <a:tcPr anchor="ctr">
-                    <a:lnL w="12700" cap="flat" cmpd="sng" algn="ctr">
-                      <a:solidFill>
-                        <a:schemeClr val="tx1"/>
-                      </a:solidFill>
-                      <a:prstDash val="solid"/>
-                      <a:round/>
-                      <a:headEnd type="none" w="med" len="med"/>
-                      <a:tailEnd type="none" w="med" len="med"/>
-                    </a:lnL>
-                    <a:lnR w="12700" cap="flat" cmpd="sng" algn="ctr">
-                      <a:solidFill>
-                        <a:schemeClr val="tx1"/>
-                      </a:solidFill>
-                      <a:prstDash val="solid"/>
-                      <a:round/>
-                      <a:headEnd type="none" w="med" len="med"/>
-                      <a:tailEnd type="none" w="med" len="med"/>
-                    </a:lnR>
-                    <a:lnT w="12700" cap="flat" cmpd="sng" algn="ctr">
-                      <a:solidFill>
-                        <a:schemeClr val="tx1"/>
-                      </a:solidFill>
-                      <a:prstDash val="solid"/>
-                      <a:round/>
-                      <a:headEnd type="none" w="med" len="med"/>
-                      <a:tailEnd type="none" w="med" len="med"/>
-                    </a:lnT>
-                    <a:lnB w="12700" cap="flat" cmpd="sng" algn="ctr">
-                      <a:solidFill>
-                        <a:schemeClr val="tx1"/>
-                      </a:solidFill>
-                      <a:prstDash val="solid"/>
-                      <a:round/>
-                      <a:headEnd type="none" w="med" len="med"/>
-                      <a:tailEnd type="none" w="med" len="med"/>
-                    </a:lnB>
-                  </a:tcPr>
-                </a:tc>
                 <a:tc>
                   <a:txBody>
                     <a:bodyPr/>
@@ -8589,6 +7888,460 @@
                 <a:extLst>
                   <a:ext uri="{0D108BD9-81ED-4DB2-BD59-A6C34878D82A}">
                     <a16:rowId xmlns:a16="http://schemas.microsoft.com/office/drawing/2014/main" val="1265517092"/>
+                  </a:ext>
+                </a:extLst>
+              </a:tr>
+              <a:tr h="370840">
+                <a:tc gridSpan="2">
+                  <a:txBody>
+                    <a:bodyPr/>
+                    <a:lstStyle/>
+                    <a:p>
+                      <a:pPr marL="0" marR="0" lvl="0" indent="0" algn="l" defTabSz="914400" rtl="0" eaLnBrk="1" fontAlgn="auto" latinLnBrk="0" hangingPunct="1">
+                        <a:lnSpc>
+                          <a:spcPct val="100000"/>
+                        </a:lnSpc>
+                        <a:spcBef>
+                          <a:spcPts val="0"/>
+                        </a:spcBef>
+                        <a:spcAft>
+                          <a:spcPts val="0"/>
+                        </a:spcAft>
+                        <a:buClrTx/>
+                        <a:buSzTx/>
+                        <a:buFontTx/>
+                        <a:buNone/>
+                        <a:tabLst/>
+                        <a:defRPr/>
+                      </a:pPr>
+                      <a:r>
+                        <a:rPr lang="en-US" altLang="zh-CN" b="1" dirty="0"/>
+                        <a:t>16:00-17:45</a:t>
+                      </a:r>
+                      <a:endParaRPr lang="zh-CN" altLang="en-US" b="1" dirty="0"/>
+                    </a:p>
+                  </a:txBody>
+                  <a:tcPr>
+                    <a:lnL w="38100" cap="flat" cmpd="sng" algn="ctr">
+                      <a:noFill/>
+                      <a:prstDash val="solid"/>
+                      <a:round/>
+                      <a:headEnd type="none" w="med" len="med"/>
+                      <a:tailEnd type="none" w="med" len="med"/>
+                    </a:lnL>
+                    <a:lnR w="38100" cap="flat" cmpd="sng" algn="ctr">
+                      <a:noFill/>
+                      <a:prstDash val="solid"/>
+                      <a:round/>
+                      <a:headEnd type="none" w="med" len="med"/>
+                      <a:tailEnd type="none" w="med" len="med"/>
+                    </a:lnR>
+                    <a:lnT w="38100" cap="flat" cmpd="sng" algn="ctr">
+                      <a:solidFill>
+                        <a:schemeClr val="tx1"/>
+                      </a:solidFill>
+                      <a:prstDash val="solid"/>
+                      <a:round/>
+                      <a:headEnd type="none" w="med" len="med"/>
+                      <a:tailEnd type="none" w="med" len="med"/>
+                    </a:lnT>
+                    <a:lnB w="38100" cap="flat" cmpd="sng" algn="ctr">
+                      <a:noFill/>
+                      <a:prstDash val="solid"/>
+                      <a:round/>
+                      <a:headEnd type="none" w="med" len="med"/>
+                      <a:tailEnd type="none" w="med" len="med"/>
+                    </a:lnB>
+                    <a:lnTlToBr w="12700" cmpd="sng">
+                      <a:noFill/>
+                      <a:prstDash val="solid"/>
+                    </a:lnTlToBr>
+                    <a:lnBlToTr w="12700" cmpd="sng">
+                      <a:noFill/>
+                      <a:prstDash val="solid"/>
+                    </a:lnBlToTr>
+                  </a:tcPr>
+                </a:tc>
+                <a:tc hMerge="1">
+                  <a:txBody>
+                    <a:bodyPr/>
+                    <a:lstStyle/>
+                    <a:p>
+                      <a:pPr marL="0" marR="0" lvl="0" indent="0" algn="l" defTabSz="914400" rtl="0" eaLnBrk="1" fontAlgn="auto" latinLnBrk="0" hangingPunct="1">
+                        <a:lnSpc>
+                          <a:spcPct val="100000"/>
+                        </a:lnSpc>
+                        <a:spcBef>
+                          <a:spcPts val="0"/>
+                        </a:spcBef>
+                        <a:spcAft>
+                          <a:spcPts val="0"/>
+                        </a:spcAft>
+                        <a:buClrTx/>
+                        <a:buSzTx/>
+                        <a:buFontTx/>
+                        <a:buNone/>
+                        <a:tabLst/>
+                        <a:defRPr/>
+                      </a:pPr>
+                      <a:r>
+                        <a:rPr lang="en-US" altLang="zh-CN" b="1" dirty="0"/>
+                        <a:t>15:45-17:45</a:t>
+                      </a:r>
+                      <a:endParaRPr lang="zh-CN" altLang="en-US" b="1" dirty="0"/>
+                    </a:p>
+                  </a:txBody>
+                  <a:tcPr>
+                    <a:lnL w="38100" cap="flat" cmpd="sng" algn="ctr">
+                      <a:noFill/>
+                      <a:prstDash val="solid"/>
+                      <a:round/>
+                      <a:headEnd type="none" w="med" len="med"/>
+                      <a:tailEnd type="none" w="med" len="med"/>
+                    </a:lnL>
+                    <a:lnR w="12700" cap="flat" cmpd="sng" algn="ctr">
+                      <a:solidFill>
+                        <a:schemeClr val="tx1"/>
+                      </a:solidFill>
+                      <a:prstDash val="solid"/>
+                      <a:round/>
+                      <a:headEnd type="none" w="med" len="med"/>
+                      <a:tailEnd type="none" w="med" len="med"/>
+                    </a:lnR>
+                    <a:lnT w="12700" cap="flat" cmpd="sng" algn="ctr">
+                      <a:solidFill>
+                        <a:schemeClr val="tx1"/>
+                      </a:solidFill>
+                      <a:prstDash val="solid"/>
+                      <a:round/>
+                      <a:headEnd type="none" w="med" len="med"/>
+                      <a:tailEnd type="none" w="med" len="med"/>
+                    </a:lnT>
+                    <a:lnB w="12700" cap="flat" cmpd="sng" algn="ctr">
+                      <a:solidFill>
+                        <a:schemeClr val="tx1"/>
+                      </a:solidFill>
+                      <a:prstDash val="solid"/>
+                      <a:round/>
+                      <a:headEnd type="none" w="med" len="med"/>
+                      <a:tailEnd type="none" w="med" len="med"/>
+                    </a:lnB>
+                  </a:tcPr>
+                </a:tc>
+                <a:tc gridSpan="3">
+                  <a:txBody>
+                    <a:bodyPr/>
+                    <a:lstStyle/>
+                    <a:p>
+                      <a:r>
+                        <a:rPr lang="en-US" altLang="zh-CN" b="1" baseline="0" dirty="0"/>
+                        <a:t>Poster Presentation Ⅱ</a:t>
+                      </a:r>
+                      <a:endParaRPr lang="zh-CN" altLang="en-US" dirty="0"/>
+                    </a:p>
+                  </a:txBody>
+                  <a:tcPr>
+                    <a:lnL w="12700" cap="flat" cmpd="sng" algn="ctr">
+                      <a:noFill/>
+                      <a:prstDash val="solid"/>
+                      <a:round/>
+                      <a:headEnd type="none" w="med" len="med"/>
+                      <a:tailEnd type="none" w="med" len="med"/>
+                    </a:lnL>
+                    <a:lnR w="38100" cap="flat" cmpd="sng" algn="ctr">
+                      <a:noFill/>
+                      <a:prstDash val="solid"/>
+                      <a:round/>
+                      <a:headEnd type="none" w="med" len="med"/>
+                      <a:tailEnd type="none" w="med" len="med"/>
+                    </a:lnR>
+                    <a:lnT w="12700" cap="flat" cmpd="sng" algn="ctr">
+                      <a:solidFill>
+                        <a:schemeClr val="tx1"/>
+                      </a:solidFill>
+                      <a:prstDash val="solid"/>
+                      <a:round/>
+                      <a:headEnd type="none" w="med" len="med"/>
+                      <a:tailEnd type="none" w="med" len="med"/>
+                    </a:lnT>
+                    <a:lnB w="38100" cap="flat" cmpd="sng" algn="ctr">
+                      <a:noFill/>
+                      <a:prstDash val="solid"/>
+                      <a:round/>
+                      <a:headEnd type="none" w="med" len="med"/>
+                      <a:tailEnd type="none" w="med" len="med"/>
+                    </a:lnB>
+                  </a:tcPr>
+                </a:tc>
+                <a:tc hMerge="1">
+                  <a:txBody>
+                    <a:bodyPr/>
+                    <a:lstStyle/>
+                    <a:p>
+                      <a:endParaRPr lang="zh-CN" altLang="en-US"/>
+                    </a:p>
+                  </a:txBody>
+                  <a:tcPr>
+                    <a:lnL w="12700" cap="flat" cmpd="sng" algn="ctr">
+                      <a:solidFill>
+                        <a:schemeClr val="tx1"/>
+                      </a:solidFill>
+                      <a:prstDash val="solid"/>
+                      <a:round/>
+                      <a:headEnd type="none" w="med" len="med"/>
+                      <a:tailEnd type="none" w="med" len="med"/>
+                    </a:lnL>
+                    <a:lnR w="12700" cap="flat" cmpd="sng" algn="ctr">
+                      <a:solidFill>
+                        <a:schemeClr val="tx1"/>
+                      </a:solidFill>
+                      <a:prstDash val="solid"/>
+                      <a:round/>
+                      <a:headEnd type="none" w="med" len="med"/>
+                      <a:tailEnd type="none" w="med" len="med"/>
+                    </a:lnR>
+                    <a:lnT w="12700" cap="flat" cmpd="sng" algn="ctr">
+                      <a:solidFill>
+                        <a:schemeClr val="tx1"/>
+                      </a:solidFill>
+                      <a:prstDash val="solid"/>
+                      <a:round/>
+                      <a:headEnd type="none" w="med" len="med"/>
+                      <a:tailEnd type="none" w="med" len="med"/>
+                    </a:lnT>
+                    <a:lnB w="12700" cap="flat" cmpd="sng" algn="ctr">
+                      <a:solidFill>
+                        <a:schemeClr val="tx1"/>
+                      </a:solidFill>
+                      <a:prstDash val="solid"/>
+                      <a:round/>
+                      <a:headEnd type="none" w="med" len="med"/>
+                      <a:tailEnd type="none" w="med" len="med"/>
+                    </a:lnB>
+                  </a:tcPr>
+                </a:tc>
+                <a:tc hMerge="1">
+                  <a:txBody>
+                    <a:bodyPr/>
+                    <a:lstStyle/>
+                    <a:p>
+                      <a:endParaRPr lang="zh-CN" altLang="en-US"/>
+                    </a:p>
+                  </a:txBody>
+                  <a:tcPr>
+                    <a:lnL w="12700" cap="flat" cmpd="sng" algn="ctr">
+                      <a:solidFill>
+                        <a:schemeClr val="tx1"/>
+                      </a:solidFill>
+                      <a:prstDash val="solid"/>
+                      <a:round/>
+                      <a:headEnd type="none" w="med" len="med"/>
+                      <a:tailEnd type="none" w="med" len="med"/>
+                    </a:lnL>
+                    <a:lnR w="12700" cap="flat" cmpd="sng" algn="ctr">
+                      <a:solidFill>
+                        <a:schemeClr val="tx1"/>
+                      </a:solidFill>
+                      <a:prstDash val="solid"/>
+                      <a:round/>
+                      <a:headEnd type="none" w="med" len="med"/>
+                      <a:tailEnd type="none" w="med" len="med"/>
+                    </a:lnR>
+                    <a:lnT w="12700" cap="flat" cmpd="sng" algn="ctr">
+                      <a:solidFill>
+                        <a:schemeClr val="tx1"/>
+                      </a:solidFill>
+                      <a:prstDash val="solid"/>
+                      <a:round/>
+                      <a:headEnd type="none" w="med" len="med"/>
+                      <a:tailEnd type="none" w="med" len="med"/>
+                    </a:lnT>
+                    <a:lnB w="12700" cap="flat" cmpd="sng" algn="ctr">
+                      <a:solidFill>
+                        <a:schemeClr val="tx1"/>
+                      </a:solidFill>
+                      <a:prstDash val="solid"/>
+                      <a:round/>
+                      <a:headEnd type="none" w="med" len="med"/>
+                      <a:tailEnd type="none" w="med" len="med"/>
+                    </a:lnB>
+                  </a:tcPr>
+                </a:tc>
+                <a:extLst>
+                  <a:ext uri="{0D108BD9-81ED-4DB2-BD59-A6C34878D82A}">
+                    <a16:rowId xmlns:a16="http://schemas.microsoft.com/office/drawing/2014/main" val="3517854428"/>
+                  </a:ext>
+                </a:extLst>
+              </a:tr>
+              <a:tr h="370840">
+                <a:tc gridSpan="2">
+                  <a:txBody>
+                    <a:bodyPr/>
+                    <a:lstStyle/>
+                    <a:p>
+                      <a:pPr marL="0" marR="0" lvl="0" indent="0" algn="l" defTabSz="914400" rtl="0" eaLnBrk="1" fontAlgn="auto" latinLnBrk="0" hangingPunct="1">
+                        <a:lnSpc>
+                          <a:spcPct val="100000"/>
+                        </a:lnSpc>
+                        <a:spcBef>
+                          <a:spcPts val="0"/>
+                        </a:spcBef>
+                        <a:spcAft>
+                          <a:spcPts val="0"/>
+                        </a:spcAft>
+                        <a:buClrTx/>
+                        <a:buSzTx/>
+                        <a:buFontTx/>
+                        <a:buNone/>
+                        <a:tabLst/>
+                        <a:defRPr/>
+                      </a:pPr>
+                      <a:r>
+                        <a:rPr lang="en-US" altLang="zh-CN" b="1" dirty="0"/>
+                        <a:t>18:30~</a:t>
+                      </a:r>
+                      <a:endParaRPr lang="zh-CN" altLang="en-US" b="1" dirty="0"/>
+                    </a:p>
+                  </a:txBody>
+                  <a:tcPr>
+                    <a:lnL w="38100" cap="flat" cmpd="sng" algn="ctr">
+                      <a:noFill/>
+                      <a:prstDash val="solid"/>
+                      <a:round/>
+                      <a:headEnd type="none" w="med" len="med"/>
+                      <a:tailEnd type="none" w="med" len="med"/>
+                    </a:lnL>
+                    <a:lnR w="38100" cap="flat" cmpd="sng" algn="ctr">
+                      <a:noFill/>
+                      <a:prstDash val="solid"/>
+                      <a:round/>
+                      <a:headEnd type="none" w="med" len="med"/>
+                      <a:tailEnd type="none" w="med" len="med"/>
+                    </a:lnR>
+                    <a:lnT w="38100" cap="flat" cmpd="sng" algn="ctr">
+                      <a:noFill/>
+                      <a:prstDash val="solid"/>
+                      <a:round/>
+                      <a:headEnd type="none" w="med" len="med"/>
+                      <a:tailEnd type="none" w="med" len="med"/>
+                    </a:lnT>
+                    <a:lnB w="38100" cap="flat" cmpd="sng" algn="ctr">
+                      <a:noFill/>
+                      <a:prstDash val="solid"/>
+                      <a:round/>
+                      <a:headEnd type="none" w="med" len="med"/>
+                      <a:tailEnd type="none" w="med" len="med"/>
+                    </a:lnB>
+                    <a:lnTlToBr w="12700" cmpd="sng">
+                      <a:noFill/>
+                      <a:prstDash val="solid"/>
+                    </a:lnTlToBr>
+                    <a:lnBlToTr w="12700" cmpd="sng">
+                      <a:noFill/>
+                      <a:prstDash val="solid"/>
+                    </a:lnBlToTr>
+                  </a:tcPr>
+                </a:tc>
+                <a:tc hMerge="1">
+                  <a:txBody>
+                    <a:bodyPr/>
+                    <a:lstStyle/>
+                    <a:p>
+                      <a:endParaRPr lang="zh-CN" altLang="en-US"/>
+                    </a:p>
+                  </a:txBody>
+                  <a:tcPr/>
+                </a:tc>
+                <a:tc gridSpan="3">
+                  <a:txBody>
+                    <a:bodyPr/>
+                    <a:lstStyle/>
+                    <a:p>
+                      <a:pPr marL="0" marR="0" lvl="0" indent="0" algn="l" defTabSz="914400" rtl="0" eaLnBrk="1" fontAlgn="auto" latinLnBrk="0" hangingPunct="1">
+                        <a:lnSpc>
+                          <a:spcPct val="100000"/>
+                        </a:lnSpc>
+                        <a:spcBef>
+                          <a:spcPts val="0"/>
+                        </a:spcBef>
+                        <a:spcAft>
+                          <a:spcPts val="0"/>
+                        </a:spcAft>
+                        <a:buClrTx/>
+                        <a:buSzTx/>
+                        <a:buFontTx/>
+                        <a:buNone/>
+                        <a:tabLst/>
+                        <a:defRPr/>
+                      </a:pPr>
+                      <a:r>
+                        <a:rPr lang="en-US" altLang="zh-CN" sz="1800" b="1" i="0" kern="1200" dirty="0">
+                          <a:solidFill>
+                            <a:schemeClr val="dk1"/>
+                          </a:solidFill>
+                          <a:effectLst/>
+                          <a:latin typeface="+mn-lt"/>
+                          <a:ea typeface="+mn-ea"/>
+                          <a:cs typeface="+mn-cs"/>
+                        </a:rPr>
+                        <a:t>Dinner &amp; Awards Presentation</a:t>
+                      </a:r>
+                    </a:p>
+                  </a:txBody>
+                  <a:tcPr>
+                    <a:lnL w="12700" cap="flat" cmpd="sng" algn="ctr">
+                      <a:noFill/>
+                      <a:prstDash val="solid"/>
+                      <a:round/>
+                      <a:headEnd type="none" w="med" len="med"/>
+                      <a:tailEnd type="none" w="med" len="med"/>
+                    </a:lnL>
+                    <a:lnR w="38100" cap="flat" cmpd="sng" algn="ctr">
+                      <a:noFill/>
+                      <a:prstDash val="solid"/>
+                      <a:round/>
+                      <a:headEnd type="none" w="med" len="med"/>
+                      <a:tailEnd type="none" w="med" len="med"/>
+                    </a:lnR>
+                    <a:lnT w="38100" cap="flat" cmpd="sng" algn="ctr">
+                      <a:noFill/>
+                      <a:prstDash val="solid"/>
+                      <a:round/>
+                      <a:headEnd type="none" w="med" len="med"/>
+                      <a:tailEnd type="none" w="med" len="med"/>
+                    </a:lnT>
+                    <a:lnB w="38100" cap="flat" cmpd="sng" algn="ctr">
+                      <a:noFill/>
+                      <a:prstDash val="solid"/>
+                      <a:round/>
+                      <a:headEnd type="none" w="med" len="med"/>
+                      <a:tailEnd type="none" w="med" len="med"/>
+                    </a:lnB>
+                  </a:tcPr>
+                </a:tc>
+                <a:tc hMerge="1">
+                  <a:txBody>
+                    <a:bodyPr/>
+                    <a:lstStyle/>
+                    <a:p>
+                      <a:endParaRPr lang="zh-CN" altLang="en-US"/>
+                    </a:p>
+                  </a:txBody>
+                  <a:tcPr/>
+                </a:tc>
+                <a:tc hMerge="1">
+                  <a:txBody>
+                    <a:bodyPr/>
+                    <a:lstStyle/>
+                    <a:p>
+                      <a:endParaRPr lang="zh-CN" altLang="en-US"/>
+                    </a:p>
+                  </a:txBody>
+                  <a:tcPr/>
+                </a:tc>
+                <a:extLst>
+                  <a:ext uri="{0D108BD9-81ED-4DB2-BD59-A6C34878D82A}">
+                    <a16:rowId xmlns:a16="http://schemas.microsoft.com/office/drawing/2014/main" val="1124406942"/>
                   </a:ext>
                 </a:extLst>
               </a:tr>
@@ -8641,14 +8394,14 @@
           <p:nvPr>
             <p:extLst>
               <p:ext uri="{D42A27DB-BD31-4B8C-83A1-F6EECF244321}">
-                <p14:modId xmlns:p14="http://schemas.microsoft.com/office/powerpoint/2010/main" val="632441339"/>
+                <p14:modId xmlns:p14="http://schemas.microsoft.com/office/powerpoint/2010/main" val="2232333679"/>
               </p:ext>
             </p:extLst>
           </p:nvPr>
         </p:nvGraphicFramePr>
         <p:xfrm>
           <a:off x="2165163" y="0"/>
-          <a:ext cx="8128000" cy="9596120"/>
+          <a:ext cx="8128000" cy="9225280"/>
         </p:xfrm>
         <a:graphic>
           <a:graphicData uri="http://schemas.openxmlformats.org/drawingml/2006/table">
@@ -8664,17 +8417,10 @@
                     </a:ext>
                   </a:extLst>
                 </a:gridCol>
-                <a:gridCol w="1047567">
+                <a:gridCol w="1625600">
                   <a:extLst>
                     <a:ext uri="{9D8B030D-6E8A-4147-A177-3AD203B41FA5}">
                       <a16:colId xmlns:a16="http://schemas.microsoft.com/office/drawing/2014/main" val="3661055256"/>
-                    </a:ext>
-                  </a:extLst>
-                </a:gridCol>
-                <a:gridCol w="578033">
-                  <a:extLst>
-                    <a:ext uri="{9D8B030D-6E8A-4147-A177-3AD203B41FA5}">
-                      <a16:colId xmlns:a16="http://schemas.microsoft.com/office/drawing/2014/main" val="2505159658"/>
                     </a:ext>
                   </a:extLst>
                 </a:gridCol>
@@ -8701,7 +8447,7 @@
                 </a:gridCol>
               </a:tblGrid>
               <a:tr h="370840">
-                <a:tc gridSpan="6">
+                <a:tc gridSpan="5">
                   <a:txBody>
                     <a:bodyPr/>
                     <a:lstStyle/>
@@ -8741,16 +8487,6 @@
                         <a:t>2023</a:t>
                       </a:r>
                       <a:endParaRPr lang="zh-CN" altLang="en-US" b="1" dirty="0"/>
-                    </a:p>
-                  </a:txBody>
-                  <a:tcPr/>
-                </a:tc>
-                <a:tc hMerge="1">
-                  <a:txBody>
-                    <a:bodyPr/>
-                    <a:lstStyle/>
-                    <a:p>
-                      <a:endParaRPr lang="zh-CN" altLang="en-US"/>
                     </a:p>
                   </a:txBody>
                   <a:tcPr/>
@@ -8792,7 +8528,38 @@
                 </a:extLst>
               </a:tr>
               <a:tr h="370840">
-                <a:tc gridSpan="3">
+                <a:tc gridSpan="2">
+                  <a:txBody>
+                    <a:bodyPr/>
+                    <a:lstStyle/>
+                    <a:p>
+                      <a:pPr marL="0" marR="0" lvl="0" indent="0" algn="l" defTabSz="914400" rtl="0" eaLnBrk="1" fontAlgn="auto" latinLnBrk="0" hangingPunct="1">
+                        <a:lnSpc>
+                          <a:spcPct val="100000"/>
+                        </a:lnSpc>
+                        <a:spcBef>
+                          <a:spcPts val="0"/>
+                        </a:spcBef>
+                        <a:spcAft>
+                          <a:spcPts val="0"/>
+                        </a:spcAft>
+                        <a:buClrTx/>
+                        <a:buSzTx/>
+                        <a:buFontTx/>
+                        <a:buNone/>
+                        <a:tabLst/>
+                        <a:defRPr/>
+                      </a:pPr>
+                      <a:r>
+                        <a:rPr lang="en-US" altLang="zh-CN" b="1" dirty="0"/>
+                        <a:t>08:30-10:00</a:t>
+                      </a:r>
+                      <a:endParaRPr lang="zh-CN" altLang="en-US" b="1" dirty="0"/>
+                    </a:p>
+                  </a:txBody>
+                  <a:tcPr/>
+                </a:tc>
+                <a:tc hMerge="1">
                   <a:txBody>
                     <a:bodyPr/>
                     <a:lstStyle/>
@@ -8823,74 +8590,28 @@
                   </a:txBody>
                   <a:tcPr/>
                 </a:tc>
-                <a:tc hMerge="1">
-                  <a:txBody>
-                    <a:bodyPr/>
-                    <a:lstStyle/>
-                    <a:p>
-                      <a:pPr marL="0" marR="0" lvl="0" indent="0" algn="l" defTabSz="914400" rtl="0" eaLnBrk="1" fontAlgn="auto" latinLnBrk="0" hangingPunct="1">
-                        <a:lnSpc>
-                          <a:spcPct val="100000"/>
-                        </a:lnSpc>
-                        <a:spcBef>
-                          <a:spcPts val="0"/>
-                        </a:spcBef>
-                        <a:spcAft>
-                          <a:spcPts val="0"/>
-                        </a:spcAft>
-                        <a:buClrTx/>
-                        <a:buSzTx/>
-                        <a:buFontTx/>
-                        <a:buNone/>
-                        <a:tabLst/>
-                        <a:defRPr/>
-                      </a:pPr>
+                <a:tc gridSpan="3">
+                  <a:txBody>
+                    <a:bodyPr/>
+                    <a:lstStyle/>
+                    <a:p>
                       <a:r>
                         <a:rPr lang="en-US" altLang="zh-CN" b="1" dirty="0"/>
-                        <a:t>08:30-10:10</a:t>
-                      </a:r>
-                      <a:endParaRPr lang="zh-CN" altLang="en-US" b="1" dirty="0"/>
-                    </a:p>
-                  </a:txBody>
-                  <a:tcPr/>
-                </a:tc>
-                <a:tc hMerge="1">
-                  <a:txBody>
-                    <a:bodyPr/>
-                    <a:lstStyle/>
-                    <a:p>
-                      <a:pPr marL="0" marR="0" lvl="0" indent="0" algn="l" defTabSz="914400" rtl="0" eaLnBrk="1" fontAlgn="auto" latinLnBrk="0" hangingPunct="1">
-                        <a:lnSpc>
-                          <a:spcPct val="100000"/>
-                        </a:lnSpc>
-                        <a:spcBef>
-                          <a:spcPts val="0"/>
-                        </a:spcBef>
-                        <a:spcAft>
-                          <a:spcPts val="0"/>
-                        </a:spcAft>
-                        <a:buClrTx/>
-                        <a:buSzTx/>
-                        <a:buFontTx/>
-                        <a:buNone/>
-                        <a:tabLst/>
-                        <a:defRPr/>
-                      </a:pPr>
-                      <a:endParaRPr lang="zh-CN" altLang="en-US" b="1" dirty="0"/>
-                    </a:p>
-                  </a:txBody>
-                  <a:tcPr/>
-                </a:tc>
-                <a:tc gridSpan="3">
-                  <a:txBody>
-                    <a:bodyPr/>
-                    <a:lstStyle/>
-                    <a:p>
-                      <a:r>
-                        <a:rPr lang="en-US" altLang="zh-CN" b="1"/>
-                        <a:t>Plenary Speech</a:t>
-                      </a:r>
-                      <a:endParaRPr lang="zh-CN" altLang="en-US"/>
+                        <a:t>Plenary Speech </a:t>
+                      </a:r>
+                      <a:r>
+                        <a:rPr lang="en-US" altLang="zh-CN" sz="1800" b="1" kern="1200" dirty="0">
+                          <a:solidFill>
+                            <a:schemeClr val="dk1"/>
+                          </a:solidFill>
+                          <a:effectLst/>
+                          <a:latin typeface="+mn-lt"/>
+                          <a:ea typeface="+mn-ea"/>
+                          <a:cs typeface="+mn-cs"/>
+                        </a:rPr>
+                        <a:t>III</a:t>
+                      </a:r>
+                      <a:endParaRPr lang="zh-CN" altLang="en-US" dirty="0"/>
                     </a:p>
                   </a:txBody>
                   <a:tcPr/>
@@ -8922,7 +8643,38 @@
                 </a:extLst>
               </a:tr>
               <a:tr h="370840">
-                <a:tc gridSpan="3">
+                <a:tc gridSpan="2">
+                  <a:txBody>
+                    <a:bodyPr/>
+                    <a:lstStyle/>
+                    <a:p>
+                      <a:pPr marL="0" marR="0" lvl="0" indent="0" algn="l" defTabSz="914400" rtl="0" eaLnBrk="1" fontAlgn="auto" latinLnBrk="0" hangingPunct="1">
+                        <a:lnSpc>
+                          <a:spcPct val="100000"/>
+                        </a:lnSpc>
+                        <a:spcBef>
+                          <a:spcPts val="0"/>
+                        </a:spcBef>
+                        <a:spcAft>
+                          <a:spcPts val="0"/>
+                        </a:spcAft>
+                        <a:buClrTx/>
+                        <a:buSzTx/>
+                        <a:buFontTx/>
+                        <a:buNone/>
+                        <a:tabLst/>
+                        <a:defRPr/>
+                      </a:pPr>
+                      <a:r>
+                        <a:rPr lang="en-US" altLang="zh-CN" b="1" dirty="0"/>
+                        <a:t>10:00-10:15</a:t>
+                      </a:r>
+                      <a:endParaRPr lang="zh-CN" altLang="en-US" b="1" dirty="0"/>
+                    </a:p>
+                  </a:txBody>
+                  <a:tcPr/>
+                </a:tc>
+                <a:tc hMerge="1">
                   <a:txBody>
                     <a:bodyPr/>
                     <a:lstStyle/>
@@ -8953,74 +8705,16 @@
                   </a:txBody>
                   <a:tcPr/>
                 </a:tc>
-                <a:tc hMerge="1">
-                  <a:txBody>
-                    <a:bodyPr/>
-                    <a:lstStyle/>
-                    <a:p>
-                      <a:pPr marL="0" marR="0" lvl="0" indent="0" algn="l" defTabSz="914400" rtl="0" eaLnBrk="1" fontAlgn="auto" latinLnBrk="0" hangingPunct="1">
-                        <a:lnSpc>
-                          <a:spcPct val="100000"/>
-                        </a:lnSpc>
-                        <a:spcBef>
-                          <a:spcPts val="0"/>
-                        </a:spcBef>
-                        <a:spcAft>
-                          <a:spcPts val="0"/>
-                        </a:spcAft>
-                        <a:buClrTx/>
-                        <a:buSzTx/>
-                        <a:buFontTx/>
-                        <a:buNone/>
-                        <a:tabLst/>
-                        <a:defRPr/>
-                      </a:pPr>
+                <a:tc gridSpan="3">
+                  <a:txBody>
+                    <a:bodyPr/>
+                    <a:lstStyle/>
+                    <a:p>
                       <a:r>
                         <a:rPr lang="en-US" altLang="zh-CN" b="1" dirty="0"/>
-                        <a:t>10:10-10:35</a:t>
-                      </a:r>
-                      <a:endParaRPr lang="zh-CN" altLang="en-US" b="1" dirty="0"/>
-                    </a:p>
-                  </a:txBody>
-                  <a:tcPr/>
-                </a:tc>
-                <a:tc hMerge="1">
-                  <a:txBody>
-                    <a:bodyPr/>
-                    <a:lstStyle/>
-                    <a:p>
-                      <a:pPr marL="0" marR="0" lvl="0" indent="0" algn="l" defTabSz="914400" rtl="0" eaLnBrk="1" fontAlgn="auto" latinLnBrk="0" hangingPunct="1">
-                        <a:lnSpc>
-                          <a:spcPct val="100000"/>
-                        </a:lnSpc>
-                        <a:spcBef>
-                          <a:spcPts val="0"/>
-                        </a:spcBef>
-                        <a:spcAft>
-                          <a:spcPts val="0"/>
-                        </a:spcAft>
-                        <a:buClrTx/>
-                        <a:buSzTx/>
-                        <a:buFontTx/>
-                        <a:buNone/>
-                        <a:tabLst/>
-                        <a:defRPr/>
-                      </a:pPr>
-                      <a:endParaRPr lang="zh-CN" altLang="en-US" b="1" dirty="0"/>
-                    </a:p>
-                  </a:txBody>
-                  <a:tcPr/>
-                </a:tc>
-                <a:tc gridSpan="3">
-                  <a:txBody>
-                    <a:bodyPr/>
-                    <a:lstStyle/>
-                    <a:p>
-                      <a:r>
-                        <a:rPr lang="en-US" altLang="zh-CN" b="1"/>
-                        <a:t>Coffee &amp; Tea Break</a:t>
-                      </a:r>
-                      <a:endParaRPr lang="zh-CN" altLang="en-US"/>
+                        <a:t>Photograph &amp; Coffee &amp; Tea Break</a:t>
+                      </a:r>
+                      <a:endParaRPr lang="zh-CN" altLang="en-US" dirty="0"/>
                     </a:p>
                   </a:txBody>
                   <a:tcPr/>
@@ -9052,7 +8746,38 @@
                 </a:extLst>
               </a:tr>
               <a:tr h="370840">
-                <a:tc gridSpan="3">
+                <a:tc gridSpan="2">
+                  <a:txBody>
+                    <a:bodyPr/>
+                    <a:lstStyle/>
+                    <a:p>
+                      <a:pPr marL="0" marR="0" lvl="0" indent="0" algn="l" defTabSz="914400" rtl="0" eaLnBrk="1" fontAlgn="auto" latinLnBrk="0" hangingPunct="1">
+                        <a:lnSpc>
+                          <a:spcPct val="100000"/>
+                        </a:lnSpc>
+                        <a:spcBef>
+                          <a:spcPts val="0"/>
+                        </a:spcBef>
+                        <a:spcAft>
+                          <a:spcPts val="0"/>
+                        </a:spcAft>
+                        <a:buClrTx/>
+                        <a:buSzTx/>
+                        <a:buFontTx/>
+                        <a:buNone/>
+                        <a:tabLst/>
+                        <a:defRPr/>
+                      </a:pPr>
+                      <a:r>
+                        <a:rPr lang="en-US" altLang="zh-CN" b="1" dirty="0"/>
+                        <a:t>10:15-11:45</a:t>
+                      </a:r>
+                      <a:endParaRPr lang="zh-CN" altLang="en-US" b="1" dirty="0"/>
+                    </a:p>
+                  </a:txBody>
+                  <a:tcPr/>
+                </a:tc>
+                <a:tc hMerge="1">
                   <a:txBody>
                     <a:bodyPr/>
                     <a:lstStyle/>
@@ -9083,74 +8808,16 @@
                   </a:txBody>
                   <a:tcPr/>
                 </a:tc>
-                <a:tc hMerge="1">
-                  <a:txBody>
-                    <a:bodyPr/>
-                    <a:lstStyle/>
-                    <a:p>
-                      <a:pPr marL="0" marR="0" lvl="0" indent="0" algn="l" defTabSz="914400" rtl="0" eaLnBrk="1" fontAlgn="auto" latinLnBrk="0" hangingPunct="1">
-                        <a:lnSpc>
-                          <a:spcPct val="100000"/>
-                        </a:lnSpc>
-                        <a:spcBef>
-                          <a:spcPts val="0"/>
-                        </a:spcBef>
-                        <a:spcAft>
-                          <a:spcPts val="0"/>
-                        </a:spcAft>
-                        <a:buClrTx/>
-                        <a:buSzTx/>
-                        <a:buFontTx/>
-                        <a:buNone/>
-                        <a:tabLst/>
-                        <a:defRPr/>
-                      </a:pPr>
+                <a:tc gridSpan="3">
+                  <a:txBody>
+                    <a:bodyPr/>
+                    <a:lstStyle/>
+                    <a:p>
                       <a:r>
                         <a:rPr lang="en-US" altLang="zh-CN" b="1" dirty="0"/>
-                        <a:t>10:35-11:15</a:t>
-                      </a:r>
-                      <a:endParaRPr lang="zh-CN" altLang="en-US" b="1" dirty="0"/>
-                    </a:p>
-                  </a:txBody>
-                  <a:tcPr/>
-                </a:tc>
-                <a:tc hMerge="1">
-                  <a:txBody>
-                    <a:bodyPr/>
-                    <a:lstStyle/>
-                    <a:p>
-                      <a:pPr marL="0" marR="0" lvl="0" indent="0" algn="l" defTabSz="914400" rtl="0" eaLnBrk="1" fontAlgn="auto" latinLnBrk="0" hangingPunct="1">
-                        <a:lnSpc>
-                          <a:spcPct val="100000"/>
-                        </a:lnSpc>
-                        <a:spcBef>
-                          <a:spcPts val="0"/>
-                        </a:spcBef>
-                        <a:spcAft>
-                          <a:spcPts val="0"/>
-                        </a:spcAft>
-                        <a:buClrTx/>
-                        <a:buSzTx/>
-                        <a:buFontTx/>
-                        <a:buNone/>
-                        <a:tabLst/>
-                        <a:defRPr/>
-                      </a:pPr>
-                      <a:endParaRPr lang="zh-CN" altLang="en-US" b="1" dirty="0"/>
-                    </a:p>
-                  </a:txBody>
-                  <a:tcPr/>
-                </a:tc>
-                <a:tc gridSpan="3">
-                  <a:txBody>
-                    <a:bodyPr/>
-                    <a:lstStyle/>
-                    <a:p>
-                      <a:r>
-                        <a:rPr lang="en-US" altLang="zh-CN" b="1"/>
-                        <a:t>Plenary Speech</a:t>
-                      </a:r>
-                      <a:endParaRPr lang="zh-CN" altLang="en-US"/>
+                        <a:t>Plenary Speech IV</a:t>
+                      </a:r>
+                      <a:endParaRPr lang="zh-CN" altLang="en-US" dirty="0"/>
                     </a:p>
                   </a:txBody>
                   <a:tcPr/>
@@ -9182,7 +8849,7 @@
                 </a:extLst>
               </a:tr>
               <a:tr h="370840">
-                <a:tc gridSpan="3">
+                <a:tc gridSpan="2">
                   <a:txBody>
                     <a:bodyPr/>
                     <a:lstStyle/>
@@ -9206,7 +8873,7 @@
                       </a:pPr>
                       <a:r>
                         <a:rPr lang="en-US" altLang="zh-CN" b="1" dirty="0"/>
-                        <a:t>11:15-12:15</a:t>
+                        <a:t>11:45-14:00</a:t>
                       </a:r>
                       <a:endParaRPr lang="zh-CN" altLang="en-US" b="1" dirty="0"/>
                     </a:p>
@@ -9214,105 +8881,6 @@
                   <a:tcPr/>
                 </a:tc>
                 <a:tc hMerge="1">
-                  <a:txBody>
-                    <a:bodyPr/>
-                    <a:lstStyle/>
-                    <a:p>
-                      <a:pPr marL="0" marR="0" lvl="0" indent="0" algn="l" defTabSz="914400" rtl="0" eaLnBrk="1" fontAlgn="auto" latinLnBrk="0" hangingPunct="1">
-                        <a:lnSpc>
-                          <a:spcPct val="100000"/>
-                        </a:lnSpc>
-                        <a:spcBef>
-                          <a:spcPts val="0"/>
-                        </a:spcBef>
-                        <a:spcAft>
-                          <a:spcPts val="0"/>
-                        </a:spcAft>
-                        <a:buClrTx/>
-                        <a:buSzTx/>
-                        <a:buFontTx/>
-                        <a:buNone/>
-                        <a:tabLst/>
-                        <a:defRPr/>
-                      </a:pPr>
-                      <a:r>
-                        <a:rPr lang="en-US" altLang="zh-CN" b="1" dirty="0"/>
-                        <a:t>11:15-12:15</a:t>
-                      </a:r>
-                      <a:endParaRPr lang="zh-CN" altLang="en-US" b="1" dirty="0"/>
-                    </a:p>
-                  </a:txBody>
-                  <a:tcPr/>
-                </a:tc>
-                <a:tc hMerge="1">
-                  <a:txBody>
-                    <a:bodyPr/>
-                    <a:lstStyle/>
-                    <a:p>
-                      <a:pPr marL="0" marR="0" lvl="0" indent="0" algn="l" defTabSz="914400" rtl="0" eaLnBrk="1" fontAlgn="auto" latinLnBrk="0" hangingPunct="1">
-                        <a:lnSpc>
-                          <a:spcPct val="100000"/>
-                        </a:lnSpc>
-                        <a:spcBef>
-                          <a:spcPts val="0"/>
-                        </a:spcBef>
-                        <a:spcAft>
-                          <a:spcPts val="0"/>
-                        </a:spcAft>
-                        <a:buClrTx/>
-                        <a:buSzTx/>
-                        <a:buFontTx/>
-                        <a:buNone/>
-                        <a:tabLst/>
-                        <a:defRPr/>
-                      </a:pPr>
-                      <a:endParaRPr lang="zh-CN" altLang="en-US" b="1" dirty="0"/>
-                    </a:p>
-                  </a:txBody>
-                  <a:tcPr/>
-                </a:tc>
-                <a:tc gridSpan="3">
-                  <a:txBody>
-                    <a:bodyPr/>
-                    <a:lstStyle/>
-                    <a:p>
-                      <a:r>
-                        <a:rPr lang="en-US" altLang="zh-CN" b="1" dirty="0"/>
-                        <a:t>Keynote Speech</a:t>
-                      </a:r>
-                      <a:endParaRPr lang="zh-CN" altLang="en-US" dirty="0"/>
-                    </a:p>
-                  </a:txBody>
-                  <a:tcPr/>
-                </a:tc>
-                <a:tc hMerge="1">
-                  <a:txBody>
-                    <a:bodyPr/>
-                    <a:lstStyle/>
-                    <a:p>
-                      <a:endParaRPr lang="zh-CN" altLang="en-US"/>
-                    </a:p>
-                  </a:txBody>
-                  <a:tcPr/>
-                </a:tc>
-                <a:tc hMerge="1">
-                  <a:txBody>
-                    <a:bodyPr/>
-                    <a:lstStyle/>
-                    <a:p>
-                      <a:endParaRPr lang="zh-CN" altLang="en-US"/>
-                    </a:p>
-                  </a:txBody>
-                  <a:tcPr/>
-                </a:tc>
-                <a:extLst>
-                  <a:ext uri="{0D108BD9-81ED-4DB2-BD59-A6C34878D82A}">
-                    <a16:rowId xmlns:a16="http://schemas.microsoft.com/office/drawing/2014/main" val="151815418"/>
-                  </a:ext>
-                </a:extLst>
-              </a:tr>
-              <a:tr h="370840">
-                <a:tc gridSpan="3">
                   <a:txBody>
                     <a:bodyPr/>
                     <a:lstStyle/>
@@ -9343,74 +8911,16 @@
                   </a:txBody>
                   <a:tcPr/>
                 </a:tc>
-                <a:tc hMerge="1">
-                  <a:txBody>
-                    <a:bodyPr/>
-                    <a:lstStyle/>
-                    <a:p>
-                      <a:pPr marL="0" marR="0" lvl="0" indent="0" algn="l" defTabSz="914400" rtl="0" eaLnBrk="1" fontAlgn="auto" latinLnBrk="0" hangingPunct="1">
-                        <a:lnSpc>
-                          <a:spcPct val="100000"/>
-                        </a:lnSpc>
-                        <a:spcBef>
-                          <a:spcPts val="0"/>
-                        </a:spcBef>
-                        <a:spcAft>
-                          <a:spcPts val="0"/>
-                        </a:spcAft>
-                        <a:buClrTx/>
-                        <a:buSzTx/>
-                        <a:buFontTx/>
-                        <a:buNone/>
-                        <a:tabLst/>
-                        <a:defRPr/>
-                      </a:pPr>
+                <a:tc gridSpan="3">
+                  <a:txBody>
+                    <a:bodyPr/>
+                    <a:lstStyle/>
+                    <a:p>
                       <a:r>
                         <a:rPr lang="en-US" altLang="zh-CN" b="1" dirty="0"/>
-                        <a:t>12:15-13:30</a:t>
-                      </a:r>
-                      <a:endParaRPr lang="zh-CN" altLang="en-US" b="1" dirty="0"/>
-                    </a:p>
-                  </a:txBody>
-                  <a:tcPr/>
-                </a:tc>
-                <a:tc hMerge="1">
-                  <a:txBody>
-                    <a:bodyPr/>
-                    <a:lstStyle/>
-                    <a:p>
-                      <a:pPr marL="0" marR="0" lvl="0" indent="0" algn="l" defTabSz="914400" rtl="0" eaLnBrk="1" fontAlgn="auto" latinLnBrk="0" hangingPunct="1">
-                        <a:lnSpc>
-                          <a:spcPct val="100000"/>
-                        </a:lnSpc>
-                        <a:spcBef>
-                          <a:spcPts val="0"/>
-                        </a:spcBef>
-                        <a:spcAft>
-                          <a:spcPts val="0"/>
-                        </a:spcAft>
-                        <a:buClrTx/>
-                        <a:buSzTx/>
-                        <a:buFontTx/>
-                        <a:buNone/>
-                        <a:tabLst/>
-                        <a:defRPr/>
-                      </a:pPr>
-                      <a:endParaRPr lang="zh-CN" altLang="en-US" b="1" dirty="0"/>
-                    </a:p>
-                  </a:txBody>
-                  <a:tcPr/>
-                </a:tc>
-                <a:tc gridSpan="3">
-                  <a:txBody>
-                    <a:bodyPr/>
-                    <a:lstStyle/>
-                    <a:p>
-                      <a:r>
-                        <a:rPr lang="en-US" altLang="zh-CN" b="1"/>
                         <a:t>Lunch &amp; Break</a:t>
                       </a:r>
-                      <a:endParaRPr lang="zh-CN" altLang="en-US"/>
+                      <a:endParaRPr lang="zh-CN" altLang="en-US" dirty="0"/>
                     </a:p>
                   </a:txBody>
                   <a:tcPr/>
@@ -9442,7 +8952,48 @@
                 </a:extLst>
               </a:tr>
               <a:tr h="370840">
-                <a:tc gridSpan="3">
+                <a:tc gridSpan="2">
+                  <a:txBody>
+                    <a:bodyPr/>
+                    <a:lstStyle/>
+                    <a:p>
+                      <a:pPr marL="0" marR="0" lvl="0" indent="0" algn="l" defTabSz="914400" rtl="0" eaLnBrk="1" fontAlgn="auto" latinLnBrk="0" hangingPunct="1">
+                        <a:lnSpc>
+                          <a:spcPct val="100000"/>
+                        </a:lnSpc>
+                        <a:spcBef>
+                          <a:spcPts val="0"/>
+                        </a:spcBef>
+                        <a:spcAft>
+                          <a:spcPts val="0"/>
+                        </a:spcAft>
+                        <a:buClrTx/>
+                        <a:buSzTx/>
+                        <a:buFontTx/>
+                        <a:buNone/>
+                        <a:tabLst/>
+                        <a:defRPr/>
+                      </a:pPr>
+                      <a:r>
+                        <a:rPr lang="en-US" altLang="zh-CN" b="1" dirty="0"/>
+                        <a:t>14:00-15:45</a:t>
+                      </a:r>
+                      <a:endParaRPr lang="zh-CN" altLang="en-US" b="1" dirty="0"/>
+                    </a:p>
+                  </a:txBody>
+                  <a:tcPr>
+                    <a:lnB w="28575" cap="flat" cmpd="sng" algn="ctr">
+                      <a:solidFill>
+                        <a:schemeClr val="tx1"/>
+                      </a:solidFill>
+                      <a:prstDash val="solid"/>
+                      <a:round/>
+                      <a:headEnd type="none" w="med" len="med"/>
+                      <a:tailEnd type="none" w="med" len="med"/>
+                    </a:lnB>
+                  </a:tcPr>
+                </a:tc>
+                <a:tc hMerge="1">
                   <a:txBody>
                     <a:bodyPr/>
                     <a:lstStyle/>
@@ -9471,84 +9022,16 @@
                       <a:endParaRPr lang="zh-CN" altLang="en-US" b="1" dirty="0"/>
                     </a:p>
                   </a:txBody>
-                  <a:tcPr>
-                    <a:lnB w="28575" cap="flat" cmpd="sng" algn="ctr">
-                      <a:solidFill>
-                        <a:schemeClr val="tx1"/>
-                      </a:solidFill>
-                      <a:prstDash val="solid"/>
-                      <a:round/>
-                      <a:headEnd type="none" w="med" len="med"/>
-                      <a:tailEnd type="none" w="med" len="med"/>
-                    </a:lnB>
-                  </a:tcPr>
-                </a:tc>
-                <a:tc hMerge="1">
-                  <a:txBody>
-                    <a:bodyPr/>
-                    <a:lstStyle/>
-                    <a:p>
-                      <a:pPr marL="0" marR="0" lvl="0" indent="0" algn="l" defTabSz="914400" rtl="0" eaLnBrk="1" fontAlgn="auto" latinLnBrk="0" hangingPunct="1">
-                        <a:lnSpc>
-                          <a:spcPct val="100000"/>
-                        </a:lnSpc>
-                        <a:spcBef>
-                          <a:spcPts val="0"/>
-                        </a:spcBef>
-                        <a:spcAft>
-                          <a:spcPts val="0"/>
-                        </a:spcAft>
-                        <a:buClrTx/>
-                        <a:buSzTx/>
-                        <a:buFontTx/>
-                        <a:buNone/>
-                        <a:tabLst/>
-                        <a:defRPr/>
-                      </a:pPr>
+                  <a:tcPr/>
+                </a:tc>
+                <a:tc gridSpan="3">
+                  <a:txBody>
+                    <a:bodyPr/>
+                    <a:lstStyle/>
+                    <a:p>
                       <a:r>
                         <a:rPr lang="en-US" altLang="zh-CN" b="1" dirty="0"/>
-                        <a:t>13:30-15:30</a:t>
-                      </a:r>
-                      <a:endParaRPr lang="zh-CN" altLang="en-US" b="1" dirty="0"/>
-                    </a:p>
-                  </a:txBody>
-                  <a:tcPr/>
-                </a:tc>
-                <a:tc hMerge="1">
-                  <a:txBody>
-                    <a:bodyPr/>
-                    <a:lstStyle/>
-                    <a:p>
-                      <a:pPr marL="0" marR="0" lvl="0" indent="0" algn="l" defTabSz="914400" rtl="0" eaLnBrk="1" fontAlgn="auto" latinLnBrk="0" hangingPunct="1">
-                        <a:lnSpc>
-                          <a:spcPct val="100000"/>
-                        </a:lnSpc>
-                        <a:spcBef>
-                          <a:spcPts val="0"/>
-                        </a:spcBef>
-                        <a:spcAft>
-                          <a:spcPts val="0"/>
-                        </a:spcAft>
-                        <a:buClrTx/>
-                        <a:buSzTx/>
-                        <a:buFontTx/>
-                        <a:buNone/>
-                        <a:tabLst/>
-                        <a:defRPr/>
-                      </a:pPr>
-                      <a:endParaRPr lang="zh-CN" altLang="en-US" b="1" dirty="0"/>
-                    </a:p>
-                  </a:txBody>
-                  <a:tcPr/>
-                </a:tc>
-                <a:tc gridSpan="3">
-                  <a:txBody>
-                    <a:bodyPr/>
-                    <a:lstStyle/>
-                    <a:p>
-                      <a:r>
-                        <a:rPr lang="en-US" altLang="zh-CN" b="1" dirty="0"/>
-                        <a:t>Session</a:t>
+                        <a:t>Oral Presentation</a:t>
                       </a:r>
                       <a:r>
                         <a:rPr lang="en-US" altLang="zh-CN" b="1" baseline="0" dirty="0"/>
@@ -9678,7 +9161,7 @@
                     </a:lnB>
                   </a:tcPr>
                 </a:tc>
-                <a:tc gridSpan="2">
+                <a:tc>
                   <a:txBody>
                     <a:bodyPr/>
                     <a:lstStyle/>
@@ -9760,88 +9243,6 @@
                     </a:lnB>
                   </a:tcPr>
                 </a:tc>
-                <a:tc hMerge="1">
-                  <a:txBody>
-                    <a:bodyPr/>
-                    <a:lstStyle/>
-                    <a:p>
-                      <a:pPr marL="0" marR="0" lvl="0" indent="0" algn="ctr" defTabSz="914400" rtl="0" eaLnBrk="1" fontAlgn="auto" latinLnBrk="0" hangingPunct="1">
-                        <a:lnSpc>
-                          <a:spcPct val="100000"/>
-                        </a:lnSpc>
-                        <a:spcBef>
-                          <a:spcPts val="0"/>
-                        </a:spcBef>
-                        <a:spcAft>
-                          <a:spcPts val="0"/>
-                        </a:spcAft>
-                        <a:buClrTx/>
-                        <a:buSzTx/>
-                        <a:buFontTx/>
-                        <a:buNone/>
-                        <a:tabLst/>
-                        <a:defRPr/>
-                      </a:pPr>
-                      <a:r>
-                        <a:rPr lang="en-US" altLang="zh-CN" sz="1600" b="1" kern="1200">
-                          <a:solidFill>
-                            <a:schemeClr val="dk1"/>
-                          </a:solidFill>
-                          <a:latin typeface="+mn-lt"/>
-                          <a:ea typeface="+mn-ea"/>
-                          <a:cs typeface="+mn-cs"/>
-                        </a:rPr>
-                        <a:t>S17</a:t>
-                      </a:r>
-                      <a:endParaRPr lang="zh-CN" altLang="en-US" sz="1600" b="1" kern="1200" dirty="0">
-                        <a:solidFill>
-                          <a:schemeClr val="dk1"/>
-                        </a:solidFill>
-                        <a:latin typeface="+mn-lt"/>
-                        <a:ea typeface="+mn-ea"/>
-                        <a:cs typeface="+mn-cs"/>
-                      </a:endParaRPr>
-                    </a:p>
-                  </a:txBody>
-                  <a:tcPr>
-                    <a:lnL w="12700" cap="flat" cmpd="sng" algn="ctr">
-                      <a:solidFill>
-                        <a:schemeClr val="tx1"/>
-                      </a:solidFill>
-                      <a:prstDash val="solid"/>
-                      <a:round/>
-                      <a:headEnd type="none" w="med" len="med"/>
-                      <a:tailEnd type="none" w="med" len="med"/>
-                    </a:lnL>
-                    <a:lnR w="12700" cap="flat" cmpd="sng" algn="ctr">
-                      <a:solidFill>
-                        <a:schemeClr val="tx1"/>
-                      </a:solidFill>
-                      <a:prstDash val="solid"/>
-                      <a:round/>
-                      <a:headEnd type="none" w="med" len="med"/>
-                      <a:tailEnd type="none" w="med" len="med"/>
-                    </a:lnR>
-                    <a:lnT w="12700" cap="flat" cmpd="sng" algn="ctr">
-                      <a:solidFill>
-                        <a:schemeClr val="tx1"/>
-                      </a:solidFill>
-                      <a:prstDash val="solid"/>
-                      <a:round/>
-                      <a:headEnd type="none" w="med" len="med"/>
-                      <a:tailEnd type="none" w="med" len="med"/>
-                    </a:lnT>
-                    <a:lnB w="12700" cap="flat" cmpd="sng" algn="ctr">
-                      <a:solidFill>
-                        <a:schemeClr val="tx1"/>
-                      </a:solidFill>
-                      <a:prstDash val="solid"/>
-                      <a:round/>
-                      <a:headEnd type="none" w="med" len="med"/>
-                      <a:tailEnd type="none" w="med" len="med"/>
-                    </a:lnB>
-                  </a:tcPr>
-                </a:tc>
                 <a:tc>
                   <a:txBody>
                     <a:bodyPr/>
@@ -10177,7 +9578,7 @@
                     </a:lnB>
                   </a:tcPr>
                 </a:tc>
-                <a:tc gridSpan="2">
+                <a:tc>
                   <a:txBody>
                     <a:bodyPr/>
                     <a:lstStyle/>
@@ -10259,88 +9660,6 @@
                     </a:lnB>
                   </a:tcPr>
                 </a:tc>
-                <a:tc hMerge="1">
-                  <a:txBody>
-                    <a:bodyPr/>
-                    <a:lstStyle/>
-                    <a:p>
-                      <a:pPr marL="0" marR="0" lvl="0" indent="0" algn="ctr" defTabSz="914400" rtl="0" eaLnBrk="1" fontAlgn="auto" latinLnBrk="0" hangingPunct="1">
-                        <a:lnSpc>
-                          <a:spcPct val="100000"/>
-                        </a:lnSpc>
-                        <a:spcBef>
-                          <a:spcPts val="0"/>
-                        </a:spcBef>
-                        <a:spcAft>
-                          <a:spcPts val="0"/>
-                        </a:spcAft>
-                        <a:buClrTx/>
-                        <a:buSzTx/>
-                        <a:buFontTx/>
-                        <a:buNone/>
-                        <a:tabLst/>
-                        <a:defRPr/>
-                      </a:pPr>
-                      <a:r>
-                        <a:rPr lang="en-US" altLang="zh-CN" sz="1400" b="1" kern="1200">
-                          <a:solidFill>
-                            <a:schemeClr val="dk1"/>
-                          </a:solidFill>
-                          <a:latin typeface="+mn-lt"/>
-                          <a:ea typeface="+mn-ea"/>
-                          <a:cs typeface="+mn-cs"/>
-                        </a:rPr>
-                        <a:t>Robotic Tactile Sensation, Perception, and Applications</a:t>
-                      </a:r>
-                      <a:endParaRPr lang="zh-CN" altLang="en-US" sz="1400" b="1" kern="1200" dirty="0">
-                        <a:solidFill>
-                          <a:schemeClr val="dk1"/>
-                        </a:solidFill>
-                        <a:latin typeface="+mn-lt"/>
-                        <a:ea typeface="+mn-ea"/>
-                        <a:cs typeface="+mn-cs"/>
-                      </a:endParaRPr>
-                    </a:p>
-                  </a:txBody>
-                  <a:tcPr anchor="ctr">
-                    <a:lnL w="12700" cap="flat" cmpd="sng" algn="ctr">
-                      <a:solidFill>
-                        <a:schemeClr val="tx1"/>
-                      </a:solidFill>
-                      <a:prstDash val="solid"/>
-                      <a:round/>
-                      <a:headEnd type="none" w="med" len="med"/>
-                      <a:tailEnd type="none" w="med" len="med"/>
-                    </a:lnL>
-                    <a:lnR w="12700" cap="flat" cmpd="sng" algn="ctr">
-                      <a:solidFill>
-                        <a:schemeClr val="tx1"/>
-                      </a:solidFill>
-                      <a:prstDash val="solid"/>
-                      <a:round/>
-                      <a:headEnd type="none" w="med" len="med"/>
-                      <a:tailEnd type="none" w="med" len="med"/>
-                    </a:lnR>
-                    <a:lnT w="12700" cap="flat" cmpd="sng" algn="ctr">
-                      <a:solidFill>
-                        <a:schemeClr val="tx1"/>
-                      </a:solidFill>
-                      <a:prstDash val="solid"/>
-                      <a:round/>
-                      <a:headEnd type="none" w="med" len="med"/>
-                      <a:tailEnd type="none" w="med" len="med"/>
-                    </a:lnT>
-                    <a:lnB w="12700" cap="flat" cmpd="sng" algn="ctr">
-                      <a:solidFill>
-                        <a:schemeClr val="tx1"/>
-                      </a:solidFill>
-                      <a:prstDash val="solid"/>
-                      <a:round/>
-                      <a:headEnd type="none" w="med" len="med"/>
-                      <a:tailEnd type="none" w="med" len="med"/>
-                    </a:lnB>
-                  </a:tcPr>
-                </a:tc>
                 <a:tc>
                   <a:txBody>
                     <a:bodyPr/>
@@ -10669,7 +9988,7 @@
                     </a:lnBlToTr>
                   </a:tcPr>
                 </a:tc>
-                <a:tc gridSpan="2">
+                <a:tc>
                   <a:txBody>
                     <a:bodyPr/>
                     <a:lstStyle/>
@@ -10751,88 +10070,6 @@
                     </a:lnB>
                   </a:tcPr>
                 </a:tc>
-                <a:tc hMerge="1">
-                  <a:txBody>
-                    <a:bodyPr/>
-                    <a:lstStyle/>
-                    <a:p>
-                      <a:pPr marL="0" marR="0" lvl="0" indent="0" algn="ctr" defTabSz="914400" rtl="0" eaLnBrk="1" fontAlgn="auto" latinLnBrk="0" hangingPunct="1">
-                        <a:lnSpc>
-                          <a:spcPct val="100000"/>
-                        </a:lnSpc>
-                        <a:spcBef>
-                          <a:spcPts val="0"/>
-                        </a:spcBef>
-                        <a:spcAft>
-                          <a:spcPts val="0"/>
-                        </a:spcAft>
-                        <a:buClrTx/>
-                        <a:buSzTx/>
-                        <a:buFontTx/>
-                        <a:buNone/>
-                        <a:tabLst/>
-                        <a:defRPr/>
-                      </a:pPr>
-                      <a:r>
-                        <a:rPr lang="en-US" altLang="zh-CN" sz="1600" b="1" kern="1200">
-                          <a:solidFill>
-                            <a:schemeClr val="dk1"/>
-                          </a:solidFill>
-                          <a:latin typeface="+mn-lt"/>
-                          <a:ea typeface="+mn-ea"/>
-                          <a:cs typeface="+mn-cs"/>
-                        </a:rPr>
-                        <a:t>S21</a:t>
-                      </a:r>
-                      <a:endParaRPr lang="zh-CN" altLang="en-US" sz="1600" b="1" kern="1200" dirty="0">
-                        <a:solidFill>
-                          <a:schemeClr val="dk1"/>
-                        </a:solidFill>
-                        <a:latin typeface="+mn-lt"/>
-                        <a:ea typeface="+mn-ea"/>
-                        <a:cs typeface="+mn-cs"/>
-                      </a:endParaRPr>
-                    </a:p>
-                  </a:txBody>
-                  <a:tcPr>
-                    <a:lnL w="12700" cap="flat" cmpd="sng" algn="ctr">
-                      <a:solidFill>
-                        <a:schemeClr val="tx1"/>
-                      </a:solidFill>
-                      <a:prstDash val="solid"/>
-                      <a:round/>
-                      <a:headEnd type="none" w="med" len="med"/>
-                      <a:tailEnd type="none" w="med" len="med"/>
-                    </a:lnL>
-                    <a:lnR w="12700" cap="flat" cmpd="sng" algn="ctr">
-                      <a:solidFill>
-                        <a:schemeClr val="tx1"/>
-                      </a:solidFill>
-                      <a:prstDash val="solid"/>
-                      <a:round/>
-                      <a:headEnd type="none" w="med" len="med"/>
-                      <a:tailEnd type="none" w="med" len="med"/>
-                    </a:lnR>
-                    <a:lnT w="12700" cap="flat" cmpd="sng" algn="ctr">
-                      <a:solidFill>
-                        <a:schemeClr val="tx1"/>
-                      </a:solidFill>
-                      <a:prstDash val="solid"/>
-                      <a:round/>
-                      <a:headEnd type="none" w="med" len="med"/>
-                      <a:tailEnd type="none" w="med" len="med"/>
-                    </a:lnT>
-                    <a:lnB w="12700" cap="flat" cmpd="sng" algn="ctr">
-                      <a:solidFill>
-                        <a:schemeClr val="tx1"/>
-                      </a:solidFill>
-                      <a:prstDash val="solid"/>
-                      <a:round/>
-                      <a:headEnd type="none" w="med" len="med"/>
-                      <a:tailEnd type="none" w="med" len="med"/>
-                    </a:lnB>
-                  </a:tcPr>
-                </a:tc>
                 <a:tc>
                   <a:txBody>
                     <a:bodyPr/>
@@ -11159,7 +10396,7 @@
                     </a:lnBlToTr>
                   </a:tcPr>
                 </a:tc>
-                <a:tc gridSpan="2">
+                <a:tc>
                   <a:txBody>
                     <a:bodyPr/>
                     <a:lstStyle/>
@@ -11241,88 +10478,6 @@
                     </a:lnB>
                   </a:tcPr>
                 </a:tc>
-                <a:tc hMerge="1">
-                  <a:txBody>
-                    <a:bodyPr/>
-                    <a:lstStyle/>
-                    <a:p>
-                      <a:pPr marL="0" marR="0" lvl="0" indent="0" algn="ctr" defTabSz="914400" rtl="0" eaLnBrk="1" fontAlgn="auto" latinLnBrk="0" hangingPunct="1">
-                        <a:lnSpc>
-                          <a:spcPct val="100000"/>
-                        </a:lnSpc>
-                        <a:spcBef>
-                          <a:spcPts val="0"/>
-                        </a:spcBef>
-                        <a:spcAft>
-                          <a:spcPts val="0"/>
-                        </a:spcAft>
-                        <a:buClrTx/>
-                        <a:buSzTx/>
-                        <a:buFontTx/>
-                        <a:buNone/>
-                        <a:tabLst/>
-                        <a:defRPr/>
-                      </a:pPr>
-                      <a:r>
-                        <a:rPr lang="en-US" altLang="zh-CN" sz="1400" b="1" kern="1200" dirty="0">
-                          <a:solidFill>
-                            <a:schemeClr val="dk1"/>
-                          </a:solidFill>
-                          <a:latin typeface="+mn-lt"/>
-                          <a:ea typeface="+mn-ea"/>
-                          <a:cs typeface="+mn-cs"/>
-                        </a:rPr>
-                        <a:t>Robots in Tunnelling and Underground Space</a:t>
-                      </a:r>
-                      <a:endParaRPr lang="zh-CN" altLang="en-US" sz="1400" b="1" kern="1200" dirty="0">
-                        <a:solidFill>
-                          <a:schemeClr val="dk1"/>
-                        </a:solidFill>
-                        <a:latin typeface="+mn-lt"/>
-                        <a:ea typeface="+mn-ea"/>
-                        <a:cs typeface="+mn-cs"/>
-                      </a:endParaRPr>
-                    </a:p>
-                  </a:txBody>
-                  <a:tcPr anchor="ctr">
-                    <a:lnL w="12700" cap="flat" cmpd="sng" algn="ctr">
-                      <a:solidFill>
-                        <a:schemeClr val="tx1"/>
-                      </a:solidFill>
-                      <a:prstDash val="solid"/>
-                      <a:round/>
-                      <a:headEnd type="none" w="med" len="med"/>
-                      <a:tailEnd type="none" w="med" len="med"/>
-                    </a:lnL>
-                    <a:lnR w="12700" cap="flat" cmpd="sng" algn="ctr">
-                      <a:solidFill>
-                        <a:schemeClr val="tx1"/>
-                      </a:solidFill>
-                      <a:prstDash val="solid"/>
-                      <a:round/>
-                      <a:headEnd type="none" w="med" len="med"/>
-                      <a:tailEnd type="none" w="med" len="med"/>
-                    </a:lnR>
-                    <a:lnT w="12700" cap="flat" cmpd="sng" algn="ctr">
-                      <a:solidFill>
-                        <a:schemeClr val="tx1"/>
-                      </a:solidFill>
-                      <a:prstDash val="solid"/>
-                      <a:round/>
-                      <a:headEnd type="none" w="med" len="med"/>
-                      <a:tailEnd type="none" w="med" len="med"/>
-                    </a:lnT>
-                    <a:lnB w="12700" cap="flat" cmpd="sng" algn="ctr">
-                      <a:solidFill>
-                        <a:schemeClr val="tx1"/>
-                      </a:solidFill>
-                      <a:prstDash val="solid"/>
-                      <a:round/>
-                      <a:headEnd type="none" w="med" len="med"/>
-                      <a:tailEnd type="none" w="med" len="med"/>
-                    </a:lnB>
-                  </a:tcPr>
-                </a:tc>
                 <a:tc>
                   <a:txBody>
                     <a:bodyPr/>
@@ -11600,7 +10755,7 @@
                       </a:pPr>
                       <a:r>
                         <a:rPr lang="en-US" altLang="zh-CN" b="1" dirty="0"/>
-                        <a:t>15:30-15:45</a:t>
+                        <a:t>15:45-16:00</a:t>
                       </a:r>
                       <a:endParaRPr lang="zh-CN" altLang="en-US" b="1" dirty="0"/>
                     </a:p>
@@ -11656,36 +10811,16 @@
                     </a:lnT>
                   </a:tcPr>
                 </a:tc>
-                <a:tc gridSpan="4">
+                <a:tc gridSpan="3">
                   <a:txBody>
                     <a:bodyPr/>
                     <a:lstStyle/>
                     <a:p>
                       <a:r>
                         <a:rPr lang="en-US" altLang="zh-CN" b="1" dirty="0"/>
-                        <a:t>Poster Session (Coffee &amp; Tea Break)</a:t>
+                        <a:t>Coffee &amp; Tea Break</a:t>
                       </a:r>
                       <a:endParaRPr lang="zh-CN" altLang="en-US" dirty="0"/>
-                    </a:p>
-                  </a:txBody>
-                  <a:tcPr>
-                    <a:lnT w="12700" cap="flat" cmpd="sng" algn="ctr">
-                      <a:solidFill>
-                        <a:schemeClr val="tx1"/>
-                      </a:solidFill>
-                      <a:prstDash val="solid"/>
-                      <a:round/>
-                      <a:headEnd type="none" w="med" len="med"/>
-                      <a:tailEnd type="none" w="med" len="med"/>
-                    </a:lnT>
-                  </a:tcPr>
-                </a:tc>
-                <a:tc hMerge="1">
-                  <a:txBody>
-                    <a:bodyPr/>
-                    <a:lstStyle/>
-                    <a:p>
-                      <a:endParaRPr lang="zh-CN" altLang="en-US"/>
                     </a:p>
                   </a:txBody>
                   <a:tcPr>
@@ -11761,7 +10896,7 @@
                       </a:pPr>
                       <a:r>
                         <a:rPr lang="en-US" altLang="zh-CN" b="1" dirty="0"/>
-                        <a:t>15:45-17:45</a:t>
+                        <a:t>16:00-17:45</a:t>
                       </a:r>
                       <a:endParaRPr lang="zh-CN" altLang="en-US" b="1" dirty="0"/>
                     </a:p>
@@ -11819,14 +10954,14 @@
                     </a:lnB>
                   </a:tcPr>
                 </a:tc>
-                <a:tc gridSpan="4">
+                <a:tc gridSpan="3">
                   <a:txBody>
                     <a:bodyPr/>
                     <a:lstStyle/>
                     <a:p>
                       <a:r>
                         <a:rPr lang="en-US" altLang="zh-CN" b="1" dirty="0"/>
-                        <a:t>Session</a:t>
+                        <a:t>Oral Presentation</a:t>
                       </a:r>
                       <a:r>
                         <a:rPr lang="en-US" altLang="zh-CN" b="1" baseline="0" dirty="0"/>
@@ -11846,16 +10981,6 @@
                       <a:tailEnd type="none" w="med" len="med"/>
                     </a:lnB>
                   </a:tcPr>
-                </a:tc>
-                <a:tc hMerge="1">
-                  <a:txBody>
-                    <a:bodyPr/>
-                    <a:lstStyle/>
-                    <a:p>
-                      <a:endParaRPr lang="zh-CN" altLang="en-US"/>
-                    </a:p>
-                  </a:txBody>
-                  <a:tcPr/>
                 </a:tc>
                 <a:tc hMerge="1">
                   <a:txBody>
@@ -11966,7 +11091,7 @@
                     </a:lnB>
                   </a:tcPr>
                 </a:tc>
-                <a:tc gridSpan="2">
+                <a:tc>
                   <a:txBody>
                     <a:bodyPr/>
                     <a:lstStyle/>
@@ -12048,53 +11173,6 @@
                     </a:lnB>
                   </a:tcPr>
                 </a:tc>
-                <a:tc hMerge="1">
-                  <a:txBody>
-                    <a:bodyPr/>
-                    <a:lstStyle/>
-                    <a:p>
-                      <a:endParaRPr lang="zh-CN" altLang="en-US"/>
-                    </a:p>
-                  </a:txBody>
-                  <a:tcPr>
-                    <a:lnL w="12700" cap="flat" cmpd="sng" algn="ctr">
-                      <a:solidFill>
-                        <a:schemeClr val="tx1"/>
-                      </a:solidFill>
-                      <a:prstDash val="solid"/>
-                      <a:round/>
-                      <a:headEnd type="none" w="med" len="med"/>
-                      <a:tailEnd type="none" w="med" len="med"/>
-                    </a:lnL>
-                    <a:lnR w="12700" cap="flat" cmpd="sng" algn="ctr">
-                      <a:solidFill>
-                        <a:schemeClr val="tx1"/>
-                      </a:solidFill>
-                      <a:prstDash val="solid"/>
-                      <a:round/>
-                      <a:headEnd type="none" w="med" len="med"/>
-                      <a:tailEnd type="none" w="med" len="med"/>
-                    </a:lnR>
-                    <a:lnT w="12700" cap="flat" cmpd="sng" algn="ctr">
-                      <a:solidFill>
-                        <a:schemeClr val="tx1"/>
-                      </a:solidFill>
-                      <a:prstDash val="solid"/>
-                      <a:round/>
-                      <a:headEnd type="none" w="med" len="med"/>
-                      <a:tailEnd type="none" w="med" len="med"/>
-                    </a:lnT>
-                    <a:lnB w="12700" cap="flat" cmpd="sng" algn="ctr">
-                      <a:solidFill>
-                        <a:schemeClr val="tx1"/>
-                      </a:solidFill>
-                      <a:prstDash val="solid"/>
-                      <a:round/>
-                      <a:headEnd type="none" w="med" len="med"/>
-                      <a:tailEnd type="none" w="med" len="med"/>
-                    </a:lnB>
-                  </a:tcPr>
-                </a:tc>
                 <a:tc>
                   <a:txBody>
                     <a:bodyPr/>
@@ -12406,7 +11484,7 @@
                     </a:lnB>
                   </a:tcPr>
                 </a:tc>
-                <a:tc gridSpan="2">
+                <a:tc>
                   <a:txBody>
                     <a:bodyPr/>
                     <a:lstStyle/>
@@ -12488,53 +11566,6 @@
                     </a:lnB>
                   </a:tcPr>
                 </a:tc>
-                <a:tc hMerge="1">
-                  <a:txBody>
-                    <a:bodyPr/>
-                    <a:lstStyle/>
-                    <a:p>
-                      <a:endParaRPr lang="zh-CN" altLang="en-US"/>
-                    </a:p>
-                  </a:txBody>
-                  <a:tcPr>
-                    <a:lnL w="12700" cap="flat" cmpd="sng" algn="ctr">
-                      <a:solidFill>
-                        <a:schemeClr val="tx1"/>
-                      </a:solidFill>
-                      <a:prstDash val="solid"/>
-                      <a:round/>
-                      <a:headEnd type="none" w="med" len="med"/>
-                      <a:tailEnd type="none" w="med" len="med"/>
-                    </a:lnL>
-                    <a:lnR w="12700" cap="flat" cmpd="sng" algn="ctr">
-                      <a:solidFill>
-                        <a:schemeClr val="tx1"/>
-                      </a:solidFill>
-                      <a:prstDash val="solid"/>
-                      <a:round/>
-                      <a:headEnd type="none" w="med" len="med"/>
-                      <a:tailEnd type="none" w="med" len="med"/>
-                    </a:lnR>
-                    <a:lnT w="12700" cap="flat" cmpd="sng" algn="ctr">
-                      <a:solidFill>
-                        <a:schemeClr val="tx1"/>
-                      </a:solidFill>
-                      <a:prstDash val="solid"/>
-                      <a:round/>
-                      <a:headEnd type="none" w="med" len="med"/>
-                      <a:tailEnd type="none" w="med" len="med"/>
-                    </a:lnT>
-                    <a:lnB w="12700" cap="flat" cmpd="sng" algn="ctr">
-                      <a:solidFill>
-                        <a:schemeClr val="tx1"/>
-                      </a:solidFill>
-                      <a:prstDash val="solid"/>
-                      <a:round/>
-                      <a:headEnd type="none" w="med" len="med"/>
-                      <a:tailEnd type="none" w="med" len="med"/>
-                    </a:lnB>
-                  </a:tcPr>
-                </a:tc>
                 <a:tc>
                   <a:txBody>
                     <a:bodyPr/>
@@ -12855,7 +11886,7 @@
                     </a:lnBlToTr>
                   </a:tcPr>
                 </a:tc>
-                <a:tc gridSpan="2">
+                <a:tc>
                   <a:txBody>
                     <a:bodyPr/>
                     <a:lstStyle/>
@@ -12937,53 +11968,6 @@
                     </a:lnB>
                   </a:tcPr>
                 </a:tc>
-                <a:tc hMerge="1">
-                  <a:txBody>
-                    <a:bodyPr/>
-                    <a:lstStyle/>
-                    <a:p>
-                      <a:endParaRPr lang="zh-CN" altLang="en-US"/>
-                    </a:p>
-                  </a:txBody>
-                  <a:tcPr>
-                    <a:lnL w="12700" cap="flat" cmpd="sng" algn="ctr">
-                      <a:solidFill>
-                        <a:schemeClr val="tx1"/>
-                      </a:solidFill>
-                      <a:prstDash val="solid"/>
-                      <a:round/>
-                      <a:headEnd type="none" w="med" len="med"/>
-                      <a:tailEnd type="none" w="med" len="med"/>
-                    </a:lnL>
-                    <a:lnR w="12700" cap="flat" cmpd="sng" algn="ctr">
-                      <a:solidFill>
-                        <a:schemeClr val="tx1"/>
-                      </a:solidFill>
-                      <a:prstDash val="solid"/>
-                      <a:round/>
-                      <a:headEnd type="none" w="med" len="med"/>
-                      <a:tailEnd type="none" w="med" len="med"/>
-                    </a:lnR>
-                    <a:lnT w="12700" cap="flat" cmpd="sng" algn="ctr">
-                      <a:solidFill>
-                        <a:schemeClr val="tx1"/>
-                      </a:solidFill>
-                      <a:prstDash val="solid"/>
-                      <a:round/>
-                      <a:headEnd type="none" w="med" len="med"/>
-                      <a:tailEnd type="none" w="med" len="med"/>
-                    </a:lnT>
-                    <a:lnB w="12700" cap="flat" cmpd="sng" algn="ctr">
-                      <a:solidFill>
-                        <a:schemeClr val="tx1"/>
-                      </a:solidFill>
-                      <a:prstDash val="solid"/>
-                      <a:round/>
-                      <a:headEnd type="none" w="med" len="med"/>
-                      <a:tailEnd type="none" w="med" len="med"/>
-                    </a:lnB>
-                  </a:tcPr>
-                </a:tc>
                 <a:tc>
                   <a:txBody>
                     <a:bodyPr/>
@@ -13286,7 +12270,7 @@
                     </a:lnBlToTr>
                   </a:tcPr>
                 </a:tc>
-                <a:tc gridSpan="2">
+                <a:tc>
                   <a:txBody>
                     <a:bodyPr/>
                     <a:lstStyle/>
@@ -13330,53 +12314,6 @@
                     </a:p>
                   </a:txBody>
                   <a:tcPr anchor="ctr">
-                    <a:lnL w="12700" cap="flat" cmpd="sng" algn="ctr">
-                      <a:solidFill>
-                        <a:schemeClr val="tx1"/>
-                      </a:solidFill>
-                      <a:prstDash val="solid"/>
-                      <a:round/>
-                      <a:headEnd type="none" w="med" len="med"/>
-                      <a:tailEnd type="none" w="med" len="med"/>
-                    </a:lnL>
-                    <a:lnR w="12700" cap="flat" cmpd="sng" algn="ctr">
-                      <a:solidFill>
-                        <a:schemeClr val="tx1"/>
-                      </a:solidFill>
-                      <a:prstDash val="solid"/>
-                      <a:round/>
-                      <a:headEnd type="none" w="med" len="med"/>
-                      <a:tailEnd type="none" w="med" len="med"/>
-                    </a:lnR>
-                    <a:lnT w="12700" cap="flat" cmpd="sng" algn="ctr">
-                      <a:solidFill>
-                        <a:schemeClr val="tx1"/>
-                      </a:solidFill>
-                      <a:prstDash val="solid"/>
-                      <a:round/>
-                      <a:headEnd type="none" w="med" len="med"/>
-                      <a:tailEnd type="none" w="med" len="med"/>
-                    </a:lnT>
-                    <a:lnB w="12700" cap="flat" cmpd="sng" algn="ctr">
-                      <a:solidFill>
-                        <a:schemeClr val="tx1"/>
-                      </a:solidFill>
-                      <a:prstDash val="solid"/>
-                      <a:round/>
-                      <a:headEnd type="none" w="med" len="med"/>
-                      <a:tailEnd type="none" w="med" len="med"/>
-                    </a:lnB>
-                  </a:tcPr>
-                </a:tc>
-                <a:tc hMerge="1">
-                  <a:txBody>
-                    <a:bodyPr/>
-                    <a:lstStyle/>
-                    <a:p>
-                      <a:endParaRPr lang="zh-CN" altLang="en-US"/>
-                    </a:p>
-                  </a:txBody>
-                  <a:tcPr>
                     <a:lnL w="12700" cap="flat" cmpd="sng" algn="ctr">
                       <a:solidFill>
                         <a:schemeClr val="tx1"/>

--- a/images/schedule/schedule.pptx
+++ b/images/schedule/schedule.pptx
@@ -3345,7 +3345,7 @@
           <p:nvPr>
             <p:extLst>
               <p:ext uri="{D42A27DB-BD31-4B8C-83A1-F6EECF244321}">
-                <p14:modId xmlns:p14="http://schemas.microsoft.com/office/powerpoint/2010/main" val="3128025044"/>
+                <p14:modId xmlns:p14="http://schemas.microsoft.com/office/powerpoint/2010/main" val="3117768838"/>
               </p:ext>
             </p:extLst>
           </p:nvPr>
@@ -3361,14 +3361,14 @@
                 <a:tableStyleId>{5C22544A-7EE6-4342-B048-85BDC9FD1C3A}</a:tableStyleId>
               </a:tblPr>
               <a:tblGrid>
-                <a:gridCol w="2709333">
+                <a:gridCol w="3312357">
                   <a:extLst>
                     <a:ext uri="{9D8B030D-6E8A-4147-A177-3AD203B41FA5}">
                       <a16:colId xmlns:a16="http://schemas.microsoft.com/office/drawing/2014/main" val="3661055256"/>
                     </a:ext>
                   </a:extLst>
                 </a:gridCol>
-                <a:gridCol w="5418666">
+                <a:gridCol w="4815642">
                   <a:extLst>
                     <a:ext uri="{9D8B030D-6E8A-4147-A177-3AD203B41FA5}">
                       <a16:colId xmlns:a16="http://schemas.microsoft.com/office/drawing/2014/main" val="3010363643"/>

--- a/images/schedule/schedule.pptx
+++ b/images/schedule/schedule.pptx
@@ -12,6 +12,7 @@
     <p:sldId id="260" r:id="rId6"/>
     <p:sldId id="262" r:id="rId7"/>
     <p:sldId id="263" r:id="rId8"/>
+    <p:sldId id="265" r:id="rId9"/>
   </p:sldIdLst>
   <p:sldSz cx="12192000" cy="6858000"/>
   <p:notesSz cx="6858000" cy="9144000"/>
@@ -265,7 +266,7 @@
           <a:p>
             <a:fld id="{5A4AD796-EF3F-495C-A3CD-D0F0A8E07386}" type="datetimeFigureOut">
               <a:rPr lang="zh-CN" altLang="en-US" smtClean="0"/>
-              <a:t>2023/6/28</a:t>
+              <a:t>2023/7/1</a:t>
             </a:fld>
             <a:endParaRPr lang="zh-CN" altLang="en-US"/>
           </a:p>
@@ -463,7 +464,7 @@
           <a:p>
             <a:fld id="{5A4AD796-EF3F-495C-A3CD-D0F0A8E07386}" type="datetimeFigureOut">
               <a:rPr lang="zh-CN" altLang="en-US" smtClean="0"/>
-              <a:t>2023/6/28</a:t>
+              <a:t>2023/7/1</a:t>
             </a:fld>
             <a:endParaRPr lang="zh-CN" altLang="en-US"/>
           </a:p>
@@ -671,7 +672,7 @@
           <a:p>
             <a:fld id="{5A4AD796-EF3F-495C-A3CD-D0F0A8E07386}" type="datetimeFigureOut">
               <a:rPr lang="zh-CN" altLang="en-US" smtClean="0"/>
-              <a:t>2023/6/28</a:t>
+              <a:t>2023/7/1</a:t>
             </a:fld>
             <a:endParaRPr lang="zh-CN" altLang="en-US"/>
           </a:p>
@@ -869,7 +870,7 @@
           <a:p>
             <a:fld id="{5A4AD796-EF3F-495C-A3CD-D0F0A8E07386}" type="datetimeFigureOut">
               <a:rPr lang="zh-CN" altLang="en-US" smtClean="0"/>
-              <a:t>2023/6/28</a:t>
+              <a:t>2023/7/1</a:t>
             </a:fld>
             <a:endParaRPr lang="zh-CN" altLang="en-US"/>
           </a:p>
@@ -1144,7 +1145,7 @@
           <a:p>
             <a:fld id="{5A4AD796-EF3F-495C-A3CD-D0F0A8E07386}" type="datetimeFigureOut">
               <a:rPr lang="zh-CN" altLang="en-US" smtClean="0"/>
-              <a:t>2023/6/28</a:t>
+              <a:t>2023/7/1</a:t>
             </a:fld>
             <a:endParaRPr lang="zh-CN" altLang="en-US"/>
           </a:p>
@@ -1409,7 +1410,7 @@
           <a:p>
             <a:fld id="{5A4AD796-EF3F-495C-A3CD-D0F0A8E07386}" type="datetimeFigureOut">
               <a:rPr lang="zh-CN" altLang="en-US" smtClean="0"/>
-              <a:t>2023/6/28</a:t>
+              <a:t>2023/7/1</a:t>
             </a:fld>
             <a:endParaRPr lang="zh-CN" altLang="en-US"/>
           </a:p>
@@ -1821,7 +1822,7 @@
           <a:p>
             <a:fld id="{5A4AD796-EF3F-495C-A3CD-D0F0A8E07386}" type="datetimeFigureOut">
               <a:rPr lang="zh-CN" altLang="en-US" smtClean="0"/>
-              <a:t>2023/6/28</a:t>
+              <a:t>2023/7/1</a:t>
             </a:fld>
             <a:endParaRPr lang="zh-CN" altLang="en-US"/>
           </a:p>
@@ -1962,7 +1963,7 @@
           <a:p>
             <a:fld id="{5A4AD796-EF3F-495C-A3CD-D0F0A8E07386}" type="datetimeFigureOut">
               <a:rPr lang="zh-CN" altLang="en-US" smtClean="0"/>
-              <a:t>2023/6/28</a:t>
+              <a:t>2023/7/1</a:t>
             </a:fld>
             <a:endParaRPr lang="zh-CN" altLang="en-US"/>
           </a:p>
@@ -2075,7 +2076,7 @@
           <a:p>
             <a:fld id="{5A4AD796-EF3F-495C-A3CD-D0F0A8E07386}" type="datetimeFigureOut">
               <a:rPr lang="zh-CN" altLang="en-US" smtClean="0"/>
-              <a:t>2023/6/28</a:t>
+              <a:t>2023/7/1</a:t>
             </a:fld>
             <a:endParaRPr lang="zh-CN" altLang="en-US"/>
           </a:p>
@@ -2386,7 +2387,7 @@
           <a:p>
             <a:fld id="{5A4AD796-EF3F-495C-A3CD-D0F0A8E07386}" type="datetimeFigureOut">
               <a:rPr lang="zh-CN" altLang="en-US" smtClean="0"/>
-              <a:t>2023/6/28</a:t>
+              <a:t>2023/7/1</a:t>
             </a:fld>
             <a:endParaRPr lang="zh-CN" altLang="en-US"/>
           </a:p>
@@ -2674,7 +2675,7 @@
           <a:p>
             <a:fld id="{5A4AD796-EF3F-495C-A3CD-D0F0A8E07386}" type="datetimeFigureOut">
               <a:rPr lang="zh-CN" altLang="en-US" smtClean="0"/>
-              <a:t>2023/6/28</a:t>
+              <a:t>2023/7/1</a:t>
             </a:fld>
             <a:endParaRPr lang="zh-CN" altLang="en-US"/>
           </a:p>
@@ -2915,7 +2916,7 @@
           <a:p>
             <a:fld id="{5A4AD796-EF3F-495C-A3CD-D0F0A8E07386}" type="datetimeFigureOut">
               <a:rPr lang="zh-CN" altLang="en-US" smtClean="0"/>
-              <a:t>2023/6/28</a:t>
+              <a:t>2023/7/1</a:t>
             </a:fld>
             <a:endParaRPr lang="zh-CN" altLang="en-US"/>
           </a:p>
@@ -33614,6 +33615,4949 @@
 </p:sld>
 </file>
 
+<file path=ppt/slides/slide8.xml><?xml version="1.0" encoding="utf-8"?>
+<p:sld xmlns:a="http://schemas.openxmlformats.org/drawingml/2006/main" xmlns:r="http://schemas.openxmlformats.org/officeDocument/2006/relationships" xmlns:p="http://schemas.openxmlformats.org/presentationml/2006/main">
+  <p:cSld>
+    <p:spTree>
+      <p:nvGrpSpPr>
+        <p:cNvPr id="1" name=""/>
+        <p:cNvGrpSpPr/>
+        <p:nvPr/>
+      </p:nvGrpSpPr>
+      <p:grpSpPr>
+        <a:xfrm>
+          <a:off x="0" y="0"/>
+          <a:ext cx="0" cy="0"/>
+          <a:chOff x="0" y="0"/>
+          <a:chExt cx="0" cy="0"/>
+        </a:xfrm>
+      </p:grpSpPr>
+      <p:graphicFrame>
+        <p:nvGraphicFramePr>
+          <p:cNvPr id="4" name="表格 3">
+            <a:extLst>
+              <a:ext uri="{FF2B5EF4-FFF2-40B4-BE49-F238E27FC236}">
+                <a16:creationId xmlns:a16="http://schemas.microsoft.com/office/drawing/2014/main" id="{7D5B94F1-F1A5-7C59-310A-8E8D0E1F63E1}"/>
+              </a:ext>
+            </a:extLst>
+          </p:cNvPr>
+          <p:cNvGraphicFramePr>
+            <a:graphicFrameLocks noGrp="1"/>
+          </p:cNvGraphicFramePr>
+          <p:nvPr>
+            <p:extLst>
+              <p:ext uri="{D42A27DB-BD31-4B8C-83A1-F6EECF244321}">
+                <p14:modId xmlns:p14="http://schemas.microsoft.com/office/powerpoint/2010/main" val="3800778332"/>
+              </p:ext>
+            </p:extLst>
+          </p:nvPr>
+        </p:nvGraphicFramePr>
+        <p:xfrm>
+          <a:off x="2384425" y="1254125"/>
+          <a:ext cx="6603093" cy="4351343"/>
+        </p:xfrm>
+        <a:graphic>
+          <a:graphicData uri="http://schemas.openxmlformats.org/drawingml/2006/table">
+            <a:tbl>
+              <a:tblPr>
+                <a:tableStyleId>{21E4AEA4-8DFA-4A89-87EB-49C32662AFE0}</a:tableStyleId>
+              </a:tblPr>
+              <a:tblGrid>
+                <a:gridCol w="470491">
+                  <a:extLst>
+                    <a:ext uri="{9D8B030D-6E8A-4147-A177-3AD203B41FA5}">
+                      <a16:colId xmlns:a16="http://schemas.microsoft.com/office/drawing/2014/main" val="3988803865"/>
+                    </a:ext>
+                  </a:extLst>
+                </a:gridCol>
+                <a:gridCol w="1460143">
+                  <a:extLst>
+                    <a:ext uri="{9D8B030D-6E8A-4147-A177-3AD203B41FA5}">
+                      <a16:colId xmlns:a16="http://schemas.microsoft.com/office/drawing/2014/main" val="2586330178"/>
+                    </a:ext>
+                  </a:extLst>
+                </a:gridCol>
+                <a:gridCol w="1695389">
+                  <a:extLst>
+                    <a:ext uri="{9D8B030D-6E8A-4147-A177-3AD203B41FA5}">
+                      <a16:colId xmlns:a16="http://schemas.microsoft.com/office/drawing/2014/main" val="1283558753"/>
+                    </a:ext>
+                  </a:extLst>
+                </a:gridCol>
+                <a:gridCol w="1403360">
+                  <a:extLst>
+                    <a:ext uri="{9D8B030D-6E8A-4147-A177-3AD203B41FA5}">
+                      <a16:colId xmlns:a16="http://schemas.microsoft.com/office/drawing/2014/main" val="1618901758"/>
+                    </a:ext>
+                  </a:extLst>
+                </a:gridCol>
+                <a:gridCol w="1573710">
+                  <a:extLst>
+                    <a:ext uri="{9D8B030D-6E8A-4147-A177-3AD203B41FA5}">
+                      <a16:colId xmlns:a16="http://schemas.microsoft.com/office/drawing/2014/main" val="1738721235"/>
+                    </a:ext>
+                  </a:extLst>
+                </a:gridCol>
+              </a:tblGrid>
+              <a:tr h="607729">
+                <a:tc gridSpan="5">
+                  <a:txBody>
+                    <a:bodyPr/>
+                    <a:lstStyle/>
+                    <a:p>
+                      <a:pPr algn="ctr" fontAlgn="ctr"/>
+                      <a:r>
+                        <a:rPr lang="en-US" altLang="zh-CN" sz="1700" u="none" strike="noStrike" dirty="0">
+                          <a:effectLst/>
+                        </a:rPr>
+                        <a:t>7</a:t>
+                      </a:r>
+                      <a:r>
+                        <a:rPr lang="zh-CN" altLang="en-US" sz="1700" u="none" strike="noStrike" dirty="0">
+                          <a:effectLst/>
+                        </a:rPr>
+                        <a:t>月</a:t>
+                      </a:r>
+                      <a:r>
+                        <a:rPr lang="en-US" altLang="zh-CN" sz="1700" u="none" strike="noStrike" dirty="0">
+                          <a:effectLst/>
+                        </a:rPr>
+                        <a:t>5</a:t>
+                      </a:r>
+                      <a:r>
+                        <a:rPr lang="zh-CN" altLang="en-US" sz="1700" u="none" strike="noStrike" dirty="0">
+                          <a:effectLst/>
+                        </a:rPr>
+                        <a:t>日大巴</a:t>
+                      </a:r>
+                      <a:r>
+                        <a:rPr lang="en-US" sz="1700" u="none" strike="noStrike" dirty="0">
+                          <a:effectLst/>
+                        </a:rPr>
+                        <a:t>Shuttle Bus</a:t>
+                      </a:r>
+                      <a:r>
+                        <a:rPr lang="zh-CN" altLang="en-US" sz="1700" u="none" strike="noStrike" dirty="0">
+                          <a:effectLst/>
+                        </a:rPr>
+                        <a:t>安排表</a:t>
+                      </a:r>
+                      <a:endParaRPr lang="zh-CN" altLang="en-US" sz="1700" b="0" i="0" u="none" strike="noStrike" dirty="0">
+                        <a:solidFill>
+                          <a:srgbClr val="000000"/>
+                        </a:solidFill>
+                        <a:effectLst/>
+                        <a:latin typeface="宋体" panose="02010600030101010101" pitchFamily="2" charset="-122"/>
+                        <a:ea typeface="宋体" panose="02010600030101010101" pitchFamily="2" charset="-122"/>
+                      </a:endParaRPr>
+                    </a:p>
+                  </a:txBody>
+                  <a:tcPr marL="6482" marR="6482" marT="6482" marB="0" anchor="ctr">
+                    <a:lnL w="12700" cap="flat" cmpd="sng" algn="ctr">
+                      <a:solidFill>
+                        <a:schemeClr val="tx1"/>
+                      </a:solidFill>
+                      <a:prstDash val="solid"/>
+                      <a:round/>
+                      <a:headEnd type="none" w="med" len="med"/>
+                      <a:tailEnd type="none" w="med" len="med"/>
+                    </a:lnL>
+                    <a:lnR w="12700" cap="flat" cmpd="sng" algn="ctr">
+                      <a:solidFill>
+                        <a:schemeClr val="tx1"/>
+                      </a:solidFill>
+                      <a:prstDash val="solid"/>
+                      <a:round/>
+                      <a:headEnd type="none" w="med" len="med"/>
+                      <a:tailEnd type="none" w="med" len="med"/>
+                    </a:lnR>
+                    <a:lnT w="12700" cap="flat" cmpd="sng" algn="ctr">
+                      <a:solidFill>
+                        <a:schemeClr val="tx1"/>
+                      </a:solidFill>
+                      <a:prstDash val="solid"/>
+                      <a:round/>
+                      <a:headEnd type="none" w="med" len="med"/>
+                      <a:tailEnd type="none" w="med" len="med"/>
+                    </a:lnT>
+                    <a:lnB w="12700" cap="flat" cmpd="sng" algn="ctr">
+                      <a:solidFill>
+                        <a:schemeClr val="tx1"/>
+                      </a:solidFill>
+                      <a:prstDash val="solid"/>
+                      <a:round/>
+                      <a:headEnd type="none" w="med" len="med"/>
+                      <a:tailEnd type="none" w="med" len="med"/>
+                    </a:lnB>
+                  </a:tcPr>
+                </a:tc>
+                <a:tc hMerge="1">
+                  <a:txBody>
+                    <a:bodyPr/>
+                    <a:lstStyle/>
+                    <a:p>
+                      <a:endParaRPr lang="zh-CN" altLang="en-US"/>
+                    </a:p>
+                  </a:txBody>
+                  <a:tcPr/>
+                </a:tc>
+                <a:tc hMerge="1">
+                  <a:txBody>
+                    <a:bodyPr/>
+                    <a:lstStyle/>
+                    <a:p>
+                      <a:endParaRPr lang="zh-CN" altLang="en-US"/>
+                    </a:p>
+                  </a:txBody>
+                  <a:tcPr/>
+                </a:tc>
+                <a:tc hMerge="1">
+                  <a:txBody>
+                    <a:bodyPr/>
+                    <a:lstStyle/>
+                    <a:p>
+                      <a:endParaRPr lang="zh-CN" altLang="en-US"/>
+                    </a:p>
+                  </a:txBody>
+                  <a:tcPr/>
+                </a:tc>
+                <a:tc hMerge="1">
+                  <a:txBody>
+                    <a:bodyPr/>
+                    <a:lstStyle/>
+                    <a:p>
+                      <a:endParaRPr lang="zh-CN" altLang="en-US"/>
+                    </a:p>
+                  </a:txBody>
+                  <a:tcPr/>
+                </a:tc>
+                <a:extLst>
+                  <a:ext uri="{0D108BD9-81ED-4DB2-BD59-A6C34878D82A}">
+                    <a16:rowId xmlns:a16="http://schemas.microsoft.com/office/drawing/2014/main" val="3065472268"/>
+                  </a:ext>
+                </a:extLst>
+              </a:tr>
+              <a:tr h="267401">
+                <a:tc>
+                  <a:txBody>
+                    <a:bodyPr/>
+                    <a:lstStyle/>
+                    <a:p>
+                      <a:pPr algn="ctr" fontAlgn="ctr"/>
+                      <a:r>
+                        <a:rPr lang="zh-CN" altLang="en-US" sz="900" u="none" strike="noStrike">
+                          <a:effectLst/>
+                        </a:rPr>
+                        <a:t>序号</a:t>
+                      </a:r>
+                      <a:endParaRPr lang="zh-CN" altLang="en-US" sz="900" b="0" i="0" u="none" strike="noStrike">
+                        <a:solidFill>
+                          <a:srgbClr val="000000"/>
+                        </a:solidFill>
+                        <a:effectLst/>
+                        <a:latin typeface="宋体" panose="02010600030101010101" pitchFamily="2" charset="-122"/>
+                        <a:ea typeface="宋体" panose="02010600030101010101" pitchFamily="2" charset="-122"/>
+                      </a:endParaRPr>
+                    </a:p>
+                  </a:txBody>
+                  <a:tcPr marL="6482" marR="6482" marT="6482" marB="0" anchor="ctr">
+                    <a:lnL w="12700" cap="flat" cmpd="sng" algn="ctr">
+                      <a:solidFill>
+                        <a:schemeClr val="tx1"/>
+                      </a:solidFill>
+                      <a:prstDash val="solid"/>
+                      <a:round/>
+                      <a:headEnd type="none" w="med" len="med"/>
+                      <a:tailEnd type="none" w="med" len="med"/>
+                    </a:lnL>
+                    <a:lnR w="12700" cap="flat" cmpd="sng" algn="ctr">
+                      <a:solidFill>
+                        <a:schemeClr val="tx1"/>
+                      </a:solidFill>
+                      <a:prstDash val="solid"/>
+                      <a:round/>
+                      <a:headEnd type="none" w="med" len="med"/>
+                      <a:tailEnd type="none" w="med" len="med"/>
+                    </a:lnR>
+                    <a:lnT w="12700" cap="flat" cmpd="sng" algn="ctr">
+                      <a:solidFill>
+                        <a:schemeClr val="tx1"/>
+                      </a:solidFill>
+                      <a:prstDash val="solid"/>
+                      <a:round/>
+                      <a:headEnd type="none" w="med" len="med"/>
+                      <a:tailEnd type="none" w="med" len="med"/>
+                    </a:lnT>
+                    <a:lnB w="12700" cap="flat" cmpd="sng" algn="ctr">
+                      <a:solidFill>
+                        <a:schemeClr val="tx1"/>
+                      </a:solidFill>
+                      <a:prstDash val="solid"/>
+                      <a:round/>
+                      <a:headEnd type="none" w="med" len="med"/>
+                      <a:tailEnd type="none" w="med" len="med"/>
+                    </a:lnB>
+                  </a:tcPr>
+                </a:tc>
+                <a:tc>
+                  <a:txBody>
+                    <a:bodyPr/>
+                    <a:lstStyle/>
+                    <a:p>
+                      <a:pPr algn="ctr" fontAlgn="ctr"/>
+                      <a:r>
+                        <a:rPr lang="zh-CN" altLang="en-US" sz="900" u="none" strike="noStrike">
+                          <a:effectLst/>
+                        </a:rPr>
+                        <a:t>萧山机场</a:t>
+                      </a:r>
+                      <a:r>
+                        <a:rPr lang="en-US" altLang="zh-CN" sz="900" u="none" strike="noStrike">
+                          <a:effectLst/>
+                        </a:rPr>
+                        <a:t>-</a:t>
+                      </a:r>
+                      <a:r>
+                        <a:rPr lang="zh-CN" altLang="en-US" sz="900" u="none" strike="noStrike">
+                          <a:effectLst/>
+                        </a:rPr>
+                        <a:t>白金汉爵酒店</a:t>
+                      </a:r>
+                      <a:endParaRPr lang="zh-CN" altLang="en-US" sz="900" b="0" i="0" u="none" strike="noStrike">
+                        <a:solidFill>
+                          <a:srgbClr val="000000"/>
+                        </a:solidFill>
+                        <a:effectLst/>
+                        <a:latin typeface="宋体" panose="02010600030101010101" pitchFamily="2" charset="-122"/>
+                        <a:ea typeface="宋体" panose="02010600030101010101" pitchFamily="2" charset="-122"/>
+                      </a:endParaRPr>
+                    </a:p>
+                  </a:txBody>
+                  <a:tcPr marL="6482" marR="6482" marT="6482" marB="0" anchor="ctr">
+                    <a:lnL w="12700" cap="flat" cmpd="sng" algn="ctr">
+                      <a:solidFill>
+                        <a:schemeClr val="tx1"/>
+                      </a:solidFill>
+                      <a:prstDash val="solid"/>
+                      <a:round/>
+                      <a:headEnd type="none" w="med" len="med"/>
+                      <a:tailEnd type="none" w="med" len="med"/>
+                    </a:lnL>
+                    <a:lnR w="12700" cap="flat" cmpd="sng" algn="ctr">
+                      <a:solidFill>
+                        <a:schemeClr val="tx1"/>
+                      </a:solidFill>
+                      <a:prstDash val="solid"/>
+                      <a:round/>
+                      <a:headEnd type="none" w="med" len="med"/>
+                      <a:tailEnd type="none" w="med" len="med"/>
+                    </a:lnR>
+                    <a:lnT w="12700" cap="flat" cmpd="sng" algn="ctr">
+                      <a:solidFill>
+                        <a:schemeClr val="tx1"/>
+                      </a:solidFill>
+                      <a:prstDash val="solid"/>
+                      <a:round/>
+                      <a:headEnd type="none" w="med" len="med"/>
+                      <a:tailEnd type="none" w="med" len="med"/>
+                    </a:lnT>
+                    <a:lnB w="12700" cap="flat" cmpd="sng" algn="ctr">
+                      <a:solidFill>
+                        <a:schemeClr val="tx1"/>
+                      </a:solidFill>
+                      <a:prstDash val="solid"/>
+                      <a:round/>
+                      <a:headEnd type="none" w="med" len="med"/>
+                      <a:tailEnd type="none" w="med" len="med"/>
+                    </a:lnB>
+                  </a:tcPr>
+                </a:tc>
+                <a:tc>
+                  <a:txBody>
+                    <a:bodyPr/>
+                    <a:lstStyle/>
+                    <a:p>
+                      <a:pPr algn="ctr" fontAlgn="ctr"/>
+                      <a:r>
+                        <a:rPr lang="zh-CN" altLang="en-US" sz="900" u="none" strike="noStrike">
+                          <a:effectLst/>
+                        </a:rPr>
+                        <a:t>车辆安排（车辆信息待告）</a:t>
+                      </a:r>
+                      <a:endParaRPr lang="zh-CN" altLang="en-US" sz="900" b="0" i="0" u="none" strike="noStrike">
+                        <a:solidFill>
+                          <a:srgbClr val="000000"/>
+                        </a:solidFill>
+                        <a:effectLst/>
+                        <a:latin typeface="宋体" panose="02010600030101010101" pitchFamily="2" charset="-122"/>
+                        <a:ea typeface="宋体" panose="02010600030101010101" pitchFamily="2" charset="-122"/>
+                      </a:endParaRPr>
+                    </a:p>
+                  </a:txBody>
+                  <a:tcPr marL="6482" marR="6482" marT="6482" marB="0" anchor="ctr">
+                    <a:lnL w="12700" cap="flat" cmpd="sng" algn="ctr">
+                      <a:solidFill>
+                        <a:schemeClr val="tx1"/>
+                      </a:solidFill>
+                      <a:prstDash val="solid"/>
+                      <a:round/>
+                      <a:headEnd type="none" w="med" len="med"/>
+                      <a:tailEnd type="none" w="med" len="med"/>
+                    </a:lnL>
+                    <a:lnR w="12700" cap="flat" cmpd="sng" algn="ctr">
+                      <a:solidFill>
+                        <a:schemeClr val="tx1"/>
+                      </a:solidFill>
+                      <a:prstDash val="solid"/>
+                      <a:round/>
+                      <a:headEnd type="none" w="med" len="med"/>
+                      <a:tailEnd type="none" w="med" len="med"/>
+                    </a:lnR>
+                    <a:lnT w="12700" cap="flat" cmpd="sng" algn="ctr">
+                      <a:solidFill>
+                        <a:schemeClr val="tx1"/>
+                      </a:solidFill>
+                      <a:prstDash val="solid"/>
+                      <a:round/>
+                      <a:headEnd type="none" w="med" len="med"/>
+                      <a:tailEnd type="none" w="med" len="med"/>
+                    </a:lnT>
+                    <a:lnB w="12700" cap="flat" cmpd="sng" algn="ctr">
+                      <a:solidFill>
+                        <a:schemeClr val="tx1"/>
+                      </a:solidFill>
+                      <a:prstDash val="solid"/>
+                      <a:round/>
+                      <a:headEnd type="none" w="med" len="med"/>
+                      <a:tailEnd type="none" w="med" len="med"/>
+                    </a:lnB>
+                  </a:tcPr>
+                </a:tc>
+                <a:tc>
+                  <a:txBody>
+                    <a:bodyPr/>
+                    <a:lstStyle/>
+                    <a:p>
+                      <a:pPr algn="ctr" fontAlgn="ctr"/>
+                      <a:r>
+                        <a:rPr lang="zh-CN" altLang="en-US" sz="900" u="none" strike="noStrike">
+                          <a:effectLst/>
+                        </a:rPr>
+                        <a:t>杭州东站</a:t>
+                      </a:r>
+                      <a:r>
+                        <a:rPr lang="en-US" altLang="zh-CN" sz="900" u="none" strike="noStrike">
+                          <a:effectLst/>
+                        </a:rPr>
+                        <a:t>-</a:t>
+                      </a:r>
+                      <a:r>
+                        <a:rPr lang="zh-CN" altLang="en-US" sz="900" u="none" strike="noStrike">
+                          <a:effectLst/>
+                        </a:rPr>
+                        <a:t>白金汉爵酒店</a:t>
+                      </a:r>
+                      <a:endParaRPr lang="zh-CN" altLang="en-US" sz="900" b="0" i="0" u="none" strike="noStrike">
+                        <a:solidFill>
+                          <a:srgbClr val="000000"/>
+                        </a:solidFill>
+                        <a:effectLst/>
+                        <a:latin typeface="宋体" panose="02010600030101010101" pitchFamily="2" charset="-122"/>
+                        <a:ea typeface="宋体" panose="02010600030101010101" pitchFamily="2" charset="-122"/>
+                      </a:endParaRPr>
+                    </a:p>
+                  </a:txBody>
+                  <a:tcPr marL="6482" marR="6482" marT="6482" marB="0" anchor="ctr">
+                    <a:lnL w="12700" cap="flat" cmpd="sng" algn="ctr">
+                      <a:solidFill>
+                        <a:schemeClr val="tx1"/>
+                      </a:solidFill>
+                      <a:prstDash val="solid"/>
+                      <a:round/>
+                      <a:headEnd type="none" w="med" len="med"/>
+                      <a:tailEnd type="none" w="med" len="med"/>
+                    </a:lnL>
+                    <a:lnR w="12700" cap="flat" cmpd="sng" algn="ctr">
+                      <a:solidFill>
+                        <a:schemeClr val="tx1"/>
+                      </a:solidFill>
+                      <a:prstDash val="solid"/>
+                      <a:round/>
+                      <a:headEnd type="none" w="med" len="med"/>
+                      <a:tailEnd type="none" w="med" len="med"/>
+                    </a:lnR>
+                    <a:lnT w="12700" cap="flat" cmpd="sng" algn="ctr">
+                      <a:solidFill>
+                        <a:schemeClr val="tx1"/>
+                      </a:solidFill>
+                      <a:prstDash val="solid"/>
+                      <a:round/>
+                      <a:headEnd type="none" w="med" len="med"/>
+                      <a:tailEnd type="none" w="med" len="med"/>
+                    </a:lnT>
+                    <a:lnB w="12700" cap="flat" cmpd="sng" algn="ctr">
+                      <a:solidFill>
+                        <a:schemeClr val="tx1"/>
+                      </a:solidFill>
+                      <a:prstDash val="solid"/>
+                      <a:round/>
+                      <a:headEnd type="none" w="med" len="med"/>
+                      <a:tailEnd type="none" w="med" len="med"/>
+                    </a:lnB>
+                  </a:tcPr>
+                </a:tc>
+                <a:tc>
+                  <a:txBody>
+                    <a:bodyPr/>
+                    <a:lstStyle/>
+                    <a:p>
+                      <a:pPr algn="ctr" fontAlgn="ctr"/>
+                      <a:r>
+                        <a:rPr lang="zh-CN" altLang="en-US" sz="900" u="none" strike="noStrike">
+                          <a:effectLst/>
+                        </a:rPr>
+                        <a:t>车辆安排（车辆信息待告）</a:t>
+                      </a:r>
+                      <a:endParaRPr lang="zh-CN" altLang="en-US" sz="900" b="0" i="0" u="none" strike="noStrike">
+                        <a:solidFill>
+                          <a:srgbClr val="000000"/>
+                        </a:solidFill>
+                        <a:effectLst/>
+                        <a:latin typeface="宋体" panose="02010600030101010101" pitchFamily="2" charset="-122"/>
+                        <a:ea typeface="宋体" panose="02010600030101010101" pitchFamily="2" charset="-122"/>
+                      </a:endParaRPr>
+                    </a:p>
+                  </a:txBody>
+                  <a:tcPr marL="6482" marR="6482" marT="6482" marB="0" anchor="ctr">
+                    <a:lnL w="12700" cap="flat" cmpd="sng" algn="ctr">
+                      <a:solidFill>
+                        <a:schemeClr val="tx1"/>
+                      </a:solidFill>
+                      <a:prstDash val="solid"/>
+                      <a:round/>
+                      <a:headEnd type="none" w="med" len="med"/>
+                      <a:tailEnd type="none" w="med" len="med"/>
+                    </a:lnL>
+                    <a:lnR w="12700" cap="flat" cmpd="sng" algn="ctr">
+                      <a:solidFill>
+                        <a:schemeClr val="tx1"/>
+                      </a:solidFill>
+                      <a:prstDash val="solid"/>
+                      <a:round/>
+                      <a:headEnd type="none" w="med" len="med"/>
+                      <a:tailEnd type="none" w="med" len="med"/>
+                    </a:lnR>
+                    <a:lnT w="12700" cap="flat" cmpd="sng" algn="ctr">
+                      <a:solidFill>
+                        <a:schemeClr val="tx1"/>
+                      </a:solidFill>
+                      <a:prstDash val="solid"/>
+                      <a:round/>
+                      <a:headEnd type="none" w="med" len="med"/>
+                      <a:tailEnd type="none" w="med" len="med"/>
+                    </a:lnT>
+                    <a:lnB w="12700" cap="flat" cmpd="sng" algn="ctr">
+                      <a:solidFill>
+                        <a:schemeClr val="tx1"/>
+                      </a:solidFill>
+                      <a:prstDash val="solid"/>
+                      <a:round/>
+                      <a:headEnd type="none" w="med" len="med"/>
+                      <a:tailEnd type="none" w="med" len="med"/>
+                    </a:lnB>
+                  </a:tcPr>
+                </a:tc>
+                <a:extLst>
+                  <a:ext uri="{0D108BD9-81ED-4DB2-BD59-A6C34878D82A}">
+                    <a16:rowId xmlns:a16="http://schemas.microsoft.com/office/drawing/2014/main" val="2430160202"/>
+                  </a:ext>
+                </a:extLst>
+              </a:tr>
+              <a:tr h="267401">
+                <a:tc>
+                  <a:txBody>
+                    <a:bodyPr/>
+                    <a:lstStyle/>
+                    <a:p>
+                      <a:pPr algn="ctr" fontAlgn="ctr"/>
+                      <a:r>
+                        <a:rPr lang="en-US" altLang="zh-CN" sz="900" u="none" strike="noStrike">
+                          <a:effectLst/>
+                        </a:rPr>
+                        <a:t>1</a:t>
+                      </a:r>
+                      <a:endParaRPr lang="en-US" altLang="zh-CN" sz="900" b="0" i="0" u="none" strike="noStrike">
+                        <a:solidFill>
+                          <a:srgbClr val="000000"/>
+                        </a:solidFill>
+                        <a:effectLst/>
+                        <a:latin typeface="宋体" panose="02010600030101010101" pitchFamily="2" charset="-122"/>
+                        <a:ea typeface="宋体" panose="02010600030101010101" pitchFamily="2" charset="-122"/>
+                      </a:endParaRPr>
+                    </a:p>
+                  </a:txBody>
+                  <a:tcPr marL="6482" marR="6482" marT="6482" marB="0" anchor="ctr">
+                    <a:lnL w="12700" cap="flat" cmpd="sng" algn="ctr">
+                      <a:solidFill>
+                        <a:schemeClr val="tx1"/>
+                      </a:solidFill>
+                      <a:prstDash val="solid"/>
+                      <a:round/>
+                      <a:headEnd type="none" w="med" len="med"/>
+                      <a:tailEnd type="none" w="med" len="med"/>
+                    </a:lnL>
+                    <a:lnR w="12700" cap="flat" cmpd="sng" algn="ctr">
+                      <a:solidFill>
+                        <a:schemeClr val="tx1"/>
+                      </a:solidFill>
+                      <a:prstDash val="solid"/>
+                      <a:round/>
+                      <a:headEnd type="none" w="med" len="med"/>
+                      <a:tailEnd type="none" w="med" len="med"/>
+                    </a:lnR>
+                    <a:lnT w="12700" cap="flat" cmpd="sng" algn="ctr">
+                      <a:solidFill>
+                        <a:schemeClr val="tx1"/>
+                      </a:solidFill>
+                      <a:prstDash val="solid"/>
+                      <a:round/>
+                      <a:headEnd type="none" w="med" len="med"/>
+                      <a:tailEnd type="none" w="med" len="med"/>
+                    </a:lnT>
+                    <a:lnB w="12700" cap="flat" cmpd="sng" algn="ctr">
+                      <a:solidFill>
+                        <a:schemeClr val="tx1"/>
+                      </a:solidFill>
+                      <a:prstDash val="solid"/>
+                      <a:round/>
+                      <a:headEnd type="none" w="med" len="med"/>
+                      <a:tailEnd type="none" w="med" len="med"/>
+                    </a:lnB>
+                  </a:tcPr>
+                </a:tc>
+                <a:tc>
+                  <a:txBody>
+                    <a:bodyPr/>
+                    <a:lstStyle/>
+                    <a:p>
+                      <a:pPr algn="ctr" fontAlgn="ctr"/>
+                      <a:r>
+                        <a:rPr lang="en-US" altLang="zh-CN" sz="900" u="none" strike="noStrike">
+                          <a:effectLst/>
+                        </a:rPr>
+                        <a:t>10:00</a:t>
+                      </a:r>
+                      <a:r>
+                        <a:rPr lang="zh-CN" altLang="en-US" sz="900" u="none" strike="noStrike">
+                          <a:effectLst/>
+                        </a:rPr>
+                        <a:t>发车</a:t>
+                      </a:r>
+                      <a:endParaRPr lang="zh-CN" altLang="en-US" sz="900" b="0" i="0" u="none" strike="noStrike">
+                        <a:solidFill>
+                          <a:srgbClr val="000000"/>
+                        </a:solidFill>
+                        <a:effectLst/>
+                        <a:latin typeface="宋体" panose="02010600030101010101" pitchFamily="2" charset="-122"/>
+                        <a:ea typeface="宋体" panose="02010600030101010101" pitchFamily="2" charset="-122"/>
+                      </a:endParaRPr>
+                    </a:p>
+                  </a:txBody>
+                  <a:tcPr marL="6482" marR="6482" marT="6482" marB="0" anchor="ctr">
+                    <a:lnL w="12700" cap="flat" cmpd="sng" algn="ctr">
+                      <a:solidFill>
+                        <a:schemeClr val="tx1"/>
+                      </a:solidFill>
+                      <a:prstDash val="solid"/>
+                      <a:round/>
+                      <a:headEnd type="none" w="med" len="med"/>
+                      <a:tailEnd type="none" w="med" len="med"/>
+                    </a:lnL>
+                    <a:lnR w="12700" cap="flat" cmpd="sng" algn="ctr">
+                      <a:solidFill>
+                        <a:schemeClr val="tx1"/>
+                      </a:solidFill>
+                      <a:prstDash val="solid"/>
+                      <a:round/>
+                      <a:headEnd type="none" w="med" len="med"/>
+                      <a:tailEnd type="none" w="med" len="med"/>
+                    </a:lnR>
+                    <a:lnT w="12700" cap="flat" cmpd="sng" algn="ctr">
+                      <a:solidFill>
+                        <a:schemeClr val="tx1"/>
+                      </a:solidFill>
+                      <a:prstDash val="solid"/>
+                      <a:round/>
+                      <a:headEnd type="none" w="med" len="med"/>
+                      <a:tailEnd type="none" w="med" len="med"/>
+                    </a:lnT>
+                    <a:lnB w="12700" cap="flat" cmpd="sng" algn="ctr">
+                      <a:solidFill>
+                        <a:schemeClr val="tx1"/>
+                      </a:solidFill>
+                      <a:prstDash val="solid"/>
+                      <a:round/>
+                      <a:headEnd type="none" w="med" len="med"/>
+                      <a:tailEnd type="none" w="med" len="med"/>
+                    </a:lnB>
+                  </a:tcPr>
+                </a:tc>
+                <a:tc>
+                  <a:txBody>
+                    <a:bodyPr/>
+                    <a:lstStyle/>
+                    <a:p>
+                      <a:pPr algn="ctr" fontAlgn="ctr"/>
+                      <a:r>
+                        <a:rPr lang="en-US" altLang="zh-CN" sz="900" u="none" strike="noStrike">
+                          <a:effectLst/>
+                        </a:rPr>
+                        <a:t>1</a:t>
+                      </a:r>
+                      <a:r>
+                        <a:rPr lang="zh-CN" altLang="en-US" sz="900" u="none" strike="noStrike">
+                          <a:effectLst/>
+                        </a:rPr>
+                        <a:t>号大巴车</a:t>
+                      </a:r>
+                      <a:endParaRPr lang="zh-CN" altLang="en-US" sz="900" b="0" i="0" u="none" strike="noStrike">
+                        <a:solidFill>
+                          <a:srgbClr val="000000"/>
+                        </a:solidFill>
+                        <a:effectLst/>
+                        <a:latin typeface="宋体" panose="02010600030101010101" pitchFamily="2" charset="-122"/>
+                        <a:ea typeface="宋体" panose="02010600030101010101" pitchFamily="2" charset="-122"/>
+                      </a:endParaRPr>
+                    </a:p>
+                  </a:txBody>
+                  <a:tcPr marL="6482" marR="6482" marT="6482" marB="0" anchor="ctr">
+                    <a:lnL w="12700" cap="flat" cmpd="sng" algn="ctr">
+                      <a:solidFill>
+                        <a:schemeClr val="tx1"/>
+                      </a:solidFill>
+                      <a:prstDash val="solid"/>
+                      <a:round/>
+                      <a:headEnd type="none" w="med" len="med"/>
+                      <a:tailEnd type="none" w="med" len="med"/>
+                    </a:lnL>
+                    <a:lnR w="12700" cap="flat" cmpd="sng" algn="ctr">
+                      <a:solidFill>
+                        <a:schemeClr val="tx1"/>
+                      </a:solidFill>
+                      <a:prstDash val="solid"/>
+                      <a:round/>
+                      <a:headEnd type="none" w="med" len="med"/>
+                      <a:tailEnd type="none" w="med" len="med"/>
+                    </a:lnR>
+                    <a:lnT w="12700" cap="flat" cmpd="sng" algn="ctr">
+                      <a:solidFill>
+                        <a:schemeClr val="tx1"/>
+                      </a:solidFill>
+                      <a:prstDash val="solid"/>
+                      <a:round/>
+                      <a:headEnd type="none" w="med" len="med"/>
+                      <a:tailEnd type="none" w="med" len="med"/>
+                    </a:lnT>
+                    <a:lnB w="12700" cap="flat" cmpd="sng" algn="ctr">
+                      <a:solidFill>
+                        <a:schemeClr val="tx1"/>
+                      </a:solidFill>
+                      <a:prstDash val="solid"/>
+                      <a:round/>
+                      <a:headEnd type="none" w="med" len="med"/>
+                      <a:tailEnd type="none" w="med" len="med"/>
+                    </a:lnB>
+                  </a:tcPr>
+                </a:tc>
+                <a:tc>
+                  <a:txBody>
+                    <a:bodyPr/>
+                    <a:lstStyle/>
+                    <a:p>
+                      <a:pPr algn="ctr" fontAlgn="ctr"/>
+                      <a:r>
+                        <a:rPr lang="en-US" altLang="zh-CN" sz="900" u="none" strike="noStrike">
+                          <a:effectLst/>
+                        </a:rPr>
+                        <a:t>10:00</a:t>
+                      </a:r>
+                      <a:r>
+                        <a:rPr lang="zh-CN" altLang="en-US" sz="900" u="none" strike="noStrike">
+                          <a:effectLst/>
+                        </a:rPr>
+                        <a:t>发车</a:t>
+                      </a:r>
+                      <a:endParaRPr lang="zh-CN" altLang="en-US" sz="900" b="0" i="0" u="none" strike="noStrike">
+                        <a:solidFill>
+                          <a:srgbClr val="000000"/>
+                        </a:solidFill>
+                        <a:effectLst/>
+                        <a:latin typeface="宋体" panose="02010600030101010101" pitchFamily="2" charset="-122"/>
+                        <a:ea typeface="宋体" panose="02010600030101010101" pitchFamily="2" charset="-122"/>
+                      </a:endParaRPr>
+                    </a:p>
+                  </a:txBody>
+                  <a:tcPr marL="6482" marR="6482" marT="6482" marB="0" anchor="ctr">
+                    <a:lnL w="12700" cap="flat" cmpd="sng" algn="ctr">
+                      <a:solidFill>
+                        <a:schemeClr val="tx1"/>
+                      </a:solidFill>
+                      <a:prstDash val="solid"/>
+                      <a:round/>
+                      <a:headEnd type="none" w="med" len="med"/>
+                      <a:tailEnd type="none" w="med" len="med"/>
+                    </a:lnL>
+                    <a:lnR w="12700" cap="flat" cmpd="sng" algn="ctr">
+                      <a:solidFill>
+                        <a:schemeClr val="tx1"/>
+                      </a:solidFill>
+                      <a:prstDash val="solid"/>
+                      <a:round/>
+                      <a:headEnd type="none" w="med" len="med"/>
+                      <a:tailEnd type="none" w="med" len="med"/>
+                    </a:lnR>
+                    <a:lnT w="12700" cap="flat" cmpd="sng" algn="ctr">
+                      <a:solidFill>
+                        <a:schemeClr val="tx1"/>
+                      </a:solidFill>
+                      <a:prstDash val="solid"/>
+                      <a:round/>
+                      <a:headEnd type="none" w="med" len="med"/>
+                      <a:tailEnd type="none" w="med" len="med"/>
+                    </a:lnT>
+                    <a:lnB w="12700" cap="flat" cmpd="sng" algn="ctr">
+                      <a:solidFill>
+                        <a:schemeClr val="tx1"/>
+                      </a:solidFill>
+                      <a:prstDash val="solid"/>
+                      <a:round/>
+                      <a:headEnd type="none" w="med" len="med"/>
+                      <a:tailEnd type="none" w="med" len="med"/>
+                    </a:lnB>
+                  </a:tcPr>
+                </a:tc>
+                <a:tc>
+                  <a:txBody>
+                    <a:bodyPr/>
+                    <a:lstStyle/>
+                    <a:p>
+                      <a:pPr algn="ctr" fontAlgn="ctr"/>
+                      <a:r>
+                        <a:rPr lang="en-US" altLang="zh-CN" sz="900" u="none" strike="noStrike">
+                          <a:effectLst/>
+                        </a:rPr>
+                        <a:t>1</a:t>
+                      </a:r>
+                      <a:r>
+                        <a:rPr lang="zh-CN" altLang="en-US" sz="900" u="none" strike="noStrike">
+                          <a:effectLst/>
+                        </a:rPr>
+                        <a:t>号大巴车</a:t>
+                      </a:r>
+                      <a:endParaRPr lang="zh-CN" altLang="en-US" sz="900" b="0" i="0" u="none" strike="noStrike">
+                        <a:solidFill>
+                          <a:srgbClr val="000000"/>
+                        </a:solidFill>
+                        <a:effectLst/>
+                        <a:latin typeface="宋体" panose="02010600030101010101" pitchFamily="2" charset="-122"/>
+                        <a:ea typeface="宋体" panose="02010600030101010101" pitchFamily="2" charset="-122"/>
+                      </a:endParaRPr>
+                    </a:p>
+                  </a:txBody>
+                  <a:tcPr marL="6482" marR="6482" marT="6482" marB="0" anchor="ctr">
+                    <a:lnL w="12700" cap="flat" cmpd="sng" algn="ctr">
+                      <a:solidFill>
+                        <a:schemeClr val="tx1"/>
+                      </a:solidFill>
+                      <a:prstDash val="solid"/>
+                      <a:round/>
+                      <a:headEnd type="none" w="med" len="med"/>
+                      <a:tailEnd type="none" w="med" len="med"/>
+                    </a:lnL>
+                    <a:lnR w="12700" cap="flat" cmpd="sng" algn="ctr">
+                      <a:solidFill>
+                        <a:schemeClr val="tx1"/>
+                      </a:solidFill>
+                      <a:prstDash val="solid"/>
+                      <a:round/>
+                      <a:headEnd type="none" w="med" len="med"/>
+                      <a:tailEnd type="none" w="med" len="med"/>
+                    </a:lnR>
+                    <a:lnT w="12700" cap="flat" cmpd="sng" algn="ctr">
+                      <a:solidFill>
+                        <a:schemeClr val="tx1"/>
+                      </a:solidFill>
+                      <a:prstDash val="solid"/>
+                      <a:round/>
+                      <a:headEnd type="none" w="med" len="med"/>
+                      <a:tailEnd type="none" w="med" len="med"/>
+                    </a:lnT>
+                    <a:lnB w="12700" cap="flat" cmpd="sng" algn="ctr">
+                      <a:solidFill>
+                        <a:schemeClr val="tx1"/>
+                      </a:solidFill>
+                      <a:prstDash val="solid"/>
+                      <a:round/>
+                      <a:headEnd type="none" w="med" len="med"/>
+                      <a:tailEnd type="none" w="med" len="med"/>
+                    </a:lnB>
+                  </a:tcPr>
+                </a:tc>
+                <a:extLst>
+                  <a:ext uri="{0D108BD9-81ED-4DB2-BD59-A6C34878D82A}">
+                    <a16:rowId xmlns:a16="http://schemas.microsoft.com/office/drawing/2014/main" val="3979177560"/>
+                  </a:ext>
+                </a:extLst>
+              </a:tr>
+              <a:tr h="267401">
+                <a:tc>
+                  <a:txBody>
+                    <a:bodyPr/>
+                    <a:lstStyle/>
+                    <a:p>
+                      <a:pPr algn="ctr" fontAlgn="ctr"/>
+                      <a:r>
+                        <a:rPr lang="en-US" altLang="zh-CN" sz="900" u="none" strike="noStrike">
+                          <a:effectLst/>
+                        </a:rPr>
+                        <a:t>2</a:t>
+                      </a:r>
+                      <a:endParaRPr lang="en-US" altLang="zh-CN" sz="900" b="0" i="0" u="none" strike="noStrike">
+                        <a:solidFill>
+                          <a:srgbClr val="000000"/>
+                        </a:solidFill>
+                        <a:effectLst/>
+                        <a:latin typeface="宋体" panose="02010600030101010101" pitchFamily="2" charset="-122"/>
+                        <a:ea typeface="宋体" panose="02010600030101010101" pitchFamily="2" charset="-122"/>
+                      </a:endParaRPr>
+                    </a:p>
+                  </a:txBody>
+                  <a:tcPr marL="6482" marR="6482" marT="6482" marB="0" anchor="ctr">
+                    <a:lnL w="12700" cap="flat" cmpd="sng" algn="ctr">
+                      <a:solidFill>
+                        <a:schemeClr val="tx1"/>
+                      </a:solidFill>
+                      <a:prstDash val="solid"/>
+                      <a:round/>
+                      <a:headEnd type="none" w="med" len="med"/>
+                      <a:tailEnd type="none" w="med" len="med"/>
+                    </a:lnL>
+                    <a:lnR w="12700" cap="flat" cmpd="sng" algn="ctr">
+                      <a:solidFill>
+                        <a:schemeClr val="tx1"/>
+                      </a:solidFill>
+                      <a:prstDash val="solid"/>
+                      <a:round/>
+                      <a:headEnd type="none" w="med" len="med"/>
+                      <a:tailEnd type="none" w="med" len="med"/>
+                    </a:lnR>
+                    <a:lnT w="12700" cap="flat" cmpd="sng" algn="ctr">
+                      <a:solidFill>
+                        <a:schemeClr val="tx1"/>
+                      </a:solidFill>
+                      <a:prstDash val="solid"/>
+                      <a:round/>
+                      <a:headEnd type="none" w="med" len="med"/>
+                      <a:tailEnd type="none" w="med" len="med"/>
+                    </a:lnT>
+                    <a:lnB w="12700" cap="flat" cmpd="sng" algn="ctr">
+                      <a:solidFill>
+                        <a:schemeClr val="tx1"/>
+                      </a:solidFill>
+                      <a:prstDash val="solid"/>
+                      <a:round/>
+                      <a:headEnd type="none" w="med" len="med"/>
+                      <a:tailEnd type="none" w="med" len="med"/>
+                    </a:lnB>
+                  </a:tcPr>
+                </a:tc>
+                <a:tc>
+                  <a:txBody>
+                    <a:bodyPr/>
+                    <a:lstStyle/>
+                    <a:p>
+                      <a:pPr algn="ctr" fontAlgn="ctr"/>
+                      <a:r>
+                        <a:rPr lang="en-US" altLang="zh-CN" sz="900" u="none" strike="noStrike">
+                          <a:effectLst/>
+                        </a:rPr>
+                        <a:t>11:00</a:t>
+                      </a:r>
+                      <a:r>
+                        <a:rPr lang="zh-CN" altLang="en-US" sz="900" u="none" strike="noStrike">
+                          <a:effectLst/>
+                        </a:rPr>
+                        <a:t>发车</a:t>
+                      </a:r>
+                      <a:endParaRPr lang="zh-CN" altLang="en-US" sz="900" b="0" i="0" u="none" strike="noStrike">
+                        <a:solidFill>
+                          <a:srgbClr val="000000"/>
+                        </a:solidFill>
+                        <a:effectLst/>
+                        <a:latin typeface="宋体" panose="02010600030101010101" pitchFamily="2" charset="-122"/>
+                        <a:ea typeface="宋体" panose="02010600030101010101" pitchFamily="2" charset="-122"/>
+                      </a:endParaRPr>
+                    </a:p>
+                  </a:txBody>
+                  <a:tcPr marL="6482" marR="6482" marT="6482" marB="0" anchor="ctr">
+                    <a:lnL w="12700" cap="flat" cmpd="sng" algn="ctr">
+                      <a:solidFill>
+                        <a:schemeClr val="tx1"/>
+                      </a:solidFill>
+                      <a:prstDash val="solid"/>
+                      <a:round/>
+                      <a:headEnd type="none" w="med" len="med"/>
+                      <a:tailEnd type="none" w="med" len="med"/>
+                    </a:lnL>
+                    <a:lnR w="12700" cap="flat" cmpd="sng" algn="ctr">
+                      <a:solidFill>
+                        <a:schemeClr val="tx1"/>
+                      </a:solidFill>
+                      <a:prstDash val="solid"/>
+                      <a:round/>
+                      <a:headEnd type="none" w="med" len="med"/>
+                      <a:tailEnd type="none" w="med" len="med"/>
+                    </a:lnR>
+                    <a:lnT w="12700" cap="flat" cmpd="sng" algn="ctr">
+                      <a:solidFill>
+                        <a:schemeClr val="tx1"/>
+                      </a:solidFill>
+                      <a:prstDash val="solid"/>
+                      <a:round/>
+                      <a:headEnd type="none" w="med" len="med"/>
+                      <a:tailEnd type="none" w="med" len="med"/>
+                    </a:lnT>
+                    <a:lnB w="12700" cap="flat" cmpd="sng" algn="ctr">
+                      <a:solidFill>
+                        <a:schemeClr val="tx1"/>
+                      </a:solidFill>
+                      <a:prstDash val="solid"/>
+                      <a:round/>
+                      <a:headEnd type="none" w="med" len="med"/>
+                      <a:tailEnd type="none" w="med" len="med"/>
+                    </a:lnB>
+                  </a:tcPr>
+                </a:tc>
+                <a:tc>
+                  <a:txBody>
+                    <a:bodyPr/>
+                    <a:lstStyle/>
+                    <a:p>
+                      <a:pPr algn="ctr" fontAlgn="ctr"/>
+                      <a:r>
+                        <a:rPr lang="en-US" altLang="zh-CN" sz="900" u="none" strike="noStrike">
+                          <a:effectLst/>
+                        </a:rPr>
+                        <a:t>2</a:t>
+                      </a:r>
+                      <a:r>
+                        <a:rPr lang="zh-CN" altLang="en-US" sz="900" u="none" strike="noStrike">
+                          <a:effectLst/>
+                        </a:rPr>
+                        <a:t>号大巴车</a:t>
+                      </a:r>
+                      <a:endParaRPr lang="zh-CN" altLang="en-US" sz="900" b="0" i="0" u="none" strike="noStrike">
+                        <a:solidFill>
+                          <a:srgbClr val="000000"/>
+                        </a:solidFill>
+                        <a:effectLst/>
+                        <a:latin typeface="宋体" panose="02010600030101010101" pitchFamily="2" charset="-122"/>
+                        <a:ea typeface="宋体" panose="02010600030101010101" pitchFamily="2" charset="-122"/>
+                      </a:endParaRPr>
+                    </a:p>
+                  </a:txBody>
+                  <a:tcPr marL="6482" marR="6482" marT="6482" marB="0" anchor="ctr">
+                    <a:lnL w="12700" cap="flat" cmpd="sng" algn="ctr">
+                      <a:solidFill>
+                        <a:schemeClr val="tx1"/>
+                      </a:solidFill>
+                      <a:prstDash val="solid"/>
+                      <a:round/>
+                      <a:headEnd type="none" w="med" len="med"/>
+                      <a:tailEnd type="none" w="med" len="med"/>
+                    </a:lnL>
+                    <a:lnR w="12700" cap="flat" cmpd="sng" algn="ctr">
+                      <a:solidFill>
+                        <a:schemeClr val="tx1"/>
+                      </a:solidFill>
+                      <a:prstDash val="solid"/>
+                      <a:round/>
+                      <a:headEnd type="none" w="med" len="med"/>
+                      <a:tailEnd type="none" w="med" len="med"/>
+                    </a:lnR>
+                    <a:lnT w="12700" cap="flat" cmpd="sng" algn="ctr">
+                      <a:solidFill>
+                        <a:schemeClr val="tx1"/>
+                      </a:solidFill>
+                      <a:prstDash val="solid"/>
+                      <a:round/>
+                      <a:headEnd type="none" w="med" len="med"/>
+                      <a:tailEnd type="none" w="med" len="med"/>
+                    </a:lnT>
+                    <a:lnB w="12700" cap="flat" cmpd="sng" algn="ctr">
+                      <a:solidFill>
+                        <a:schemeClr val="tx1"/>
+                      </a:solidFill>
+                      <a:prstDash val="solid"/>
+                      <a:round/>
+                      <a:headEnd type="none" w="med" len="med"/>
+                      <a:tailEnd type="none" w="med" len="med"/>
+                    </a:lnB>
+                  </a:tcPr>
+                </a:tc>
+                <a:tc>
+                  <a:txBody>
+                    <a:bodyPr/>
+                    <a:lstStyle/>
+                    <a:p>
+                      <a:pPr algn="ctr" fontAlgn="ctr"/>
+                      <a:r>
+                        <a:rPr lang="en-US" altLang="zh-CN" sz="900" u="none" strike="noStrike">
+                          <a:effectLst/>
+                        </a:rPr>
+                        <a:t>11:00</a:t>
+                      </a:r>
+                      <a:r>
+                        <a:rPr lang="zh-CN" altLang="en-US" sz="900" u="none" strike="noStrike">
+                          <a:effectLst/>
+                        </a:rPr>
+                        <a:t>发车</a:t>
+                      </a:r>
+                      <a:endParaRPr lang="zh-CN" altLang="en-US" sz="900" b="0" i="0" u="none" strike="noStrike">
+                        <a:solidFill>
+                          <a:srgbClr val="000000"/>
+                        </a:solidFill>
+                        <a:effectLst/>
+                        <a:latin typeface="宋体" panose="02010600030101010101" pitchFamily="2" charset="-122"/>
+                        <a:ea typeface="宋体" panose="02010600030101010101" pitchFamily="2" charset="-122"/>
+                      </a:endParaRPr>
+                    </a:p>
+                  </a:txBody>
+                  <a:tcPr marL="6482" marR="6482" marT="6482" marB="0" anchor="ctr">
+                    <a:lnL w="12700" cap="flat" cmpd="sng" algn="ctr">
+                      <a:solidFill>
+                        <a:schemeClr val="tx1"/>
+                      </a:solidFill>
+                      <a:prstDash val="solid"/>
+                      <a:round/>
+                      <a:headEnd type="none" w="med" len="med"/>
+                      <a:tailEnd type="none" w="med" len="med"/>
+                    </a:lnL>
+                    <a:lnR w="12700" cap="flat" cmpd="sng" algn="ctr">
+                      <a:solidFill>
+                        <a:schemeClr val="tx1"/>
+                      </a:solidFill>
+                      <a:prstDash val="solid"/>
+                      <a:round/>
+                      <a:headEnd type="none" w="med" len="med"/>
+                      <a:tailEnd type="none" w="med" len="med"/>
+                    </a:lnR>
+                    <a:lnT w="12700" cap="flat" cmpd="sng" algn="ctr">
+                      <a:solidFill>
+                        <a:schemeClr val="tx1"/>
+                      </a:solidFill>
+                      <a:prstDash val="solid"/>
+                      <a:round/>
+                      <a:headEnd type="none" w="med" len="med"/>
+                      <a:tailEnd type="none" w="med" len="med"/>
+                    </a:lnT>
+                    <a:lnB w="12700" cap="flat" cmpd="sng" algn="ctr">
+                      <a:solidFill>
+                        <a:schemeClr val="tx1"/>
+                      </a:solidFill>
+                      <a:prstDash val="solid"/>
+                      <a:round/>
+                      <a:headEnd type="none" w="med" len="med"/>
+                      <a:tailEnd type="none" w="med" len="med"/>
+                    </a:lnB>
+                  </a:tcPr>
+                </a:tc>
+                <a:tc>
+                  <a:txBody>
+                    <a:bodyPr/>
+                    <a:lstStyle/>
+                    <a:p>
+                      <a:pPr algn="ctr" fontAlgn="ctr"/>
+                      <a:r>
+                        <a:rPr lang="en-US" altLang="zh-CN" sz="900" u="none" strike="noStrike">
+                          <a:effectLst/>
+                        </a:rPr>
+                        <a:t>2</a:t>
+                      </a:r>
+                      <a:r>
+                        <a:rPr lang="zh-CN" altLang="en-US" sz="900" u="none" strike="noStrike">
+                          <a:effectLst/>
+                        </a:rPr>
+                        <a:t>号大巴车</a:t>
+                      </a:r>
+                      <a:endParaRPr lang="zh-CN" altLang="en-US" sz="900" b="0" i="0" u="none" strike="noStrike">
+                        <a:solidFill>
+                          <a:srgbClr val="000000"/>
+                        </a:solidFill>
+                        <a:effectLst/>
+                        <a:latin typeface="宋体" panose="02010600030101010101" pitchFamily="2" charset="-122"/>
+                        <a:ea typeface="宋体" panose="02010600030101010101" pitchFamily="2" charset="-122"/>
+                      </a:endParaRPr>
+                    </a:p>
+                  </a:txBody>
+                  <a:tcPr marL="6482" marR="6482" marT="6482" marB="0" anchor="ctr">
+                    <a:lnL w="12700" cap="flat" cmpd="sng" algn="ctr">
+                      <a:solidFill>
+                        <a:schemeClr val="tx1"/>
+                      </a:solidFill>
+                      <a:prstDash val="solid"/>
+                      <a:round/>
+                      <a:headEnd type="none" w="med" len="med"/>
+                      <a:tailEnd type="none" w="med" len="med"/>
+                    </a:lnL>
+                    <a:lnR w="12700" cap="flat" cmpd="sng" algn="ctr">
+                      <a:solidFill>
+                        <a:schemeClr val="tx1"/>
+                      </a:solidFill>
+                      <a:prstDash val="solid"/>
+                      <a:round/>
+                      <a:headEnd type="none" w="med" len="med"/>
+                      <a:tailEnd type="none" w="med" len="med"/>
+                    </a:lnR>
+                    <a:lnT w="12700" cap="flat" cmpd="sng" algn="ctr">
+                      <a:solidFill>
+                        <a:schemeClr val="tx1"/>
+                      </a:solidFill>
+                      <a:prstDash val="solid"/>
+                      <a:round/>
+                      <a:headEnd type="none" w="med" len="med"/>
+                      <a:tailEnd type="none" w="med" len="med"/>
+                    </a:lnT>
+                    <a:lnB w="12700" cap="flat" cmpd="sng" algn="ctr">
+                      <a:solidFill>
+                        <a:schemeClr val="tx1"/>
+                      </a:solidFill>
+                      <a:prstDash val="solid"/>
+                      <a:round/>
+                      <a:headEnd type="none" w="med" len="med"/>
+                      <a:tailEnd type="none" w="med" len="med"/>
+                    </a:lnB>
+                  </a:tcPr>
+                </a:tc>
+                <a:extLst>
+                  <a:ext uri="{0D108BD9-81ED-4DB2-BD59-A6C34878D82A}">
+                    <a16:rowId xmlns:a16="http://schemas.microsoft.com/office/drawing/2014/main" val="2687273847"/>
+                  </a:ext>
+                </a:extLst>
+              </a:tr>
+              <a:tr h="267401">
+                <a:tc>
+                  <a:txBody>
+                    <a:bodyPr/>
+                    <a:lstStyle/>
+                    <a:p>
+                      <a:pPr algn="ctr" fontAlgn="ctr"/>
+                      <a:r>
+                        <a:rPr lang="en-US" altLang="zh-CN" sz="900" u="none" strike="noStrike">
+                          <a:effectLst/>
+                        </a:rPr>
+                        <a:t>3</a:t>
+                      </a:r>
+                      <a:endParaRPr lang="en-US" altLang="zh-CN" sz="900" b="0" i="0" u="none" strike="noStrike">
+                        <a:solidFill>
+                          <a:srgbClr val="000000"/>
+                        </a:solidFill>
+                        <a:effectLst/>
+                        <a:latin typeface="宋体" panose="02010600030101010101" pitchFamily="2" charset="-122"/>
+                        <a:ea typeface="宋体" panose="02010600030101010101" pitchFamily="2" charset="-122"/>
+                      </a:endParaRPr>
+                    </a:p>
+                  </a:txBody>
+                  <a:tcPr marL="6482" marR="6482" marT="6482" marB="0" anchor="ctr">
+                    <a:lnL w="12700" cap="flat" cmpd="sng" algn="ctr">
+                      <a:solidFill>
+                        <a:schemeClr val="tx1"/>
+                      </a:solidFill>
+                      <a:prstDash val="solid"/>
+                      <a:round/>
+                      <a:headEnd type="none" w="med" len="med"/>
+                      <a:tailEnd type="none" w="med" len="med"/>
+                    </a:lnL>
+                    <a:lnR w="12700" cap="flat" cmpd="sng" algn="ctr">
+                      <a:solidFill>
+                        <a:schemeClr val="tx1"/>
+                      </a:solidFill>
+                      <a:prstDash val="solid"/>
+                      <a:round/>
+                      <a:headEnd type="none" w="med" len="med"/>
+                      <a:tailEnd type="none" w="med" len="med"/>
+                    </a:lnR>
+                    <a:lnT w="12700" cap="flat" cmpd="sng" algn="ctr">
+                      <a:solidFill>
+                        <a:schemeClr val="tx1"/>
+                      </a:solidFill>
+                      <a:prstDash val="solid"/>
+                      <a:round/>
+                      <a:headEnd type="none" w="med" len="med"/>
+                      <a:tailEnd type="none" w="med" len="med"/>
+                    </a:lnT>
+                    <a:lnB w="12700" cap="flat" cmpd="sng" algn="ctr">
+                      <a:solidFill>
+                        <a:schemeClr val="tx1"/>
+                      </a:solidFill>
+                      <a:prstDash val="solid"/>
+                      <a:round/>
+                      <a:headEnd type="none" w="med" len="med"/>
+                      <a:tailEnd type="none" w="med" len="med"/>
+                    </a:lnB>
+                  </a:tcPr>
+                </a:tc>
+                <a:tc>
+                  <a:txBody>
+                    <a:bodyPr/>
+                    <a:lstStyle/>
+                    <a:p>
+                      <a:pPr algn="ctr" fontAlgn="ctr"/>
+                      <a:r>
+                        <a:rPr lang="en-US" altLang="zh-CN" sz="900" u="none" strike="noStrike">
+                          <a:effectLst/>
+                        </a:rPr>
+                        <a:t>12:00</a:t>
+                      </a:r>
+                      <a:r>
+                        <a:rPr lang="zh-CN" altLang="en-US" sz="900" u="none" strike="noStrike">
+                          <a:effectLst/>
+                        </a:rPr>
+                        <a:t>发车</a:t>
+                      </a:r>
+                      <a:endParaRPr lang="zh-CN" altLang="en-US" sz="900" b="0" i="0" u="none" strike="noStrike">
+                        <a:solidFill>
+                          <a:srgbClr val="000000"/>
+                        </a:solidFill>
+                        <a:effectLst/>
+                        <a:latin typeface="宋体" panose="02010600030101010101" pitchFamily="2" charset="-122"/>
+                        <a:ea typeface="宋体" panose="02010600030101010101" pitchFamily="2" charset="-122"/>
+                      </a:endParaRPr>
+                    </a:p>
+                  </a:txBody>
+                  <a:tcPr marL="6482" marR="6482" marT="6482" marB="0" anchor="ctr">
+                    <a:lnL w="12700" cap="flat" cmpd="sng" algn="ctr">
+                      <a:solidFill>
+                        <a:schemeClr val="tx1"/>
+                      </a:solidFill>
+                      <a:prstDash val="solid"/>
+                      <a:round/>
+                      <a:headEnd type="none" w="med" len="med"/>
+                      <a:tailEnd type="none" w="med" len="med"/>
+                    </a:lnL>
+                    <a:lnR w="12700" cap="flat" cmpd="sng" algn="ctr">
+                      <a:solidFill>
+                        <a:schemeClr val="tx1"/>
+                      </a:solidFill>
+                      <a:prstDash val="solid"/>
+                      <a:round/>
+                      <a:headEnd type="none" w="med" len="med"/>
+                      <a:tailEnd type="none" w="med" len="med"/>
+                    </a:lnR>
+                    <a:lnT w="12700" cap="flat" cmpd="sng" algn="ctr">
+                      <a:solidFill>
+                        <a:schemeClr val="tx1"/>
+                      </a:solidFill>
+                      <a:prstDash val="solid"/>
+                      <a:round/>
+                      <a:headEnd type="none" w="med" len="med"/>
+                      <a:tailEnd type="none" w="med" len="med"/>
+                    </a:lnT>
+                    <a:lnB w="12700" cap="flat" cmpd="sng" algn="ctr">
+                      <a:solidFill>
+                        <a:schemeClr val="tx1"/>
+                      </a:solidFill>
+                      <a:prstDash val="solid"/>
+                      <a:round/>
+                      <a:headEnd type="none" w="med" len="med"/>
+                      <a:tailEnd type="none" w="med" len="med"/>
+                    </a:lnB>
+                  </a:tcPr>
+                </a:tc>
+                <a:tc>
+                  <a:txBody>
+                    <a:bodyPr/>
+                    <a:lstStyle/>
+                    <a:p>
+                      <a:pPr algn="ctr" fontAlgn="ctr"/>
+                      <a:r>
+                        <a:rPr lang="en-US" altLang="zh-CN" sz="900" u="none" strike="noStrike">
+                          <a:effectLst/>
+                        </a:rPr>
+                        <a:t>3</a:t>
+                      </a:r>
+                      <a:r>
+                        <a:rPr lang="zh-CN" altLang="en-US" sz="900" u="none" strike="noStrike">
+                          <a:effectLst/>
+                        </a:rPr>
+                        <a:t>号大巴车</a:t>
+                      </a:r>
+                      <a:endParaRPr lang="zh-CN" altLang="en-US" sz="900" b="0" i="0" u="none" strike="noStrike">
+                        <a:solidFill>
+                          <a:srgbClr val="000000"/>
+                        </a:solidFill>
+                        <a:effectLst/>
+                        <a:latin typeface="宋体" panose="02010600030101010101" pitchFamily="2" charset="-122"/>
+                        <a:ea typeface="宋体" panose="02010600030101010101" pitchFamily="2" charset="-122"/>
+                      </a:endParaRPr>
+                    </a:p>
+                  </a:txBody>
+                  <a:tcPr marL="6482" marR="6482" marT="6482" marB="0" anchor="ctr">
+                    <a:lnL w="12700" cap="flat" cmpd="sng" algn="ctr">
+                      <a:solidFill>
+                        <a:schemeClr val="tx1"/>
+                      </a:solidFill>
+                      <a:prstDash val="solid"/>
+                      <a:round/>
+                      <a:headEnd type="none" w="med" len="med"/>
+                      <a:tailEnd type="none" w="med" len="med"/>
+                    </a:lnL>
+                    <a:lnR w="12700" cap="flat" cmpd="sng" algn="ctr">
+                      <a:solidFill>
+                        <a:schemeClr val="tx1"/>
+                      </a:solidFill>
+                      <a:prstDash val="solid"/>
+                      <a:round/>
+                      <a:headEnd type="none" w="med" len="med"/>
+                      <a:tailEnd type="none" w="med" len="med"/>
+                    </a:lnR>
+                    <a:lnT w="12700" cap="flat" cmpd="sng" algn="ctr">
+                      <a:solidFill>
+                        <a:schemeClr val="tx1"/>
+                      </a:solidFill>
+                      <a:prstDash val="solid"/>
+                      <a:round/>
+                      <a:headEnd type="none" w="med" len="med"/>
+                      <a:tailEnd type="none" w="med" len="med"/>
+                    </a:lnT>
+                    <a:lnB w="12700" cap="flat" cmpd="sng" algn="ctr">
+                      <a:solidFill>
+                        <a:schemeClr val="tx1"/>
+                      </a:solidFill>
+                      <a:prstDash val="solid"/>
+                      <a:round/>
+                      <a:headEnd type="none" w="med" len="med"/>
+                      <a:tailEnd type="none" w="med" len="med"/>
+                    </a:lnB>
+                  </a:tcPr>
+                </a:tc>
+                <a:tc>
+                  <a:txBody>
+                    <a:bodyPr/>
+                    <a:lstStyle/>
+                    <a:p>
+                      <a:pPr algn="ctr" fontAlgn="ctr"/>
+                      <a:r>
+                        <a:rPr lang="en-US" altLang="zh-CN" sz="900" u="none" strike="noStrike">
+                          <a:effectLst/>
+                        </a:rPr>
+                        <a:t>12:00</a:t>
+                      </a:r>
+                      <a:r>
+                        <a:rPr lang="zh-CN" altLang="en-US" sz="900" u="none" strike="noStrike">
+                          <a:effectLst/>
+                        </a:rPr>
+                        <a:t>发车</a:t>
+                      </a:r>
+                      <a:endParaRPr lang="zh-CN" altLang="en-US" sz="900" b="0" i="0" u="none" strike="noStrike">
+                        <a:solidFill>
+                          <a:srgbClr val="000000"/>
+                        </a:solidFill>
+                        <a:effectLst/>
+                        <a:latin typeface="宋体" panose="02010600030101010101" pitchFamily="2" charset="-122"/>
+                        <a:ea typeface="宋体" panose="02010600030101010101" pitchFamily="2" charset="-122"/>
+                      </a:endParaRPr>
+                    </a:p>
+                  </a:txBody>
+                  <a:tcPr marL="6482" marR="6482" marT="6482" marB="0" anchor="ctr">
+                    <a:lnL w="12700" cap="flat" cmpd="sng" algn="ctr">
+                      <a:solidFill>
+                        <a:schemeClr val="tx1"/>
+                      </a:solidFill>
+                      <a:prstDash val="solid"/>
+                      <a:round/>
+                      <a:headEnd type="none" w="med" len="med"/>
+                      <a:tailEnd type="none" w="med" len="med"/>
+                    </a:lnL>
+                    <a:lnR w="12700" cap="flat" cmpd="sng" algn="ctr">
+                      <a:solidFill>
+                        <a:schemeClr val="tx1"/>
+                      </a:solidFill>
+                      <a:prstDash val="solid"/>
+                      <a:round/>
+                      <a:headEnd type="none" w="med" len="med"/>
+                      <a:tailEnd type="none" w="med" len="med"/>
+                    </a:lnR>
+                    <a:lnT w="12700" cap="flat" cmpd="sng" algn="ctr">
+                      <a:solidFill>
+                        <a:schemeClr val="tx1"/>
+                      </a:solidFill>
+                      <a:prstDash val="solid"/>
+                      <a:round/>
+                      <a:headEnd type="none" w="med" len="med"/>
+                      <a:tailEnd type="none" w="med" len="med"/>
+                    </a:lnT>
+                    <a:lnB w="12700" cap="flat" cmpd="sng" algn="ctr">
+                      <a:solidFill>
+                        <a:schemeClr val="tx1"/>
+                      </a:solidFill>
+                      <a:prstDash val="solid"/>
+                      <a:round/>
+                      <a:headEnd type="none" w="med" len="med"/>
+                      <a:tailEnd type="none" w="med" len="med"/>
+                    </a:lnB>
+                  </a:tcPr>
+                </a:tc>
+                <a:tc>
+                  <a:txBody>
+                    <a:bodyPr/>
+                    <a:lstStyle/>
+                    <a:p>
+                      <a:pPr algn="ctr" fontAlgn="ctr"/>
+                      <a:r>
+                        <a:rPr lang="en-US" altLang="zh-CN" sz="900" u="none" strike="noStrike">
+                          <a:effectLst/>
+                        </a:rPr>
+                        <a:t>3</a:t>
+                      </a:r>
+                      <a:r>
+                        <a:rPr lang="zh-CN" altLang="en-US" sz="900" u="none" strike="noStrike">
+                          <a:effectLst/>
+                        </a:rPr>
+                        <a:t>号大巴车</a:t>
+                      </a:r>
+                      <a:endParaRPr lang="zh-CN" altLang="en-US" sz="900" b="0" i="0" u="none" strike="noStrike">
+                        <a:solidFill>
+                          <a:srgbClr val="000000"/>
+                        </a:solidFill>
+                        <a:effectLst/>
+                        <a:latin typeface="宋体" panose="02010600030101010101" pitchFamily="2" charset="-122"/>
+                        <a:ea typeface="宋体" panose="02010600030101010101" pitchFamily="2" charset="-122"/>
+                      </a:endParaRPr>
+                    </a:p>
+                  </a:txBody>
+                  <a:tcPr marL="6482" marR="6482" marT="6482" marB="0" anchor="ctr">
+                    <a:lnL w="12700" cap="flat" cmpd="sng" algn="ctr">
+                      <a:solidFill>
+                        <a:schemeClr val="tx1"/>
+                      </a:solidFill>
+                      <a:prstDash val="solid"/>
+                      <a:round/>
+                      <a:headEnd type="none" w="med" len="med"/>
+                      <a:tailEnd type="none" w="med" len="med"/>
+                    </a:lnL>
+                    <a:lnR w="12700" cap="flat" cmpd="sng" algn="ctr">
+                      <a:solidFill>
+                        <a:schemeClr val="tx1"/>
+                      </a:solidFill>
+                      <a:prstDash val="solid"/>
+                      <a:round/>
+                      <a:headEnd type="none" w="med" len="med"/>
+                      <a:tailEnd type="none" w="med" len="med"/>
+                    </a:lnR>
+                    <a:lnT w="12700" cap="flat" cmpd="sng" algn="ctr">
+                      <a:solidFill>
+                        <a:schemeClr val="tx1"/>
+                      </a:solidFill>
+                      <a:prstDash val="solid"/>
+                      <a:round/>
+                      <a:headEnd type="none" w="med" len="med"/>
+                      <a:tailEnd type="none" w="med" len="med"/>
+                    </a:lnT>
+                    <a:lnB w="12700" cap="flat" cmpd="sng" algn="ctr">
+                      <a:solidFill>
+                        <a:schemeClr val="tx1"/>
+                      </a:solidFill>
+                      <a:prstDash val="solid"/>
+                      <a:round/>
+                      <a:headEnd type="none" w="med" len="med"/>
+                      <a:tailEnd type="none" w="med" len="med"/>
+                    </a:lnB>
+                  </a:tcPr>
+                </a:tc>
+                <a:extLst>
+                  <a:ext uri="{0D108BD9-81ED-4DB2-BD59-A6C34878D82A}">
+                    <a16:rowId xmlns:a16="http://schemas.microsoft.com/office/drawing/2014/main" val="1055418048"/>
+                  </a:ext>
+                </a:extLst>
+              </a:tr>
+              <a:tr h="267401">
+                <a:tc>
+                  <a:txBody>
+                    <a:bodyPr/>
+                    <a:lstStyle/>
+                    <a:p>
+                      <a:pPr algn="ctr" fontAlgn="ctr"/>
+                      <a:r>
+                        <a:rPr lang="en-US" altLang="zh-CN" sz="900" u="none" strike="noStrike">
+                          <a:effectLst/>
+                        </a:rPr>
+                        <a:t>4</a:t>
+                      </a:r>
+                      <a:endParaRPr lang="en-US" altLang="zh-CN" sz="900" b="0" i="0" u="none" strike="noStrike">
+                        <a:solidFill>
+                          <a:srgbClr val="000000"/>
+                        </a:solidFill>
+                        <a:effectLst/>
+                        <a:latin typeface="宋体" panose="02010600030101010101" pitchFamily="2" charset="-122"/>
+                        <a:ea typeface="宋体" panose="02010600030101010101" pitchFamily="2" charset="-122"/>
+                      </a:endParaRPr>
+                    </a:p>
+                  </a:txBody>
+                  <a:tcPr marL="6482" marR="6482" marT="6482" marB="0" anchor="ctr">
+                    <a:lnL w="12700" cap="flat" cmpd="sng" algn="ctr">
+                      <a:solidFill>
+                        <a:schemeClr val="tx1"/>
+                      </a:solidFill>
+                      <a:prstDash val="solid"/>
+                      <a:round/>
+                      <a:headEnd type="none" w="med" len="med"/>
+                      <a:tailEnd type="none" w="med" len="med"/>
+                    </a:lnL>
+                    <a:lnR w="12700" cap="flat" cmpd="sng" algn="ctr">
+                      <a:solidFill>
+                        <a:schemeClr val="tx1"/>
+                      </a:solidFill>
+                      <a:prstDash val="solid"/>
+                      <a:round/>
+                      <a:headEnd type="none" w="med" len="med"/>
+                      <a:tailEnd type="none" w="med" len="med"/>
+                    </a:lnR>
+                    <a:lnT w="12700" cap="flat" cmpd="sng" algn="ctr">
+                      <a:solidFill>
+                        <a:schemeClr val="tx1"/>
+                      </a:solidFill>
+                      <a:prstDash val="solid"/>
+                      <a:round/>
+                      <a:headEnd type="none" w="med" len="med"/>
+                      <a:tailEnd type="none" w="med" len="med"/>
+                    </a:lnT>
+                    <a:lnB w="12700" cap="flat" cmpd="sng" algn="ctr">
+                      <a:solidFill>
+                        <a:schemeClr val="tx1"/>
+                      </a:solidFill>
+                      <a:prstDash val="solid"/>
+                      <a:round/>
+                      <a:headEnd type="none" w="med" len="med"/>
+                      <a:tailEnd type="none" w="med" len="med"/>
+                    </a:lnB>
+                  </a:tcPr>
+                </a:tc>
+                <a:tc>
+                  <a:txBody>
+                    <a:bodyPr/>
+                    <a:lstStyle/>
+                    <a:p>
+                      <a:pPr algn="ctr" fontAlgn="ctr"/>
+                      <a:r>
+                        <a:rPr lang="en-US" altLang="zh-CN" sz="900" u="none" strike="noStrike">
+                          <a:effectLst/>
+                        </a:rPr>
+                        <a:t>13:00</a:t>
+                      </a:r>
+                      <a:r>
+                        <a:rPr lang="zh-CN" altLang="en-US" sz="900" u="none" strike="noStrike">
+                          <a:effectLst/>
+                        </a:rPr>
+                        <a:t>发车</a:t>
+                      </a:r>
+                      <a:endParaRPr lang="zh-CN" altLang="en-US" sz="900" b="0" i="0" u="none" strike="noStrike">
+                        <a:solidFill>
+                          <a:srgbClr val="000000"/>
+                        </a:solidFill>
+                        <a:effectLst/>
+                        <a:latin typeface="宋体" panose="02010600030101010101" pitchFamily="2" charset="-122"/>
+                        <a:ea typeface="宋体" panose="02010600030101010101" pitchFamily="2" charset="-122"/>
+                      </a:endParaRPr>
+                    </a:p>
+                  </a:txBody>
+                  <a:tcPr marL="6482" marR="6482" marT="6482" marB="0" anchor="ctr">
+                    <a:lnL w="12700" cap="flat" cmpd="sng" algn="ctr">
+                      <a:solidFill>
+                        <a:schemeClr val="tx1"/>
+                      </a:solidFill>
+                      <a:prstDash val="solid"/>
+                      <a:round/>
+                      <a:headEnd type="none" w="med" len="med"/>
+                      <a:tailEnd type="none" w="med" len="med"/>
+                    </a:lnL>
+                    <a:lnR w="12700" cap="flat" cmpd="sng" algn="ctr">
+                      <a:solidFill>
+                        <a:schemeClr val="tx1"/>
+                      </a:solidFill>
+                      <a:prstDash val="solid"/>
+                      <a:round/>
+                      <a:headEnd type="none" w="med" len="med"/>
+                      <a:tailEnd type="none" w="med" len="med"/>
+                    </a:lnR>
+                    <a:lnT w="12700" cap="flat" cmpd="sng" algn="ctr">
+                      <a:solidFill>
+                        <a:schemeClr val="tx1"/>
+                      </a:solidFill>
+                      <a:prstDash val="solid"/>
+                      <a:round/>
+                      <a:headEnd type="none" w="med" len="med"/>
+                      <a:tailEnd type="none" w="med" len="med"/>
+                    </a:lnT>
+                    <a:lnB w="12700" cap="flat" cmpd="sng" algn="ctr">
+                      <a:solidFill>
+                        <a:schemeClr val="tx1"/>
+                      </a:solidFill>
+                      <a:prstDash val="solid"/>
+                      <a:round/>
+                      <a:headEnd type="none" w="med" len="med"/>
+                      <a:tailEnd type="none" w="med" len="med"/>
+                    </a:lnB>
+                  </a:tcPr>
+                </a:tc>
+                <a:tc>
+                  <a:txBody>
+                    <a:bodyPr/>
+                    <a:lstStyle/>
+                    <a:p>
+                      <a:pPr algn="ctr" fontAlgn="ctr"/>
+                      <a:r>
+                        <a:rPr lang="en-US" altLang="zh-CN" sz="900" u="none" strike="noStrike">
+                          <a:effectLst/>
+                        </a:rPr>
+                        <a:t>1</a:t>
+                      </a:r>
+                      <a:r>
+                        <a:rPr lang="zh-CN" altLang="en-US" sz="900" u="none" strike="noStrike">
+                          <a:effectLst/>
+                        </a:rPr>
+                        <a:t>号大巴车</a:t>
+                      </a:r>
+                      <a:endParaRPr lang="zh-CN" altLang="en-US" sz="900" b="0" i="0" u="none" strike="noStrike">
+                        <a:solidFill>
+                          <a:srgbClr val="000000"/>
+                        </a:solidFill>
+                        <a:effectLst/>
+                        <a:latin typeface="宋体" panose="02010600030101010101" pitchFamily="2" charset="-122"/>
+                        <a:ea typeface="宋体" panose="02010600030101010101" pitchFamily="2" charset="-122"/>
+                      </a:endParaRPr>
+                    </a:p>
+                  </a:txBody>
+                  <a:tcPr marL="6482" marR="6482" marT="6482" marB="0" anchor="ctr">
+                    <a:lnL w="12700" cap="flat" cmpd="sng" algn="ctr">
+                      <a:solidFill>
+                        <a:schemeClr val="tx1"/>
+                      </a:solidFill>
+                      <a:prstDash val="solid"/>
+                      <a:round/>
+                      <a:headEnd type="none" w="med" len="med"/>
+                      <a:tailEnd type="none" w="med" len="med"/>
+                    </a:lnL>
+                    <a:lnR w="12700" cap="flat" cmpd="sng" algn="ctr">
+                      <a:solidFill>
+                        <a:schemeClr val="tx1"/>
+                      </a:solidFill>
+                      <a:prstDash val="solid"/>
+                      <a:round/>
+                      <a:headEnd type="none" w="med" len="med"/>
+                      <a:tailEnd type="none" w="med" len="med"/>
+                    </a:lnR>
+                    <a:lnT w="12700" cap="flat" cmpd="sng" algn="ctr">
+                      <a:solidFill>
+                        <a:schemeClr val="tx1"/>
+                      </a:solidFill>
+                      <a:prstDash val="solid"/>
+                      <a:round/>
+                      <a:headEnd type="none" w="med" len="med"/>
+                      <a:tailEnd type="none" w="med" len="med"/>
+                    </a:lnT>
+                    <a:lnB w="12700" cap="flat" cmpd="sng" algn="ctr">
+                      <a:solidFill>
+                        <a:schemeClr val="tx1"/>
+                      </a:solidFill>
+                      <a:prstDash val="solid"/>
+                      <a:round/>
+                      <a:headEnd type="none" w="med" len="med"/>
+                      <a:tailEnd type="none" w="med" len="med"/>
+                    </a:lnB>
+                  </a:tcPr>
+                </a:tc>
+                <a:tc>
+                  <a:txBody>
+                    <a:bodyPr/>
+                    <a:lstStyle/>
+                    <a:p>
+                      <a:pPr algn="ctr" fontAlgn="ctr"/>
+                      <a:r>
+                        <a:rPr lang="en-US" altLang="zh-CN" sz="900" u="none" strike="noStrike">
+                          <a:effectLst/>
+                        </a:rPr>
+                        <a:t>13:00</a:t>
+                      </a:r>
+                      <a:r>
+                        <a:rPr lang="zh-CN" altLang="en-US" sz="900" u="none" strike="noStrike">
+                          <a:effectLst/>
+                        </a:rPr>
+                        <a:t>发车</a:t>
+                      </a:r>
+                      <a:endParaRPr lang="zh-CN" altLang="en-US" sz="900" b="0" i="0" u="none" strike="noStrike">
+                        <a:solidFill>
+                          <a:srgbClr val="000000"/>
+                        </a:solidFill>
+                        <a:effectLst/>
+                        <a:latin typeface="宋体" panose="02010600030101010101" pitchFamily="2" charset="-122"/>
+                        <a:ea typeface="宋体" panose="02010600030101010101" pitchFamily="2" charset="-122"/>
+                      </a:endParaRPr>
+                    </a:p>
+                  </a:txBody>
+                  <a:tcPr marL="6482" marR="6482" marT="6482" marB="0" anchor="ctr">
+                    <a:lnL w="12700" cap="flat" cmpd="sng" algn="ctr">
+                      <a:solidFill>
+                        <a:schemeClr val="tx1"/>
+                      </a:solidFill>
+                      <a:prstDash val="solid"/>
+                      <a:round/>
+                      <a:headEnd type="none" w="med" len="med"/>
+                      <a:tailEnd type="none" w="med" len="med"/>
+                    </a:lnL>
+                    <a:lnR w="12700" cap="flat" cmpd="sng" algn="ctr">
+                      <a:solidFill>
+                        <a:schemeClr val="tx1"/>
+                      </a:solidFill>
+                      <a:prstDash val="solid"/>
+                      <a:round/>
+                      <a:headEnd type="none" w="med" len="med"/>
+                      <a:tailEnd type="none" w="med" len="med"/>
+                    </a:lnR>
+                    <a:lnT w="12700" cap="flat" cmpd="sng" algn="ctr">
+                      <a:solidFill>
+                        <a:schemeClr val="tx1"/>
+                      </a:solidFill>
+                      <a:prstDash val="solid"/>
+                      <a:round/>
+                      <a:headEnd type="none" w="med" len="med"/>
+                      <a:tailEnd type="none" w="med" len="med"/>
+                    </a:lnT>
+                    <a:lnB w="12700" cap="flat" cmpd="sng" algn="ctr">
+                      <a:solidFill>
+                        <a:schemeClr val="tx1"/>
+                      </a:solidFill>
+                      <a:prstDash val="solid"/>
+                      <a:round/>
+                      <a:headEnd type="none" w="med" len="med"/>
+                      <a:tailEnd type="none" w="med" len="med"/>
+                    </a:lnB>
+                  </a:tcPr>
+                </a:tc>
+                <a:tc>
+                  <a:txBody>
+                    <a:bodyPr/>
+                    <a:lstStyle/>
+                    <a:p>
+                      <a:pPr algn="ctr" fontAlgn="ctr"/>
+                      <a:r>
+                        <a:rPr lang="en-US" altLang="zh-CN" sz="900" u="none" strike="noStrike">
+                          <a:effectLst/>
+                        </a:rPr>
+                        <a:t>1</a:t>
+                      </a:r>
+                      <a:r>
+                        <a:rPr lang="zh-CN" altLang="en-US" sz="900" u="none" strike="noStrike">
+                          <a:effectLst/>
+                        </a:rPr>
+                        <a:t>号大巴车</a:t>
+                      </a:r>
+                      <a:endParaRPr lang="zh-CN" altLang="en-US" sz="900" b="0" i="0" u="none" strike="noStrike">
+                        <a:solidFill>
+                          <a:srgbClr val="000000"/>
+                        </a:solidFill>
+                        <a:effectLst/>
+                        <a:latin typeface="宋体" panose="02010600030101010101" pitchFamily="2" charset="-122"/>
+                        <a:ea typeface="宋体" panose="02010600030101010101" pitchFamily="2" charset="-122"/>
+                      </a:endParaRPr>
+                    </a:p>
+                  </a:txBody>
+                  <a:tcPr marL="6482" marR="6482" marT="6482" marB="0" anchor="ctr">
+                    <a:lnL w="12700" cap="flat" cmpd="sng" algn="ctr">
+                      <a:solidFill>
+                        <a:schemeClr val="tx1"/>
+                      </a:solidFill>
+                      <a:prstDash val="solid"/>
+                      <a:round/>
+                      <a:headEnd type="none" w="med" len="med"/>
+                      <a:tailEnd type="none" w="med" len="med"/>
+                    </a:lnL>
+                    <a:lnR w="12700" cap="flat" cmpd="sng" algn="ctr">
+                      <a:solidFill>
+                        <a:schemeClr val="tx1"/>
+                      </a:solidFill>
+                      <a:prstDash val="solid"/>
+                      <a:round/>
+                      <a:headEnd type="none" w="med" len="med"/>
+                      <a:tailEnd type="none" w="med" len="med"/>
+                    </a:lnR>
+                    <a:lnT w="12700" cap="flat" cmpd="sng" algn="ctr">
+                      <a:solidFill>
+                        <a:schemeClr val="tx1"/>
+                      </a:solidFill>
+                      <a:prstDash val="solid"/>
+                      <a:round/>
+                      <a:headEnd type="none" w="med" len="med"/>
+                      <a:tailEnd type="none" w="med" len="med"/>
+                    </a:lnT>
+                    <a:lnB w="12700" cap="flat" cmpd="sng" algn="ctr">
+                      <a:solidFill>
+                        <a:schemeClr val="tx1"/>
+                      </a:solidFill>
+                      <a:prstDash val="solid"/>
+                      <a:round/>
+                      <a:headEnd type="none" w="med" len="med"/>
+                      <a:tailEnd type="none" w="med" len="med"/>
+                    </a:lnB>
+                  </a:tcPr>
+                </a:tc>
+                <a:extLst>
+                  <a:ext uri="{0D108BD9-81ED-4DB2-BD59-A6C34878D82A}">
+                    <a16:rowId xmlns:a16="http://schemas.microsoft.com/office/drawing/2014/main" val="2114982151"/>
+                  </a:ext>
+                </a:extLst>
+              </a:tr>
+              <a:tr h="267401">
+                <a:tc>
+                  <a:txBody>
+                    <a:bodyPr/>
+                    <a:lstStyle/>
+                    <a:p>
+                      <a:pPr algn="ctr" fontAlgn="ctr"/>
+                      <a:r>
+                        <a:rPr lang="en-US" altLang="zh-CN" sz="900" u="none" strike="noStrike">
+                          <a:effectLst/>
+                        </a:rPr>
+                        <a:t>5</a:t>
+                      </a:r>
+                      <a:endParaRPr lang="en-US" altLang="zh-CN" sz="900" b="0" i="0" u="none" strike="noStrike">
+                        <a:solidFill>
+                          <a:srgbClr val="000000"/>
+                        </a:solidFill>
+                        <a:effectLst/>
+                        <a:latin typeface="宋体" panose="02010600030101010101" pitchFamily="2" charset="-122"/>
+                        <a:ea typeface="宋体" panose="02010600030101010101" pitchFamily="2" charset="-122"/>
+                      </a:endParaRPr>
+                    </a:p>
+                  </a:txBody>
+                  <a:tcPr marL="6482" marR="6482" marT="6482" marB="0" anchor="ctr">
+                    <a:lnL w="12700" cap="flat" cmpd="sng" algn="ctr">
+                      <a:solidFill>
+                        <a:schemeClr val="tx1"/>
+                      </a:solidFill>
+                      <a:prstDash val="solid"/>
+                      <a:round/>
+                      <a:headEnd type="none" w="med" len="med"/>
+                      <a:tailEnd type="none" w="med" len="med"/>
+                    </a:lnL>
+                    <a:lnR w="12700" cap="flat" cmpd="sng" algn="ctr">
+                      <a:solidFill>
+                        <a:schemeClr val="tx1"/>
+                      </a:solidFill>
+                      <a:prstDash val="solid"/>
+                      <a:round/>
+                      <a:headEnd type="none" w="med" len="med"/>
+                      <a:tailEnd type="none" w="med" len="med"/>
+                    </a:lnR>
+                    <a:lnT w="12700" cap="flat" cmpd="sng" algn="ctr">
+                      <a:solidFill>
+                        <a:schemeClr val="tx1"/>
+                      </a:solidFill>
+                      <a:prstDash val="solid"/>
+                      <a:round/>
+                      <a:headEnd type="none" w="med" len="med"/>
+                      <a:tailEnd type="none" w="med" len="med"/>
+                    </a:lnT>
+                    <a:lnB w="12700" cap="flat" cmpd="sng" algn="ctr">
+                      <a:solidFill>
+                        <a:schemeClr val="tx1"/>
+                      </a:solidFill>
+                      <a:prstDash val="solid"/>
+                      <a:round/>
+                      <a:headEnd type="none" w="med" len="med"/>
+                      <a:tailEnd type="none" w="med" len="med"/>
+                    </a:lnB>
+                  </a:tcPr>
+                </a:tc>
+                <a:tc>
+                  <a:txBody>
+                    <a:bodyPr/>
+                    <a:lstStyle/>
+                    <a:p>
+                      <a:pPr algn="ctr" fontAlgn="ctr"/>
+                      <a:r>
+                        <a:rPr lang="en-US" altLang="zh-CN" sz="900" u="none" strike="noStrike">
+                          <a:effectLst/>
+                        </a:rPr>
+                        <a:t>14:00</a:t>
+                      </a:r>
+                      <a:r>
+                        <a:rPr lang="zh-CN" altLang="en-US" sz="900" u="none" strike="noStrike">
+                          <a:effectLst/>
+                        </a:rPr>
+                        <a:t>发车</a:t>
+                      </a:r>
+                      <a:endParaRPr lang="zh-CN" altLang="en-US" sz="900" b="0" i="0" u="none" strike="noStrike">
+                        <a:solidFill>
+                          <a:srgbClr val="000000"/>
+                        </a:solidFill>
+                        <a:effectLst/>
+                        <a:latin typeface="宋体" panose="02010600030101010101" pitchFamily="2" charset="-122"/>
+                        <a:ea typeface="宋体" panose="02010600030101010101" pitchFamily="2" charset="-122"/>
+                      </a:endParaRPr>
+                    </a:p>
+                  </a:txBody>
+                  <a:tcPr marL="6482" marR="6482" marT="6482" marB="0" anchor="ctr">
+                    <a:lnL w="12700" cap="flat" cmpd="sng" algn="ctr">
+                      <a:solidFill>
+                        <a:schemeClr val="tx1"/>
+                      </a:solidFill>
+                      <a:prstDash val="solid"/>
+                      <a:round/>
+                      <a:headEnd type="none" w="med" len="med"/>
+                      <a:tailEnd type="none" w="med" len="med"/>
+                    </a:lnL>
+                    <a:lnR w="12700" cap="flat" cmpd="sng" algn="ctr">
+                      <a:solidFill>
+                        <a:schemeClr val="tx1"/>
+                      </a:solidFill>
+                      <a:prstDash val="solid"/>
+                      <a:round/>
+                      <a:headEnd type="none" w="med" len="med"/>
+                      <a:tailEnd type="none" w="med" len="med"/>
+                    </a:lnR>
+                    <a:lnT w="12700" cap="flat" cmpd="sng" algn="ctr">
+                      <a:solidFill>
+                        <a:schemeClr val="tx1"/>
+                      </a:solidFill>
+                      <a:prstDash val="solid"/>
+                      <a:round/>
+                      <a:headEnd type="none" w="med" len="med"/>
+                      <a:tailEnd type="none" w="med" len="med"/>
+                    </a:lnT>
+                    <a:lnB w="12700" cap="flat" cmpd="sng" algn="ctr">
+                      <a:solidFill>
+                        <a:schemeClr val="tx1"/>
+                      </a:solidFill>
+                      <a:prstDash val="solid"/>
+                      <a:round/>
+                      <a:headEnd type="none" w="med" len="med"/>
+                      <a:tailEnd type="none" w="med" len="med"/>
+                    </a:lnB>
+                  </a:tcPr>
+                </a:tc>
+                <a:tc>
+                  <a:txBody>
+                    <a:bodyPr/>
+                    <a:lstStyle/>
+                    <a:p>
+                      <a:pPr algn="ctr" fontAlgn="ctr"/>
+                      <a:r>
+                        <a:rPr lang="en-US" altLang="zh-CN" sz="900" u="none" strike="noStrike">
+                          <a:effectLst/>
+                        </a:rPr>
+                        <a:t>2</a:t>
+                      </a:r>
+                      <a:r>
+                        <a:rPr lang="zh-CN" altLang="en-US" sz="900" u="none" strike="noStrike">
+                          <a:effectLst/>
+                        </a:rPr>
+                        <a:t>号大巴车</a:t>
+                      </a:r>
+                      <a:endParaRPr lang="zh-CN" altLang="en-US" sz="900" b="0" i="0" u="none" strike="noStrike">
+                        <a:solidFill>
+                          <a:srgbClr val="000000"/>
+                        </a:solidFill>
+                        <a:effectLst/>
+                        <a:latin typeface="宋体" panose="02010600030101010101" pitchFamily="2" charset="-122"/>
+                        <a:ea typeface="宋体" panose="02010600030101010101" pitchFamily="2" charset="-122"/>
+                      </a:endParaRPr>
+                    </a:p>
+                  </a:txBody>
+                  <a:tcPr marL="6482" marR="6482" marT="6482" marB="0" anchor="ctr">
+                    <a:lnL w="12700" cap="flat" cmpd="sng" algn="ctr">
+                      <a:solidFill>
+                        <a:schemeClr val="tx1"/>
+                      </a:solidFill>
+                      <a:prstDash val="solid"/>
+                      <a:round/>
+                      <a:headEnd type="none" w="med" len="med"/>
+                      <a:tailEnd type="none" w="med" len="med"/>
+                    </a:lnL>
+                    <a:lnR w="12700" cap="flat" cmpd="sng" algn="ctr">
+                      <a:solidFill>
+                        <a:schemeClr val="tx1"/>
+                      </a:solidFill>
+                      <a:prstDash val="solid"/>
+                      <a:round/>
+                      <a:headEnd type="none" w="med" len="med"/>
+                      <a:tailEnd type="none" w="med" len="med"/>
+                    </a:lnR>
+                    <a:lnT w="12700" cap="flat" cmpd="sng" algn="ctr">
+                      <a:solidFill>
+                        <a:schemeClr val="tx1"/>
+                      </a:solidFill>
+                      <a:prstDash val="solid"/>
+                      <a:round/>
+                      <a:headEnd type="none" w="med" len="med"/>
+                      <a:tailEnd type="none" w="med" len="med"/>
+                    </a:lnT>
+                    <a:lnB w="12700" cap="flat" cmpd="sng" algn="ctr">
+                      <a:solidFill>
+                        <a:schemeClr val="tx1"/>
+                      </a:solidFill>
+                      <a:prstDash val="solid"/>
+                      <a:round/>
+                      <a:headEnd type="none" w="med" len="med"/>
+                      <a:tailEnd type="none" w="med" len="med"/>
+                    </a:lnB>
+                  </a:tcPr>
+                </a:tc>
+                <a:tc>
+                  <a:txBody>
+                    <a:bodyPr/>
+                    <a:lstStyle/>
+                    <a:p>
+                      <a:pPr algn="ctr" fontAlgn="ctr"/>
+                      <a:r>
+                        <a:rPr lang="en-US" altLang="zh-CN" sz="900" u="none" strike="noStrike">
+                          <a:effectLst/>
+                        </a:rPr>
+                        <a:t>14:00</a:t>
+                      </a:r>
+                      <a:r>
+                        <a:rPr lang="zh-CN" altLang="en-US" sz="900" u="none" strike="noStrike">
+                          <a:effectLst/>
+                        </a:rPr>
+                        <a:t>发车</a:t>
+                      </a:r>
+                      <a:endParaRPr lang="zh-CN" altLang="en-US" sz="900" b="0" i="0" u="none" strike="noStrike">
+                        <a:solidFill>
+                          <a:srgbClr val="000000"/>
+                        </a:solidFill>
+                        <a:effectLst/>
+                        <a:latin typeface="宋体" panose="02010600030101010101" pitchFamily="2" charset="-122"/>
+                        <a:ea typeface="宋体" panose="02010600030101010101" pitchFamily="2" charset="-122"/>
+                      </a:endParaRPr>
+                    </a:p>
+                  </a:txBody>
+                  <a:tcPr marL="6482" marR="6482" marT="6482" marB="0" anchor="ctr">
+                    <a:lnL w="12700" cap="flat" cmpd="sng" algn="ctr">
+                      <a:solidFill>
+                        <a:schemeClr val="tx1"/>
+                      </a:solidFill>
+                      <a:prstDash val="solid"/>
+                      <a:round/>
+                      <a:headEnd type="none" w="med" len="med"/>
+                      <a:tailEnd type="none" w="med" len="med"/>
+                    </a:lnL>
+                    <a:lnR w="12700" cap="flat" cmpd="sng" algn="ctr">
+                      <a:solidFill>
+                        <a:schemeClr val="tx1"/>
+                      </a:solidFill>
+                      <a:prstDash val="solid"/>
+                      <a:round/>
+                      <a:headEnd type="none" w="med" len="med"/>
+                      <a:tailEnd type="none" w="med" len="med"/>
+                    </a:lnR>
+                    <a:lnT w="12700" cap="flat" cmpd="sng" algn="ctr">
+                      <a:solidFill>
+                        <a:schemeClr val="tx1"/>
+                      </a:solidFill>
+                      <a:prstDash val="solid"/>
+                      <a:round/>
+                      <a:headEnd type="none" w="med" len="med"/>
+                      <a:tailEnd type="none" w="med" len="med"/>
+                    </a:lnT>
+                    <a:lnB w="12700" cap="flat" cmpd="sng" algn="ctr">
+                      <a:solidFill>
+                        <a:schemeClr val="tx1"/>
+                      </a:solidFill>
+                      <a:prstDash val="solid"/>
+                      <a:round/>
+                      <a:headEnd type="none" w="med" len="med"/>
+                      <a:tailEnd type="none" w="med" len="med"/>
+                    </a:lnB>
+                  </a:tcPr>
+                </a:tc>
+                <a:tc>
+                  <a:txBody>
+                    <a:bodyPr/>
+                    <a:lstStyle/>
+                    <a:p>
+                      <a:pPr algn="ctr" fontAlgn="ctr"/>
+                      <a:r>
+                        <a:rPr lang="en-US" altLang="zh-CN" sz="900" u="none" strike="noStrike">
+                          <a:effectLst/>
+                        </a:rPr>
+                        <a:t>2</a:t>
+                      </a:r>
+                      <a:r>
+                        <a:rPr lang="zh-CN" altLang="en-US" sz="900" u="none" strike="noStrike">
+                          <a:effectLst/>
+                        </a:rPr>
+                        <a:t>号大巴车</a:t>
+                      </a:r>
+                      <a:endParaRPr lang="zh-CN" altLang="en-US" sz="900" b="0" i="0" u="none" strike="noStrike">
+                        <a:solidFill>
+                          <a:srgbClr val="000000"/>
+                        </a:solidFill>
+                        <a:effectLst/>
+                        <a:latin typeface="宋体" panose="02010600030101010101" pitchFamily="2" charset="-122"/>
+                        <a:ea typeface="宋体" panose="02010600030101010101" pitchFamily="2" charset="-122"/>
+                      </a:endParaRPr>
+                    </a:p>
+                  </a:txBody>
+                  <a:tcPr marL="6482" marR="6482" marT="6482" marB="0" anchor="ctr">
+                    <a:lnL w="12700" cap="flat" cmpd="sng" algn="ctr">
+                      <a:solidFill>
+                        <a:schemeClr val="tx1"/>
+                      </a:solidFill>
+                      <a:prstDash val="solid"/>
+                      <a:round/>
+                      <a:headEnd type="none" w="med" len="med"/>
+                      <a:tailEnd type="none" w="med" len="med"/>
+                    </a:lnL>
+                    <a:lnR w="12700" cap="flat" cmpd="sng" algn="ctr">
+                      <a:solidFill>
+                        <a:schemeClr val="tx1"/>
+                      </a:solidFill>
+                      <a:prstDash val="solid"/>
+                      <a:round/>
+                      <a:headEnd type="none" w="med" len="med"/>
+                      <a:tailEnd type="none" w="med" len="med"/>
+                    </a:lnR>
+                    <a:lnT w="12700" cap="flat" cmpd="sng" algn="ctr">
+                      <a:solidFill>
+                        <a:schemeClr val="tx1"/>
+                      </a:solidFill>
+                      <a:prstDash val="solid"/>
+                      <a:round/>
+                      <a:headEnd type="none" w="med" len="med"/>
+                      <a:tailEnd type="none" w="med" len="med"/>
+                    </a:lnT>
+                    <a:lnB w="12700" cap="flat" cmpd="sng" algn="ctr">
+                      <a:solidFill>
+                        <a:schemeClr val="tx1"/>
+                      </a:solidFill>
+                      <a:prstDash val="solid"/>
+                      <a:round/>
+                      <a:headEnd type="none" w="med" len="med"/>
+                      <a:tailEnd type="none" w="med" len="med"/>
+                    </a:lnB>
+                  </a:tcPr>
+                </a:tc>
+                <a:extLst>
+                  <a:ext uri="{0D108BD9-81ED-4DB2-BD59-A6C34878D82A}">
+                    <a16:rowId xmlns:a16="http://schemas.microsoft.com/office/drawing/2014/main" val="1038650938"/>
+                  </a:ext>
+                </a:extLst>
+              </a:tr>
+              <a:tr h="267401">
+                <a:tc>
+                  <a:txBody>
+                    <a:bodyPr/>
+                    <a:lstStyle/>
+                    <a:p>
+                      <a:pPr algn="ctr" fontAlgn="ctr"/>
+                      <a:r>
+                        <a:rPr lang="en-US" altLang="zh-CN" sz="900" u="none" strike="noStrike">
+                          <a:effectLst/>
+                        </a:rPr>
+                        <a:t>6</a:t>
+                      </a:r>
+                      <a:endParaRPr lang="en-US" altLang="zh-CN" sz="900" b="0" i="0" u="none" strike="noStrike">
+                        <a:solidFill>
+                          <a:srgbClr val="000000"/>
+                        </a:solidFill>
+                        <a:effectLst/>
+                        <a:latin typeface="宋体" panose="02010600030101010101" pitchFamily="2" charset="-122"/>
+                        <a:ea typeface="宋体" panose="02010600030101010101" pitchFamily="2" charset="-122"/>
+                      </a:endParaRPr>
+                    </a:p>
+                  </a:txBody>
+                  <a:tcPr marL="6482" marR="6482" marT="6482" marB="0" anchor="ctr">
+                    <a:lnL w="12700" cap="flat" cmpd="sng" algn="ctr">
+                      <a:solidFill>
+                        <a:schemeClr val="tx1"/>
+                      </a:solidFill>
+                      <a:prstDash val="solid"/>
+                      <a:round/>
+                      <a:headEnd type="none" w="med" len="med"/>
+                      <a:tailEnd type="none" w="med" len="med"/>
+                    </a:lnL>
+                    <a:lnR w="12700" cap="flat" cmpd="sng" algn="ctr">
+                      <a:solidFill>
+                        <a:schemeClr val="tx1"/>
+                      </a:solidFill>
+                      <a:prstDash val="solid"/>
+                      <a:round/>
+                      <a:headEnd type="none" w="med" len="med"/>
+                      <a:tailEnd type="none" w="med" len="med"/>
+                    </a:lnR>
+                    <a:lnT w="12700" cap="flat" cmpd="sng" algn="ctr">
+                      <a:solidFill>
+                        <a:schemeClr val="tx1"/>
+                      </a:solidFill>
+                      <a:prstDash val="solid"/>
+                      <a:round/>
+                      <a:headEnd type="none" w="med" len="med"/>
+                      <a:tailEnd type="none" w="med" len="med"/>
+                    </a:lnT>
+                    <a:lnB w="12700" cap="flat" cmpd="sng" algn="ctr">
+                      <a:solidFill>
+                        <a:schemeClr val="tx1"/>
+                      </a:solidFill>
+                      <a:prstDash val="solid"/>
+                      <a:round/>
+                      <a:headEnd type="none" w="med" len="med"/>
+                      <a:tailEnd type="none" w="med" len="med"/>
+                    </a:lnB>
+                  </a:tcPr>
+                </a:tc>
+                <a:tc>
+                  <a:txBody>
+                    <a:bodyPr/>
+                    <a:lstStyle/>
+                    <a:p>
+                      <a:pPr algn="ctr" fontAlgn="ctr"/>
+                      <a:r>
+                        <a:rPr lang="en-US" altLang="zh-CN" sz="900" u="none" strike="noStrike">
+                          <a:effectLst/>
+                        </a:rPr>
+                        <a:t>15:00</a:t>
+                      </a:r>
+                      <a:r>
+                        <a:rPr lang="zh-CN" altLang="en-US" sz="900" u="none" strike="noStrike">
+                          <a:effectLst/>
+                        </a:rPr>
+                        <a:t>发车</a:t>
+                      </a:r>
+                      <a:endParaRPr lang="zh-CN" altLang="en-US" sz="900" b="0" i="0" u="none" strike="noStrike">
+                        <a:solidFill>
+                          <a:srgbClr val="000000"/>
+                        </a:solidFill>
+                        <a:effectLst/>
+                        <a:latin typeface="宋体" panose="02010600030101010101" pitchFamily="2" charset="-122"/>
+                        <a:ea typeface="宋体" panose="02010600030101010101" pitchFamily="2" charset="-122"/>
+                      </a:endParaRPr>
+                    </a:p>
+                  </a:txBody>
+                  <a:tcPr marL="6482" marR="6482" marT="6482" marB="0" anchor="ctr">
+                    <a:lnL w="12700" cap="flat" cmpd="sng" algn="ctr">
+                      <a:solidFill>
+                        <a:schemeClr val="tx1"/>
+                      </a:solidFill>
+                      <a:prstDash val="solid"/>
+                      <a:round/>
+                      <a:headEnd type="none" w="med" len="med"/>
+                      <a:tailEnd type="none" w="med" len="med"/>
+                    </a:lnL>
+                    <a:lnR w="12700" cap="flat" cmpd="sng" algn="ctr">
+                      <a:solidFill>
+                        <a:schemeClr val="tx1"/>
+                      </a:solidFill>
+                      <a:prstDash val="solid"/>
+                      <a:round/>
+                      <a:headEnd type="none" w="med" len="med"/>
+                      <a:tailEnd type="none" w="med" len="med"/>
+                    </a:lnR>
+                    <a:lnT w="12700" cap="flat" cmpd="sng" algn="ctr">
+                      <a:solidFill>
+                        <a:schemeClr val="tx1"/>
+                      </a:solidFill>
+                      <a:prstDash val="solid"/>
+                      <a:round/>
+                      <a:headEnd type="none" w="med" len="med"/>
+                      <a:tailEnd type="none" w="med" len="med"/>
+                    </a:lnT>
+                    <a:lnB w="12700" cap="flat" cmpd="sng" algn="ctr">
+                      <a:solidFill>
+                        <a:schemeClr val="tx1"/>
+                      </a:solidFill>
+                      <a:prstDash val="solid"/>
+                      <a:round/>
+                      <a:headEnd type="none" w="med" len="med"/>
+                      <a:tailEnd type="none" w="med" len="med"/>
+                    </a:lnB>
+                  </a:tcPr>
+                </a:tc>
+                <a:tc>
+                  <a:txBody>
+                    <a:bodyPr/>
+                    <a:lstStyle/>
+                    <a:p>
+                      <a:pPr algn="ctr" fontAlgn="ctr"/>
+                      <a:r>
+                        <a:rPr lang="en-US" altLang="zh-CN" sz="900" u="none" strike="noStrike">
+                          <a:effectLst/>
+                        </a:rPr>
+                        <a:t>3</a:t>
+                      </a:r>
+                      <a:r>
+                        <a:rPr lang="zh-CN" altLang="en-US" sz="900" u="none" strike="noStrike">
+                          <a:effectLst/>
+                        </a:rPr>
+                        <a:t>号大巴车</a:t>
+                      </a:r>
+                      <a:endParaRPr lang="zh-CN" altLang="en-US" sz="900" b="0" i="0" u="none" strike="noStrike">
+                        <a:solidFill>
+                          <a:srgbClr val="000000"/>
+                        </a:solidFill>
+                        <a:effectLst/>
+                        <a:latin typeface="宋体" panose="02010600030101010101" pitchFamily="2" charset="-122"/>
+                        <a:ea typeface="宋体" panose="02010600030101010101" pitchFamily="2" charset="-122"/>
+                      </a:endParaRPr>
+                    </a:p>
+                  </a:txBody>
+                  <a:tcPr marL="6482" marR="6482" marT="6482" marB="0" anchor="ctr">
+                    <a:lnL w="12700" cap="flat" cmpd="sng" algn="ctr">
+                      <a:solidFill>
+                        <a:schemeClr val="tx1"/>
+                      </a:solidFill>
+                      <a:prstDash val="solid"/>
+                      <a:round/>
+                      <a:headEnd type="none" w="med" len="med"/>
+                      <a:tailEnd type="none" w="med" len="med"/>
+                    </a:lnL>
+                    <a:lnR w="12700" cap="flat" cmpd="sng" algn="ctr">
+                      <a:solidFill>
+                        <a:schemeClr val="tx1"/>
+                      </a:solidFill>
+                      <a:prstDash val="solid"/>
+                      <a:round/>
+                      <a:headEnd type="none" w="med" len="med"/>
+                      <a:tailEnd type="none" w="med" len="med"/>
+                    </a:lnR>
+                    <a:lnT w="12700" cap="flat" cmpd="sng" algn="ctr">
+                      <a:solidFill>
+                        <a:schemeClr val="tx1"/>
+                      </a:solidFill>
+                      <a:prstDash val="solid"/>
+                      <a:round/>
+                      <a:headEnd type="none" w="med" len="med"/>
+                      <a:tailEnd type="none" w="med" len="med"/>
+                    </a:lnT>
+                    <a:lnB w="12700" cap="flat" cmpd="sng" algn="ctr">
+                      <a:solidFill>
+                        <a:schemeClr val="tx1"/>
+                      </a:solidFill>
+                      <a:prstDash val="solid"/>
+                      <a:round/>
+                      <a:headEnd type="none" w="med" len="med"/>
+                      <a:tailEnd type="none" w="med" len="med"/>
+                    </a:lnB>
+                  </a:tcPr>
+                </a:tc>
+                <a:tc>
+                  <a:txBody>
+                    <a:bodyPr/>
+                    <a:lstStyle/>
+                    <a:p>
+                      <a:pPr algn="ctr" fontAlgn="ctr"/>
+                      <a:r>
+                        <a:rPr lang="en-US" altLang="zh-CN" sz="900" u="none" strike="noStrike">
+                          <a:effectLst/>
+                        </a:rPr>
+                        <a:t>15:00</a:t>
+                      </a:r>
+                      <a:r>
+                        <a:rPr lang="zh-CN" altLang="en-US" sz="900" u="none" strike="noStrike">
+                          <a:effectLst/>
+                        </a:rPr>
+                        <a:t>发车</a:t>
+                      </a:r>
+                      <a:endParaRPr lang="zh-CN" altLang="en-US" sz="900" b="0" i="0" u="none" strike="noStrike">
+                        <a:solidFill>
+                          <a:srgbClr val="000000"/>
+                        </a:solidFill>
+                        <a:effectLst/>
+                        <a:latin typeface="宋体" panose="02010600030101010101" pitchFamily="2" charset="-122"/>
+                        <a:ea typeface="宋体" panose="02010600030101010101" pitchFamily="2" charset="-122"/>
+                      </a:endParaRPr>
+                    </a:p>
+                  </a:txBody>
+                  <a:tcPr marL="6482" marR="6482" marT="6482" marB="0" anchor="ctr">
+                    <a:lnL w="12700" cap="flat" cmpd="sng" algn="ctr">
+                      <a:solidFill>
+                        <a:schemeClr val="tx1"/>
+                      </a:solidFill>
+                      <a:prstDash val="solid"/>
+                      <a:round/>
+                      <a:headEnd type="none" w="med" len="med"/>
+                      <a:tailEnd type="none" w="med" len="med"/>
+                    </a:lnL>
+                    <a:lnR w="12700" cap="flat" cmpd="sng" algn="ctr">
+                      <a:solidFill>
+                        <a:schemeClr val="tx1"/>
+                      </a:solidFill>
+                      <a:prstDash val="solid"/>
+                      <a:round/>
+                      <a:headEnd type="none" w="med" len="med"/>
+                      <a:tailEnd type="none" w="med" len="med"/>
+                    </a:lnR>
+                    <a:lnT w="12700" cap="flat" cmpd="sng" algn="ctr">
+                      <a:solidFill>
+                        <a:schemeClr val="tx1"/>
+                      </a:solidFill>
+                      <a:prstDash val="solid"/>
+                      <a:round/>
+                      <a:headEnd type="none" w="med" len="med"/>
+                      <a:tailEnd type="none" w="med" len="med"/>
+                    </a:lnT>
+                    <a:lnB w="12700" cap="flat" cmpd="sng" algn="ctr">
+                      <a:solidFill>
+                        <a:schemeClr val="tx1"/>
+                      </a:solidFill>
+                      <a:prstDash val="solid"/>
+                      <a:round/>
+                      <a:headEnd type="none" w="med" len="med"/>
+                      <a:tailEnd type="none" w="med" len="med"/>
+                    </a:lnB>
+                  </a:tcPr>
+                </a:tc>
+                <a:tc>
+                  <a:txBody>
+                    <a:bodyPr/>
+                    <a:lstStyle/>
+                    <a:p>
+                      <a:pPr algn="ctr" fontAlgn="ctr"/>
+                      <a:r>
+                        <a:rPr lang="en-US" altLang="zh-CN" sz="900" u="none" strike="noStrike">
+                          <a:effectLst/>
+                        </a:rPr>
+                        <a:t>3</a:t>
+                      </a:r>
+                      <a:r>
+                        <a:rPr lang="zh-CN" altLang="en-US" sz="900" u="none" strike="noStrike">
+                          <a:effectLst/>
+                        </a:rPr>
+                        <a:t>号大巴车</a:t>
+                      </a:r>
+                      <a:endParaRPr lang="zh-CN" altLang="en-US" sz="900" b="0" i="0" u="none" strike="noStrike">
+                        <a:solidFill>
+                          <a:srgbClr val="000000"/>
+                        </a:solidFill>
+                        <a:effectLst/>
+                        <a:latin typeface="宋体" panose="02010600030101010101" pitchFamily="2" charset="-122"/>
+                        <a:ea typeface="宋体" panose="02010600030101010101" pitchFamily="2" charset="-122"/>
+                      </a:endParaRPr>
+                    </a:p>
+                  </a:txBody>
+                  <a:tcPr marL="6482" marR="6482" marT="6482" marB="0" anchor="ctr">
+                    <a:lnL w="12700" cap="flat" cmpd="sng" algn="ctr">
+                      <a:solidFill>
+                        <a:schemeClr val="tx1"/>
+                      </a:solidFill>
+                      <a:prstDash val="solid"/>
+                      <a:round/>
+                      <a:headEnd type="none" w="med" len="med"/>
+                      <a:tailEnd type="none" w="med" len="med"/>
+                    </a:lnL>
+                    <a:lnR w="12700" cap="flat" cmpd="sng" algn="ctr">
+                      <a:solidFill>
+                        <a:schemeClr val="tx1"/>
+                      </a:solidFill>
+                      <a:prstDash val="solid"/>
+                      <a:round/>
+                      <a:headEnd type="none" w="med" len="med"/>
+                      <a:tailEnd type="none" w="med" len="med"/>
+                    </a:lnR>
+                    <a:lnT w="12700" cap="flat" cmpd="sng" algn="ctr">
+                      <a:solidFill>
+                        <a:schemeClr val="tx1"/>
+                      </a:solidFill>
+                      <a:prstDash val="solid"/>
+                      <a:round/>
+                      <a:headEnd type="none" w="med" len="med"/>
+                      <a:tailEnd type="none" w="med" len="med"/>
+                    </a:lnT>
+                    <a:lnB w="12700" cap="flat" cmpd="sng" algn="ctr">
+                      <a:solidFill>
+                        <a:schemeClr val="tx1"/>
+                      </a:solidFill>
+                      <a:prstDash val="solid"/>
+                      <a:round/>
+                      <a:headEnd type="none" w="med" len="med"/>
+                      <a:tailEnd type="none" w="med" len="med"/>
+                    </a:lnB>
+                  </a:tcPr>
+                </a:tc>
+                <a:extLst>
+                  <a:ext uri="{0D108BD9-81ED-4DB2-BD59-A6C34878D82A}">
+                    <a16:rowId xmlns:a16="http://schemas.microsoft.com/office/drawing/2014/main" val="2992597713"/>
+                  </a:ext>
+                </a:extLst>
+              </a:tr>
+              <a:tr h="267401">
+                <a:tc>
+                  <a:txBody>
+                    <a:bodyPr/>
+                    <a:lstStyle/>
+                    <a:p>
+                      <a:pPr algn="ctr" fontAlgn="ctr"/>
+                      <a:r>
+                        <a:rPr lang="en-US" altLang="zh-CN" sz="900" u="none" strike="noStrike">
+                          <a:effectLst/>
+                        </a:rPr>
+                        <a:t>7</a:t>
+                      </a:r>
+                      <a:endParaRPr lang="en-US" altLang="zh-CN" sz="900" b="0" i="0" u="none" strike="noStrike">
+                        <a:solidFill>
+                          <a:srgbClr val="000000"/>
+                        </a:solidFill>
+                        <a:effectLst/>
+                        <a:latin typeface="宋体" panose="02010600030101010101" pitchFamily="2" charset="-122"/>
+                        <a:ea typeface="宋体" panose="02010600030101010101" pitchFamily="2" charset="-122"/>
+                      </a:endParaRPr>
+                    </a:p>
+                  </a:txBody>
+                  <a:tcPr marL="6482" marR="6482" marT="6482" marB="0" anchor="ctr">
+                    <a:lnL w="12700" cap="flat" cmpd="sng" algn="ctr">
+                      <a:solidFill>
+                        <a:schemeClr val="tx1"/>
+                      </a:solidFill>
+                      <a:prstDash val="solid"/>
+                      <a:round/>
+                      <a:headEnd type="none" w="med" len="med"/>
+                      <a:tailEnd type="none" w="med" len="med"/>
+                    </a:lnL>
+                    <a:lnR w="12700" cap="flat" cmpd="sng" algn="ctr">
+                      <a:solidFill>
+                        <a:schemeClr val="tx1"/>
+                      </a:solidFill>
+                      <a:prstDash val="solid"/>
+                      <a:round/>
+                      <a:headEnd type="none" w="med" len="med"/>
+                      <a:tailEnd type="none" w="med" len="med"/>
+                    </a:lnR>
+                    <a:lnT w="12700" cap="flat" cmpd="sng" algn="ctr">
+                      <a:solidFill>
+                        <a:schemeClr val="tx1"/>
+                      </a:solidFill>
+                      <a:prstDash val="solid"/>
+                      <a:round/>
+                      <a:headEnd type="none" w="med" len="med"/>
+                      <a:tailEnd type="none" w="med" len="med"/>
+                    </a:lnT>
+                    <a:lnB w="12700" cap="flat" cmpd="sng" algn="ctr">
+                      <a:solidFill>
+                        <a:schemeClr val="tx1"/>
+                      </a:solidFill>
+                      <a:prstDash val="solid"/>
+                      <a:round/>
+                      <a:headEnd type="none" w="med" len="med"/>
+                      <a:tailEnd type="none" w="med" len="med"/>
+                    </a:lnB>
+                  </a:tcPr>
+                </a:tc>
+                <a:tc>
+                  <a:txBody>
+                    <a:bodyPr/>
+                    <a:lstStyle/>
+                    <a:p>
+                      <a:pPr algn="ctr" fontAlgn="ctr"/>
+                      <a:r>
+                        <a:rPr lang="en-US" altLang="zh-CN" sz="900" u="none" strike="noStrike">
+                          <a:effectLst/>
+                        </a:rPr>
+                        <a:t>16:00</a:t>
+                      </a:r>
+                      <a:r>
+                        <a:rPr lang="zh-CN" altLang="en-US" sz="900" u="none" strike="noStrike">
+                          <a:effectLst/>
+                        </a:rPr>
+                        <a:t>发车</a:t>
+                      </a:r>
+                      <a:endParaRPr lang="zh-CN" altLang="en-US" sz="900" b="0" i="0" u="none" strike="noStrike">
+                        <a:solidFill>
+                          <a:srgbClr val="000000"/>
+                        </a:solidFill>
+                        <a:effectLst/>
+                        <a:latin typeface="宋体" panose="02010600030101010101" pitchFamily="2" charset="-122"/>
+                        <a:ea typeface="宋体" panose="02010600030101010101" pitchFamily="2" charset="-122"/>
+                      </a:endParaRPr>
+                    </a:p>
+                  </a:txBody>
+                  <a:tcPr marL="6482" marR="6482" marT="6482" marB="0" anchor="ctr">
+                    <a:lnL w="12700" cap="flat" cmpd="sng" algn="ctr">
+                      <a:solidFill>
+                        <a:schemeClr val="tx1"/>
+                      </a:solidFill>
+                      <a:prstDash val="solid"/>
+                      <a:round/>
+                      <a:headEnd type="none" w="med" len="med"/>
+                      <a:tailEnd type="none" w="med" len="med"/>
+                    </a:lnL>
+                    <a:lnR w="12700" cap="flat" cmpd="sng" algn="ctr">
+                      <a:solidFill>
+                        <a:schemeClr val="tx1"/>
+                      </a:solidFill>
+                      <a:prstDash val="solid"/>
+                      <a:round/>
+                      <a:headEnd type="none" w="med" len="med"/>
+                      <a:tailEnd type="none" w="med" len="med"/>
+                    </a:lnR>
+                    <a:lnT w="12700" cap="flat" cmpd="sng" algn="ctr">
+                      <a:solidFill>
+                        <a:schemeClr val="tx1"/>
+                      </a:solidFill>
+                      <a:prstDash val="solid"/>
+                      <a:round/>
+                      <a:headEnd type="none" w="med" len="med"/>
+                      <a:tailEnd type="none" w="med" len="med"/>
+                    </a:lnT>
+                    <a:lnB w="12700" cap="flat" cmpd="sng" algn="ctr">
+                      <a:solidFill>
+                        <a:schemeClr val="tx1"/>
+                      </a:solidFill>
+                      <a:prstDash val="solid"/>
+                      <a:round/>
+                      <a:headEnd type="none" w="med" len="med"/>
+                      <a:tailEnd type="none" w="med" len="med"/>
+                    </a:lnB>
+                  </a:tcPr>
+                </a:tc>
+                <a:tc>
+                  <a:txBody>
+                    <a:bodyPr/>
+                    <a:lstStyle/>
+                    <a:p>
+                      <a:pPr algn="ctr" fontAlgn="ctr"/>
+                      <a:r>
+                        <a:rPr lang="en-US" altLang="zh-CN" sz="900" u="none" strike="noStrike">
+                          <a:effectLst/>
+                        </a:rPr>
+                        <a:t>1</a:t>
+                      </a:r>
+                      <a:r>
+                        <a:rPr lang="zh-CN" altLang="en-US" sz="900" u="none" strike="noStrike">
+                          <a:effectLst/>
+                        </a:rPr>
+                        <a:t>号大巴车</a:t>
+                      </a:r>
+                      <a:endParaRPr lang="zh-CN" altLang="en-US" sz="900" b="0" i="0" u="none" strike="noStrike">
+                        <a:solidFill>
+                          <a:srgbClr val="000000"/>
+                        </a:solidFill>
+                        <a:effectLst/>
+                        <a:latin typeface="宋体" panose="02010600030101010101" pitchFamily="2" charset="-122"/>
+                        <a:ea typeface="宋体" panose="02010600030101010101" pitchFamily="2" charset="-122"/>
+                      </a:endParaRPr>
+                    </a:p>
+                  </a:txBody>
+                  <a:tcPr marL="6482" marR="6482" marT="6482" marB="0" anchor="ctr">
+                    <a:lnL w="12700" cap="flat" cmpd="sng" algn="ctr">
+                      <a:solidFill>
+                        <a:schemeClr val="tx1"/>
+                      </a:solidFill>
+                      <a:prstDash val="solid"/>
+                      <a:round/>
+                      <a:headEnd type="none" w="med" len="med"/>
+                      <a:tailEnd type="none" w="med" len="med"/>
+                    </a:lnL>
+                    <a:lnR w="12700" cap="flat" cmpd="sng" algn="ctr">
+                      <a:solidFill>
+                        <a:schemeClr val="tx1"/>
+                      </a:solidFill>
+                      <a:prstDash val="solid"/>
+                      <a:round/>
+                      <a:headEnd type="none" w="med" len="med"/>
+                      <a:tailEnd type="none" w="med" len="med"/>
+                    </a:lnR>
+                    <a:lnT w="12700" cap="flat" cmpd="sng" algn="ctr">
+                      <a:solidFill>
+                        <a:schemeClr val="tx1"/>
+                      </a:solidFill>
+                      <a:prstDash val="solid"/>
+                      <a:round/>
+                      <a:headEnd type="none" w="med" len="med"/>
+                      <a:tailEnd type="none" w="med" len="med"/>
+                    </a:lnT>
+                    <a:lnB w="12700" cap="flat" cmpd="sng" algn="ctr">
+                      <a:solidFill>
+                        <a:schemeClr val="tx1"/>
+                      </a:solidFill>
+                      <a:prstDash val="solid"/>
+                      <a:round/>
+                      <a:headEnd type="none" w="med" len="med"/>
+                      <a:tailEnd type="none" w="med" len="med"/>
+                    </a:lnB>
+                  </a:tcPr>
+                </a:tc>
+                <a:tc>
+                  <a:txBody>
+                    <a:bodyPr/>
+                    <a:lstStyle/>
+                    <a:p>
+                      <a:pPr algn="ctr" fontAlgn="ctr"/>
+                      <a:r>
+                        <a:rPr lang="en-US" altLang="zh-CN" sz="900" u="none" strike="noStrike">
+                          <a:effectLst/>
+                        </a:rPr>
+                        <a:t>16:00</a:t>
+                      </a:r>
+                      <a:r>
+                        <a:rPr lang="zh-CN" altLang="en-US" sz="900" u="none" strike="noStrike">
+                          <a:effectLst/>
+                        </a:rPr>
+                        <a:t>发车</a:t>
+                      </a:r>
+                      <a:endParaRPr lang="zh-CN" altLang="en-US" sz="900" b="0" i="0" u="none" strike="noStrike">
+                        <a:solidFill>
+                          <a:srgbClr val="000000"/>
+                        </a:solidFill>
+                        <a:effectLst/>
+                        <a:latin typeface="宋体" panose="02010600030101010101" pitchFamily="2" charset="-122"/>
+                        <a:ea typeface="宋体" panose="02010600030101010101" pitchFamily="2" charset="-122"/>
+                      </a:endParaRPr>
+                    </a:p>
+                  </a:txBody>
+                  <a:tcPr marL="6482" marR="6482" marT="6482" marB="0" anchor="ctr">
+                    <a:lnL w="12700" cap="flat" cmpd="sng" algn="ctr">
+                      <a:solidFill>
+                        <a:schemeClr val="tx1"/>
+                      </a:solidFill>
+                      <a:prstDash val="solid"/>
+                      <a:round/>
+                      <a:headEnd type="none" w="med" len="med"/>
+                      <a:tailEnd type="none" w="med" len="med"/>
+                    </a:lnL>
+                    <a:lnR w="12700" cap="flat" cmpd="sng" algn="ctr">
+                      <a:solidFill>
+                        <a:schemeClr val="tx1"/>
+                      </a:solidFill>
+                      <a:prstDash val="solid"/>
+                      <a:round/>
+                      <a:headEnd type="none" w="med" len="med"/>
+                      <a:tailEnd type="none" w="med" len="med"/>
+                    </a:lnR>
+                    <a:lnT w="12700" cap="flat" cmpd="sng" algn="ctr">
+                      <a:solidFill>
+                        <a:schemeClr val="tx1"/>
+                      </a:solidFill>
+                      <a:prstDash val="solid"/>
+                      <a:round/>
+                      <a:headEnd type="none" w="med" len="med"/>
+                      <a:tailEnd type="none" w="med" len="med"/>
+                    </a:lnT>
+                    <a:lnB w="12700" cap="flat" cmpd="sng" algn="ctr">
+                      <a:solidFill>
+                        <a:schemeClr val="tx1"/>
+                      </a:solidFill>
+                      <a:prstDash val="solid"/>
+                      <a:round/>
+                      <a:headEnd type="none" w="med" len="med"/>
+                      <a:tailEnd type="none" w="med" len="med"/>
+                    </a:lnB>
+                  </a:tcPr>
+                </a:tc>
+                <a:tc>
+                  <a:txBody>
+                    <a:bodyPr/>
+                    <a:lstStyle/>
+                    <a:p>
+                      <a:pPr algn="ctr" fontAlgn="ctr"/>
+                      <a:r>
+                        <a:rPr lang="en-US" altLang="zh-CN" sz="900" u="none" strike="noStrike">
+                          <a:effectLst/>
+                        </a:rPr>
+                        <a:t>1</a:t>
+                      </a:r>
+                      <a:r>
+                        <a:rPr lang="zh-CN" altLang="en-US" sz="900" u="none" strike="noStrike">
+                          <a:effectLst/>
+                        </a:rPr>
+                        <a:t>号大巴车</a:t>
+                      </a:r>
+                      <a:endParaRPr lang="zh-CN" altLang="en-US" sz="900" b="0" i="0" u="none" strike="noStrike">
+                        <a:solidFill>
+                          <a:srgbClr val="000000"/>
+                        </a:solidFill>
+                        <a:effectLst/>
+                        <a:latin typeface="宋体" panose="02010600030101010101" pitchFamily="2" charset="-122"/>
+                        <a:ea typeface="宋体" panose="02010600030101010101" pitchFamily="2" charset="-122"/>
+                      </a:endParaRPr>
+                    </a:p>
+                  </a:txBody>
+                  <a:tcPr marL="6482" marR="6482" marT="6482" marB="0" anchor="ctr">
+                    <a:lnL w="12700" cap="flat" cmpd="sng" algn="ctr">
+                      <a:solidFill>
+                        <a:schemeClr val="tx1"/>
+                      </a:solidFill>
+                      <a:prstDash val="solid"/>
+                      <a:round/>
+                      <a:headEnd type="none" w="med" len="med"/>
+                      <a:tailEnd type="none" w="med" len="med"/>
+                    </a:lnL>
+                    <a:lnR w="12700" cap="flat" cmpd="sng" algn="ctr">
+                      <a:solidFill>
+                        <a:schemeClr val="tx1"/>
+                      </a:solidFill>
+                      <a:prstDash val="solid"/>
+                      <a:round/>
+                      <a:headEnd type="none" w="med" len="med"/>
+                      <a:tailEnd type="none" w="med" len="med"/>
+                    </a:lnR>
+                    <a:lnT w="12700" cap="flat" cmpd="sng" algn="ctr">
+                      <a:solidFill>
+                        <a:schemeClr val="tx1"/>
+                      </a:solidFill>
+                      <a:prstDash val="solid"/>
+                      <a:round/>
+                      <a:headEnd type="none" w="med" len="med"/>
+                      <a:tailEnd type="none" w="med" len="med"/>
+                    </a:lnT>
+                    <a:lnB w="12700" cap="flat" cmpd="sng" algn="ctr">
+                      <a:solidFill>
+                        <a:schemeClr val="tx1"/>
+                      </a:solidFill>
+                      <a:prstDash val="solid"/>
+                      <a:round/>
+                      <a:headEnd type="none" w="med" len="med"/>
+                      <a:tailEnd type="none" w="med" len="med"/>
+                    </a:lnB>
+                  </a:tcPr>
+                </a:tc>
+                <a:extLst>
+                  <a:ext uri="{0D108BD9-81ED-4DB2-BD59-A6C34878D82A}">
+                    <a16:rowId xmlns:a16="http://schemas.microsoft.com/office/drawing/2014/main" val="2260653581"/>
+                  </a:ext>
+                </a:extLst>
+              </a:tr>
+              <a:tr h="267401">
+                <a:tc>
+                  <a:txBody>
+                    <a:bodyPr/>
+                    <a:lstStyle/>
+                    <a:p>
+                      <a:pPr algn="ctr" fontAlgn="ctr"/>
+                      <a:r>
+                        <a:rPr lang="en-US" altLang="zh-CN" sz="900" u="none" strike="noStrike">
+                          <a:effectLst/>
+                        </a:rPr>
+                        <a:t>8</a:t>
+                      </a:r>
+                      <a:endParaRPr lang="en-US" altLang="zh-CN" sz="900" b="0" i="0" u="none" strike="noStrike">
+                        <a:solidFill>
+                          <a:srgbClr val="000000"/>
+                        </a:solidFill>
+                        <a:effectLst/>
+                        <a:latin typeface="宋体" panose="02010600030101010101" pitchFamily="2" charset="-122"/>
+                        <a:ea typeface="宋体" panose="02010600030101010101" pitchFamily="2" charset="-122"/>
+                      </a:endParaRPr>
+                    </a:p>
+                  </a:txBody>
+                  <a:tcPr marL="6482" marR="6482" marT="6482" marB="0" anchor="ctr">
+                    <a:lnL w="12700" cap="flat" cmpd="sng" algn="ctr">
+                      <a:solidFill>
+                        <a:schemeClr val="tx1"/>
+                      </a:solidFill>
+                      <a:prstDash val="solid"/>
+                      <a:round/>
+                      <a:headEnd type="none" w="med" len="med"/>
+                      <a:tailEnd type="none" w="med" len="med"/>
+                    </a:lnL>
+                    <a:lnR w="12700" cap="flat" cmpd="sng" algn="ctr">
+                      <a:solidFill>
+                        <a:schemeClr val="tx1"/>
+                      </a:solidFill>
+                      <a:prstDash val="solid"/>
+                      <a:round/>
+                      <a:headEnd type="none" w="med" len="med"/>
+                      <a:tailEnd type="none" w="med" len="med"/>
+                    </a:lnR>
+                    <a:lnT w="12700" cap="flat" cmpd="sng" algn="ctr">
+                      <a:solidFill>
+                        <a:schemeClr val="tx1"/>
+                      </a:solidFill>
+                      <a:prstDash val="solid"/>
+                      <a:round/>
+                      <a:headEnd type="none" w="med" len="med"/>
+                      <a:tailEnd type="none" w="med" len="med"/>
+                    </a:lnT>
+                    <a:lnB w="12700" cap="flat" cmpd="sng" algn="ctr">
+                      <a:solidFill>
+                        <a:schemeClr val="tx1"/>
+                      </a:solidFill>
+                      <a:prstDash val="solid"/>
+                      <a:round/>
+                      <a:headEnd type="none" w="med" len="med"/>
+                      <a:tailEnd type="none" w="med" len="med"/>
+                    </a:lnB>
+                  </a:tcPr>
+                </a:tc>
+                <a:tc>
+                  <a:txBody>
+                    <a:bodyPr/>
+                    <a:lstStyle/>
+                    <a:p>
+                      <a:pPr algn="ctr" fontAlgn="ctr"/>
+                      <a:r>
+                        <a:rPr lang="en-US" altLang="zh-CN" sz="900" u="none" strike="noStrike">
+                          <a:effectLst/>
+                        </a:rPr>
+                        <a:t>17:00</a:t>
+                      </a:r>
+                      <a:r>
+                        <a:rPr lang="zh-CN" altLang="en-US" sz="900" u="none" strike="noStrike">
+                          <a:effectLst/>
+                        </a:rPr>
+                        <a:t>发车</a:t>
+                      </a:r>
+                      <a:endParaRPr lang="zh-CN" altLang="en-US" sz="900" b="0" i="0" u="none" strike="noStrike">
+                        <a:solidFill>
+                          <a:srgbClr val="000000"/>
+                        </a:solidFill>
+                        <a:effectLst/>
+                        <a:latin typeface="宋体" panose="02010600030101010101" pitchFamily="2" charset="-122"/>
+                        <a:ea typeface="宋体" panose="02010600030101010101" pitchFamily="2" charset="-122"/>
+                      </a:endParaRPr>
+                    </a:p>
+                  </a:txBody>
+                  <a:tcPr marL="6482" marR="6482" marT="6482" marB="0" anchor="ctr">
+                    <a:lnL w="12700" cap="flat" cmpd="sng" algn="ctr">
+                      <a:solidFill>
+                        <a:schemeClr val="tx1"/>
+                      </a:solidFill>
+                      <a:prstDash val="solid"/>
+                      <a:round/>
+                      <a:headEnd type="none" w="med" len="med"/>
+                      <a:tailEnd type="none" w="med" len="med"/>
+                    </a:lnL>
+                    <a:lnR w="12700" cap="flat" cmpd="sng" algn="ctr">
+                      <a:solidFill>
+                        <a:schemeClr val="tx1"/>
+                      </a:solidFill>
+                      <a:prstDash val="solid"/>
+                      <a:round/>
+                      <a:headEnd type="none" w="med" len="med"/>
+                      <a:tailEnd type="none" w="med" len="med"/>
+                    </a:lnR>
+                    <a:lnT w="12700" cap="flat" cmpd="sng" algn="ctr">
+                      <a:solidFill>
+                        <a:schemeClr val="tx1"/>
+                      </a:solidFill>
+                      <a:prstDash val="solid"/>
+                      <a:round/>
+                      <a:headEnd type="none" w="med" len="med"/>
+                      <a:tailEnd type="none" w="med" len="med"/>
+                    </a:lnT>
+                    <a:lnB w="12700" cap="flat" cmpd="sng" algn="ctr">
+                      <a:solidFill>
+                        <a:schemeClr val="tx1"/>
+                      </a:solidFill>
+                      <a:prstDash val="solid"/>
+                      <a:round/>
+                      <a:headEnd type="none" w="med" len="med"/>
+                      <a:tailEnd type="none" w="med" len="med"/>
+                    </a:lnB>
+                  </a:tcPr>
+                </a:tc>
+                <a:tc>
+                  <a:txBody>
+                    <a:bodyPr/>
+                    <a:lstStyle/>
+                    <a:p>
+                      <a:pPr algn="ctr" fontAlgn="ctr"/>
+                      <a:r>
+                        <a:rPr lang="en-US" altLang="zh-CN" sz="900" u="none" strike="noStrike">
+                          <a:effectLst/>
+                        </a:rPr>
+                        <a:t>2</a:t>
+                      </a:r>
+                      <a:r>
+                        <a:rPr lang="zh-CN" altLang="en-US" sz="900" u="none" strike="noStrike">
+                          <a:effectLst/>
+                        </a:rPr>
+                        <a:t>号大巴车</a:t>
+                      </a:r>
+                      <a:endParaRPr lang="zh-CN" altLang="en-US" sz="900" b="0" i="0" u="none" strike="noStrike">
+                        <a:solidFill>
+                          <a:srgbClr val="000000"/>
+                        </a:solidFill>
+                        <a:effectLst/>
+                        <a:latin typeface="宋体" panose="02010600030101010101" pitchFamily="2" charset="-122"/>
+                        <a:ea typeface="宋体" panose="02010600030101010101" pitchFamily="2" charset="-122"/>
+                      </a:endParaRPr>
+                    </a:p>
+                  </a:txBody>
+                  <a:tcPr marL="6482" marR="6482" marT="6482" marB="0" anchor="ctr">
+                    <a:lnL w="12700" cap="flat" cmpd="sng" algn="ctr">
+                      <a:solidFill>
+                        <a:schemeClr val="tx1"/>
+                      </a:solidFill>
+                      <a:prstDash val="solid"/>
+                      <a:round/>
+                      <a:headEnd type="none" w="med" len="med"/>
+                      <a:tailEnd type="none" w="med" len="med"/>
+                    </a:lnL>
+                    <a:lnR w="12700" cap="flat" cmpd="sng" algn="ctr">
+                      <a:solidFill>
+                        <a:schemeClr val="tx1"/>
+                      </a:solidFill>
+                      <a:prstDash val="solid"/>
+                      <a:round/>
+                      <a:headEnd type="none" w="med" len="med"/>
+                      <a:tailEnd type="none" w="med" len="med"/>
+                    </a:lnR>
+                    <a:lnT w="12700" cap="flat" cmpd="sng" algn="ctr">
+                      <a:solidFill>
+                        <a:schemeClr val="tx1"/>
+                      </a:solidFill>
+                      <a:prstDash val="solid"/>
+                      <a:round/>
+                      <a:headEnd type="none" w="med" len="med"/>
+                      <a:tailEnd type="none" w="med" len="med"/>
+                    </a:lnT>
+                    <a:lnB w="12700" cap="flat" cmpd="sng" algn="ctr">
+                      <a:solidFill>
+                        <a:schemeClr val="tx1"/>
+                      </a:solidFill>
+                      <a:prstDash val="solid"/>
+                      <a:round/>
+                      <a:headEnd type="none" w="med" len="med"/>
+                      <a:tailEnd type="none" w="med" len="med"/>
+                    </a:lnB>
+                  </a:tcPr>
+                </a:tc>
+                <a:tc>
+                  <a:txBody>
+                    <a:bodyPr/>
+                    <a:lstStyle/>
+                    <a:p>
+                      <a:pPr algn="ctr" fontAlgn="ctr"/>
+                      <a:r>
+                        <a:rPr lang="en-US" altLang="zh-CN" sz="900" u="none" strike="noStrike">
+                          <a:effectLst/>
+                        </a:rPr>
+                        <a:t>17:00</a:t>
+                      </a:r>
+                      <a:r>
+                        <a:rPr lang="zh-CN" altLang="en-US" sz="900" u="none" strike="noStrike">
+                          <a:effectLst/>
+                        </a:rPr>
+                        <a:t>发车</a:t>
+                      </a:r>
+                      <a:endParaRPr lang="zh-CN" altLang="en-US" sz="900" b="0" i="0" u="none" strike="noStrike">
+                        <a:solidFill>
+                          <a:srgbClr val="000000"/>
+                        </a:solidFill>
+                        <a:effectLst/>
+                        <a:latin typeface="宋体" panose="02010600030101010101" pitchFamily="2" charset="-122"/>
+                        <a:ea typeface="宋体" panose="02010600030101010101" pitchFamily="2" charset="-122"/>
+                      </a:endParaRPr>
+                    </a:p>
+                  </a:txBody>
+                  <a:tcPr marL="6482" marR="6482" marT="6482" marB="0" anchor="ctr">
+                    <a:lnL w="12700" cap="flat" cmpd="sng" algn="ctr">
+                      <a:solidFill>
+                        <a:schemeClr val="tx1"/>
+                      </a:solidFill>
+                      <a:prstDash val="solid"/>
+                      <a:round/>
+                      <a:headEnd type="none" w="med" len="med"/>
+                      <a:tailEnd type="none" w="med" len="med"/>
+                    </a:lnL>
+                    <a:lnR w="12700" cap="flat" cmpd="sng" algn="ctr">
+                      <a:solidFill>
+                        <a:schemeClr val="tx1"/>
+                      </a:solidFill>
+                      <a:prstDash val="solid"/>
+                      <a:round/>
+                      <a:headEnd type="none" w="med" len="med"/>
+                      <a:tailEnd type="none" w="med" len="med"/>
+                    </a:lnR>
+                    <a:lnT w="12700" cap="flat" cmpd="sng" algn="ctr">
+                      <a:solidFill>
+                        <a:schemeClr val="tx1"/>
+                      </a:solidFill>
+                      <a:prstDash val="solid"/>
+                      <a:round/>
+                      <a:headEnd type="none" w="med" len="med"/>
+                      <a:tailEnd type="none" w="med" len="med"/>
+                    </a:lnT>
+                    <a:lnB w="12700" cap="flat" cmpd="sng" algn="ctr">
+                      <a:solidFill>
+                        <a:schemeClr val="tx1"/>
+                      </a:solidFill>
+                      <a:prstDash val="solid"/>
+                      <a:round/>
+                      <a:headEnd type="none" w="med" len="med"/>
+                      <a:tailEnd type="none" w="med" len="med"/>
+                    </a:lnB>
+                  </a:tcPr>
+                </a:tc>
+                <a:tc>
+                  <a:txBody>
+                    <a:bodyPr/>
+                    <a:lstStyle/>
+                    <a:p>
+                      <a:pPr algn="ctr" fontAlgn="ctr"/>
+                      <a:r>
+                        <a:rPr lang="en-US" altLang="zh-CN" sz="900" u="none" strike="noStrike">
+                          <a:effectLst/>
+                        </a:rPr>
+                        <a:t>2</a:t>
+                      </a:r>
+                      <a:r>
+                        <a:rPr lang="zh-CN" altLang="en-US" sz="900" u="none" strike="noStrike">
+                          <a:effectLst/>
+                        </a:rPr>
+                        <a:t>号大巴车</a:t>
+                      </a:r>
+                      <a:endParaRPr lang="zh-CN" altLang="en-US" sz="900" b="0" i="0" u="none" strike="noStrike">
+                        <a:solidFill>
+                          <a:srgbClr val="000000"/>
+                        </a:solidFill>
+                        <a:effectLst/>
+                        <a:latin typeface="宋体" panose="02010600030101010101" pitchFamily="2" charset="-122"/>
+                        <a:ea typeface="宋体" panose="02010600030101010101" pitchFamily="2" charset="-122"/>
+                      </a:endParaRPr>
+                    </a:p>
+                  </a:txBody>
+                  <a:tcPr marL="6482" marR="6482" marT="6482" marB="0" anchor="ctr">
+                    <a:lnL w="12700" cap="flat" cmpd="sng" algn="ctr">
+                      <a:solidFill>
+                        <a:schemeClr val="tx1"/>
+                      </a:solidFill>
+                      <a:prstDash val="solid"/>
+                      <a:round/>
+                      <a:headEnd type="none" w="med" len="med"/>
+                      <a:tailEnd type="none" w="med" len="med"/>
+                    </a:lnL>
+                    <a:lnR w="12700" cap="flat" cmpd="sng" algn="ctr">
+                      <a:solidFill>
+                        <a:schemeClr val="tx1"/>
+                      </a:solidFill>
+                      <a:prstDash val="solid"/>
+                      <a:round/>
+                      <a:headEnd type="none" w="med" len="med"/>
+                      <a:tailEnd type="none" w="med" len="med"/>
+                    </a:lnR>
+                    <a:lnT w="12700" cap="flat" cmpd="sng" algn="ctr">
+                      <a:solidFill>
+                        <a:schemeClr val="tx1"/>
+                      </a:solidFill>
+                      <a:prstDash val="solid"/>
+                      <a:round/>
+                      <a:headEnd type="none" w="med" len="med"/>
+                      <a:tailEnd type="none" w="med" len="med"/>
+                    </a:lnT>
+                    <a:lnB w="12700" cap="flat" cmpd="sng" algn="ctr">
+                      <a:solidFill>
+                        <a:schemeClr val="tx1"/>
+                      </a:solidFill>
+                      <a:prstDash val="solid"/>
+                      <a:round/>
+                      <a:headEnd type="none" w="med" len="med"/>
+                      <a:tailEnd type="none" w="med" len="med"/>
+                    </a:lnB>
+                  </a:tcPr>
+                </a:tc>
+                <a:extLst>
+                  <a:ext uri="{0D108BD9-81ED-4DB2-BD59-A6C34878D82A}">
+                    <a16:rowId xmlns:a16="http://schemas.microsoft.com/office/drawing/2014/main" val="3722024012"/>
+                  </a:ext>
+                </a:extLst>
+              </a:tr>
+              <a:tr h="267401">
+                <a:tc>
+                  <a:txBody>
+                    <a:bodyPr/>
+                    <a:lstStyle/>
+                    <a:p>
+                      <a:pPr algn="ctr" fontAlgn="ctr"/>
+                      <a:r>
+                        <a:rPr lang="en-US" altLang="zh-CN" sz="900" u="none" strike="noStrike">
+                          <a:effectLst/>
+                        </a:rPr>
+                        <a:t>9</a:t>
+                      </a:r>
+                      <a:endParaRPr lang="en-US" altLang="zh-CN" sz="900" b="0" i="0" u="none" strike="noStrike">
+                        <a:solidFill>
+                          <a:srgbClr val="000000"/>
+                        </a:solidFill>
+                        <a:effectLst/>
+                        <a:latin typeface="宋体" panose="02010600030101010101" pitchFamily="2" charset="-122"/>
+                        <a:ea typeface="宋体" panose="02010600030101010101" pitchFamily="2" charset="-122"/>
+                      </a:endParaRPr>
+                    </a:p>
+                  </a:txBody>
+                  <a:tcPr marL="6482" marR="6482" marT="6482" marB="0" anchor="ctr">
+                    <a:lnL w="12700" cap="flat" cmpd="sng" algn="ctr">
+                      <a:solidFill>
+                        <a:schemeClr val="tx1"/>
+                      </a:solidFill>
+                      <a:prstDash val="solid"/>
+                      <a:round/>
+                      <a:headEnd type="none" w="med" len="med"/>
+                      <a:tailEnd type="none" w="med" len="med"/>
+                    </a:lnL>
+                    <a:lnR w="12700" cap="flat" cmpd="sng" algn="ctr">
+                      <a:solidFill>
+                        <a:schemeClr val="tx1"/>
+                      </a:solidFill>
+                      <a:prstDash val="solid"/>
+                      <a:round/>
+                      <a:headEnd type="none" w="med" len="med"/>
+                      <a:tailEnd type="none" w="med" len="med"/>
+                    </a:lnR>
+                    <a:lnT w="12700" cap="flat" cmpd="sng" algn="ctr">
+                      <a:solidFill>
+                        <a:schemeClr val="tx1"/>
+                      </a:solidFill>
+                      <a:prstDash val="solid"/>
+                      <a:round/>
+                      <a:headEnd type="none" w="med" len="med"/>
+                      <a:tailEnd type="none" w="med" len="med"/>
+                    </a:lnT>
+                    <a:lnB w="12700" cap="flat" cmpd="sng" algn="ctr">
+                      <a:solidFill>
+                        <a:schemeClr val="tx1"/>
+                      </a:solidFill>
+                      <a:prstDash val="solid"/>
+                      <a:round/>
+                      <a:headEnd type="none" w="med" len="med"/>
+                      <a:tailEnd type="none" w="med" len="med"/>
+                    </a:lnB>
+                  </a:tcPr>
+                </a:tc>
+                <a:tc>
+                  <a:txBody>
+                    <a:bodyPr/>
+                    <a:lstStyle/>
+                    <a:p>
+                      <a:pPr algn="ctr" fontAlgn="ctr"/>
+                      <a:r>
+                        <a:rPr lang="en-US" altLang="zh-CN" sz="900" u="none" strike="noStrike">
+                          <a:effectLst/>
+                        </a:rPr>
+                        <a:t>18:00</a:t>
+                      </a:r>
+                      <a:r>
+                        <a:rPr lang="zh-CN" altLang="en-US" sz="900" u="none" strike="noStrike">
+                          <a:effectLst/>
+                        </a:rPr>
+                        <a:t>发车</a:t>
+                      </a:r>
+                      <a:endParaRPr lang="zh-CN" altLang="en-US" sz="900" b="0" i="0" u="none" strike="noStrike">
+                        <a:solidFill>
+                          <a:srgbClr val="000000"/>
+                        </a:solidFill>
+                        <a:effectLst/>
+                        <a:latin typeface="宋体" panose="02010600030101010101" pitchFamily="2" charset="-122"/>
+                        <a:ea typeface="宋体" panose="02010600030101010101" pitchFamily="2" charset="-122"/>
+                      </a:endParaRPr>
+                    </a:p>
+                  </a:txBody>
+                  <a:tcPr marL="6482" marR="6482" marT="6482" marB="0" anchor="ctr">
+                    <a:lnL w="12700" cap="flat" cmpd="sng" algn="ctr">
+                      <a:solidFill>
+                        <a:schemeClr val="tx1"/>
+                      </a:solidFill>
+                      <a:prstDash val="solid"/>
+                      <a:round/>
+                      <a:headEnd type="none" w="med" len="med"/>
+                      <a:tailEnd type="none" w="med" len="med"/>
+                    </a:lnL>
+                    <a:lnR w="12700" cap="flat" cmpd="sng" algn="ctr">
+                      <a:solidFill>
+                        <a:schemeClr val="tx1"/>
+                      </a:solidFill>
+                      <a:prstDash val="solid"/>
+                      <a:round/>
+                      <a:headEnd type="none" w="med" len="med"/>
+                      <a:tailEnd type="none" w="med" len="med"/>
+                    </a:lnR>
+                    <a:lnT w="12700" cap="flat" cmpd="sng" algn="ctr">
+                      <a:solidFill>
+                        <a:schemeClr val="tx1"/>
+                      </a:solidFill>
+                      <a:prstDash val="solid"/>
+                      <a:round/>
+                      <a:headEnd type="none" w="med" len="med"/>
+                      <a:tailEnd type="none" w="med" len="med"/>
+                    </a:lnT>
+                    <a:lnB w="12700" cap="flat" cmpd="sng" algn="ctr">
+                      <a:solidFill>
+                        <a:schemeClr val="tx1"/>
+                      </a:solidFill>
+                      <a:prstDash val="solid"/>
+                      <a:round/>
+                      <a:headEnd type="none" w="med" len="med"/>
+                      <a:tailEnd type="none" w="med" len="med"/>
+                    </a:lnB>
+                  </a:tcPr>
+                </a:tc>
+                <a:tc>
+                  <a:txBody>
+                    <a:bodyPr/>
+                    <a:lstStyle/>
+                    <a:p>
+                      <a:pPr algn="ctr" fontAlgn="ctr"/>
+                      <a:r>
+                        <a:rPr lang="en-US" altLang="zh-CN" sz="900" u="none" strike="noStrike">
+                          <a:effectLst/>
+                        </a:rPr>
+                        <a:t>3</a:t>
+                      </a:r>
+                      <a:r>
+                        <a:rPr lang="zh-CN" altLang="en-US" sz="900" u="none" strike="noStrike">
+                          <a:effectLst/>
+                        </a:rPr>
+                        <a:t>号大巴车</a:t>
+                      </a:r>
+                      <a:endParaRPr lang="zh-CN" altLang="en-US" sz="900" b="0" i="0" u="none" strike="noStrike">
+                        <a:solidFill>
+                          <a:srgbClr val="000000"/>
+                        </a:solidFill>
+                        <a:effectLst/>
+                        <a:latin typeface="宋体" panose="02010600030101010101" pitchFamily="2" charset="-122"/>
+                        <a:ea typeface="宋体" panose="02010600030101010101" pitchFamily="2" charset="-122"/>
+                      </a:endParaRPr>
+                    </a:p>
+                  </a:txBody>
+                  <a:tcPr marL="6482" marR="6482" marT="6482" marB="0" anchor="ctr">
+                    <a:lnL w="12700" cap="flat" cmpd="sng" algn="ctr">
+                      <a:solidFill>
+                        <a:schemeClr val="tx1"/>
+                      </a:solidFill>
+                      <a:prstDash val="solid"/>
+                      <a:round/>
+                      <a:headEnd type="none" w="med" len="med"/>
+                      <a:tailEnd type="none" w="med" len="med"/>
+                    </a:lnL>
+                    <a:lnR w="12700" cap="flat" cmpd="sng" algn="ctr">
+                      <a:solidFill>
+                        <a:schemeClr val="tx1"/>
+                      </a:solidFill>
+                      <a:prstDash val="solid"/>
+                      <a:round/>
+                      <a:headEnd type="none" w="med" len="med"/>
+                      <a:tailEnd type="none" w="med" len="med"/>
+                    </a:lnR>
+                    <a:lnT w="12700" cap="flat" cmpd="sng" algn="ctr">
+                      <a:solidFill>
+                        <a:schemeClr val="tx1"/>
+                      </a:solidFill>
+                      <a:prstDash val="solid"/>
+                      <a:round/>
+                      <a:headEnd type="none" w="med" len="med"/>
+                      <a:tailEnd type="none" w="med" len="med"/>
+                    </a:lnT>
+                    <a:lnB w="12700" cap="flat" cmpd="sng" algn="ctr">
+                      <a:solidFill>
+                        <a:schemeClr val="tx1"/>
+                      </a:solidFill>
+                      <a:prstDash val="solid"/>
+                      <a:round/>
+                      <a:headEnd type="none" w="med" len="med"/>
+                      <a:tailEnd type="none" w="med" len="med"/>
+                    </a:lnB>
+                  </a:tcPr>
+                </a:tc>
+                <a:tc>
+                  <a:txBody>
+                    <a:bodyPr/>
+                    <a:lstStyle/>
+                    <a:p>
+                      <a:pPr algn="ctr" fontAlgn="ctr"/>
+                      <a:r>
+                        <a:rPr lang="en-US" altLang="zh-CN" sz="900" u="none" strike="noStrike">
+                          <a:effectLst/>
+                        </a:rPr>
+                        <a:t>18:00</a:t>
+                      </a:r>
+                      <a:r>
+                        <a:rPr lang="zh-CN" altLang="en-US" sz="900" u="none" strike="noStrike">
+                          <a:effectLst/>
+                        </a:rPr>
+                        <a:t>发车</a:t>
+                      </a:r>
+                      <a:endParaRPr lang="zh-CN" altLang="en-US" sz="900" b="0" i="0" u="none" strike="noStrike">
+                        <a:solidFill>
+                          <a:srgbClr val="000000"/>
+                        </a:solidFill>
+                        <a:effectLst/>
+                        <a:latin typeface="宋体" panose="02010600030101010101" pitchFamily="2" charset="-122"/>
+                        <a:ea typeface="宋体" panose="02010600030101010101" pitchFamily="2" charset="-122"/>
+                      </a:endParaRPr>
+                    </a:p>
+                  </a:txBody>
+                  <a:tcPr marL="6482" marR="6482" marT="6482" marB="0" anchor="ctr">
+                    <a:lnL w="12700" cap="flat" cmpd="sng" algn="ctr">
+                      <a:solidFill>
+                        <a:schemeClr val="tx1"/>
+                      </a:solidFill>
+                      <a:prstDash val="solid"/>
+                      <a:round/>
+                      <a:headEnd type="none" w="med" len="med"/>
+                      <a:tailEnd type="none" w="med" len="med"/>
+                    </a:lnL>
+                    <a:lnR w="12700" cap="flat" cmpd="sng" algn="ctr">
+                      <a:solidFill>
+                        <a:schemeClr val="tx1"/>
+                      </a:solidFill>
+                      <a:prstDash val="solid"/>
+                      <a:round/>
+                      <a:headEnd type="none" w="med" len="med"/>
+                      <a:tailEnd type="none" w="med" len="med"/>
+                    </a:lnR>
+                    <a:lnT w="12700" cap="flat" cmpd="sng" algn="ctr">
+                      <a:solidFill>
+                        <a:schemeClr val="tx1"/>
+                      </a:solidFill>
+                      <a:prstDash val="solid"/>
+                      <a:round/>
+                      <a:headEnd type="none" w="med" len="med"/>
+                      <a:tailEnd type="none" w="med" len="med"/>
+                    </a:lnT>
+                    <a:lnB w="12700" cap="flat" cmpd="sng" algn="ctr">
+                      <a:solidFill>
+                        <a:schemeClr val="tx1"/>
+                      </a:solidFill>
+                      <a:prstDash val="solid"/>
+                      <a:round/>
+                      <a:headEnd type="none" w="med" len="med"/>
+                      <a:tailEnd type="none" w="med" len="med"/>
+                    </a:lnB>
+                  </a:tcPr>
+                </a:tc>
+                <a:tc>
+                  <a:txBody>
+                    <a:bodyPr/>
+                    <a:lstStyle/>
+                    <a:p>
+                      <a:pPr algn="ctr" fontAlgn="ctr"/>
+                      <a:r>
+                        <a:rPr lang="en-US" altLang="zh-CN" sz="900" u="none" strike="noStrike">
+                          <a:effectLst/>
+                        </a:rPr>
+                        <a:t>3</a:t>
+                      </a:r>
+                      <a:r>
+                        <a:rPr lang="zh-CN" altLang="en-US" sz="900" u="none" strike="noStrike">
+                          <a:effectLst/>
+                        </a:rPr>
+                        <a:t>号大巴车</a:t>
+                      </a:r>
+                      <a:endParaRPr lang="zh-CN" altLang="en-US" sz="900" b="0" i="0" u="none" strike="noStrike">
+                        <a:solidFill>
+                          <a:srgbClr val="000000"/>
+                        </a:solidFill>
+                        <a:effectLst/>
+                        <a:latin typeface="宋体" panose="02010600030101010101" pitchFamily="2" charset="-122"/>
+                        <a:ea typeface="宋体" panose="02010600030101010101" pitchFamily="2" charset="-122"/>
+                      </a:endParaRPr>
+                    </a:p>
+                  </a:txBody>
+                  <a:tcPr marL="6482" marR="6482" marT="6482" marB="0" anchor="ctr">
+                    <a:lnL w="12700" cap="flat" cmpd="sng" algn="ctr">
+                      <a:solidFill>
+                        <a:schemeClr val="tx1"/>
+                      </a:solidFill>
+                      <a:prstDash val="solid"/>
+                      <a:round/>
+                      <a:headEnd type="none" w="med" len="med"/>
+                      <a:tailEnd type="none" w="med" len="med"/>
+                    </a:lnL>
+                    <a:lnR w="12700" cap="flat" cmpd="sng" algn="ctr">
+                      <a:solidFill>
+                        <a:schemeClr val="tx1"/>
+                      </a:solidFill>
+                      <a:prstDash val="solid"/>
+                      <a:round/>
+                      <a:headEnd type="none" w="med" len="med"/>
+                      <a:tailEnd type="none" w="med" len="med"/>
+                    </a:lnR>
+                    <a:lnT w="12700" cap="flat" cmpd="sng" algn="ctr">
+                      <a:solidFill>
+                        <a:schemeClr val="tx1"/>
+                      </a:solidFill>
+                      <a:prstDash val="solid"/>
+                      <a:round/>
+                      <a:headEnd type="none" w="med" len="med"/>
+                      <a:tailEnd type="none" w="med" len="med"/>
+                    </a:lnT>
+                    <a:lnB w="12700" cap="flat" cmpd="sng" algn="ctr">
+                      <a:solidFill>
+                        <a:schemeClr val="tx1"/>
+                      </a:solidFill>
+                      <a:prstDash val="solid"/>
+                      <a:round/>
+                      <a:headEnd type="none" w="med" len="med"/>
+                      <a:tailEnd type="none" w="med" len="med"/>
+                    </a:lnB>
+                  </a:tcPr>
+                </a:tc>
+                <a:extLst>
+                  <a:ext uri="{0D108BD9-81ED-4DB2-BD59-A6C34878D82A}">
+                    <a16:rowId xmlns:a16="http://schemas.microsoft.com/office/drawing/2014/main" val="4034699523"/>
+                  </a:ext>
+                </a:extLst>
+              </a:tr>
+              <a:tr h="267401">
+                <a:tc>
+                  <a:txBody>
+                    <a:bodyPr/>
+                    <a:lstStyle/>
+                    <a:p>
+                      <a:pPr algn="ctr" fontAlgn="ctr"/>
+                      <a:r>
+                        <a:rPr lang="en-US" altLang="zh-CN" sz="900" u="none" strike="noStrike">
+                          <a:effectLst/>
+                        </a:rPr>
+                        <a:t>10</a:t>
+                      </a:r>
+                      <a:endParaRPr lang="en-US" altLang="zh-CN" sz="900" b="0" i="0" u="none" strike="noStrike">
+                        <a:solidFill>
+                          <a:srgbClr val="000000"/>
+                        </a:solidFill>
+                        <a:effectLst/>
+                        <a:latin typeface="宋体" panose="02010600030101010101" pitchFamily="2" charset="-122"/>
+                        <a:ea typeface="宋体" panose="02010600030101010101" pitchFamily="2" charset="-122"/>
+                      </a:endParaRPr>
+                    </a:p>
+                  </a:txBody>
+                  <a:tcPr marL="6482" marR="6482" marT="6482" marB="0" anchor="ctr">
+                    <a:lnL w="12700" cap="flat" cmpd="sng" algn="ctr">
+                      <a:solidFill>
+                        <a:schemeClr val="tx1"/>
+                      </a:solidFill>
+                      <a:prstDash val="solid"/>
+                      <a:round/>
+                      <a:headEnd type="none" w="med" len="med"/>
+                      <a:tailEnd type="none" w="med" len="med"/>
+                    </a:lnL>
+                    <a:lnR w="12700" cap="flat" cmpd="sng" algn="ctr">
+                      <a:solidFill>
+                        <a:schemeClr val="tx1"/>
+                      </a:solidFill>
+                      <a:prstDash val="solid"/>
+                      <a:round/>
+                      <a:headEnd type="none" w="med" len="med"/>
+                      <a:tailEnd type="none" w="med" len="med"/>
+                    </a:lnR>
+                    <a:lnT w="12700" cap="flat" cmpd="sng" algn="ctr">
+                      <a:solidFill>
+                        <a:schemeClr val="tx1"/>
+                      </a:solidFill>
+                      <a:prstDash val="solid"/>
+                      <a:round/>
+                      <a:headEnd type="none" w="med" len="med"/>
+                      <a:tailEnd type="none" w="med" len="med"/>
+                    </a:lnT>
+                    <a:lnB w="12700" cap="flat" cmpd="sng" algn="ctr">
+                      <a:solidFill>
+                        <a:schemeClr val="tx1"/>
+                      </a:solidFill>
+                      <a:prstDash val="solid"/>
+                      <a:round/>
+                      <a:headEnd type="none" w="med" len="med"/>
+                      <a:tailEnd type="none" w="med" len="med"/>
+                    </a:lnB>
+                  </a:tcPr>
+                </a:tc>
+                <a:tc>
+                  <a:txBody>
+                    <a:bodyPr/>
+                    <a:lstStyle/>
+                    <a:p>
+                      <a:pPr algn="ctr" fontAlgn="ctr"/>
+                      <a:r>
+                        <a:rPr lang="en-US" altLang="zh-CN" sz="900" u="none" strike="noStrike">
+                          <a:effectLst/>
+                        </a:rPr>
+                        <a:t>19:00</a:t>
+                      </a:r>
+                      <a:r>
+                        <a:rPr lang="zh-CN" altLang="en-US" sz="900" u="none" strike="noStrike">
+                          <a:effectLst/>
+                        </a:rPr>
+                        <a:t>发车</a:t>
+                      </a:r>
+                      <a:endParaRPr lang="zh-CN" altLang="en-US" sz="900" b="0" i="0" u="none" strike="noStrike">
+                        <a:solidFill>
+                          <a:srgbClr val="000000"/>
+                        </a:solidFill>
+                        <a:effectLst/>
+                        <a:latin typeface="宋体" panose="02010600030101010101" pitchFamily="2" charset="-122"/>
+                        <a:ea typeface="宋体" panose="02010600030101010101" pitchFamily="2" charset="-122"/>
+                      </a:endParaRPr>
+                    </a:p>
+                  </a:txBody>
+                  <a:tcPr marL="6482" marR="6482" marT="6482" marB="0" anchor="ctr">
+                    <a:lnL w="12700" cap="flat" cmpd="sng" algn="ctr">
+                      <a:solidFill>
+                        <a:schemeClr val="tx1"/>
+                      </a:solidFill>
+                      <a:prstDash val="solid"/>
+                      <a:round/>
+                      <a:headEnd type="none" w="med" len="med"/>
+                      <a:tailEnd type="none" w="med" len="med"/>
+                    </a:lnL>
+                    <a:lnR w="12700" cap="flat" cmpd="sng" algn="ctr">
+                      <a:solidFill>
+                        <a:schemeClr val="tx1"/>
+                      </a:solidFill>
+                      <a:prstDash val="solid"/>
+                      <a:round/>
+                      <a:headEnd type="none" w="med" len="med"/>
+                      <a:tailEnd type="none" w="med" len="med"/>
+                    </a:lnR>
+                    <a:lnT w="12700" cap="flat" cmpd="sng" algn="ctr">
+                      <a:solidFill>
+                        <a:schemeClr val="tx1"/>
+                      </a:solidFill>
+                      <a:prstDash val="solid"/>
+                      <a:round/>
+                      <a:headEnd type="none" w="med" len="med"/>
+                      <a:tailEnd type="none" w="med" len="med"/>
+                    </a:lnT>
+                    <a:lnB w="12700" cap="flat" cmpd="sng" algn="ctr">
+                      <a:solidFill>
+                        <a:schemeClr val="tx1"/>
+                      </a:solidFill>
+                      <a:prstDash val="solid"/>
+                      <a:round/>
+                      <a:headEnd type="none" w="med" len="med"/>
+                      <a:tailEnd type="none" w="med" len="med"/>
+                    </a:lnB>
+                  </a:tcPr>
+                </a:tc>
+                <a:tc>
+                  <a:txBody>
+                    <a:bodyPr/>
+                    <a:lstStyle/>
+                    <a:p>
+                      <a:pPr algn="ctr" fontAlgn="ctr"/>
+                      <a:r>
+                        <a:rPr lang="en-US" altLang="zh-CN" sz="900" u="none" strike="noStrike">
+                          <a:effectLst/>
+                        </a:rPr>
+                        <a:t>1</a:t>
+                      </a:r>
+                      <a:r>
+                        <a:rPr lang="zh-CN" altLang="en-US" sz="900" u="none" strike="noStrike">
+                          <a:effectLst/>
+                        </a:rPr>
+                        <a:t>号大巴车</a:t>
+                      </a:r>
+                      <a:endParaRPr lang="zh-CN" altLang="en-US" sz="900" b="0" i="0" u="none" strike="noStrike">
+                        <a:solidFill>
+                          <a:srgbClr val="000000"/>
+                        </a:solidFill>
+                        <a:effectLst/>
+                        <a:latin typeface="宋体" panose="02010600030101010101" pitchFamily="2" charset="-122"/>
+                        <a:ea typeface="宋体" panose="02010600030101010101" pitchFamily="2" charset="-122"/>
+                      </a:endParaRPr>
+                    </a:p>
+                  </a:txBody>
+                  <a:tcPr marL="6482" marR="6482" marT="6482" marB="0" anchor="ctr">
+                    <a:lnL w="12700" cap="flat" cmpd="sng" algn="ctr">
+                      <a:solidFill>
+                        <a:schemeClr val="tx1"/>
+                      </a:solidFill>
+                      <a:prstDash val="solid"/>
+                      <a:round/>
+                      <a:headEnd type="none" w="med" len="med"/>
+                      <a:tailEnd type="none" w="med" len="med"/>
+                    </a:lnL>
+                    <a:lnR w="12700" cap="flat" cmpd="sng" algn="ctr">
+                      <a:solidFill>
+                        <a:schemeClr val="tx1"/>
+                      </a:solidFill>
+                      <a:prstDash val="solid"/>
+                      <a:round/>
+                      <a:headEnd type="none" w="med" len="med"/>
+                      <a:tailEnd type="none" w="med" len="med"/>
+                    </a:lnR>
+                    <a:lnT w="12700" cap="flat" cmpd="sng" algn="ctr">
+                      <a:solidFill>
+                        <a:schemeClr val="tx1"/>
+                      </a:solidFill>
+                      <a:prstDash val="solid"/>
+                      <a:round/>
+                      <a:headEnd type="none" w="med" len="med"/>
+                      <a:tailEnd type="none" w="med" len="med"/>
+                    </a:lnT>
+                    <a:lnB w="12700" cap="flat" cmpd="sng" algn="ctr">
+                      <a:solidFill>
+                        <a:schemeClr val="tx1"/>
+                      </a:solidFill>
+                      <a:prstDash val="solid"/>
+                      <a:round/>
+                      <a:headEnd type="none" w="med" len="med"/>
+                      <a:tailEnd type="none" w="med" len="med"/>
+                    </a:lnB>
+                  </a:tcPr>
+                </a:tc>
+                <a:tc>
+                  <a:txBody>
+                    <a:bodyPr/>
+                    <a:lstStyle/>
+                    <a:p>
+                      <a:pPr algn="ctr" fontAlgn="ctr"/>
+                      <a:r>
+                        <a:rPr lang="en-US" altLang="zh-CN" sz="900" u="none" strike="noStrike">
+                          <a:effectLst/>
+                        </a:rPr>
+                        <a:t>19:00</a:t>
+                      </a:r>
+                      <a:r>
+                        <a:rPr lang="zh-CN" altLang="en-US" sz="900" u="none" strike="noStrike">
+                          <a:effectLst/>
+                        </a:rPr>
+                        <a:t>发车</a:t>
+                      </a:r>
+                      <a:endParaRPr lang="zh-CN" altLang="en-US" sz="900" b="0" i="0" u="none" strike="noStrike">
+                        <a:solidFill>
+                          <a:srgbClr val="000000"/>
+                        </a:solidFill>
+                        <a:effectLst/>
+                        <a:latin typeface="宋体" panose="02010600030101010101" pitchFamily="2" charset="-122"/>
+                        <a:ea typeface="宋体" panose="02010600030101010101" pitchFamily="2" charset="-122"/>
+                      </a:endParaRPr>
+                    </a:p>
+                  </a:txBody>
+                  <a:tcPr marL="6482" marR="6482" marT="6482" marB="0" anchor="ctr">
+                    <a:lnL w="12700" cap="flat" cmpd="sng" algn="ctr">
+                      <a:solidFill>
+                        <a:schemeClr val="tx1"/>
+                      </a:solidFill>
+                      <a:prstDash val="solid"/>
+                      <a:round/>
+                      <a:headEnd type="none" w="med" len="med"/>
+                      <a:tailEnd type="none" w="med" len="med"/>
+                    </a:lnL>
+                    <a:lnR w="12700" cap="flat" cmpd="sng" algn="ctr">
+                      <a:solidFill>
+                        <a:schemeClr val="tx1"/>
+                      </a:solidFill>
+                      <a:prstDash val="solid"/>
+                      <a:round/>
+                      <a:headEnd type="none" w="med" len="med"/>
+                      <a:tailEnd type="none" w="med" len="med"/>
+                    </a:lnR>
+                    <a:lnT w="12700" cap="flat" cmpd="sng" algn="ctr">
+                      <a:solidFill>
+                        <a:schemeClr val="tx1"/>
+                      </a:solidFill>
+                      <a:prstDash val="solid"/>
+                      <a:round/>
+                      <a:headEnd type="none" w="med" len="med"/>
+                      <a:tailEnd type="none" w="med" len="med"/>
+                    </a:lnT>
+                    <a:lnB w="12700" cap="flat" cmpd="sng" algn="ctr">
+                      <a:solidFill>
+                        <a:schemeClr val="tx1"/>
+                      </a:solidFill>
+                      <a:prstDash val="solid"/>
+                      <a:round/>
+                      <a:headEnd type="none" w="med" len="med"/>
+                      <a:tailEnd type="none" w="med" len="med"/>
+                    </a:lnB>
+                  </a:tcPr>
+                </a:tc>
+                <a:tc>
+                  <a:txBody>
+                    <a:bodyPr/>
+                    <a:lstStyle/>
+                    <a:p>
+                      <a:pPr algn="ctr" fontAlgn="ctr"/>
+                      <a:r>
+                        <a:rPr lang="en-US" altLang="zh-CN" sz="900" u="none" strike="noStrike">
+                          <a:effectLst/>
+                        </a:rPr>
+                        <a:t>1</a:t>
+                      </a:r>
+                      <a:r>
+                        <a:rPr lang="zh-CN" altLang="en-US" sz="900" u="none" strike="noStrike">
+                          <a:effectLst/>
+                        </a:rPr>
+                        <a:t>号大巴车</a:t>
+                      </a:r>
+                      <a:endParaRPr lang="zh-CN" altLang="en-US" sz="900" b="0" i="0" u="none" strike="noStrike">
+                        <a:solidFill>
+                          <a:srgbClr val="000000"/>
+                        </a:solidFill>
+                        <a:effectLst/>
+                        <a:latin typeface="宋体" panose="02010600030101010101" pitchFamily="2" charset="-122"/>
+                        <a:ea typeface="宋体" panose="02010600030101010101" pitchFamily="2" charset="-122"/>
+                      </a:endParaRPr>
+                    </a:p>
+                  </a:txBody>
+                  <a:tcPr marL="6482" marR="6482" marT="6482" marB="0" anchor="ctr">
+                    <a:lnL w="12700" cap="flat" cmpd="sng" algn="ctr">
+                      <a:solidFill>
+                        <a:schemeClr val="tx1"/>
+                      </a:solidFill>
+                      <a:prstDash val="solid"/>
+                      <a:round/>
+                      <a:headEnd type="none" w="med" len="med"/>
+                      <a:tailEnd type="none" w="med" len="med"/>
+                    </a:lnL>
+                    <a:lnR w="12700" cap="flat" cmpd="sng" algn="ctr">
+                      <a:solidFill>
+                        <a:schemeClr val="tx1"/>
+                      </a:solidFill>
+                      <a:prstDash val="solid"/>
+                      <a:round/>
+                      <a:headEnd type="none" w="med" len="med"/>
+                      <a:tailEnd type="none" w="med" len="med"/>
+                    </a:lnR>
+                    <a:lnT w="12700" cap="flat" cmpd="sng" algn="ctr">
+                      <a:solidFill>
+                        <a:schemeClr val="tx1"/>
+                      </a:solidFill>
+                      <a:prstDash val="solid"/>
+                      <a:round/>
+                      <a:headEnd type="none" w="med" len="med"/>
+                      <a:tailEnd type="none" w="med" len="med"/>
+                    </a:lnT>
+                    <a:lnB w="12700" cap="flat" cmpd="sng" algn="ctr">
+                      <a:solidFill>
+                        <a:schemeClr val="tx1"/>
+                      </a:solidFill>
+                      <a:prstDash val="solid"/>
+                      <a:round/>
+                      <a:headEnd type="none" w="med" len="med"/>
+                      <a:tailEnd type="none" w="med" len="med"/>
+                    </a:lnB>
+                  </a:tcPr>
+                </a:tc>
+                <a:extLst>
+                  <a:ext uri="{0D108BD9-81ED-4DB2-BD59-A6C34878D82A}">
+                    <a16:rowId xmlns:a16="http://schemas.microsoft.com/office/drawing/2014/main" val="3025459378"/>
+                  </a:ext>
+                </a:extLst>
+              </a:tr>
+              <a:tr h="267401">
+                <a:tc>
+                  <a:txBody>
+                    <a:bodyPr/>
+                    <a:lstStyle/>
+                    <a:p>
+                      <a:pPr algn="ctr" fontAlgn="ctr"/>
+                      <a:r>
+                        <a:rPr lang="en-US" altLang="zh-CN" sz="900" u="none" strike="noStrike">
+                          <a:effectLst/>
+                        </a:rPr>
+                        <a:t>11</a:t>
+                      </a:r>
+                      <a:endParaRPr lang="en-US" altLang="zh-CN" sz="900" b="0" i="0" u="none" strike="noStrike">
+                        <a:solidFill>
+                          <a:srgbClr val="000000"/>
+                        </a:solidFill>
+                        <a:effectLst/>
+                        <a:latin typeface="宋体" panose="02010600030101010101" pitchFamily="2" charset="-122"/>
+                        <a:ea typeface="宋体" panose="02010600030101010101" pitchFamily="2" charset="-122"/>
+                      </a:endParaRPr>
+                    </a:p>
+                  </a:txBody>
+                  <a:tcPr marL="6482" marR="6482" marT="6482" marB="0" anchor="ctr">
+                    <a:lnL w="12700" cap="flat" cmpd="sng" algn="ctr">
+                      <a:solidFill>
+                        <a:schemeClr val="tx1"/>
+                      </a:solidFill>
+                      <a:prstDash val="solid"/>
+                      <a:round/>
+                      <a:headEnd type="none" w="med" len="med"/>
+                      <a:tailEnd type="none" w="med" len="med"/>
+                    </a:lnL>
+                    <a:lnR w="12700" cap="flat" cmpd="sng" algn="ctr">
+                      <a:solidFill>
+                        <a:schemeClr val="tx1"/>
+                      </a:solidFill>
+                      <a:prstDash val="solid"/>
+                      <a:round/>
+                      <a:headEnd type="none" w="med" len="med"/>
+                      <a:tailEnd type="none" w="med" len="med"/>
+                    </a:lnR>
+                    <a:lnT w="12700" cap="flat" cmpd="sng" algn="ctr">
+                      <a:solidFill>
+                        <a:schemeClr val="tx1"/>
+                      </a:solidFill>
+                      <a:prstDash val="solid"/>
+                      <a:round/>
+                      <a:headEnd type="none" w="med" len="med"/>
+                      <a:tailEnd type="none" w="med" len="med"/>
+                    </a:lnT>
+                    <a:lnB w="12700" cap="flat" cmpd="sng" algn="ctr">
+                      <a:solidFill>
+                        <a:schemeClr val="tx1"/>
+                      </a:solidFill>
+                      <a:prstDash val="solid"/>
+                      <a:round/>
+                      <a:headEnd type="none" w="med" len="med"/>
+                      <a:tailEnd type="none" w="med" len="med"/>
+                    </a:lnB>
+                  </a:tcPr>
+                </a:tc>
+                <a:tc>
+                  <a:txBody>
+                    <a:bodyPr/>
+                    <a:lstStyle/>
+                    <a:p>
+                      <a:pPr algn="ctr" fontAlgn="ctr"/>
+                      <a:r>
+                        <a:rPr lang="en-US" altLang="zh-CN" sz="900" u="none" strike="noStrike">
+                          <a:effectLst/>
+                        </a:rPr>
+                        <a:t>20:00</a:t>
+                      </a:r>
+                      <a:r>
+                        <a:rPr lang="zh-CN" altLang="en-US" sz="900" u="none" strike="noStrike">
+                          <a:effectLst/>
+                        </a:rPr>
+                        <a:t>发车</a:t>
+                      </a:r>
+                      <a:endParaRPr lang="zh-CN" altLang="en-US" sz="900" b="0" i="0" u="none" strike="noStrike">
+                        <a:solidFill>
+                          <a:srgbClr val="000000"/>
+                        </a:solidFill>
+                        <a:effectLst/>
+                        <a:latin typeface="宋体" panose="02010600030101010101" pitchFamily="2" charset="-122"/>
+                        <a:ea typeface="宋体" panose="02010600030101010101" pitchFamily="2" charset="-122"/>
+                      </a:endParaRPr>
+                    </a:p>
+                  </a:txBody>
+                  <a:tcPr marL="6482" marR="6482" marT="6482" marB="0" anchor="ctr">
+                    <a:lnL w="12700" cap="flat" cmpd="sng" algn="ctr">
+                      <a:solidFill>
+                        <a:schemeClr val="tx1"/>
+                      </a:solidFill>
+                      <a:prstDash val="solid"/>
+                      <a:round/>
+                      <a:headEnd type="none" w="med" len="med"/>
+                      <a:tailEnd type="none" w="med" len="med"/>
+                    </a:lnL>
+                    <a:lnR w="12700" cap="flat" cmpd="sng" algn="ctr">
+                      <a:solidFill>
+                        <a:schemeClr val="tx1"/>
+                      </a:solidFill>
+                      <a:prstDash val="solid"/>
+                      <a:round/>
+                      <a:headEnd type="none" w="med" len="med"/>
+                      <a:tailEnd type="none" w="med" len="med"/>
+                    </a:lnR>
+                    <a:lnT w="12700" cap="flat" cmpd="sng" algn="ctr">
+                      <a:solidFill>
+                        <a:schemeClr val="tx1"/>
+                      </a:solidFill>
+                      <a:prstDash val="solid"/>
+                      <a:round/>
+                      <a:headEnd type="none" w="med" len="med"/>
+                      <a:tailEnd type="none" w="med" len="med"/>
+                    </a:lnT>
+                    <a:lnB w="12700" cap="flat" cmpd="sng" algn="ctr">
+                      <a:solidFill>
+                        <a:schemeClr val="tx1"/>
+                      </a:solidFill>
+                      <a:prstDash val="solid"/>
+                      <a:round/>
+                      <a:headEnd type="none" w="med" len="med"/>
+                      <a:tailEnd type="none" w="med" len="med"/>
+                    </a:lnB>
+                  </a:tcPr>
+                </a:tc>
+                <a:tc>
+                  <a:txBody>
+                    <a:bodyPr/>
+                    <a:lstStyle/>
+                    <a:p>
+                      <a:pPr algn="ctr" fontAlgn="ctr"/>
+                      <a:r>
+                        <a:rPr lang="en-US" altLang="zh-CN" sz="900" u="none" strike="noStrike">
+                          <a:effectLst/>
+                        </a:rPr>
+                        <a:t>2</a:t>
+                      </a:r>
+                      <a:r>
+                        <a:rPr lang="zh-CN" altLang="en-US" sz="900" u="none" strike="noStrike">
+                          <a:effectLst/>
+                        </a:rPr>
+                        <a:t>号大巴车</a:t>
+                      </a:r>
+                      <a:endParaRPr lang="zh-CN" altLang="en-US" sz="900" b="0" i="0" u="none" strike="noStrike">
+                        <a:solidFill>
+                          <a:srgbClr val="000000"/>
+                        </a:solidFill>
+                        <a:effectLst/>
+                        <a:latin typeface="宋体" panose="02010600030101010101" pitchFamily="2" charset="-122"/>
+                        <a:ea typeface="宋体" panose="02010600030101010101" pitchFamily="2" charset="-122"/>
+                      </a:endParaRPr>
+                    </a:p>
+                  </a:txBody>
+                  <a:tcPr marL="6482" marR="6482" marT="6482" marB="0" anchor="ctr">
+                    <a:lnL w="12700" cap="flat" cmpd="sng" algn="ctr">
+                      <a:solidFill>
+                        <a:schemeClr val="tx1"/>
+                      </a:solidFill>
+                      <a:prstDash val="solid"/>
+                      <a:round/>
+                      <a:headEnd type="none" w="med" len="med"/>
+                      <a:tailEnd type="none" w="med" len="med"/>
+                    </a:lnL>
+                    <a:lnR w="12700" cap="flat" cmpd="sng" algn="ctr">
+                      <a:solidFill>
+                        <a:schemeClr val="tx1"/>
+                      </a:solidFill>
+                      <a:prstDash val="solid"/>
+                      <a:round/>
+                      <a:headEnd type="none" w="med" len="med"/>
+                      <a:tailEnd type="none" w="med" len="med"/>
+                    </a:lnR>
+                    <a:lnT w="12700" cap="flat" cmpd="sng" algn="ctr">
+                      <a:solidFill>
+                        <a:schemeClr val="tx1"/>
+                      </a:solidFill>
+                      <a:prstDash val="solid"/>
+                      <a:round/>
+                      <a:headEnd type="none" w="med" len="med"/>
+                      <a:tailEnd type="none" w="med" len="med"/>
+                    </a:lnT>
+                    <a:lnB w="12700" cap="flat" cmpd="sng" algn="ctr">
+                      <a:solidFill>
+                        <a:schemeClr val="tx1"/>
+                      </a:solidFill>
+                      <a:prstDash val="solid"/>
+                      <a:round/>
+                      <a:headEnd type="none" w="med" len="med"/>
+                      <a:tailEnd type="none" w="med" len="med"/>
+                    </a:lnB>
+                  </a:tcPr>
+                </a:tc>
+                <a:tc>
+                  <a:txBody>
+                    <a:bodyPr/>
+                    <a:lstStyle/>
+                    <a:p>
+                      <a:pPr algn="ctr" fontAlgn="ctr"/>
+                      <a:r>
+                        <a:rPr lang="en-US" altLang="zh-CN" sz="900" u="none" strike="noStrike">
+                          <a:effectLst/>
+                        </a:rPr>
+                        <a:t>20:00</a:t>
+                      </a:r>
+                      <a:r>
+                        <a:rPr lang="zh-CN" altLang="en-US" sz="900" u="none" strike="noStrike">
+                          <a:effectLst/>
+                        </a:rPr>
+                        <a:t>发车</a:t>
+                      </a:r>
+                      <a:endParaRPr lang="zh-CN" altLang="en-US" sz="900" b="0" i="0" u="none" strike="noStrike">
+                        <a:solidFill>
+                          <a:srgbClr val="000000"/>
+                        </a:solidFill>
+                        <a:effectLst/>
+                        <a:latin typeface="宋体" panose="02010600030101010101" pitchFamily="2" charset="-122"/>
+                        <a:ea typeface="宋体" panose="02010600030101010101" pitchFamily="2" charset="-122"/>
+                      </a:endParaRPr>
+                    </a:p>
+                  </a:txBody>
+                  <a:tcPr marL="6482" marR="6482" marT="6482" marB="0" anchor="ctr">
+                    <a:lnL w="12700" cap="flat" cmpd="sng" algn="ctr">
+                      <a:solidFill>
+                        <a:schemeClr val="tx1"/>
+                      </a:solidFill>
+                      <a:prstDash val="solid"/>
+                      <a:round/>
+                      <a:headEnd type="none" w="med" len="med"/>
+                      <a:tailEnd type="none" w="med" len="med"/>
+                    </a:lnL>
+                    <a:lnR w="12700" cap="flat" cmpd="sng" algn="ctr">
+                      <a:solidFill>
+                        <a:schemeClr val="tx1"/>
+                      </a:solidFill>
+                      <a:prstDash val="solid"/>
+                      <a:round/>
+                      <a:headEnd type="none" w="med" len="med"/>
+                      <a:tailEnd type="none" w="med" len="med"/>
+                    </a:lnR>
+                    <a:lnT w="12700" cap="flat" cmpd="sng" algn="ctr">
+                      <a:solidFill>
+                        <a:schemeClr val="tx1"/>
+                      </a:solidFill>
+                      <a:prstDash val="solid"/>
+                      <a:round/>
+                      <a:headEnd type="none" w="med" len="med"/>
+                      <a:tailEnd type="none" w="med" len="med"/>
+                    </a:lnT>
+                    <a:lnB w="12700" cap="flat" cmpd="sng" algn="ctr">
+                      <a:solidFill>
+                        <a:schemeClr val="tx1"/>
+                      </a:solidFill>
+                      <a:prstDash val="solid"/>
+                      <a:round/>
+                      <a:headEnd type="none" w="med" len="med"/>
+                      <a:tailEnd type="none" w="med" len="med"/>
+                    </a:lnB>
+                  </a:tcPr>
+                </a:tc>
+                <a:tc>
+                  <a:txBody>
+                    <a:bodyPr/>
+                    <a:lstStyle/>
+                    <a:p>
+                      <a:pPr algn="ctr" fontAlgn="ctr"/>
+                      <a:r>
+                        <a:rPr lang="en-US" altLang="zh-CN" sz="900" u="none" strike="noStrike">
+                          <a:effectLst/>
+                        </a:rPr>
+                        <a:t>2</a:t>
+                      </a:r>
+                      <a:r>
+                        <a:rPr lang="zh-CN" altLang="en-US" sz="900" u="none" strike="noStrike">
+                          <a:effectLst/>
+                        </a:rPr>
+                        <a:t>号大巴车</a:t>
+                      </a:r>
+                      <a:endParaRPr lang="zh-CN" altLang="en-US" sz="900" b="0" i="0" u="none" strike="noStrike">
+                        <a:solidFill>
+                          <a:srgbClr val="000000"/>
+                        </a:solidFill>
+                        <a:effectLst/>
+                        <a:latin typeface="宋体" panose="02010600030101010101" pitchFamily="2" charset="-122"/>
+                        <a:ea typeface="宋体" panose="02010600030101010101" pitchFamily="2" charset="-122"/>
+                      </a:endParaRPr>
+                    </a:p>
+                  </a:txBody>
+                  <a:tcPr marL="6482" marR="6482" marT="6482" marB="0" anchor="ctr">
+                    <a:lnL w="12700" cap="flat" cmpd="sng" algn="ctr">
+                      <a:solidFill>
+                        <a:schemeClr val="tx1"/>
+                      </a:solidFill>
+                      <a:prstDash val="solid"/>
+                      <a:round/>
+                      <a:headEnd type="none" w="med" len="med"/>
+                      <a:tailEnd type="none" w="med" len="med"/>
+                    </a:lnL>
+                    <a:lnR w="12700" cap="flat" cmpd="sng" algn="ctr">
+                      <a:solidFill>
+                        <a:schemeClr val="tx1"/>
+                      </a:solidFill>
+                      <a:prstDash val="solid"/>
+                      <a:round/>
+                      <a:headEnd type="none" w="med" len="med"/>
+                      <a:tailEnd type="none" w="med" len="med"/>
+                    </a:lnR>
+                    <a:lnT w="12700" cap="flat" cmpd="sng" algn="ctr">
+                      <a:solidFill>
+                        <a:schemeClr val="tx1"/>
+                      </a:solidFill>
+                      <a:prstDash val="solid"/>
+                      <a:round/>
+                      <a:headEnd type="none" w="med" len="med"/>
+                      <a:tailEnd type="none" w="med" len="med"/>
+                    </a:lnT>
+                    <a:lnB w="12700" cap="flat" cmpd="sng" algn="ctr">
+                      <a:solidFill>
+                        <a:schemeClr val="tx1"/>
+                      </a:solidFill>
+                      <a:prstDash val="solid"/>
+                      <a:round/>
+                      <a:headEnd type="none" w="med" len="med"/>
+                      <a:tailEnd type="none" w="med" len="med"/>
+                    </a:lnB>
+                  </a:tcPr>
+                </a:tc>
+                <a:extLst>
+                  <a:ext uri="{0D108BD9-81ED-4DB2-BD59-A6C34878D82A}">
+                    <a16:rowId xmlns:a16="http://schemas.microsoft.com/office/drawing/2014/main" val="3625974567"/>
+                  </a:ext>
+                </a:extLst>
+              </a:tr>
+              <a:tr h="267401">
+                <a:tc>
+                  <a:txBody>
+                    <a:bodyPr/>
+                    <a:lstStyle/>
+                    <a:p>
+                      <a:pPr algn="ctr" fontAlgn="ctr"/>
+                      <a:r>
+                        <a:rPr lang="en-US" altLang="zh-CN" sz="900" u="none" strike="noStrike">
+                          <a:effectLst/>
+                        </a:rPr>
+                        <a:t>12</a:t>
+                      </a:r>
+                      <a:endParaRPr lang="en-US" altLang="zh-CN" sz="900" b="0" i="0" u="none" strike="noStrike">
+                        <a:solidFill>
+                          <a:srgbClr val="000000"/>
+                        </a:solidFill>
+                        <a:effectLst/>
+                        <a:latin typeface="宋体" panose="02010600030101010101" pitchFamily="2" charset="-122"/>
+                        <a:ea typeface="宋体" panose="02010600030101010101" pitchFamily="2" charset="-122"/>
+                      </a:endParaRPr>
+                    </a:p>
+                  </a:txBody>
+                  <a:tcPr marL="6482" marR="6482" marT="6482" marB="0" anchor="ctr">
+                    <a:lnL w="12700" cap="flat" cmpd="sng" algn="ctr">
+                      <a:solidFill>
+                        <a:schemeClr val="tx1"/>
+                      </a:solidFill>
+                      <a:prstDash val="solid"/>
+                      <a:round/>
+                      <a:headEnd type="none" w="med" len="med"/>
+                      <a:tailEnd type="none" w="med" len="med"/>
+                    </a:lnL>
+                    <a:lnR w="12700" cap="flat" cmpd="sng" algn="ctr">
+                      <a:solidFill>
+                        <a:schemeClr val="tx1"/>
+                      </a:solidFill>
+                      <a:prstDash val="solid"/>
+                      <a:round/>
+                      <a:headEnd type="none" w="med" len="med"/>
+                      <a:tailEnd type="none" w="med" len="med"/>
+                    </a:lnR>
+                    <a:lnT w="12700" cap="flat" cmpd="sng" algn="ctr">
+                      <a:solidFill>
+                        <a:schemeClr val="tx1"/>
+                      </a:solidFill>
+                      <a:prstDash val="solid"/>
+                      <a:round/>
+                      <a:headEnd type="none" w="med" len="med"/>
+                      <a:tailEnd type="none" w="med" len="med"/>
+                    </a:lnT>
+                    <a:lnB w="12700" cap="flat" cmpd="sng" algn="ctr">
+                      <a:solidFill>
+                        <a:schemeClr val="tx1"/>
+                      </a:solidFill>
+                      <a:prstDash val="solid"/>
+                      <a:round/>
+                      <a:headEnd type="none" w="med" len="med"/>
+                      <a:tailEnd type="none" w="med" len="med"/>
+                    </a:lnB>
+                  </a:tcPr>
+                </a:tc>
+                <a:tc>
+                  <a:txBody>
+                    <a:bodyPr/>
+                    <a:lstStyle/>
+                    <a:p>
+                      <a:pPr algn="ctr" fontAlgn="ctr"/>
+                      <a:r>
+                        <a:rPr lang="en-US" altLang="zh-CN" sz="900" u="none" strike="noStrike">
+                          <a:effectLst/>
+                        </a:rPr>
+                        <a:t>21:00</a:t>
+                      </a:r>
+                      <a:r>
+                        <a:rPr lang="zh-CN" altLang="en-US" sz="900" u="none" strike="noStrike">
+                          <a:effectLst/>
+                        </a:rPr>
+                        <a:t>发车</a:t>
+                      </a:r>
+                      <a:endParaRPr lang="zh-CN" altLang="en-US" sz="900" b="0" i="0" u="none" strike="noStrike">
+                        <a:solidFill>
+                          <a:srgbClr val="000000"/>
+                        </a:solidFill>
+                        <a:effectLst/>
+                        <a:latin typeface="宋体" panose="02010600030101010101" pitchFamily="2" charset="-122"/>
+                        <a:ea typeface="宋体" panose="02010600030101010101" pitchFamily="2" charset="-122"/>
+                      </a:endParaRPr>
+                    </a:p>
+                  </a:txBody>
+                  <a:tcPr marL="6482" marR="6482" marT="6482" marB="0" anchor="ctr">
+                    <a:lnL w="12700" cap="flat" cmpd="sng" algn="ctr">
+                      <a:solidFill>
+                        <a:schemeClr val="tx1"/>
+                      </a:solidFill>
+                      <a:prstDash val="solid"/>
+                      <a:round/>
+                      <a:headEnd type="none" w="med" len="med"/>
+                      <a:tailEnd type="none" w="med" len="med"/>
+                    </a:lnL>
+                    <a:lnR w="12700" cap="flat" cmpd="sng" algn="ctr">
+                      <a:solidFill>
+                        <a:schemeClr val="tx1"/>
+                      </a:solidFill>
+                      <a:prstDash val="solid"/>
+                      <a:round/>
+                      <a:headEnd type="none" w="med" len="med"/>
+                      <a:tailEnd type="none" w="med" len="med"/>
+                    </a:lnR>
+                    <a:lnT w="12700" cap="flat" cmpd="sng" algn="ctr">
+                      <a:solidFill>
+                        <a:schemeClr val="tx1"/>
+                      </a:solidFill>
+                      <a:prstDash val="solid"/>
+                      <a:round/>
+                      <a:headEnd type="none" w="med" len="med"/>
+                      <a:tailEnd type="none" w="med" len="med"/>
+                    </a:lnT>
+                    <a:lnB w="12700" cap="flat" cmpd="sng" algn="ctr">
+                      <a:solidFill>
+                        <a:schemeClr val="tx1"/>
+                      </a:solidFill>
+                      <a:prstDash val="solid"/>
+                      <a:round/>
+                      <a:headEnd type="none" w="med" len="med"/>
+                      <a:tailEnd type="none" w="med" len="med"/>
+                    </a:lnB>
+                  </a:tcPr>
+                </a:tc>
+                <a:tc>
+                  <a:txBody>
+                    <a:bodyPr/>
+                    <a:lstStyle/>
+                    <a:p>
+                      <a:pPr algn="ctr" fontAlgn="ctr"/>
+                      <a:r>
+                        <a:rPr lang="en-US" altLang="zh-CN" sz="900" u="none" strike="noStrike">
+                          <a:effectLst/>
+                        </a:rPr>
+                        <a:t>3</a:t>
+                      </a:r>
+                      <a:r>
+                        <a:rPr lang="zh-CN" altLang="en-US" sz="900" u="none" strike="noStrike">
+                          <a:effectLst/>
+                        </a:rPr>
+                        <a:t>号大巴车</a:t>
+                      </a:r>
+                      <a:endParaRPr lang="zh-CN" altLang="en-US" sz="900" b="0" i="0" u="none" strike="noStrike">
+                        <a:solidFill>
+                          <a:srgbClr val="000000"/>
+                        </a:solidFill>
+                        <a:effectLst/>
+                        <a:latin typeface="宋体" panose="02010600030101010101" pitchFamily="2" charset="-122"/>
+                        <a:ea typeface="宋体" panose="02010600030101010101" pitchFamily="2" charset="-122"/>
+                      </a:endParaRPr>
+                    </a:p>
+                  </a:txBody>
+                  <a:tcPr marL="6482" marR="6482" marT="6482" marB="0" anchor="ctr">
+                    <a:lnL w="12700" cap="flat" cmpd="sng" algn="ctr">
+                      <a:solidFill>
+                        <a:schemeClr val="tx1"/>
+                      </a:solidFill>
+                      <a:prstDash val="solid"/>
+                      <a:round/>
+                      <a:headEnd type="none" w="med" len="med"/>
+                      <a:tailEnd type="none" w="med" len="med"/>
+                    </a:lnL>
+                    <a:lnR w="12700" cap="flat" cmpd="sng" algn="ctr">
+                      <a:solidFill>
+                        <a:schemeClr val="tx1"/>
+                      </a:solidFill>
+                      <a:prstDash val="solid"/>
+                      <a:round/>
+                      <a:headEnd type="none" w="med" len="med"/>
+                      <a:tailEnd type="none" w="med" len="med"/>
+                    </a:lnR>
+                    <a:lnT w="12700" cap="flat" cmpd="sng" algn="ctr">
+                      <a:solidFill>
+                        <a:schemeClr val="tx1"/>
+                      </a:solidFill>
+                      <a:prstDash val="solid"/>
+                      <a:round/>
+                      <a:headEnd type="none" w="med" len="med"/>
+                      <a:tailEnd type="none" w="med" len="med"/>
+                    </a:lnT>
+                    <a:lnB w="12700" cap="flat" cmpd="sng" algn="ctr">
+                      <a:solidFill>
+                        <a:schemeClr val="tx1"/>
+                      </a:solidFill>
+                      <a:prstDash val="solid"/>
+                      <a:round/>
+                      <a:headEnd type="none" w="med" len="med"/>
+                      <a:tailEnd type="none" w="med" len="med"/>
+                    </a:lnB>
+                  </a:tcPr>
+                </a:tc>
+                <a:tc>
+                  <a:txBody>
+                    <a:bodyPr/>
+                    <a:lstStyle/>
+                    <a:p>
+                      <a:pPr algn="ctr" fontAlgn="ctr"/>
+                      <a:r>
+                        <a:rPr lang="en-US" altLang="zh-CN" sz="900" u="none" strike="noStrike">
+                          <a:effectLst/>
+                        </a:rPr>
+                        <a:t>21:00</a:t>
+                      </a:r>
+                      <a:r>
+                        <a:rPr lang="zh-CN" altLang="en-US" sz="900" u="none" strike="noStrike">
+                          <a:effectLst/>
+                        </a:rPr>
+                        <a:t>发车</a:t>
+                      </a:r>
+                      <a:endParaRPr lang="zh-CN" altLang="en-US" sz="900" b="0" i="0" u="none" strike="noStrike">
+                        <a:solidFill>
+                          <a:srgbClr val="000000"/>
+                        </a:solidFill>
+                        <a:effectLst/>
+                        <a:latin typeface="宋体" panose="02010600030101010101" pitchFamily="2" charset="-122"/>
+                        <a:ea typeface="宋体" panose="02010600030101010101" pitchFamily="2" charset="-122"/>
+                      </a:endParaRPr>
+                    </a:p>
+                  </a:txBody>
+                  <a:tcPr marL="6482" marR="6482" marT="6482" marB="0" anchor="ctr">
+                    <a:lnL w="12700" cap="flat" cmpd="sng" algn="ctr">
+                      <a:solidFill>
+                        <a:schemeClr val="tx1"/>
+                      </a:solidFill>
+                      <a:prstDash val="solid"/>
+                      <a:round/>
+                      <a:headEnd type="none" w="med" len="med"/>
+                      <a:tailEnd type="none" w="med" len="med"/>
+                    </a:lnL>
+                    <a:lnR w="12700" cap="flat" cmpd="sng" algn="ctr">
+                      <a:solidFill>
+                        <a:schemeClr val="tx1"/>
+                      </a:solidFill>
+                      <a:prstDash val="solid"/>
+                      <a:round/>
+                      <a:headEnd type="none" w="med" len="med"/>
+                      <a:tailEnd type="none" w="med" len="med"/>
+                    </a:lnR>
+                    <a:lnT w="12700" cap="flat" cmpd="sng" algn="ctr">
+                      <a:solidFill>
+                        <a:schemeClr val="tx1"/>
+                      </a:solidFill>
+                      <a:prstDash val="solid"/>
+                      <a:round/>
+                      <a:headEnd type="none" w="med" len="med"/>
+                      <a:tailEnd type="none" w="med" len="med"/>
+                    </a:lnT>
+                    <a:lnB w="12700" cap="flat" cmpd="sng" algn="ctr">
+                      <a:solidFill>
+                        <a:schemeClr val="tx1"/>
+                      </a:solidFill>
+                      <a:prstDash val="solid"/>
+                      <a:round/>
+                      <a:headEnd type="none" w="med" len="med"/>
+                      <a:tailEnd type="none" w="med" len="med"/>
+                    </a:lnB>
+                  </a:tcPr>
+                </a:tc>
+                <a:tc>
+                  <a:txBody>
+                    <a:bodyPr/>
+                    <a:lstStyle/>
+                    <a:p>
+                      <a:pPr algn="ctr" fontAlgn="ctr"/>
+                      <a:r>
+                        <a:rPr lang="en-US" altLang="zh-CN" sz="900" u="none" strike="noStrike">
+                          <a:effectLst/>
+                        </a:rPr>
+                        <a:t>3</a:t>
+                      </a:r>
+                      <a:r>
+                        <a:rPr lang="zh-CN" altLang="en-US" sz="900" u="none" strike="noStrike">
+                          <a:effectLst/>
+                        </a:rPr>
+                        <a:t>号大巴车</a:t>
+                      </a:r>
+                      <a:endParaRPr lang="zh-CN" altLang="en-US" sz="900" b="0" i="0" u="none" strike="noStrike">
+                        <a:solidFill>
+                          <a:srgbClr val="000000"/>
+                        </a:solidFill>
+                        <a:effectLst/>
+                        <a:latin typeface="宋体" panose="02010600030101010101" pitchFamily="2" charset="-122"/>
+                        <a:ea typeface="宋体" panose="02010600030101010101" pitchFamily="2" charset="-122"/>
+                      </a:endParaRPr>
+                    </a:p>
+                  </a:txBody>
+                  <a:tcPr marL="6482" marR="6482" marT="6482" marB="0" anchor="ctr">
+                    <a:lnL w="12700" cap="flat" cmpd="sng" algn="ctr">
+                      <a:solidFill>
+                        <a:schemeClr val="tx1"/>
+                      </a:solidFill>
+                      <a:prstDash val="solid"/>
+                      <a:round/>
+                      <a:headEnd type="none" w="med" len="med"/>
+                      <a:tailEnd type="none" w="med" len="med"/>
+                    </a:lnL>
+                    <a:lnR w="12700" cap="flat" cmpd="sng" algn="ctr">
+                      <a:solidFill>
+                        <a:schemeClr val="tx1"/>
+                      </a:solidFill>
+                      <a:prstDash val="solid"/>
+                      <a:round/>
+                      <a:headEnd type="none" w="med" len="med"/>
+                      <a:tailEnd type="none" w="med" len="med"/>
+                    </a:lnR>
+                    <a:lnT w="12700" cap="flat" cmpd="sng" algn="ctr">
+                      <a:solidFill>
+                        <a:schemeClr val="tx1"/>
+                      </a:solidFill>
+                      <a:prstDash val="solid"/>
+                      <a:round/>
+                      <a:headEnd type="none" w="med" len="med"/>
+                      <a:tailEnd type="none" w="med" len="med"/>
+                    </a:lnT>
+                    <a:lnB w="12700" cap="flat" cmpd="sng" algn="ctr">
+                      <a:solidFill>
+                        <a:schemeClr val="tx1"/>
+                      </a:solidFill>
+                      <a:prstDash val="solid"/>
+                      <a:round/>
+                      <a:headEnd type="none" w="med" len="med"/>
+                      <a:tailEnd type="none" w="med" len="med"/>
+                    </a:lnB>
+                  </a:tcPr>
+                </a:tc>
+                <a:extLst>
+                  <a:ext uri="{0D108BD9-81ED-4DB2-BD59-A6C34878D82A}">
+                    <a16:rowId xmlns:a16="http://schemas.microsoft.com/office/drawing/2014/main" val="882277227"/>
+                  </a:ext>
+                </a:extLst>
+              </a:tr>
+              <a:tr h="267401">
+                <a:tc>
+                  <a:txBody>
+                    <a:bodyPr/>
+                    <a:lstStyle/>
+                    <a:p>
+                      <a:pPr algn="ctr" fontAlgn="ctr"/>
+                      <a:r>
+                        <a:rPr lang="en-US" altLang="zh-CN" sz="900" u="none" strike="noStrike">
+                          <a:effectLst/>
+                        </a:rPr>
+                        <a:t>13</a:t>
+                      </a:r>
+                      <a:endParaRPr lang="en-US" altLang="zh-CN" sz="900" b="0" i="0" u="none" strike="noStrike">
+                        <a:solidFill>
+                          <a:srgbClr val="000000"/>
+                        </a:solidFill>
+                        <a:effectLst/>
+                        <a:latin typeface="宋体" panose="02010600030101010101" pitchFamily="2" charset="-122"/>
+                        <a:ea typeface="宋体" panose="02010600030101010101" pitchFamily="2" charset="-122"/>
+                      </a:endParaRPr>
+                    </a:p>
+                  </a:txBody>
+                  <a:tcPr marL="6482" marR="6482" marT="6482" marB="0" anchor="ctr">
+                    <a:lnL w="12700" cap="flat" cmpd="sng" algn="ctr">
+                      <a:solidFill>
+                        <a:schemeClr val="tx1"/>
+                      </a:solidFill>
+                      <a:prstDash val="solid"/>
+                      <a:round/>
+                      <a:headEnd type="none" w="med" len="med"/>
+                      <a:tailEnd type="none" w="med" len="med"/>
+                    </a:lnL>
+                    <a:lnR w="12700" cap="flat" cmpd="sng" algn="ctr">
+                      <a:solidFill>
+                        <a:schemeClr val="tx1"/>
+                      </a:solidFill>
+                      <a:prstDash val="solid"/>
+                      <a:round/>
+                      <a:headEnd type="none" w="med" len="med"/>
+                      <a:tailEnd type="none" w="med" len="med"/>
+                    </a:lnR>
+                    <a:lnT w="12700" cap="flat" cmpd="sng" algn="ctr">
+                      <a:solidFill>
+                        <a:schemeClr val="tx1"/>
+                      </a:solidFill>
+                      <a:prstDash val="solid"/>
+                      <a:round/>
+                      <a:headEnd type="none" w="med" len="med"/>
+                      <a:tailEnd type="none" w="med" len="med"/>
+                    </a:lnT>
+                    <a:lnB w="12700" cap="flat" cmpd="sng" algn="ctr">
+                      <a:solidFill>
+                        <a:schemeClr val="tx1"/>
+                      </a:solidFill>
+                      <a:prstDash val="solid"/>
+                      <a:round/>
+                      <a:headEnd type="none" w="med" len="med"/>
+                      <a:tailEnd type="none" w="med" len="med"/>
+                    </a:lnB>
+                  </a:tcPr>
+                </a:tc>
+                <a:tc>
+                  <a:txBody>
+                    <a:bodyPr/>
+                    <a:lstStyle/>
+                    <a:p>
+                      <a:pPr algn="ctr" fontAlgn="ctr"/>
+                      <a:r>
+                        <a:rPr lang="en-US" altLang="zh-CN" sz="900" u="none" strike="noStrike">
+                          <a:effectLst/>
+                        </a:rPr>
+                        <a:t>22:00</a:t>
+                      </a:r>
+                      <a:r>
+                        <a:rPr lang="zh-CN" altLang="en-US" sz="900" u="none" strike="noStrike">
+                          <a:effectLst/>
+                        </a:rPr>
+                        <a:t>发车</a:t>
+                      </a:r>
+                      <a:endParaRPr lang="zh-CN" altLang="en-US" sz="900" b="0" i="0" u="none" strike="noStrike">
+                        <a:solidFill>
+                          <a:srgbClr val="000000"/>
+                        </a:solidFill>
+                        <a:effectLst/>
+                        <a:latin typeface="宋体" panose="02010600030101010101" pitchFamily="2" charset="-122"/>
+                        <a:ea typeface="宋体" panose="02010600030101010101" pitchFamily="2" charset="-122"/>
+                      </a:endParaRPr>
+                    </a:p>
+                  </a:txBody>
+                  <a:tcPr marL="6482" marR="6482" marT="6482" marB="0" anchor="ctr">
+                    <a:lnL w="12700" cap="flat" cmpd="sng" algn="ctr">
+                      <a:solidFill>
+                        <a:schemeClr val="tx1"/>
+                      </a:solidFill>
+                      <a:prstDash val="solid"/>
+                      <a:round/>
+                      <a:headEnd type="none" w="med" len="med"/>
+                      <a:tailEnd type="none" w="med" len="med"/>
+                    </a:lnL>
+                    <a:lnR w="12700" cap="flat" cmpd="sng" algn="ctr">
+                      <a:solidFill>
+                        <a:schemeClr val="tx1"/>
+                      </a:solidFill>
+                      <a:prstDash val="solid"/>
+                      <a:round/>
+                      <a:headEnd type="none" w="med" len="med"/>
+                      <a:tailEnd type="none" w="med" len="med"/>
+                    </a:lnR>
+                    <a:lnT w="12700" cap="flat" cmpd="sng" algn="ctr">
+                      <a:solidFill>
+                        <a:schemeClr val="tx1"/>
+                      </a:solidFill>
+                      <a:prstDash val="solid"/>
+                      <a:round/>
+                      <a:headEnd type="none" w="med" len="med"/>
+                      <a:tailEnd type="none" w="med" len="med"/>
+                    </a:lnT>
+                    <a:lnB w="12700" cap="flat" cmpd="sng" algn="ctr">
+                      <a:solidFill>
+                        <a:schemeClr val="tx1"/>
+                      </a:solidFill>
+                      <a:prstDash val="solid"/>
+                      <a:round/>
+                      <a:headEnd type="none" w="med" len="med"/>
+                      <a:tailEnd type="none" w="med" len="med"/>
+                    </a:lnB>
+                  </a:tcPr>
+                </a:tc>
+                <a:tc>
+                  <a:txBody>
+                    <a:bodyPr/>
+                    <a:lstStyle/>
+                    <a:p>
+                      <a:pPr algn="ctr" fontAlgn="ctr"/>
+                      <a:r>
+                        <a:rPr lang="en-US" altLang="zh-CN" sz="900" u="none" strike="noStrike">
+                          <a:effectLst/>
+                        </a:rPr>
+                        <a:t>1</a:t>
+                      </a:r>
+                      <a:r>
+                        <a:rPr lang="zh-CN" altLang="en-US" sz="900" u="none" strike="noStrike">
+                          <a:effectLst/>
+                        </a:rPr>
+                        <a:t>号大巴车</a:t>
+                      </a:r>
+                      <a:endParaRPr lang="zh-CN" altLang="en-US" sz="900" b="0" i="0" u="none" strike="noStrike">
+                        <a:solidFill>
+                          <a:srgbClr val="000000"/>
+                        </a:solidFill>
+                        <a:effectLst/>
+                        <a:latin typeface="宋体" panose="02010600030101010101" pitchFamily="2" charset="-122"/>
+                        <a:ea typeface="宋体" panose="02010600030101010101" pitchFamily="2" charset="-122"/>
+                      </a:endParaRPr>
+                    </a:p>
+                  </a:txBody>
+                  <a:tcPr marL="6482" marR="6482" marT="6482" marB="0" anchor="ctr">
+                    <a:lnL w="12700" cap="flat" cmpd="sng" algn="ctr">
+                      <a:solidFill>
+                        <a:schemeClr val="tx1"/>
+                      </a:solidFill>
+                      <a:prstDash val="solid"/>
+                      <a:round/>
+                      <a:headEnd type="none" w="med" len="med"/>
+                      <a:tailEnd type="none" w="med" len="med"/>
+                    </a:lnL>
+                    <a:lnR w="12700" cap="flat" cmpd="sng" algn="ctr">
+                      <a:solidFill>
+                        <a:schemeClr val="tx1"/>
+                      </a:solidFill>
+                      <a:prstDash val="solid"/>
+                      <a:round/>
+                      <a:headEnd type="none" w="med" len="med"/>
+                      <a:tailEnd type="none" w="med" len="med"/>
+                    </a:lnR>
+                    <a:lnT w="12700" cap="flat" cmpd="sng" algn="ctr">
+                      <a:solidFill>
+                        <a:schemeClr val="tx1"/>
+                      </a:solidFill>
+                      <a:prstDash val="solid"/>
+                      <a:round/>
+                      <a:headEnd type="none" w="med" len="med"/>
+                      <a:tailEnd type="none" w="med" len="med"/>
+                    </a:lnT>
+                    <a:lnB w="12700" cap="flat" cmpd="sng" algn="ctr">
+                      <a:solidFill>
+                        <a:schemeClr val="tx1"/>
+                      </a:solidFill>
+                      <a:prstDash val="solid"/>
+                      <a:round/>
+                      <a:headEnd type="none" w="med" len="med"/>
+                      <a:tailEnd type="none" w="med" len="med"/>
+                    </a:lnB>
+                  </a:tcPr>
+                </a:tc>
+                <a:tc>
+                  <a:txBody>
+                    <a:bodyPr/>
+                    <a:lstStyle/>
+                    <a:p>
+                      <a:pPr algn="ctr" fontAlgn="ctr"/>
+                      <a:r>
+                        <a:rPr lang="en-US" altLang="zh-CN" sz="900" u="none" strike="noStrike">
+                          <a:effectLst/>
+                        </a:rPr>
+                        <a:t>22:00</a:t>
+                      </a:r>
+                      <a:r>
+                        <a:rPr lang="zh-CN" altLang="en-US" sz="900" u="none" strike="noStrike">
+                          <a:effectLst/>
+                        </a:rPr>
+                        <a:t>发车</a:t>
+                      </a:r>
+                      <a:endParaRPr lang="zh-CN" altLang="en-US" sz="900" b="0" i="0" u="none" strike="noStrike">
+                        <a:solidFill>
+                          <a:srgbClr val="000000"/>
+                        </a:solidFill>
+                        <a:effectLst/>
+                        <a:latin typeface="宋体" panose="02010600030101010101" pitchFamily="2" charset="-122"/>
+                        <a:ea typeface="宋体" panose="02010600030101010101" pitchFamily="2" charset="-122"/>
+                      </a:endParaRPr>
+                    </a:p>
+                  </a:txBody>
+                  <a:tcPr marL="6482" marR="6482" marT="6482" marB="0" anchor="ctr">
+                    <a:lnL w="12700" cap="flat" cmpd="sng" algn="ctr">
+                      <a:solidFill>
+                        <a:schemeClr val="tx1"/>
+                      </a:solidFill>
+                      <a:prstDash val="solid"/>
+                      <a:round/>
+                      <a:headEnd type="none" w="med" len="med"/>
+                      <a:tailEnd type="none" w="med" len="med"/>
+                    </a:lnL>
+                    <a:lnR w="12700" cap="flat" cmpd="sng" algn="ctr">
+                      <a:solidFill>
+                        <a:schemeClr val="tx1"/>
+                      </a:solidFill>
+                      <a:prstDash val="solid"/>
+                      <a:round/>
+                      <a:headEnd type="none" w="med" len="med"/>
+                      <a:tailEnd type="none" w="med" len="med"/>
+                    </a:lnR>
+                    <a:lnT w="12700" cap="flat" cmpd="sng" algn="ctr">
+                      <a:solidFill>
+                        <a:schemeClr val="tx1"/>
+                      </a:solidFill>
+                      <a:prstDash val="solid"/>
+                      <a:round/>
+                      <a:headEnd type="none" w="med" len="med"/>
+                      <a:tailEnd type="none" w="med" len="med"/>
+                    </a:lnT>
+                    <a:lnB w="12700" cap="flat" cmpd="sng" algn="ctr">
+                      <a:solidFill>
+                        <a:schemeClr val="tx1"/>
+                      </a:solidFill>
+                      <a:prstDash val="solid"/>
+                      <a:round/>
+                      <a:headEnd type="none" w="med" len="med"/>
+                      <a:tailEnd type="none" w="med" len="med"/>
+                    </a:lnB>
+                  </a:tcPr>
+                </a:tc>
+                <a:tc>
+                  <a:txBody>
+                    <a:bodyPr/>
+                    <a:lstStyle/>
+                    <a:p>
+                      <a:pPr algn="ctr" fontAlgn="ctr"/>
+                      <a:r>
+                        <a:rPr lang="en-US" altLang="zh-CN" sz="900" u="none" strike="noStrike" dirty="0">
+                          <a:effectLst/>
+                        </a:rPr>
+                        <a:t>1</a:t>
+                      </a:r>
+                      <a:r>
+                        <a:rPr lang="zh-CN" altLang="en-US" sz="900" u="none" strike="noStrike" dirty="0">
+                          <a:effectLst/>
+                        </a:rPr>
+                        <a:t>号大巴车</a:t>
+                      </a:r>
+                      <a:endParaRPr lang="zh-CN" altLang="en-US" sz="900" b="0" i="0" u="none" strike="noStrike" dirty="0">
+                        <a:solidFill>
+                          <a:srgbClr val="000000"/>
+                        </a:solidFill>
+                        <a:effectLst/>
+                        <a:latin typeface="宋体" panose="02010600030101010101" pitchFamily="2" charset="-122"/>
+                        <a:ea typeface="宋体" panose="02010600030101010101" pitchFamily="2" charset="-122"/>
+                      </a:endParaRPr>
+                    </a:p>
+                  </a:txBody>
+                  <a:tcPr marL="6482" marR="6482" marT="6482" marB="0" anchor="ctr">
+                    <a:lnL w="12700" cap="flat" cmpd="sng" algn="ctr">
+                      <a:solidFill>
+                        <a:schemeClr val="tx1"/>
+                      </a:solidFill>
+                      <a:prstDash val="solid"/>
+                      <a:round/>
+                      <a:headEnd type="none" w="med" len="med"/>
+                      <a:tailEnd type="none" w="med" len="med"/>
+                    </a:lnL>
+                    <a:lnR w="12700" cap="flat" cmpd="sng" algn="ctr">
+                      <a:solidFill>
+                        <a:schemeClr val="tx1"/>
+                      </a:solidFill>
+                      <a:prstDash val="solid"/>
+                      <a:round/>
+                      <a:headEnd type="none" w="med" len="med"/>
+                      <a:tailEnd type="none" w="med" len="med"/>
+                    </a:lnR>
+                    <a:lnT w="12700" cap="flat" cmpd="sng" algn="ctr">
+                      <a:solidFill>
+                        <a:schemeClr val="tx1"/>
+                      </a:solidFill>
+                      <a:prstDash val="solid"/>
+                      <a:round/>
+                      <a:headEnd type="none" w="med" len="med"/>
+                      <a:tailEnd type="none" w="med" len="med"/>
+                    </a:lnT>
+                    <a:lnB w="12700" cap="flat" cmpd="sng" algn="ctr">
+                      <a:solidFill>
+                        <a:schemeClr val="tx1"/>
+                      </a:solidFill>
+                      <a:prstDash val="solid"/>
+                      <a:round/>
+                      <a:headEnd type="none" w="med" len="med"/>
+                      <a:tailEnd type="none" w="med" len="med"/>
+                    </a:lnB>
+                  </a:tcPr>
+                </a:tc>
+                <a:extLst>
+                  <a:ext uri="{0D108BD9-81ED-4DB2-BD59-A6C34878D82A}">
+                    <a16:rowId xmlns:a16="http://schemas.microsoft.com/office/drawing/2014/main" val="3286715639"/>
+                  </a:ext>
+                </a:extLst>
+              </a:tr>
+            </a:tbl>
+          </a:graphicData>
+        </a:graphic>
+      </p:graphicFrame>
+    </p:spTree>
+    <p:extLst>
+      <p:ext uri="{BB962C8B-B14F-4D97-AF65-F5344CB8AC3E}">
+        <p14:creationId xmlns:p14="http://schemas.microsoft.com/office/powerpoint/2010/main" val="1166143950"/>
+      </p:ext>
+    </p:extLst>
+  </p:cSld>
+  <p:clrMapOvr>
+    <a:masterClrMapping/>
+  </p:clrMapOvr>
+</p:sld>
+</file>
+
 <file path=ppt/theme/theme1.xml><?xml version="1.0" encoding="utf-8"?>
 <a:theme xmlns:a="http://schemas.openxmlformats.org/drawingml/2006/main" name="Office 主题​​">
   <a:themeElements>
